--- a/Presentation.pptx
+++ b/Presentation.pptx
@@ -3,26 +3,30 @@
 <p:presentation xmlns:a="http://schemas.openxmlformats.org/drawingml/2006/main" xmlns:r="http://schemas.openxmlformats.org/officeDocument/2006/relationships" xmlns:p="http://schemas.openxmlformats.org/presentationml/2006/main" saveSubsetFonts="1">
   <p:sldMasterIdLst>
     <p:sldMasterId id="2147483648" r:id="rId1"/>
+    <p:sldMasterId id="2147483661" r:id="rId2"/>
   </p:sldMasterIdLst>
   <p:notesMasterIdLst>
-    <p:notesMasterId r:id="rId14"/>
+    <p:notesMasterId r:id="rId18"/>
   </p:notesMasterIdLst>
   <p:handoutMasterIdLst>
-    <p:handoutMasterId r:id="rId15"/>
+    <p:handoutMasterId r:id="rId19"/>
   </p:handoutMasterIdLst>
   <p:sldIdLst>
-    <p:sldId id="280" r:id="rId2"/>
-    <p:sldId id="276" r:id="rId3"/>
-    <p:sldId id="281" r:id="rId4"/>
-    <p:sldId id="291" r:id="rId5"/>
-    <p:sldId id="282" r:id="rId6"/>
-    <p:sldId id="287" r:id="rId7"/>
-    <p:sldId id="283" r:id="rId8"/>
-    <p:sldId id="284" r:id="rId9"/>
-    <p:sldId id="285" r:id="rId10"/>
-    <p:sldId id="288" r:id="rId11"/>
-    <p:sldId id="289" r:id="rId12"/>
-    <p:sldId id="290" r:id="rId13"/>
+    <p:sldId id="325" r:id="rId3"/>
+    <p:sldId id="276" r:id="rId4"/>
+    <p:sldId id="330" r:id="rId5"/>
+    <p:sldId id="342" r:id="rId6"/>
+    <p:sldId id="326" r:id="rId7"/>
+    <p:sldId id="328" r:id="rId8"/>
+    <p:sldId id="339" r:id="rId9"/>
+    <p:sldId id="333" r:id="rId10"/>
+    <p:sldId id="334" r:id="rId11"/>
+    <p:sldId id="335" r:id="rId12"/>
+    <p:sldId id="336" r:id="rId13"/>
+    <p:sldId id="332" r:id="rId14"/>
+    <p:sldId id="337" r:id="rId15"/>
+    <p:sldId id="340" r:id="rId16"/>
+    <p:sldId id="341" r:id="rId17"/>
   </p:sldIdLst>
   <p:sldSz cx="9144000" cy="5715000" type="screen16x10"/>
   <p:notesSz cx="6858000" cy="9144000"/>
@@ -237,7 +241,7 @@
             <a:fld id="{2280EABA-BA46-4977-A468-5BA52A04D625}" type="datetimeFigureOut">
               <a:rPr lang="en-US" smtClean="0"/>
               <a:pPr/>
-              <a:t>4/8/2015</a:t>
+              <a:t>4/9/2015</a:t>
             </a:fld>
             <a:endParaRPr lang="en-US"/>
           </a:p>
@@ -404,7 +408,7 @@
             <a:fld id="{D9A4A4D6-0EB0-423B-8417-AC0C87E5E672}" type="datetimeFigureOut">
               <a:rPr lang="en-ZA" smtClean="0"/>
               <a:pPr/>
-              <a:t>2015/04/08</a:t>
+              <a:t>2015/04/09</a:t>
             </a:fld>
             <a:endParaRPr lang="en-ZA"/>
           </a:p>
@@ -717,14 +721,6 @@
           <a:bodyPr/>
           <a:lstStyle/>
           <a:p>
-            <a:r>
-              <a:rPr lang="en-ZA" dirty="0" smtClean="0"/>
-              <a:t>Rules outlive</a:t>
-            </a:r>
-            <a:r>
-              <a:rPr lang="en-ZA" baseline="0" dirty="0" smtClean="0"/>
-              <a:t> developers</a:t>
-            </a:r>
             <a:endParaRPr lang="en-ZA" dirty="0"/>
           </a:p>
         </p:txBody>
@@ -747,7 +743,7 @@
             <a:fld id="{AABF9108-921F-4578-B50F-196EC54E7AE6}" type="slidenum">
               <a:rPr lang="en-ZA" smtClean="0"/>
               <a:pPr/>
-              <a:t>3</a:t>
+              <a:t>1</a:t>
             </a:fld>
             <a:endParaRPr lang="en-ZA"/>
           </a:p>
@@ -756,7 +752,540 @@
     </p:spTree>
     <p:extLst>
       <p:ext uri="{BB962C8B-B14F-4D97-AF65-F5344CB8AC3E}">
-        <p14:creationId xmlns:p14="http://schemas.microsoft.com/office/powerpoint/2010/main" val="1253880065"/>
+        <p14:creationId xmlns:p14="http://schemas.microsoft.com/office/powerpoint/2010/main" val="1132651197"/>
+      </p:ext>
+    </p:extLst>
+  </p:cSld>
+  <p:clrMapOvr>
+    <a:masterClrMapping/>
+  </p:clrMapOvr>
+</p:notes>
+</file>
+
+<file path=ppt/notesSlides/notesSlide10.xml><?xml version="1.0" encoding="utf-8"?>
+<p:notes xmlns:a="http://schemas.openxmlformats.org/drawingml/2006/main" xmlns:r="http://schemas.openxmlformats.org/officeDocument/2006/relationships" xmlns:p="http://schemas.openxmlformats.org/presentationml/2006/main">
+  <p:cSld>
+    <p:spTree>
+      <p:nvGrpSpPr>
+        <p:cNvPr id="1" name=""/>
+        <p:cNvGrpSpPr/>
+        <p:nvPr/>
+      </p:nvGrpSpPr>
+      <p:grpSpPr>
+        <a:xfrm>
+          <a:off x="0" y="0"/>
+          <a:ext cx="0" cy="0"/>
+          <a:chOff x="0" y="0"/>
+          <a:chExt cx="0" cy="0"/>
+        </a:xfrm>
+      </p:grpSpPr>
+      <p:sp>
+        <p:nvSpPr>
+          <p:cNvPr id="2" name="Slide Image Placeholder 1"/>
+          <p:cNvSpPr>
+            <a:spLocks noGrp="1" noRot="1" noChangeAspect="1"/>
+          </p:cNvSpPr>
+          <p:nvPr>
+            <p:ph type="sldImg"/>
+          </p:nvPr>
+        </p:nvSpPr>
+        <p:spPr/>
+      </p:sp>
+      <p:sp>
+        <p:nvSpPr>
+          <p:cNvPr id="3" name="Notes Placeholder 2"/>
+          <p:cNvSpPr>
+            <a:spLocks noGrp="1"/>
+          </p:cNvSpPr>
+          <p:nvPr>
+            <p:ph type="body" idx="1"/>
+          </p:nvPr>
+        </p:nvSpPr>
+        <p:spPr/>
+        <p:txBody>
+          <a:bodyPr/>
+          <a:lstStyle/>
+          <a:p>
+            <a:r>
+              <a:rPr lang="en-ZA" sz="1200" b="0" i="0" kern="1200" dirty="0" smtClean="0">
+                <a:solidFill>
+                  <a:schemeClr val="tx1"/>
+                </a:solidFill>
+                <a:effectLst/>
+                <a:latin typeface="+mn-lt"/>
+                <a:ea typeface="+mn-ea"/>
+                <a:cs typeface="+mn-cs"/>
+              </a:rPr>
+              <a:t>An aggregate is made up of two main parts namely a boundary and a root.</a:t>
+            </a:r>
+          </a:p>
+        </p:txBody>
+      </p:sp>
+      <p:sp>
+        <p:nvSpPr>
+          <p:cNvPr id="4" name="Slide Number Placeholder 3"/>
+          <p:cNvSpPr>
+            <a:spLocks noGrp="1"/>
+          </p:cNvSpPr>
+          <p:nvPr>
+            <p:ph type="sldNum" sz="quarter" idx="10"/>
+          </p:nvPr>
+        </p:nvSpPr>
+        <p:spPr/>
+        <p:txBody>
+          <a:bodyPr/>
+          <a:lstStyle/>
+          <a:p>
+            <a:fld id="{AABF9108-921F-4578-B50F-196EC54E7AE6}" type="slidenum">
+              <a:rPr lang="en-ZA" smtClean="0"/>
+              <a:pPr/>
+              <a:t>10</a:t>
+            </a:fld>
+            <a:endParaRPr lang="en-ZA"/>
+          </a:p>
+        </p:txBody>
+      </p:sp>
+    </p:spTree>
+    <p:extLst>
+      <p:ext uri="{BB962C8B-B14F-4D97-AF65-F5344CB8AC3E}">
+        <p14:creationId xmlns:p14="http://schemas.microsoft.com/office/powerpoint/2010/main" val="111477575"/>
+      </p:ext>
+    </p:extLst>
+  </p:cSld>
+  <p:clrMapOvr>
+    <a:masterClrMapping/>
+  </p:clrMapOvr>
+</p:notes>
+</file>
+
+<file path=ppt/notesSlides/notesSlide11.xml><?xml version="1.0" encoding="utf-8"?>
+<p:notes xmlns:a="http://schemas.openxmlformats.org/drawingml/2006/main" xmlns:r="http://schemas.openxmlformats.org/officeDocument/2006/relationships" xmlns:p="http://schemas.openxmlformats.org/presentationml/2006/main">
+  <p:cSld>
+    <p:spTree>
+      <p:nvGrpSpPr>
+        <p:cNvPr id="1" name=""/>
+        <p:cNvGrpSpPr/>
+        <p:nvPr/>
+      </p:nvGrpSpPr>
+      <p:grpSpPr>
+        <a:xfrm>
+          <a:off x="0" y="0"/>
+          <a:ext cx="0" cy="0"/>
+          <a:chOff x="0" y="0"/>
+          <a:chExt cx="0" cy="0"/>
+        </a:xfrm>
+      </p:grpSpPr>
+      <p:sp>
+        <p:nvSpPr>
+          <p:cNvPr id="2" name="Slide Image Placeholder 1"/>
+          <p:cNvSpPr>
+            <a:spLocks noGrp="1" noRot="1" noChangeAspect="1"/>
+          </p:cNvSpPr>
+          <p:nvPr>
+            <p:ph type="sldImg"/>
+          </p:nvPr>
+        </p:nvSpPr>
+        <p:spPr/>
+      </p:sp>
+      <p:sp>
+        <p:nvSpPr>
+          <p:cNvPr id="3" name="Notes Placeholder 2"/>
+          <p:cNvSpPr>
+            <a:spLocks noGrp="1"/>
+          </p:cNvSpPr>
+          <p:nvPr>
+            <p:ph type="body" idx="1"/>
+          </p:nvPr>
+        </p:nvSpPr>
+        <p:spPr/>
+        <p:txBody>
+          <a:bodyPr/>
+          <a:lstStyle/>
+          <a:p>
+            <a:endParaRPr lang="en-ZA" sz="1200" b="0" i="0" kern="1200" dirty="0" smtClean="0">
+              <a:solidFill>
+                <a:schemeClr val="tx1"/>
+              </a:solidFill>
+              <a:effectLst/>
+              <a:latin typeface="+mn-lt"/>
+              <a:ea typeface="+mn-ea"/>
+              <a:cs typeface="+mn-cs"/>
+            </a:endParaRPr>
+          </a:p>
+          <a:p>
+            <a:r>
+              <a:rPr lang="en-ZA" sz="1200" b="0" i="0" kern="1200" dirty="0" smtClean="0">
+                <a:solidFill>
+                  <a:schemeClr val="tx1"/>
+                </a:solidFill>
+                <a:effectLst/>
+                <a:latin typeface="+mn-lt"/>
+                <a:ea typeface="+mn-ea"/>
+                <a:cs typeface="+mn-cs"/>
+              </a:rPr>
+              <a:t>The boundary(B on the image) defines the contents of the aggregate. It is also the barrier between the aggregate contents and the rest of the application. Nothing outside the boundary can keep a reference to anything inside the boundary.</a:t>
+            </a:r>
+          </a:p>
+          <a:p>
+            <a:endParaRPr lang="en-ZA" sz="1200" b="0" i="0" kern="1200" dirty="0" smtClean="0">
+              <a:solidFill>
+                <a:schemeClr val="tx1"/>
+              </a:solidFill>
+              <a:effectLst/>
+              <a:latin typeface="+mn-lt"/>
+              <a:ea typeface="+mn-ea"/>
+              <a:cs typeface="+mn-cs"/>
+            </a:endParaRPr>
+          </a:p>
+          <a:p>
+            <a:r>
+              <a:rPr lang="en-ZA" sz="1200" b="0" i="0" kern="1200" dirty="0" smtClean="0">
+                <a:solidFill>
+                  <a:schemeClr val="tx1"/>
+                </a:solidFill>
+                <a:effectLst/>
+                <a:latin typeface="+mn-lt"/>
+                <a:ea typeface="+mn-ea"/>
+                <a:cs typeface="+mn-cs"/>
+              </a:rPr>
+              <a:t>The Aggregate Root (AR on the image) provides access to the aggregate contents. We ask</a:t>
+            </a:r>
+            <a:r>
+              <a:rPr lang="en-ZA" sz="1200" b="0" i="0" kern="1200" baseline="0" dirty="0" smtClean="0">
+                <a:solidFill>
+                  <a:schemeClr val="tx1"/>
+                </a:solidFill>
+                <a:effectLst/>
+                <a:latin typeface="+mn-lt"/>
+                <a:ea typeface="+mn-ea"/>
+                <a:cs typeface="+mn-cs"/>
+              </a:rPr>
+              <a:t> the aggregate to do work for us.</a:t>
+            </a:r>
+          </a:p>
+          <a:p>
+            <a:endParaRPr lang="en-ZA" sz="1200" b="0" i="0" kern="1200" baseline="0" dirty="0" smtClean="0">
+              <a:solidFill>
+                <a:schemeClr val="tx1"/>
+              </a:solidFill>
+              <a:effectLst/>
+              <a:latin typeface="+mn-lt"/>
+              <a:ea typeface="+mn-ea"/>
+              <a:cs typeface="+mn-cs"/>
+            </a:endParaRPr>
+          </a:p>
+          <a:p>
+            <a:r>
+              <a:rPr lang="en-ZA" sz="1200" b="0" i="0" kern="1200" baseline="0" dirty="0" smtClean="0">
+                <a:solidFill>
+                  <a:schemeClr val="tx1"/>
+                </a:solidFill>
+                <a:effectLst/>
+                <a:latin typeface="+mn-lt"/>
+                <a:ea typeface="+mn-ea"/>
+                <a:cs typeface="+mn-cs"/>
+              </a:rPr>
+              <a:t>We either make a new aggregate, from another aggregate or a factory. Or get a valid aggregate from a Repository</a:t>
+            </a:r>
+          </a:p>
+          <a:p>
+            <a:endParaRPr lang="en-US" sz="1200" b="0" i="0" kern="1200" baseline="0" dirty="0" smtClean="0">
+              <a:solidFill>
+                <a:schemeClr val="tx1"/>
+              </a:solidFill>
+              <a:effectLst/>
+              <a:latin typeface="+mn-lt"/>
+              <a:ea typeface="+mn-ea"/>
+              <a:cs typeface="+mn-cs"/>
+            </a:endParaRPr>
+          </a:p>
+          <a:p>
+            <a:r>
+              <a:rPr lang="en-US" sz="1200" b="0" i="0" kern="1200" baseline="0" dirty="0" smtClean="0">
+                <a:solidFill>
+                  <a:schemeClr val="tx1"/>
+                </a:solidFill>
+                <a:effectLst/>
+                <a:latin typeface="+mn-lt"/>
+                <a:ea typeface="+mn-ea"/>
+                <a:cs typeface="+mn-cs"/>
+              </a:rPr>
+              <a:t>Synthetic vs natural aggregate</a:t>
+            </a:r>
+          </a:p>
+          <a:p>
+            <a:endParaRPr lang="en-US" sz="1200" b="0" i="0" kern="1200" baseline="0" dirty="0" smtClean="0">
+              <a:solidFill>
+                <a:schemeClr val="tx1"/>
+              </a:solidFill>
+              <a:effectLst/>
+              <a:latin typeface="+mn-lt"/>
+              <a:ea typeface="+mn-ea"/>
+              <a:cs typeface="+mn-cs"/>
+            </a:endParaRPr>
+          </a:p>
+          <a:p>
+            <a:r>
+              <a:rPr lang="en-US" sz="1200" b="0" i="0" kern="1200" baseline="0" dirty="0" smtClean="0">
+                <a:solidFill>
+                  <a:schemeClr val="tx1"/>
+                </a:solidFill>
+                <a:effectLst/>
+                <a:latin typeface="+mn-lt"/>
+                <a:ea typeface="+mn-ea"/>
+                <a:cs typeface="+mn-cs"/>
+              </a:rPr>
+              <a:t>Referencing outside of aggregate is a bad idea.</a:t>
+            </a:r>
+            <a:endParaRPr lang="en-ZA" dirty="0"/>
+          </a:p>
+        </p:txBody>
+      </p:sp>
+      <p:sp>
+        <p:nvSpPr>
+          <p:cNvPr id="4" name="Slide Number Placeholder 3"/>
+          <p:cNvSpPr>
+            <a:spLocks noGrp="1"/>
+          </p:cNvSpPr>
+          <p:nvPr>
+            <p:ph type="sldNum" sz="quarter" idx="10"/>
+          </p:nvPr>
+        </p:nvSpPr>
+        <p:spPr/>
+        <p:txBody>
+          <a:bodyPr/>
+          <a:lstStyle/>
+          <a:p>
+            <a:fld id="{AABF9108-921F-4578-B50F-196EC54E7AE6}" type="slidenum">
+              <a:rPr lang="en-ZA" smtClean="0"/>
+              <a:pPr/>
+              <a:t>11</a:t>
+            </a:fld>
+            <a:endParaRPr lang="en-ZA"/>
+          </a:p>
+        </p:txBody>
+      </p:sp>
+    </p:spTree>
+    <p:extLst>
+      <p:ext uri="{BB962C8B-B14F-4D97-AF65-F5344CB8AC3E}">
+        <p14:creationId xmlns:p14="http://schemas.microsoft.com/office/powerpoint/2010/main" val="1828613864"/>
+      </p:ext>
+    </p:extLst>
+  </p:cSld>
+  <p:clrMapOvr>
+    <a:masterClrMapping/>
+  </p:clrMapOvr>
+</p:notes>
+</file>
+
+<file path=ppt/notesSlides/notesSlide12.xml><?xml version="1.0" encoding="utf-8"?>
+<p:notes xmlns:a="http://schemas.openxmlformats.org/drawingml/2006/main" xmlns:r="http://schemas.openxmlformats.org/officeDocument/2006/relationships" xmlns:p="http://schemas.openxmlformats.org/presentationml/2006/main">
+  <p:cSld>
+    <p:spTree>
+      <p:nvGrpSpPr>
+        <p:cNvPr id="1" name=""/>
+        <p:cNvGrpSpPr/>
+        <p:nvPr/>
+      </p:nvGrpSpPr>
+      <p:grpSpPr>
+        <a:xfrm>
+          <a:off x="0" y="0"/>
+          <a:ext cx="0" cy="0"/>
+          <a:chOff x="0" y="0"/>
+          <a:chExt cx="0" cy="0"/>
+        </a:xfrm>
+      </p:grpSpPr>
+      <p:sp>
+        <p:nvSpPr>
+          <p:cNvPr id="2" name="Slide Image Placeholder 1"/>
+          <p:cNvSpPr>
+            <a:spLocks noGrp="1" noRot="1" noChangeAspect="1"/>
+          </p:cNvSpPr>
+          <p:nvPr>
+            <p:ph type="sldImg"/>
+          </p:nvPr>
+        </p:nvSpPr>
+        <p:spPr/>
+      </p:sp>
+      <p:sp>
+        <p:nvSpPr>
+          <p:cNvPr id="3" name="Notes Placeholder 2"/>
+          <p:cNvSpPr>
+            <a:spLocks noGrp="1"/>
+          </p:cNvSpPr>
+          <p:nvPr>
+            <p:ph type="body" idx="1"/>
+          </p:nvPr>
+        </p:nvSpPr>
+        <p:spPr/>
+        <p:txBody>
+          <a:bodyPr/>
+          <a:lstStyle/>
+          <a:p>
+            <a:r>
+              <a:rPr lang="en-ZA" dirty="0" smtClean="0"/>
+              <a:t>The reason for this boundary is to highlight that</a:t>
+            </a:r>
+            <a:r>
+              <a:rPr lang="en-ZA" baseline="0" dirty="0" smtClean="0"/>
+              <a:t> every use of a given domain term, phrase or sentence (The U L) inside the boundary has a specific contextual meaning.</a:t>
+            </a:r>
+          </a:p>
+          <a:p>
+            <a:endParaRPr lang="en-US" baseline="0" dirty="0" smtClean="0"/>
+          </a:p>
+          <a:p>
+            <a:r>
+              <a:rPr lang="en-US" baseline="0" dirty="0" smtClean="0"/>
+              <a:t>The bounded context is a collection of aggregate roots.</a:t>
+            </a:r>
+          </a:p>
+          <a:p>
+            <a:endParaRPr lang="en-US" dirty="0" smtClean="0"/>
+          </a:p>
+          <a:p>
+            <a:r>
+              <a:rPr lang="en-US" dirty="0" smtClean="0"/>
+              <a:t>Isolate the implementation of the problem domain from all other aspects of the application, with the domain being responsible for all decisions in the software.</a:t>
+            </a:r>
+          </a:p>
+          <a:p>
+            <a:endParaRPr lang="en-ZA" dirty="0"/>
+          </a:p>
+        </p:txBody>
+      </p:sp>
+      <p:sp>
+        <p:nvSpPr>
+          <p:cNvPr id="4" name="Slide Number Placeholder 3"/>
+          <p:cNvSpPr>
+            <a:spLocks noGrp="1"/>
+          </p:cNvSpPr>
+          <p:nvPr>
+            <p:ph type="sldNum" sz="quarter" idx="10"/>
+          </p:nvPr>
+        </p:nvSpPr>
+        <p:spPr/>
+        <p:txBody>
+          <a:bodyPr/>
+          <a:lstStyle/>
+          <a:p>
+            <a:fld id="{AABF9108-921F-4578-B50F-196EC54E7AE6}" type="slidenum">
+              <a:rPr lang="en-ZA" smtClean="0"/>
+              <a:pPr/>
+              <a:t>12</a:t>
+            </a:fld>
+            <a:endParaRPr lang="en-ZA"/>
+          </a:p>
+        </p:txBody>
+      </p:sp>
+    </p:spTree>
+    <p:extLst>
+      <p:ext uri="{BB962C8B-B14F-4D97-AF65-F5344CB8AC3E}">
+        <p14:creationId xmlns:p14="http://schemas.microsoft.com/office/powerpoint/2010/main" val="2818561495"/>
+      </p:ext>
+    </p:extLst>
+  </p:cSld>
+  <p:clrMapOvr>
+    <a:masterClrMapping/>
+  </p:clrMapOvr>
+</p:notes>
+</file>
+
+<file path=ppt/notesSlides/notesSlide13.xml><?xml version="1.0" encoding="utf-8"?>
+<p:notes xmlns:a="http://schemas.openxmlformats.org/drawingml/2006/main" xmlns:r="http://schemas.openxmlformats.org/officeDocument/2006/relationships" xmlns:p="http://schemas.openxmlformats.org/presentationml/2006/main">
+  <p:cSld>
+    <p:spTree>
+      <p:nvGrpSpPr>
+        <p:cNvPr id="1" name=""/>
+        <p:cNvGrpSpPr/>
+        <p:nvPr/>
+      </p:nvGrpSpPr>
+      <p:grpSpPr>
+        <a:xfrm>
+          <a:off x="0" y="0"/>
+          <a:ext cx="0" cy="0"/>
+          <a:chOff x="0" y="0"/>
+          <a:chExt cx="0" cy="0"/>
+        </a:xfrm>
+      </p:grpSpPr>
+      <p:sp>
+        <p:nvSpPr>
+          <p:cNvPr id="2" name="Slide Image Placeholder 1"/>
+          <p:cNvSpPr>
+            <a:spLocks noGrp="1" noRot="1" noChangeAspect="1"/>
+          </p:cNvSpPr>
+          <p:nvPr>
+            <p:ph type="sldImg"/>
+          </p:nvPr>
+        </p:nvSpPr>
+        <p:spPr/>
+      </p:sp>
+      <p:sp>
+        <p:nvSpPr>
+          <p:cNvPr id="3" name="Notes Placeholder 2"/>
+          <p:cNvSpPr>
+            <a:spLocks noGrp="1"/>
+          </p:cNvSpPr>
+          <p:nvPr>
+            <p:ph type="body" idx="1"/>
+          </p:nvPr>
+        </p:nvSpPr>
+        <p:spPr/>
+        <p:txBody>
+          <a:bodyPr/>
+          <a:lstStyle/>
+          <a:p>
+            <a:r>
+              <a:rPr lang="en-US" dirty="0" smtClean="0"/>
+              <a:t>“A good</a:t>
+            </a:r>
+            <a:r>
+              <a:rPr lang="en-US" baseline="0" dirty="0" smtClean="0"/>
+              <a:t> architecture allows you to defer framework decisions. A good architecture allows frameworks to act as plugins to the application.” –Uncle Bob</a:t>
+            </a:r>
+          </a:p>
+          <a:p>
+            <a:endParaRPr lang="en-US" baseline="0" dirty="0" smtClean="0"/>
+          </a:p>
+          <a:p>
+            <a:r>
+              <a:rPr lang="en-US" baseline="0" dirty="0" smtClean="0"/>
+              <a:t>Even your tests are a plugin to the application, a completely separate consumer.</a:t>
+            </a:r>
+          </a:p>
+          <a:p>
+            <a:endParaRPr lang="en-ZA" dirty="0"/>
+          </a:p>
+        </p:txBody>
+      </p:sp>
+      <p:sp>
+        <p:nvSpPr>
+          <p:cNvPr id="4" name="Slide Number Placeholder 3"/>
+          <p:cNvSpPr>
+            <a:spLocks noGrp="1"/>
+          </p:cNvSpPr>
+          <p:nvPr>
+            <p:ph type="sldNum" sz="quarter" idx="10"/>
+          </p:nvPr>
+        </p:nvSpPr>
+        <p:spPr/>
+        <p:txBody>
+          <a:bodyPr/>
+          <a:lstStyle/>
+          <a:p>
+            <a:fld id="{AABF9108-921F-4578-B50F-196EC54E7AE6}" type="slidenum">
+              <a:rPr lang="en-ZA" smtClean="0"/>
+              <a:pPr/>
+              <a:t>13</a:t>
+            </a:fld>
+            <a:endParaRPr lang="en-ZA"/>
+          </a:p>
+        </p:txBody>
+      </p:sp>
+    </p:spTree>
+    <p:extLst>
+      <p:ext uri="{BB962C8B-B14F-4D97-AF65-F5344CB8AC3E}">
+        <p14:creationId xmlns:p14="http://schemas.microsoft.com/office/powerpoint/2010/main" val="1524896810"/>
       </p:ext>
     </p:extLst>
   </p:cSld>
@@ -810,7 +1339,7 @@
           <a:bodyPr/>
           <a:lstStyle/>
           <a:p>
-            <a:endParaRPr lang="en-ZA"/>
+            <a:endParaRPr lang="en-ZA" dirty="0"/>
           </a:p>
         </p:txBody>
       </p:sp>
@@ -832,7 +1361,7 @@
             <a:fld id="{AABF9108-921F-4578-B50F-196EC54E7AE6}" type="slidenum">
               <a:rPr lang="en-ZA" smtClean="0"/>
               <a:pPr/>
-              <a:t>4</a:t>
+              <a:t>2</a:t>
             </a:fld>
             <a:endParaRPr lang="en-ZA"/>
           </a:p>
@@ -841,7 +1370,7 @@
     </p:spTree>
     <p:extLst>
       <p:ext uri="{BB962C8B-B14F-4D97-AF65-F5344CB8AC3E}">
-        <p14:creationId xmlns:p14="http://schemas.microsoft.com/office/powerpoint/2010/main" val="3433813718"/>
+        <p14:creationId xmlns:p14="http://schemas.microsoft.com/office/powerpoint/2010/main" val="3569259964"/>
       </p:ext>
     </p:extLst>
   </p:cSld>
@@ -895,13 +1424,13 @@
           <a:bodyPr/>
           <a:lstStyle/>
           <a:p>
+            <a:pPr marL="171450" indent="-171450">
+              <a:buFont typeface="Arial" panose="020B0604020202020204" pitchFamily="34" charset="0"/>
+              <a:buChar char="•"/>
+            </a:pPr>
             <a:r>
               <a:rPr lang="en-ZA" dirty="0" smtClean="0"/>
-              <a:t>The reason for this boundary is to highlight that</a:t>
-            </a:r>
-            <a:r>
-              <a:rPr lang="en-ZA" baseline="0" dirty="0" smtClean="0"/>
-              <a:t> every use of a given domain term, phrase or sentence (The U L) inside the boundary has a specific contextual meaning.</a:t>
+              <a:t>Why</a:t>
             </a:r>
             <a:endParaRPr lang="en-ZA" dirty="0"/>
           </a:p>
@@ -925,7 +1454,7 @@
             <a:fld id="{AABF9108-921F-4578-B50F-196EC54E7AE6}" type="slidenum">
               <a:rPr lang="en-ZA" smtClean="0"/>
               <a:pPr/>
-              <a:t>6</a:t>
+              <a:t>3</a:t>
             </a:fld>
             <a:endParaRPr lang="en-ZA"/>
           </a:p>
@@ -934,7 +1463,7 @@
     </p:spTree>
     <p:extLst>
       <p:ext uri="{BB962C8B-B14F-4D97-AF65-F5344CB8AC3E}">
-        <p14:creationId xmlns:p14="http://schemas.microsoft.com/office/powerpoint/2010/main" val="837181299"/>
+        <p14:creationId xmlns:p14="http://schemas.microsoft.com/office/powerpoint/2010/main" val="1939014594"/>
       </p:ext>
     </p:extLst>
   </p:cSld>
@@ -988,187 +1517,165 @@
           <a:bodyPr/>
           <a:lstStyle/>
           <a:p>
-            <a:r>
-              <a:rPr lang="en-ZA" sz="1200" b="0" i="0" kern="1200" dirty="0" smtClean="0">
-                <a:solidFill>
-                  <a:schemeClr val="tx1"/>
-                </a:solidFill>
-                <a:effectLst/>
-                <a:latin typeface="+mn-lt"/>
-                <a:ea typeface="+mn-ea"/>
-                <a:cs typeface="+mn-cs"/>
-              </a:rPr>
-              <a:t>Identity is a property that is unique across all instances of an object</a:t>
-            </a:r>
-          </a:p>
-          <a:p>
-            <a:endParaRPr lang="en-ZA" sz="1200" b="0" i="0" kern="1200" dirty="0" smtClean="0">
-              <a:solidFill>
-                <a:schemeClr val="tx1"/>
-              </a:solidFill>
-              <a:effectLst/>
-              <a:latin typeface="+mn-lt"/>
-              <a:ea typeface="+mn-ea"/>
-              <a:cs typeface="+mn-cs"/>
-            </a:endParaRPr>
-          </a:p>
-          <a:p>
-            <a:r>
-              <a:rPr lang="en-ZA" sz="1200" b="0" i="0" kern="1200" dirty="0" smtClean="0">
-                <a:solidFill>
-                  <a:schemeClr val="tx1"/>
-                </a:solidFill>
-                <a:effectLst/>
-                <a:latin typeface="+mn-lt"/>
-                <a:ea typeface="+mn-ea"/>
-                <a:cs typeface="+mn-cs"/>
-              </a:rPr>
-              <a:t>Identity is not determined by object attributes</a:t>
-            </a:r>
-          </a:p>
-          <a:p>
-            <a:endParaRPr lang="en-ZA" sz="1200" b="0" i="0" kern="1200" dirty="0" smtClean="0">
-              <a:solidFill>
-                <a:schemeClr val="tx1"/>
-              </a:solidFill>
-              <a:effectLst/>
-              <a:latin typeface="+mn-lt"/>
-              <a:ea typeface="+mn-ea"/>
-              <a:cs typeface="+mn-cs"/>
-            </a:endParaRPr>
-          </a:p>
-          <a:p>
-            <a:r>
-              <a:rPr lang="en-ZA" sz="1200" b="0" i="0" kern="1200" dirty="0" smtClean="0">
-                <a:solidFill>
-                  <a:schemeClr val="tx1"/>
-                </a:solidFill>
-                <a:effectLst/>
-                <a:latin typeface="+mn-lt"/>
-                <a:ea typeface="+mn-ea"/>
-                <a:cs typeface="+mn-cs"/>
-              </a:rPr>
-              <a:t>An Entity has Identity as stated above</a:t>
-            </a:r>
-          </a:p>
-          <a:p>
-            <a:endParaRPr lang="en-ZA" sz="1200" b="0" i="0" kern="1200" dirty="0" smtClean="0">
-              <a:solidFill>
-                <a:schemeClr val="tx1"/>
-              </a:solidFill>
-              <a:effectLst/>
-              <a:latin typeface="+mn-lt"/>
-              <a:ea typeface="+mn-ea"/>
-              <a:cs typeface="+mn-cs"/>
-            </a:endParaRPr>
-          </a:p>
-          <a:p>
-            <a:r>
-              <a:rPr lang="en-ZA" sz="1200" b="0" i="0" kern="1200" dirty="0" smtClean="0">
-                <a:solidFill>
-                  <a:schemeClr val="tx1"/>
-                </a:solidFill>
-                <a:effectLst/>
-                <a:latin typeface="+mn-lt"/>
-                <a:ea typeface="+mn-ea"/>
-                <a:cs typeface="+mn-cs"/>
-              </a:rPr>
-              <a:t>An Entity is responsible for tracking it's state and the rules regulating it's lifecycle</a:t>
-            </a:r>
-          </a:p>
-          <a:p>
-            <a:endParaRPr lang="en-ZA" sz="1200" b="0" i="0" kern="1200" dirty="0" smtClean="0">
-              <a:solidFill>
-                <a:schemeClr val="tx1"/>
-              </a:solidFill>
-              <a:effectLst/>
-              <a:latin typeface="+mn-lt"/>
-              <a:ea typeface="+mn-ea"/>
-              <a:cs typeface="+mn-cs"/>
-            </a:endParaRPr>
-          </a:p>
-          <a:p>
-            <a:r>
-              <a:rPr lang="en-ZA" sz="1200" b="0" i="0" kern="1200" dirty="0" smtClean="0">
-                <a:solidFill>
-                  <a:schemeClr val="tx1"/>
-                </a:solidFill>
-                <a:effectLst/>
-                <a:latin typeface="+mn-lt"/>
-                <a:ea typeface="+mn-ea"/>
-                <a:cs typeface="+mn-cs"/>
-              </a:rPr>
-              <a:t>Identity</a:t>
-            </a:r>
-            <a:r>
-              <a:rPr lang="en-ZA" sz="1200" b="0" i="0" kern="1200" baseline="0" dirty="0" smtClean="0">
-                <a:solidFill>
-                  <a:schemeClr val="tx1"/>
-                </a:solidFill>
-                <a:effectLst/>
-                <a:latin typeface="+mn-lt"/>
-                <a:ea typeface="+mn-ea"/>
-                <a:cs typeface="+mn-cs"/>
-              </a:rPr>
-              <a:t> is usually an </a:t>
-            </a:r>
-            <a:r>
-              <a:rPr lang="en-ZA" sz="1200" b="0" i="0" kern="1200" baseline="0" dirty="0" err="1" smtClean="0">
-                <a:solidFill>
-                  <a:schemeClr val="tx1"/>
-                </a:solidFill>
-                <a:effectLst/>
-                <a:latin typeface="+mn-lt"/>
-                <a:ea typeface="+mn-ea"/>
-                <a:cs typeface="+mn-cs"/>
-              </a:rPr>
-              <a:t>int</a:t>
-            </a:r>
-            <a:r>
-              <a:rPr lang="en-ZA" sz="1200" b="0" i="0" kern="1200" baseline="0" dirty="0" smtClean="0">
-                <a:solidFill>
-                  <a:schemeClr val="tx1"/>
-                </a:solidFill>
-                <a:effectLst/>
-                <a:latin typeface="+mn-lt"/>
-                <a:ea typeface="+mn-ea"/>
-                <a:cs typeface="+mn-cs"/>
-              </a:rPr>
-              <a:t>/string/</a:t>
-            </a:r>
-            <a:r>
-              <a:rPr lang="en-ZA" sz="1200" b="0" i="0" kern="1200" baseline="0" dirty="0" err="1" smtClean="0">
-                <a:solidFill>
-                  <a:schemeClr val="tx1"/>
-                </a:solidFill>
-                <a:effectLst/>
-                <a:latin typeface="+mn-lt"/>
-                <a:ea typeface="+mn-ea"/>
-                <a:cs typeface="+mn-cs"/>
-              </a:rPr>
-              <a:t>guid</a:t>
-            </a:r>
-            <a:r>
-              <a:rPr lang="en-ZA" sz="1200" b="0" i="0" kern="1200" baseline="0" dirty="0" smtClean="0">
-                <a:solidFill>
-                  <a:schemeClr val="tx1"/>
-                </a:solidFill>
-                <a:effectLst/>
-                <a:latin typeface="+mn-lt"/>
-                <a:ea typeface="+mn-ea"/>
-                <a:cs typeface="+mn-cs"/>
-              </a:rPr>
-              <a:t>. It can be made by the application or in some cases the database</a:t>
-            </a:r>
-            <a:endParaRPr lang="en-ZA" sz="1200" b="0" i="0" kern="1200" dirty="0">
-              <a:solidFill>
-                <a:schemeClr val="tx1"/>
-              </a:solidFill>
-              <a:effectLst/>
-              <a:latin typeface="+mn-lt"/>
-              <a:ea typeface="+mn-ea"/>
-              <a:cs typeface="+mn-cs"/>
-            </a:endParaRPr>
+            <a:pPr marL="171450" indent="-171450">
+              <a:buFont typeface="Arial" panose="020B0604020202020204" pitchFamily="34" charset="0"/>
+              <a:buChar char="•"/>
+            </a:pPr>
+            <a:r>
+              <a:rPr lang="en-ZA" dirty="0" smtClean="0"/>
+              <a:t>What</a:t>
+            </a:r>
+          </a:p>
+          <a:p>
+            <a:pPr marL="171450" indent="-171450">
+              <a:buFont typeface="Arial" panose="020B0604020202020204" pitchFamily="34" charset="0"/>
+              <a:buChar char="•"/>
+            </a:pPr>
+            <a:r>
+              <a:rPr lang="en-ZA" dirty="0" smtClean="0"/>
+              <a:t>Rules </a:t>
+            </a:r>
+            <a:r>
+              <a:rPr lang="en-ZA" dirty="0" smtClean="0"/>
+              <a:t>outlive</a:t>
+            </a:r>
+            <a:r>
+              <a:rPr lang="en-ZA" baseline="0" dirty="0" smtClean="0"/>
+              <a:t> developers</a:t>
+            </a:r>
+          </a:p>
+          <a:p>
+            <a:pPr marL="171450" indent="-171450">
+              <a:buFont typeface="Arial" panose="020B0604020202020204" pitchFamily="34" charset="0"/>
+              <a:buChar char="•"/>
+            </a:pPr>
+            <a:r>
+              <a:rPr lang="en-ZA" dirty="0" smtClean="0"/>
+              <a:t>Organization gains a useful model of its domain</a:t>
+            </a:r>
+          </a:p>
+          <a:p>
+            <a:pPr marL="171450" indent="-171450">
+              <a:buFont typeface="Arial" panose="020B0604020202020204" pitchFamily="34" charset="0"/>
+              <a:buChar char="•"/>
+            </a:pPr>
+            <a:r>
+              <a:rPr lang="en-ZA" dirty="0" smtClean="0"/>
+              <a:t>A Refined precise definition and understanding of the business is </a:t>
+            </a:r>
+            <a:r>
+              <a:rPr lang="en-ZA" dirty="0" smtClean="0"/>
+              <a:t>developed. Domain</a:t>
+            </a:r>
+            <a:r>
+              <a:rPr lang="en-ZA" baseline="0" dirty="0" smtClean="0"/>
+              <a:t> Experts are forced to agree about what the domain is called and how it works</a:t>
+            </a:r>
+            <a:endParaRPr lang="en-ZA" dirty="0" smtClean="0"/>
+          </a:p>
+          <a:p>
+            <a:pPr marL="171450" indent="-171450">
+              <a:buFont typeface="Arial" panose="020B0604020202020204" pitchFamily="34" charset="0"/>
+              <a:buChar char="•"/>
+            </a:pPr>
+            <a:r>
+              <a:rPr lang="en-ZA" dirty="0" smtClean="0"/>
+              <a:t>Domain experts contribute</a:t>
+            </a:r>
+          </a:p>
+          <a:p>
+            <a:pPr marL="171450" indent="-171450">
+              <a:buFont typeface="Arial" panose="020B0604020202020204" pitchFamily="34" charset="0"/>
+              <a:buChar char="•"/>
+            </a:pPr>
+            <a:r>
+              <a:rPr lang="en-ZA" dirty="0" smtClean="0"/>
+              <a:t>Better user experience is gained</a:t>
+            </a:r>
+          </a:p>
+          <a:p>
+            <a:pPr marL="171450" indent="-171450">
+              <a:buFont typeface="Arial" panose="020B0604020202020204" pitchFamily="34" charset="0"/>
+              <a:buChar char="•"/>
+            </a:pPr>
+            <a:r>
+              <a:rPr lang="en-ZA" dirty="0" smtClean="0"/>
+              <a:t>Clean boundaries, pure models (</a:t>
+            </a:r>
+            <a:r>
+              <a:rPr lang="en-ZA" dirty="0" smtClean="0"/>
+              <a:t>SOLID For Free)</a:t>
+            </a:r>
+            <a:endParaRPr lang="en-ZA" dirty="0" smtClean="0"/>
+          </a:p>
+          <a:p>
+            <a:pPr marL="171450" indent="-171450">
+              <a:buFont typeface="Arial" panose="020B0604020202020204" pitchFamily="34" charset="0"/>
+              <a:buChar char="•"/>
+            </a:pPr>
+            <a:r>
+              <a:rPr lang="en-ZA" dirty="0" smtClean="0"/>
+              <a:t>Enterprise architecture is better organized</a:t>
+            </a:r>
+          </a:p>
+          <a:p>
+            <a:pPr marL="171450" indent="-171450">
+              <a:buFont typeface="Arial" panose="020B0604020202020204" pitchFamily="34" charset="0"/>
+              <a:buChar char="•"/>
+            </a:pPr>
+            <a:r>
+              <a:rPr lang="en-ZA" dirty="0" smtClean="0"/>
+              <a:t>Agile iterative continuous modelling is used</a:t>
+            </a:r>
+          </a:p>
+          <a:p>
+            <a:endParaRPr lang="en-US" dirty="0" smtClean="0"/>
+          </a:p>
+          <a:p>
+            <a:pPr marL="171450" indent="-171450">
+              <a:buFont typeface="Arial" panose="020B0604020202020204" pitchFamily="34" charset="0"/>
+              <a:buChar char="•"/>
+            </a:pPr>
+            <a:r>
+              <a:rPr lang="en-ZA" dirty="0" smtClean="0"/>
+              <a:t>Prevents Anaemia Induced Memory Loss</a:t>
+            </a:r>
+          </a:p>
+          <a:p>
+            <a:pPr marL="171450" indent="-171450">
+              <a:buFont typeface="Arial" panose="020B0604020202020204" pitchFamily="34" charset="0"/>
+              <a:buChar char="•"/>
+            </a:pPr>
+            <a:r>
+              <a:rPr lang="en-ZA" dirty="0" smtClean="0"/>
+              <a:t>The design is the code and the code is the design</a:t>
+            </a:r>
+          </a:p>
+          <a:p>
+            <a:pPr marL="171450" indent="-171450">
+              <a:buFont typeface="Arial" panose="020B0604020202020204" pitchFamily="34" charset="0"/>
+              <a:buChar char="•"/>
+            </a:pPr>
+            <a:r>
+              <a:rPr lang="en-ZA" dirty="0" smtClean="0"/>
+              <a:t>Works well with TDD</a:t>
+            </a:r>
+          </a:p>
+          <a:p>
+            <a:pPr marL="171450" indent="-171450">
+              <a:buFont typeface="Arial" panose="020B0604020202020204" pitchFamily="34" charset="0"/>
+              <a:buChar char="•"/>
+            </a:pPr>
+            <a:r>
+              <a:rPr lang="en-ZA" dirty="0" smtClean="0"/>
+              <a:t>Works well with agile</a:t>
+            </a:r>
+          </a:p>
+          <a:p>
+            <a:endParaRPr lang="en-ZA" dirty="0" smtClean="0"/>
+          </a:p>
+          <a:p>
+            <a:endParaRPr lang="en-ZA" dirty="0"/>
           </a:p>
         </p:txBody>
       </p:sp>
@@ -1190,7 +1697,7 @@
             <a:fld id="{AABF9108-921F-4578-B50F-196EC54E7AE6}" type="slidenum">
               <a:rPr lang="en-ZA" smtClean="0"/>
               <a:pPr/>
-              <a:t>7</a:t>
+              <a:t>4</a:t>
             </a:fld>
             <a:endParaRPr lang="en-ZA"/>
           </a:p>
@@ -1199,7 +1706,7 @@
     </p:spTree>
     <p:extLst>
       <p:ext uri="{BB962C8B-B14F-4D97-AF65-F5344CB8AC3E}">
-        <p14:creationId xmlns:p14="http://schemas.microsoft.com/office/powerpoint/2010/main" val="3940904693"/>
+        <p14:creationId xmlns:p14="http://schemas.microsoft.com/office/powerpoint/2010/main" val="270227068"/>
       </p:ext>
     </p:extLst>
   </p:cSld>
@@ -1254,50 +1761,24 @@
           <a:lstStyle/>
           <a:p>
             <a:r>
-              <a:rPr lang="en-ZA" sz="1200" b="0" i="0" kern="1200" dirty="0" smtClean="0">
-                <a:solidFill>
-                  <a:schemeClr val="tx1"/>
-                </a:solidFill>
-                <a:effectLst/>
-                <a:latin typeface="+mn-lt"/>
-                <a:ea typeface="+mn-ea"/>
-                <a:cs typeface="+mn-cs"/>
-              </a:rPr>
-              <a:t>Multiple instances of a value object with the same properties, represent the same object in a particular context.</a:t>
-            </a:r>
-          </a:p>
-          <a:p>
-            <a:endParaRPr lang="en-ZA" sz="1200" b="0" i="0" kern="1200" dirty="0" smtClean="0">
-              <a:solidFill>
-                <a:schemeClr val="tx1"/>
-              </a:solidFill>
-              <a:effectLst/>
-              <a:latin typeface="+mn-lt"/>
-              <a:ea typeface="+mn-ea"/>
-              <a:cs typeface="+mn-cs"/>
-            </a:endParaRPr>
-          </a:p>
-          <a:p>
-            <a:r>
-              <a:rPr lang="en-ZA" dirty="0" smtClean="0"/>
-              <a:t>Value objects are immutable.</a:t>
-            </a:r>
-          </a:p>
-          <a:p>
-            <a:endParaRPr lang="en-ZA" dirty="0" smtClean="0"/>
-          </a:p>
-          <a:p>
-            <a:r>
-              <a:rPr lang="en-ZA" dirty="0" smtClean="0"/>
-              <a:t>Give Address as an example of value </a:t>
-            </a:r>
-            <a:r>
-              <a:rPr lang="en-ZA" dirty="0" err="1" smtClean="0"/>
-              <a:t>vs</a:t>
-            </a:r>
-            <a:r>
-              <a:rPr lang="en-ZA" dirty="0" smtClean="0"/>
-              <a:t> entity object</a:t>
+              <a:rPr lang="en-US" dirty="0" smtClean="0"/>
+              <a:t>Documents</a:t>
+            </a:r>
+            <a:r>
+              <a:rPr lang="en-US" baseline="0" dirty="0" smtClean="0"/>
+              <a:t> should compliment code and speech</a:t>
+            </a:r>
+          </a:p>
+          <a:p>
+            <a:r>
+              <a:rPr lang="en-US" baseline="0" dirty="0" smtClean="0"/>
+              <a:t>Documents should not try to do what the code already does well</a:t>
+            </a:r>
+          </a:p>
+          <a:p>
+            <a:r>
+              <a:rPr lang="en-US" baseline="0" dirty="0" smtClean="0"/>
+              <a:t>Documents Should stay current, and work for a living</a:t>
             </a:r>
             <a:endParaRPr lang="en-ZA" dirty="0"/>
           </a:p>
@@ -1321,7 +1802,7 @@
             <a:fld id="{AABF9108-921F-4578-B50F-196EC54E7AE6}" type="slidenum">
               <a:rPr lang="en-ZA" smtClean="0"/>
               <a:pPr/>
-              <a:t>8</a:t>
+              <a:t>5</a:t>
             </a:fld>
             <a:endParaRPr lang="en-ZA"/>
           </a:p>
@@ -1330,7 +1811,7 @@
     </p:spTree>
     <p:extLst>
       <p:ext uri="{BB962C8B-B14F-4D97-AF65-F5344CB8AC3E}">
-        <p14:creationId xmlns:p14="http://schemas.microsoft.com/office/powerpoint/2010/main" val="3445396592"/>
+        <p14:creationId xmlns:p14="http://schemas.microsoft.com/office/powerpoint/2010/main" val="3633399452"/>
       </p:ext>
     </p:extLst>
   </p:cSld>
@@ -1385,16 +1866,52 @@
           <a:lstStyle/>
           <a:p>
             <a:r>
-              <a:rPr lang="en-ZA" sz="1200" b="0" i="0" kern="1200" dirty="0" smtClean="0">
-                <a:solidFill>
-                  <a:schemeClr val="tx1"/>
-                </a:solidFill>
-                <a:effectLst/>
-                <a:latin typeface="+mn-lt"/>
-                <a:ea typeface="+mn-ea"/>
-                <a:cs typeface="+mn-cs"/>
-              </a:rPr>
-              <a:t>An aggregate is made up of two main parts namely a boundary and a root.</a:t>
+              <a:rPr lang="en-US" dirty="0" smtClean="0"/>
+              <a:t>“if</a:t>
+            </a:r>
+            <a:r>
+              <a:rPr lang="en-US" baseline="0" dirty="0" smtClean="0"/>
+              <a:t> the design or some central part of it does not map to the domain (problem domain) then it is of little value, and the correctness of the software is suspect.”</a:t>
+            </a:r>
+          </a:p>
+          <a:p>
+            <a:r>
+              <a:rPr lang="en-US" baseline="0" dirty="0" smtClean="0"/>
+              <a:t>“design small portions that reflect the model in a very literal way.”</a:t>
+            </a:r>
+          </a:p>
+          <a:p>
+            <a:r>
+              <a:rPr lang="en-US" baseline="0" dirty="0" smtClean="0"/>
+              <a:t>“Always demand a single model that serves all purposes well.”</a:t>
+            </a:r>
+          </a:p>
+          <a:p>
+            <a:r>
+              <a:rPr lang="en-US" baseline="0" dirty="0" smtClean="0"/>
+              <a:t>“Work away from procedural and build a representative model”</a:t>
+            </a:r>
+            <a:endParaRPr lang="en-US" dirty="0" smtClean="0"/>
+          </a:p>
+          <a:p>
+            <a:endParaRPr lang="en-US" dirty="0" smtClean="0"/>
+          </a:p>
+          <a:p>
+            <a:r>
+              <a:rPr lang="en-US" dirty="0" smtClean="0"/>
+              <a:t>Continuous learning</a:t>
+            </a:r>
+          </a:p>
+          <a:p>
+            <a:r>
+              <a:rPr lang="en-US" dirty="0" smtClean="0"/>
+              <a:t>Extracting hidden concepts – and making them obvious</a:t>
+            </a:r>
+          </a:p>
+          <a:p>
+            <a:r>
+              <a:rPr lang="en-US" dirty="0" smtClean="0"/>
+              <a:t>Hands-on modelers and modeling.</a:t>
             </a:r>
           </a:p>
         </p:txBody>
@@ -1417,7 +1934,7 @@
             <a:fld id="{AABF9108-921F-4578-B50F-196EC54E7AE6}" type="slidenum">
               <a:rPr lang="en-ZA" smtClean="0"/>
               <a:pPr/>
-              <a:t>9</a:t>
+              <a:t>6</a:t>
             </a:fld>
             <a:endParaRPr lang="en-ZA"/>
           </a:p>
@@ -1426,7 +1943,7 @@
     </p:spTree>
     <p:extLst>
       <p:ext uri="{BB962C8B-B14F-4D97-AF65-F5344CB8AC3E}">
-        <p14:creationId xmlns:p14="http://schemas.microsoft.com/office/powerpoint/2010/main" val="3663733116"/>
+        <p14:creationId xmlns:p14="http://schemas.microsoft.com/office/powerpoint/2010/main" val="1891669414"/>
       </p:ext>
     </p:extLst>
   </p:cSld>
@@ -1480,6 +1997,105 @@
           <a:bodyPr/>
           <a:lstStyle/>
           <a:p>
+            <a:endParaRPr lang="en-US" dirty="0" smtClean="0"/>
+          </a:p>
+        </p:txBody>
+      </p:sp>
+      <p:sp>
+        <p:nvSpPr>
+          <p:cNvPr id="4" name="Slide Number Placeholder 3"/>
+          <p:cNvSpPr>
+            <a:spLocks noGrp="1"/>
+          </p:cNvSpPr>
+          <p:nvPr>
+            <p:ph type="sldNum" sz="quarter" idx="10"/>
+          </p:nvPr>
+        </p:nvSpPr>
+        <p:spPr/>
+        <p:txBody>
+          <a:bodyPr/>
+          <a:lstStyle/>
+          <a:p>
+            <a:fld id="{AABF9108-921F-4578-B50F-196EC54E7AE6}" type="slidenum">
+              <a:rPr lang="en-ZA" smtClean="0"/>
+              <a:pPr/>
+              <a:t>7</a:t>
+            </a:fld>
+            <a:endParaRPr lang="en-ZA"/>
+          </a:p>
+        </p:txBody>
+      </p:sp>
+    </p:spTree>
+    <p:extLst>
+      <p:ext uri="{BB962C8B-B14F-4D97-AF65-F5344CB8AC3E}">
+        <p14:creationId xmlns:p14="http://schemas.microsoft.com/office/powerpoint/2010/main" val="83812138"/>
+      </p:ext>
+    </p:extLst>
+  </p:cSld>
+  <p:clrMapOvr>
+    <a:masterClrMapping/>
+  </p:clrMapOvr>
+</p:notes>
+</file>
+
+<file path=ppt/notesSlides/notesSlide8.xml><?xml version="1.0" encoding="utf-8"?>
+<p:notes xmlns:a="http://schemas.openxmlformats.org/drawingml/2006/main" xmlns:r="http://schemas.openxmlformats.org/officeDocument/2006/relationships" xmlns:p="http://schemas.openxmlformats.org/presentationml/2006/main">
+  <p:cSld>
+    <p:spTree>
+      <p:nvGrpSpPr>
+        <p:cNvPr id="1" name=""/>
+        <p:cNvGrpSpPr/>
+        <p:nvPr/>
+      </p:nvGrpSpPr>
+      <p:grpSpPr>
+        <a:xfrm>
+          <a:off x="0" y="0"/>
+          <a:ext cx="0" cy="0"/>
+          <a:chOff x="0" y="0"/>
+          <a:chExt cx="0" cy="0"/>
+        </a:xfrm>
+      </p:grpSpPr>
+      <p:sp>
+        <p:nvSpPr>
+          <p:cNvPr id="2" name="Slide Image Placeholder 1"/>
+          <p:cNvSpPr>
+            <a:spLocks noGrp="1" noRot="1" noChangeAspect="1"/>
+          </p:cNvSpPr>
+          <p:nvPr>
+            <p:ph type="sldImg"/>
+          </p:nvPr>
+        </p:nvSpPr>
+        <p:spPr/>
+      </p:sp>
+      <p:sp>
+        <p:nvSpPr>
+          <p:cNvPr id="3" name="Notes Placeholder 2"/>
+          <p:cNvSpPr>
+            <a:spLocks noGrp="1"/>
+          </p:cNvSpPr>
+          <p:nvPr>
+            <p:ph type="body" idx="1"/>
+          </p:nvPr>
+        </p:nvSpPr>
+        <p:spPr/>
+        <p:txBody>
+          <a:bodyPr/>
+          <a:lstStyle/>
+          <a:p>
+            <a:r>
+              <a:rPr lang="en-ZA" sz="1200" b="0" i="0" kern="1200" dirty="0" smtClean="0">
+                <a:solidFill>
+                  <a:schemeClr val="tx1"/>
+                </a:solidFill>
+                <a:effectLst/>
+                <a:latin typeface="+mn-lt"/>
+                <a:ea typeface="+mn-ea"/>
+                <a:cs typeface="+mn-cs"/>
+              </a:rPr>
+              <a:t>Identity is a property that is unique across all instances of an object</a:t>
+            </a:r>
+          </a:p>
+          <a:p>
             <a:endParaRPr lang="en-ZA" sz="1200" b="0" i="0" kern="1200" dirty="0" smtClean="0">
               <a:solidFill>
                 <a:schemeClr val="tx1"/>
@@ -1501,7 +2117,7 @@
                 <a:ea typeface="+mn-ea"/>
                 <a:cs typeface="+mn-cs"/>
               </a:rPr>
-              <a:t>The boundary(B on the image) defines the contents of the aggregate. It is also the barrier between the aggregate contents and the rest of the application. Nothing outside the boundary can keep a reference to anything inside the boundary.</a:t>
+              <a:t>Identity is not determined by object attributes</a:t>
             </a:r>
           </a:p>
           <a:p>
@@ -1526,7 +2142,91 @@
                 <a:ea typeface="+mn-ea"/>
                 <a:cs typeface="+mn-cs"/>
               </a:rPr>
-              <a:t>The Aggregate Root (AR on the image) provides access to the aggregate contents. We ask</a:t>
+              <a:t>An Entity has Identity as stated above</a:t>
+            </a:r>
+          </a:p>
+          <a:p>
+            <a:endParaRPr lang="en-ZA" sz="1200" b="0" i="0" kern="1200" dirty="0" smtClean="0">
+              <a:solidFill>
+                <a:schemeClr val="tx1"/>
+              </a:solidFill>
+              <a:effectLst/>
+              <a:latin typeface="+mn-lt"/>
+              <a:ea typeface="+mn-ea"/>
+              <a:cs typeface="+mn-cs"/>
+            </a:endParaRPr>
+          </a:p>
+          <a:p>
+            <a:r>
+              <a:rPr lang="en-ZA" sz="1200" b="0" i="0" kern="1200" dirty="0" smtClean="0">
+                <a:solidFill>
+                  <a:schemeClr val="tx1"/>
+                </a:solidFill>
+                <a:effectLst/>
+                <a:latin typeface="+mn-lt"/>
+                <a:ea typeface="+mn-ea"/>
+                <a:cs typeface="+mn-cs"/>
+              </a:rPr>
+              <a:t>An Entity is responsible for tracking it's state and the rules regulating it's lifecycle</a:t>
+            </a:r>
+          </a:p>
+          <a:p>
+            <a:endParaRPr lang="en-US" sz="1200" b="0" i="0" kern="1200" dirty="0" smtClean="0">
+              <a:solidFill>
+                <a:schemeClr val="tx1"/>
+              </a:solidFill>
+              <a:effectLst/>
+              <a:latin typeface="+mn-lt"/>
+              <a:ea typeface="+mn-ea"/>
+              <a:cs typeface="+mn-cs"/>
+            </a:endParaRPr>
+          </a:p>
+          <a:p>
+            <a:r>
+              <a:rPr lang="en-US" sz="1200" b="0" i="0" kern="1200" dirty="0" smtClean="0">
+                <a:solidFill>
+                  <a:schemeClr val="tx1"/>
+                </a:solidFill>
+                <a:effectLst/>
+                <a:latin typeface="+mn-lt"/>
+                <a:ea typeface="+mn-ea"/>
+                <a:cs typeface="+mn-cs"/>
+              </a:rPr>
+              <a:t>Encapsulates all the data and business rules</a:t>
+            </a:r>
+            <a:endParaRPr lang="en-ZA" sz="1200" b="0" i="0" kern="1200" dirty="0" smtClean="0">
+              <a:solidFill>
+                <a:schemeClr val="tx1"/>
+              </a:solidFill>
+              <a:effectLst/>
+              <a:latin typeface="+mn-lt"/>
+              <a:ea typeface="+mn-ea"/>
+              <a:cs typeface="+mn-cs"/>
+            </a:endParaRPr>
+          </a:p>
+          <a:p>
+            <a:endParaRPr lang="en-ZA" sz="1200" b="0" i="0" kern="1200" dirty="0" smtClean="0">
+              <a:solidFill>
+                <a:schemeClr val="tx1"/>
+              </a:solidFill>
+              <a:effectLst/>
+              <a:latin typeface="+mn-lt"/>
+              <a:ea typeface="+mn-ea"/>
+              <a:cs typeface="+mn-cs"/>
+            </a:endParaRPr>
+          </a:p>
+          <a:p>
+            <a:r>
+              <a:rPr lang="en-ZA" sz="1200" b="0" i="0" kern="1200" dirty="0" smtClean="0">
+                <a:solidFill>
+                  <a:schemeClr val="tx1"/>
+                </a:solidFill>
+                <a:effectLst/>
+                <a:latin typeface="+mn-lt"/>
+                <a:ea typeface="+mn-ea"/>
+                <a:cs typeface="+mn-cs"/>
+              </a:rPr>
+              <a:t>Identity</a:t>
             </a:r>
             <a:r>
               <a:rPr lang="en-ZA" sz="1200" b="0" i="0" kern="1200" baseline="0" dirty="0" smtClean="0">
@@ -1538,21 +2238,20 @@
                 <a:ea typeface="+mn-ea"/>
                 <a:cs typeface="+mn-cs"/>
               </a:rPr>
-              <a:t> the aggregate to do work for us.</a:t>
-            </a:r>
-          </a:p>
-          <a:p>
-            <a:endParaRPr lang="en-ZA" sz="1200" b="0" i="0" kern="1200" baseline="0" dirty="0" smtClean="0">
-              <a:solidFill>
-                <a:schemeClr val="tx1"/>
-              </a:solidFill>
-              <a:effectLst/>
-              <a:latin typeface="+mn-lt"/>
-              <a:ea typeface="+mn-ea"/>
-              <a:cs typeface="+mn-cs"/>
-            </a:endParaRPr>
-          </a:p>
-          <a:p>
+              <a:t> is usually an </a:t>
+            </a:r>
+            <a:r>
+              <a:rPr lang="en-ZA" sz="1200" b="0" i="0" kern="1200" baseline="0" dirty="0" err="1" smtClean="0">
+                <a:solidFill>
+                  <a:schemeClr val="tx1"/>
+                </a:solidFill>
+                <a:effectLst/>
+                <a:latin typeface="+mn-lt"/>
+                <a:ea typeface="+mn-ea"/>
+                <a:cs typeface="+mn-cs"/>
+              </a:rPr>
+              <a:t>int</a:t>
+            </a:r>
             <a:r>
               <a:rPr lang="en-ZA" sz="1200" b="0" i="0" kern="1200" baseline="0" dirty="0" smtClean="0">
                 <a:solidFill>
@@ -1563,9 +2262,41 @@
                 <a:ea typeface="+mn-ea"/>
                 <a:cs typeface="+mn-cs"/>
               </a:rPr>
-              <a:t>We either make a new aggregate, from another aggregate or a factory. Or get a valid aggregate from a Repository</a:t>
-            </a:r>
-            <a:endParaRPr lang="en-ZA" dirty="0"/>
+              <a:t>/string/</a:t>
+            </a:r>
+            <a:r>
+              <a:rPr lang="en-ZA" sz="1200" b="0" i="0" kern="1200" baseline="0" dirty="0" err="1" smtClean="0">
+                <a:solidFill>
+                  <a:schemeClr val="tx1"/>
+                </a:solidFill>
+                <a:effectLst/>
+                <a:latin typeface="+mn-lt"/>
+                <a:ea typeface="+mn-ea"/>
+                <a:cs typeface="+mn-cs"/>
+              </a:rPr>
+              <a:t>guid</a:t>
+            </a:r>
+            <a:r>
+              <a:rPr lang="en-ZA" sz="1200" b="0" i="0" kern="1200" baseline="0" dirty="0" smtClean="0">
+                <a:solidFill>
+                  <a:schemeClr val="tx1"/>
+                </a:solidFill>
+                <a:effectLst/>
+                <a:latin typeface="+mn-lt"/>
+                <a:ea typeface="+mn-ea"/>
+                <a:cs typeface="+mn-cs"/>
+              </a:rPr>
+              <a:t>. It can be made by the application or in some cases the database</a:t>
+            </a:r>
+            <a:endParaRPr lang="en-ZA" sz="1200" b="0" i="0" kern="1200" dirty="0">
+              <a:solidFill>
+                <a:schemeClr val="tx1"/>
+              </a:solidFill>
+              <a:effectLst/>
+              <a:latin typeface="+mn-lt"/>
+              <a:ea typeface="+mn-ea"/>
+              <a:cs typeface="+mn-cs"/>
+            </a:endParaRPr>
           </a:p>
         </p:txBody>
       </p:sp>
@@ -1587,7 +2318,7 @@
             <a:fld id="{AABF9108-921F-4578-B50F-196EC54E7AE6}" type="slidenum">
               <a:rPr lang="en-ZA" smtClean="0"/>
               <a:pPr/>
-              <a:t>10</a:t>
+              <a:t>8</a:t>
             </a:fld>
             <a:endParaRPr lang="en-ZA"/>
           </a:p>
@@ -1596,7 +2327,207 @@
     </p:spTree>
     <p:extLst>
       <p:ext uri="{BB962C8B-B14F-4D97-AF65-F5344CB8AC3E}">
-        <p14:creationId xmlns:p14="http://schemas.microsoft.com/office/powerpoint/2010/main" val="1470350761"/>
+        <p14:creationId xmlns:p14="http://schemas.microsoft.com/office/powerpoint/2010/main" val="2038365417"/>
+      </p:ext>
+    </p:extLst>
+  </p:cSld>
+  <p:clrMapOvr>
+    <a:masterClrMapping/>
+  </p:clrMapOvr>
+</p:notes>
+</file>
+
+<file path=ppt/notesSlides/notesSlide9.xml><?xml version="1.0" encoding="utf-8"?>
+<p:notes xmlns:a="http://schemas.openxmlformats.org/drawingml/2006/main" xmlns:r="http://schemas.openxmlformats.org/officeDocument/2006/relationships" xmlns:p="http://schemas.openxmlformats.org/presentationml/2006/main">
+  <p:cSld>
+    <p:spTree>
+      <p:nvGrpSpPr>
+        <p:cNvPr id="1" name=""/>
+        <p:cNvGrpSpPr/>
+        <p:nvPr/>
+      </p:nvGrpSpPr>
+      <p:grpSpPr>
+        <a:xfrm>
+          <a:off x="0" y="0"/>
+          <a:ext cx="0" cy="0"/>
+          <a:chOff x="0" y="0"/>
+          <a:chExt cx="0" cy="0"/>
+        </a:xfrm>
+      </p:grpSpPr>
+      <p:sp>
+        <p:nvSpPr>
+          <p:cNvPr id="2" name="Slide Image Placeholder 1"/>
+          <p:cNvSpPr>
+            <a:spLocks noGrp="1" noRot="1" noChangeAspect="1"/>
+          </p:cNvSpPr>
+          <p:nvPr>
+            <p:ph type="sldImg"/>
+          </p:nvPr>
+        </p:nvSpPr>
+        <p:spPr/>
+      </p:sp>
+      <p:sp>
+        <p:nvSpPr>
+          <p:cNvPr id="3" name="Notes Placeholder 2"/>
+          <p:cNvSpPr>
+            <a:spLocks noGrp="1"/>
+          </p:cNvSpPr>
+          <p:nvPr>
+            <p:ph type="body" idx="1"/>
+          </p:nvPr>
+        </p:nvSpPr>
+        <p:spPr/>
+        <p:txBody>
+          <a:bodyPr/>
+          <a:lstStyle/>
+          <a:p>
+            <a:r>
+              <a:rPr lang="en-ZA" sz="1200" b="0" i="0" kern="1200" dirty="0" smtClean="0">
+                <a:solidFill>
+                  <a:schemeClr val="tx1"/>
+                </a:solidFill>
+                <a:effectLst/>
+                <a:latin typeface="+mn-lt"/>
+                <a:ea typeface="+mn-ea"/>
+                <a:cs typeface="+mn-cs"/>
+              </a:rPr>
+              <a:t>Multiple instances of a value object with the same properties, represent the same object in a particular context.</a:t>
+            </a:r>
+          </a:p>
+          <a:p>
+            <a:endParaRPr lang="en-US" sz="1200" b="0" i="0" kern="1200" dirty="0" smtClean="0">
+              <a:solidFill>
+                <a:schemeClr val="tx1"/>
+              </a:solidFill>
+              <a:effectLst/>
+              <a:latin typeface="+mn-lt"/>
+              <a:ea typeface="+mn-ea"/>
+              <a:cs typeface="+mn-cs"/>
+            </a:endParaRPr>
+          </a:p>
+          <a:p>
+            <a:r>
+              <a:rPr lang="en-US" sz="1200" b="0" i="0" kern="1200" dirty="0" smtClean="0">
+                <a:solidFill>
+                  <a:schemeClr val="tx1"/>
+                </a:solidFill>
+                <a:effectLst/>
+                <a:latin typeface="+mn-lt"/>
+                <a:ea typeface="+mn-ea"/>
+                <a:cs typeface="+mn-cs"/>
+              </a:rPr>
+              <a:t>Primitives and </a:t>
+            </a:r>
+            <a:r>
+              <a:rPr lang="en-US" sz="1200" b="0" i="0" kern="1200" dirty="0" err="1" smtClean="0">
+                <a:solidFill>
+                  <a:schemeClr val="tx1"/>
+                </a:solidFill>
+                <a:effectLst/>
+                <a:latin typeface="+mn-lt"/>
+                <a:ea typeface="+mn-ea"/>
+                <a:cs typeface="+mn-cs"/>
+              </a:rPr>
+              <a:t>struct</a:t>
+            </a:r>
+            <a:r>
+              <a:rPr lang="en-US" sz="1200" b="0" i="0" kern="1200" dirty="0" smtClean="0">
+                <a:solidFill>
+                  <a:schemeClr val="tx1"/>
+                </a:solidFill>
+                <a:effectLst/>
+                <a:latin typeface="+mn-lt"/>
+                <a:ea typeface="+mn-ea"/>
+                <a:cs typeface="+mn-cs"/>
+              </a:rPr>
+              <a:t> types</a:t>
+            </a:r>
+            <a:endParaRPr lang="en-ZA" sz="1200" b="0" i="0" kern="1200" dirty="0" smtClean="0">
+              <a:solidFill>
+                <a:schemeClr val="tx1"/>
+              </a:solidFill>
+              <a:effectLst/>
+              <a:latin typeface="+mn-lt"/>
+              <a:ea typeface="+mn-ea"/>
+              <a:cs typeface="+mn-cs"/>
+            </a:endParaRPr>
+          </a:p>
+          <a:p>
+            <a:endParaRPr lang="en-ZA" sz="1200" b="0" i="0" kern="1200" dirty="0" smtClean="0">
+              <a:solidFill>
+                <a:schemeClr val="tx1"/>
+              </a:solidFill>
+              <a:effectLst/>
+              <a:latin typeface="+mn-lt"/>
+              <a:ea typeface="+mn-ea"/>
+              <a:cs typeface="+mn-cs"/>
+            </a:endParaRPr>
+          </a:p>
+          <a:p>
+            <a:r>
+              <a:rPr lang="en-ZA" dirty="0" smtClean="0"/>
+              <a:t>Value objects are immutable.</a:t>
+            </a:r>
+          </a:p>
+          <a:p>
+            <a:endParaRPr lang="en-ZA" dirty="0" smtClean="0"/>
+          </a:p>
+          <a:p>
+            <a:r>
+              <a:rPr lang="en-ZA" dirty="0" smtClean="0"/>
+              <a:t>Give Address as an example of value vs entity object</a:t>
+            </a:r>
+            <a:endParaRPr lang="en-US" dirty="0" smtClean="0"/>
+          </a:p>
+          <a:p>
+            <a:r>
+              <a:rPr lang="en-US" dirty="0" smtClean="0"/>
+              <a:t>Unit Of Measure</a:t>
+            </a:r>
+          </a:p>
+          <a:p>
+            <a:r>
+              <a:rPr lang="en-US" dirty="0" smtClean="0"/>
+              <a:t>Currency</a:t>
+            </a:r>
+          </a:p>
+          <a:p>
+            <a:r>
+              <a:rPr lang="en-US" dirty="0" smtClean="0"/>
+              <a:t>Dimensions</a:t>
+            </a:r>
+            <a:endParaRPr lang="en-ZA" dirty="0"/>
+          </a:p>
+        </p:txBody>
+      </p:sp>
+      <p:sp>
+        <p:nvSpPr>
+          <p:cNvPr id="4" name="Slide Number Placeholder 3"/>
+          <p:cNvSpPr>
+            <a:spLocks noGrp="1"/>
+          </p:cNvSpPr>
+          <p:nvPr>
+            <p:ph type="sldNum" sz="quarter" idx="10"/>
+          </p:nvPr>
+        </p:nvSpPr>
+        <p:spPr/>
+        <p:txBody>
+          <a:bodyPr/>
+          <a:lstStyle/>
+          <a:p>
+            <a:fld id="{AABF9108-921F-4578-B50F-196EC54E7AE6}" type="slidenum">
+              <a:rPr lang="en-ZA" smtClean="0"/>
+              <a:pPr/>
+              <a:t>9</a:t>
+            </a:fld>
+            <a:endParaRPr lang="en-ZA"/>
+          </a:p>
+        </p:txBody>
+      </p:sp>
+    </p:spTree>
+    <p:extLst>
+      <p:ext uri="{BB962C8B-B14F-4D97-AF65-F5344CB8AC3E}">
+        <p14:creationId xmlns:p14="http://schemas.microsoft.com/office/powerpoint/2010/main" val="1944303612"/>
       </p:ext>
     </p:extLst>
   </p:cSld>
@@ -1796,7 +2727,7 @@
             <a:fld id="{986C9EB5-A2B4-494A-8466-BDB12800E3A8}" type="datetimeFigureOut">
               <a:rPr lang="en-ZA" smtClean="0"/>
               <a:pPr/>
-              <a:t>2015/04/08</a:t>
+              <a:t>2015/04/09</a:t>
             </a:fld>
             <a:endParaRPr lang="en-ZA"/>
           </a:p>
@@ -1992,7 +2923,7 @@
             <a:fld id="{986C9EB5-A2B4-494A-8466-BDB12800E3A8}" type="datetimeFigureOut">
               <a:rPr lang="en-ZA" smtClean="0"/>
               <a:pPr/>
-              <a:t>2015/04/08</a:t>
+              <a:t>2015/04/09</a:t>
             </a:fld>
             <a:endParaRPr lang="en-ZA"/>
           </a:p>
@@ -2205,7 +3136,7 @@
             <a:fld id="{986C9EB5-A2B4-494A-8466-BDB12800E3A8}" type="datetimeFigureOut">
               <a:rPr lang="en-ZA" smtClean="0"/>
               <a:pPr/>
-              <a:t>2015/04/08</a:t>
+              <a:t>2015/04/09</a:t>
             </a:fld>
             <a:endParaRPr lang="en-ZA"/>
           </a:p>
@@ -2291,6 +3222,3311 @@
 </file>
 
 <file path=ppt/slideLayouts/slideLayout12.xml><?xml version="1.0" encoding="utf-8"?>
+<p:sldLayout xmlns:a="http://schemas.openxmlformats.org/drawingml/2006/main" xmlns:r="http://schemas.openxmlformats.org/officeDocument/2006/relationships" xmlns:p="http://schemas.openxmlformats.org/presentationml/2006/main" type="title" preserve="1">
+  <p:cSld name="Title Slide">
+    <p:spTree>
+      <p:nvGrpSpPr>
+        <p:cNvPr id="1" name=""/>
+        <p:cNvGrpSpPr/>
+        <p:nvPr/>
+      </p:nvGrpSpPr>
+      <p:grpSpPr>
+        <a:xfrm>
+          <a:off x="0" y="0"/>
+          <a:ext cx="0" cy="0"/>
+          <a:chOff x="0" y="0"/>
+          <a:chExt cx="0" cy="0"/>
+        </a:xfrm>
+      </p:grpSpPr>
+      <p:sp>
+        <p:nvSpPr>
+          <p:cNvPr id="2" name="Title 1"/>
+          <p:cNvSpPr>
+            <a:spLocks noGrp="1"/>
+          </p:cNvSpPr>
+          <p:nvPr>
+            <p:ph type="ctrTitle"/>
+          </p:nvPr>
+        </p:nvSpPr>
+        <p:spPr>
+          <a:xfrm>
+            <a:off x="685800" y="1775355"/>
+            <a:ext cx="7772400" cy="1225021"/>
+          </a:xfrm>
+        </p:spPr>
+        <p:txBody>
+          <a:bodyPr/>
+          <a:lstStyle/>
+          <a:p>
+            <a:r>
+              <a:rPr lang="en-US" smtClean="0"/>
+              <a:t>Click to edit Master title style</a:t>
+            </a:r>
+            <a:endParaRPr lang="en-ZA"/>
+          </a:p>
+        </p:txBody>
+      </p:sp>
+      <p:sp>
+        <p:nvSpPr>
+          <p:cNvPr id="3" name="Subtitle 2"/>
+          <p:cNvSpPr>
+            <a:spLocks noGrp="1"/>
+          </p:cNvSpPr>
+          <p:nvPr>
+            <p:ph type="subTitle" idx="1"/>
+          </p:nvPr>
+        </p:nvSpPr>
+        <p:spPr>
+          <a:xfrm>
+            <a:off x="1371600" y="3238500"/>
+            <a:ext cx="6400800" cy="1460500"/>
+          </a:xfrm>
+        </p:spPr>
+        <p:txBody>
+          <a:bodyPr/>
+          <a:lstStyle>
+            <a:lvl1pPr marL="0" indent="0" algn="ctr">
+              <a:buNone/>
+              <a:defRPr>
+                <a:solidFill>
+                  <a:schemeClr val="tx1">
+                    <a:tint val="75000"/>
+                  </a:schemeClr>
+                </a:solidFill>
+              </a:defRPr>
+            </a:lvl1pPr>
+            <a:lvl2pPr marL="457200" indent="0" algn="ctr">
+              <a:buNone/>
+              <a:defRPr>
+                <a:solidFill>
+                  <a:schemeClr val="tx1">
+                    <a:tint val="75000"/>
+                  </a:schemeClr>
+                </a:solidFill>
+              </a:defRPr>
+            </a:lvl2pPr>
+            <a:lvl3pPr marL="914400" indent="0" algn="ctr">
+              <a:buNone/>
+              <a:defRPr>
+                <a:solidFill>
+                  <a:schemeClr val="tx1">
+                    <a:tint val="75000"/>
+                  </a:schemeClr>
+                </a:solidFill>
+              </a:defRPr>
+            </a:lvl3pPr>
+            <a:lvl4pPr marL="1371600" indent="0" algn="ctr">
+              <a:buNone/>
+              <a:defRPr>
+                <a:solidFill>
+                  <a:schemeClr val="tx1">
+                    <a:tint val="75000"/>
+                  </a:schemeClr>
+                </a:solidFill>
+              </a:defRPr>
+            </a:lvl4pPr>
+            <a:lvl5pPr marL="1828800" indent="0" algn="ctr">
+              <a:buNone/>
+              <a:defRPr>
+                <a:solidFill>
+                  <a:schemeClr val="tx1">
+                    <a:tint val="75000"/>
+                  </a:schemeClr>
+                </a:solidFill>
+              </a:defRPr>
+            </a:lvl5pPr>
+            <a:lvl6pPr marL="2286000" indent="0" algn="ctr">
+              <a:buNone/>
+              <a:defRPr>
+                <a:solidFill>
+                  <a:schemeClr val="tx1">
+                    <a:tint val="75000"/>
+                  </a:schemeClr>
+                </a:solidFill>
+              </a:defRPr>
+            </a:lvl6pPr>
+            <a:lvl7pPr marL="2743200" indent="0" algn="ctr">
+              <a:buNone/>
+              <a:defRPr>
+                <a:solidFill>
+                  <a:schemeClr val="tx1">
+                    <a:tint val="75000"/>
+                  </a:schemeClr>
+                </a:solidFill>
+              </a:defRPr>
+            </a:lvl7pPr>
+            <a:lvl8pPr marL="3200400" indent="0" algn="ctr">
+              <a:buNone/>
+              <a:defRPr>
+                <a:solidFill>
+                  <a:schemeClr val="tx1">
+                    <a:tint val="75000"/>
+                  </a:schemeClr>
+                </a:solidFill>
+              </a:defRPr>
+            </a:lvl8pPr>
+            <a:lvl9pPr marL="3657600" indent="0" algn="ctr">
+              <a:buNone/>
+              <a:defRPr>
+                <a:solidFill>
+                  <a:schemeClr val="tx1">
+                    <a:tint val="75000"/>
+                  </a:schemeClr>
+                </a:solidFill>
+              </a:defRPr>
+            </a:lvl9pPr>
+          </a:lstStyle>
+          <a:p>
+            <a:r>
+              <a:rPr lang="en-US" smtClean="0"/>
+              <a:t>Click to edit Master subtitle style</a:t>
+            </a:r>
+            <a:endParaRPr lang="en-ZA"/>
+          </a:p>
+        </p:txBody>
+      </p:sp>
+      <p:sp>
+        <p:nvSpPr>
+          <p:cNvPr id="4" name="Date Placeholder 3"/>
+          <p:cNvSpPr>
+            <a:spLocks noGrp="1"/>
+          </p:cNvSpPr>
+          <p:nvPr>
+            <p:ph type="dt" sz="half" idx="10"/>
+          </p:nvPr>
+        </p:nvSpPr>
+        <p:spPr>
+          <a:xfrm>
+            <a:off x="457200" y="5296959"/>
+            <a:ext cx="2133600" cy="304271"/>
+          </a:xfrm>
+          <a:prstGeom prst="rect">
+            <a:avLst/>
+          </a:prstGeom>
+        </p:spPr>
+        <p:txBody>
+          <a:bodyPr/>
+          <a:lstStyle/>
+          <a:p>
+            <a:fld id="{986C9EB5-A2B4-494A-8466-BDB12800E3A8}" type="datetimeFigureOut">
+              <a:rPr lang="en-ZA" smtClean="0">
+                <a:solidFill>
+                  <a:srgbClr val="17365D"/>
+                </a:solidFill>
+              </a:rPr>
+              <a:pPr/>
+              <a:t>2015/04/09</a:t>
+            </a:fld>
+            <a:endParaRPr lang="en-ZA">
+              <a:solidFill>
+                <a:srgbClr val="17365D"/>
+              </a:solidFill>
+            </a:endParaRPr>
+          </a:p>
+        </p:txBody>
+      </p:sp>
+      <p:sp>
+        <p:nvSpPr>
+          <p:cNvPr id="5" name="Footer Placeholder 4"/>
+          <p:cNvSpPr>
+            <a:spLocks noGrp="1"/>
+          </p:cNvSpPr>
+          <p:nvPr>
+            <p:ph type="ftr" sz="quarter" idx="11"/>
+          </p:nvPr>
+        </p:nvSpPr>
+        <p:spPr>
+          <a:xfrm>
+            <a:off x="3124200" y="5296959"/>
+            <a:ext cx="2895600" cy="304271"/>
+          </a:xfrm>
+          <a:prstGeom prst="rect">
+            <a:avLst/>
+          </a:prstGeom>
+        </p:spPr>
+        <p:txBody>
+          <a:bodyPr/>
+          <a:lstStyle/>
+          <a:p>
+            <a:endParaRPr lang="en-ZA">
+              <a:solidFill>
+                <a:srgbClr val="17365D"/>
+              </a:solidFill>
+            </a:endParaRPr>
+          </a:p>
+        </p:txBody>
+      </p:sp>
+      <p:sp>
+        <p:nvSpPr>
+          <p:cNvPr id="6" name="Slide Number Placeholder 5"/>
+          <p:cNvSpPr>
+            <a:spLocks noGrp="1"/>
+          </p:cNvSpPr>
+          <p:nvPr>
+            <p:ph type="sldNum" sz="quarter" idx="12"/>
+          </p:nvPr>
+        </p:nvSpPr>
+        <p:spPr>
+          <a:xfrm>
+            <a:off x="6553200" y="5296959"/>
+            <a:ext cx="2133600" cy="304271"/>
+          </a:xfrm>
+          <a:prstGeom prst="rect">
+            <a:avLst/>
+          </a:prstGeom>
+        </p:spPr>
+        <p:txBody>
+          <a:bodyPr/>
+          <a:lstStyle/>
+          <a:p>
+            <a:fld id="{831923E6-5913-48BF-A548-4D7E556FD1DC}" type="slidenum">
+              <a:rPr lang="en-ZA" smtClean="0">
+                <a:solidFill>
+                  <a:srgbClr val="17365D"/>
+                </a:solidFill>
+              </a:rPr>
+              <a:pPr/>
+              <a:t>‹#›</a:t>
+            </a:fld>
+            <a:endParaRPr lang="en-ZA">
+              <a:solidFill>
+                <a:srgbClr val="17365D"/>
+              </a:solidFill>
+            </a:endParaRPr>
+          </a:p>
+        </p:txBody>
+      </p:sp>
+    </p:spTree>
+    <p:extLst>
+      <p:ext uri="{BB962C8B-B14F-4D97-AF65-F5344CB8AC3E}">
+        <p14:creationId xmlns:p14="http://schemas.microsoft.com/office/powerpoint/2010/main" val="480488660"/>
+      </p:ext>
+    </p:extLst>
+  </p:cSld>
+  <p:clrMapOvr>
+    <a:masterClrMapping/>
+  </p:clrMapOvr>
+</p:sldLayout>
+</file>
+
+<file path=ppt/slideLayouts/slideLayout13.xml><?xml version="1.0" encoding="utf-8"?>
+<p:sldLayout xmlns:a="http://schemas.openxmlformats.org/drawingml/2006/main" xmlns:r="http://schemas.openxmlformats.org/officeDocument/2006/relationships" xmlns:p="http://schemas.openxmlformats.org/presentationml/2006/main" type="obj" preserve="1">
+  <p:cSld name="Title and Content">
+    <p:spTree>
+      <p:nvGrpSpPr>
+        <p:cNvPr id="1" name=""/>
+        <p:cNvGrpSpPr/>
+        <p:nvPr/>
+      </p:nvGrpSpPr>
+      <p:grpSpPr>
+        <a:xfrm>
+          <a:off x="0" y="0"/>
+          <a:ext cx="0" cy="0"/>
+          <a:chOff x="0" y="0"/>
+          <a:chExt cx="0" cy="0"/>
+        </a:xfrm>
+      </p:grpSpPr>
+      <p:sp>
+        <p:nvSpPr>
+          <p:cNvPr id="2" name="Title 1"/>
+          <p:cNvSpPr>
+            <a:spLocks noGrp="1"/>
+          </p:cNvSpPr>
+          <p:nvPr>
+            <p:ph type="title"/>
+          </p:nvPr>
+        </p:nvSpPr>
+        <p:spPr/>
+        <p:txBody>
+          <a:bodyPr/>
+          <a:lstStyle>
+            <a:lvl1pPr>
+              <a:defRPr>
+                <a:latin typeface="Arial" pitchFamily="34" charset="0"/>
+                <a:cs typeface="Arial" pitchFamily="34" charset="0"/>
+              </a:defRPr>
+            </a:lvl1pPr>
+          </a:lstStyle>
+          <a:p>
+            <a:r>
+              <a:rPr lang="en-US" dirty="0" smtClean="0"/>
+              <a:t>Click to edit Master title style</a:t>
+            </a:r>
+            <a:endParaRPr lang="en-ZA" dirty="0"/>
+          </a:p>
+        </p:txBody>
+      </p:sp>
+      <p:sp>
+        <p:nvSpPr>
+          <p:cNvPr id="3" name="Content Placeholder 2"/>
+          <p:cNvSpPr>
+            <a:spLocks noGrp="1"/>
+          </p:cNvSpPr>
+          <p:nvPr>
+            <p:ph idx="1"/>
+          </p:nvPr>
+        </p:nvSpPr>
+        <p:spPr/>
+        <p:txBody>
+          <a:bodyPr/>
+          <a:lstStyle>
+            <a:lvl1pPr>
+              <a:defRPr>
+                <a:latin typeface="Arial" pitchFamily="34" charset="0"/>
+                <a:cs typeface="Arial" pitchFamily="34" charset="0"/>
+              </a:defRPr>
+            </a:lvl1pPr>
+            <a:lvl2pPr marL="742950" indent="-285750">
+              <a:buClr>
+                <a:srgbClr val="9FC03B"/>
+              </a:buClr>
+              <a:buFont typeface="Arial" pitchFamily="34" charset="0"/>
+              <a:buChar char="•"/>
+              <a:defRPr sz="2000">
+                <a:latin typeface="Arial" pitchFamily="34" charset="0"/>
+                <a:cs typeface="Arial" pitchFamily="34" charset="0"/>
+              </a:defRPr>
+            </a:lvl2pPr>
+            <a:lvl3pPr marL="1200150" indent="-285750">
+              <a:buClr>
+                <a:srgbClr val="92D050"/>
+              </a:buClr>
+              <a:buSzPct val="70000"/>
+              <a:buFont typeface="Courier New" pitchFamily="49" charset="0"/>
+              <a:buChar char="o"/>
+              <a:defRPr sz="1800">
+                <a:latin typeface="Arial" pitchFamily="34" charset="0"/>
+                <a:cs typeface="Arial" pitchFamily="34" charset="0"/>
+              </a:defRPr>
+            </a:lvl3pPr>
+          </a:lstStyle>
+          <a:p>
+            <a:pPr lvl="0"/>
+            <a:r>
+              <a:rPr lang="en-US" dirty="0" smtClean="0"/>
+              <a:t>Click to edit Master text styles</a:t>
+            </a:r>
+          </a:p>
+          <a:p>
+            <a:pPr lvl="1"/>
+            <a:r>
+              <a:rPr lang="en-US" dirty="0" smtClean="0"/>
+              <a:t>Second level</a:t>
+            </a:r>
+          </a:p>
+          <a:p>
+            <a:pPr lvl="2"/>
+            <a:r>
+              <a:rPr lang="en-US" dirty="0" smtClean="0"/>
+              <a:t>Third level</a:t>
+            </a:r>
+          </a:p>
+        </p:txBody>
+      </p:sp>
+      <p:sp>
+        <p:nvSpPr>
+          <p:cNvPr id="4" name="Date Placeholder 3"/>
+          <p:cNvSpPr>
+            <a:spLocks noGrp="1"/>
+          </p:cNvSpPr>
+          <p:nvPr>
+            <p:ph type="dt" sz="half" idx="10"/>
+          </p:nvPr>
+        </p:nvSpPr>
+        <p:spPr>
+          <a:xfrm>
+            <a:off x="457200" y="5296959"/>
+            <a:ext cx="2133600" cy="304271"/>
+          </a:xfrm>
+          <a:prstGeom prst="rect">
+            <a:avLst/>
+          </a:prstGeom>
+        </p:spPr>
+        <p:txBody>
+          <a:bodyPr/>
+          <a:lstStyle>
+            <a:lvl1pPr>
+              <a:defRPr>
+                <a:latin typeface="Arial" pitchFamily="34" charset="0"/>
+                <a:cs typeface="Arial" pitchFamily="34" charset="0"/>
+              </a:defRPr>
+            </a:lvl1pPr>
+          </a:lstStyle>
+          <a:p>
+            <a:fld id="{986C9EB5-A2B4-494A-8466-BDB12800E3A8}" type="datetimeFigureOut">
+              <a:rPr lang="en-ZA" smtClean="0">
+                <a:solidFill>
+                  <a:srgbClr val="17365D"/>
+                </a:solidFill>
+              </a:rPr>
+              <a:pPr/>
+              <a:t>2015/04/09</a:t>
+            </a:fld>
+            <a:endParaRPr lang="en-ZA" dirty="0">
+              <a:solidFill>
+                <a:srgbClr val="17365D"/>
+              </a:solidFill>
+            </a:endParaRPr>
+          </a:p>
+        </p:txBody>
+      </p:sp>
+      <p:sp>
+        <p:nvSpPr>
+          <p:cNvPr id="5" name="Footer Placeholder 4"/>
+          <p:cNvSpPr>
+            <a:spLocks noGrp="1"/>
+          </p:cNvSpPr>
+          <p:nvPr>
+            <p:ph type="ftr" sz="quarter" idx="11"/>
+          </p:nvPr>
+        </p:nvSpPr>
+        <p:spPr>
+          <a:xfrm>
+            <a:off x="3124200" y="5296959"/>
+            <a:ext cx="2895600" cy="304271"/>
+          </a:xfrm>
+          <a:prstGeom prst="rect">
+            <a:avLst/>
+          </a:prstGeom>
+        </p:spPr>
+        <p:txBody>
+          <a:bodyPr/>
+          <a:lstStyle>
+            <a:lvl1pPr>
+              <a:defRPr>
+                <a:latin typeface="Arial" pitchFamily="34" charset="0"/>
+                <a:cs typeface="Arial" pitchFamily="34" charset="0"/>
+              </a:defRPr>
+            </a:lvl1pPr>
+          </a:lstStyle>
+          <a:p>
+            <a:endParaRPr lang="en-ZA" dirty="0">
+              <a:solidFill>
+                <a:srgbClr val="17365D"/>
+              </a:solidFill>
+            </a:endParaRPr>
+          </a:p>
+        </p:txBody>
+      </p:sp>
+      <p:sp>
+        <p:nvSpPr>
+          <p:cNvPr id="6" name="Slide Number Placeholder 5"/>
+          <p:cNvSpPr>
+            <a:spLocks noGrp="1"/>
+          </p:cNvSpPr>
+          <p:nvPr>
+            <p:ph type="sldNum" sz="quarter" idx="12"/>
+          </p:nvPr>
+        </p:nvSpPr>
+        <p:spPr>
+          <a:xfrm>
+            <a:off x="6553200" y="5296959"/>
+            <a:ext cx="2133600" cy="304271"/>
+          </a:xfrm>
+          <a:prstGeom prst="rect">
+            <a:avLst/>
+          </a:prstGeom>
+        </p:spPr>
+        <p:txBody>
+          <a:bodyPr/>
+          <a:lstStyle>
+            <a:lvl1pPr>
+              <a:defRPr>
+                <a:latin typeface="Arial" pitchFamily="34" charset="0"/>
+                <a:cs typeface="Arial" pitchFamily="34" charset="0"/>
+              </a:defRPr>
+            </a:lvl1pPr>
+          </a:lstStyle>
+          <a:p>
+            <a:fld id="{831923E6-5913-48BF-A548-4D7E556FD1DC}" type="slidenum">
+              <a:rPr lang="en-ZA" smtClean="0">
+                <a:solidFill>
+                  <a:srgbClr val="17365D"/>
+                </a:solidFill>
+              </a:rPr>
+              <a:pPr/>
+              <a:t>‹#›</a:t>
+            </a:fld>
+            <a:endParaRPr lang="en-ZA" dirty="0">
+              <a:solidFill>
+                <a:srgbClr val="17365D"/>
+              </a:solidFill>
+            </a:endParaRPr>
+          </a:p>
+        </p:txBody>
+      </p:sp>
+    </p:spTree>
+    <p:extLst>
+      <p:ext uri="{BB962C8B-B14F-4D97-AF65-F5344CB8AC3E}">
+        <p14:creationId xmlns:p14="http://schemas.microsoft.com/office/powerpoint/2010/main" val="2483602993"/>
+      </p:ext>
+    </p:extLst>
+  </p:cSld>
+  <p:clrMapOvr>
+    <a:masterClrMapping/>
+  </p:clrMapOvr>
+  <p:timing>
+    <p:tnLst>
+      <p:par>
+        <p:cTn id="1" dur="indefinite" restart="never" nodeType="tmRoot"/>
+      </p:par>
+    </p:tnLst>
+  </p:timing>
+</p:sldLayout>
+</file>
+
+<file path=ppt/slideLayouts/slideLayout14.xml><?xml version="1.0" encoding="utf-8"?>
+<p:sldLayout xmlns:a="http://schemas.openxmlformats.org/drawingml/2006/main" xmlns:r="http://schemas.openxmlformats.org/officeDocument/2006/relationships" xmlns:p="http://schemas.openxmlformats.org/presentationml/2006/main" type="secHead" preserve="1">
+  <p:cSld name="Section Header">
+    <p:spTree>
+      <p:nvGrpSpPr>
+        <p:cNvPr id="1" name=""/>
+        <p:cNvGrpSpPr/>
+        <p:nvPr/>
+      </p:nvGrpSpPr>
+      <p:grpSpPr>
+        <a:xfrm>
+          <a:off x="0" y="0"/>
+          <a:ext cx="0" cy="0"/>
+          <a:chOff x="0" y="0"/>
+          <a:chExt cx="0" cy="0"/>
+        </a:xfrm>
+      </p:grpSpPr>
+      <p:sp>
+        <p:nvSpPr>
+          <p:cNvPr id="2" name="Title 1"/>
+          <p:cNvSpPr>
+            <a:spLocks noGrp="1"/>
+          </p:cNvSpPr>
+          <p:nvPr>
+            <p:ph type="title"/>
+          </p:nvPr>
+        </p:nvSpPr>
+        <p:spPr>
+          <a:xfrm>
+            <a:off x="722313" y="3672418"/>
+            <a:ext cx="7772400" cy="1135062"/>
+          </a:xfrm>
+        </p:spPr>
+        <p:txBody>
+          <a:bodyPr anchor="t"/>
+          <a:lstStyle>
+            <a:lvl1pPr algn="l">
+              <a:defRPr sz="4000" b="1" cap="all"/>
+            </a:lvl1pPr>
+          </a:lstStyle>
+          <a:p>
+            <a:r>
+              <a:rPr lang="en-US" smtClean="0"/>
+              <a:t>Click to edit Master title style</a:t>
+            </a:r>
+            <a:endParaRPr lang="en-ZA"/>
+          </a:p>
+        </p:txBody>
+      </p:sp>
+      <p:sp>
+        <p:nvSpPr>
+          <p:cNvPr id="3" name="Text Placeholder 2"/>
+          <p:cNvSpPr>
+            <a:spLocks noGrp="1"/>
+          </p:cNvSpPr>
+          <p:nvPr>
+            <p:ph type="body" idx="1"/>
+          </p:nvPr>
+        </p:nvSpPr>
+        <p:spPr>
+          <a:xfrm>
+            <a:off x="722313" y="2422261"/>
+            <a:ext cx="7772400" cy="1250156"/>
+          </a:xfrm>
+        </p:spPr>
+        <p:txBody>
+          <a:bodyPr anchor="b"/>
+          <a:lstStyle>
+            <a:lvl1pPr marL="0" indent="0">
+              <a:buNone/>
+              <a:defRPr sz="2000">
+                <a:solidFill>
+                  <a:schemeClr val="tx1">
+                    <a:tint val="75000"/>
+                  </a:schemeClr>
+                </a:solidFill>
+              </a:defRPr>
+            </a:lvl1pPr>
+            <a:lvl2pPr marL="457200" indent="0">
+              <a:buNone/>
+              <a:defRPr sz="1800">
+                <a:solidFill>
+                  <a:schemeClr val="tx1">
+                    <a:tint val="75000"/>
+                  </a:schemeClr>
+                </a:solidFill>
+              </a:defRPr>
+            </a:lvl2pPr>
+            <a:lvl3pPr marL="914400" indent="0">
+              <a:buNone/>
+              <a:defRPr sz="1600">
+                <a:solidFill>
+                  <a:schemeClr val="tx1">
+                    <a:tint val="75000"/>
+                  </a:schemeClr>
+                </a:solidFill>
+              </a:defRPr>
+            </a:lvl3pPr>
+            <a:lvl4pPr marL="1371600" indent="0">
+              <a:buNone/>
+              <a:defRPr sz="1400">
+                <a:solidFill>
+                  <a:schemeClr val="tx1">
+                    <a:tint val="75000"/>
+                  </a:schemeClr>
+                </a:solidFill>
+              </a:defRPr>
+            </a:lvl4pPr>
+            <a:lvl5pPr marL="1828800" indent="0">
+              <a:buNone/>
+              <a:defRPr sz="1400">
+                <a:solidFill>
+                  <a:schemeClr val="tx1">
+                    <a:tint val="75000"/>
+                  </a:schemeClr>
+                </a:solidFill>
+              </a:defRPr>
+            </a:lvl5pPr>
+            <a:lvl6pPr marL="2286000" indent="0">
+              <a:buNone/>
+              <a:defRPr sz="1400">
+                <a:solidFill>
+                  <a:schemeClr val="tx1">
+                    <a:tint val="75000"/>
+                  </a:schemeClr>
+                </a:solidFill>
+              </a:defRPr>
+            </a:lvl6pPr>
+            <a:lvl7pPr marL="2743200" indent="0">
+              <a:buNone/>
+              <a:defRPr sz="1400">
+                <a:solidFill>
+                  <a:schemeClr val="tx1">
+                    <a:tint val="75000"/>
+                  </a:schemeClr>
+                </a:solidFill>
+              </a:defRPr>
+            </a:lvl7pPr>
+            <a:lvl8pPr marL="3200400" indent="0">
+              <a:buNone/>
+              <a:defRPr sz="1400">
+                <a:solidFill>
+                  <a:schemeClr val="tx1">
+                    <a:tint val="75000"/>
+                  </a:schemeClr>
+                </a:solidFill>
+              </a:defRPr>
+            </a:lvl8pPr>
+            <a:lvl9pPr marL="3657600" indent="0">
+              <a:buNone/>
+              <a:defRPr sz="1400">
+                <a:solidFill>
+                  <a:schemeClr val="tx1">
+                    <a:tint val="75000"/>
+                  </a:schemeClr>
+                </a:solidFill>
+              </a:defRPr>
+            </a:lvl9pPr>
+          </a:lstStyle>
+          <a:p>
+            <a:pPr lvl="0"/>
+            <a:r>
+              <a:rPr lang="en-US" smtClean="0"/>
+              <a:t>Click to edit Master text styles</a:t>
+            </a:r>
+          </a:p>
+        </p:txBody>
+      </p:sp>
+      <p:sp>
+        <p:nvSpPr>
+          <p:cNvPr id="4" name="Date Placeholder 3"/>
+          <p:cNvSpPr>
+            <a:spLocks noGrp="1"/>
+          </p:cNvSpPr>
+          <p:nvPr>
+            <p:ph type="dt" sz="half" idx="10"/>
+          </p:nvPr>
+        </p:nvSpPr>
+        <p:spPr>
+          <a:xfrm>
+            <a:off x="457200" y="5296959"/>
+            <a:ext cx="2133600" cy="304271"/>
+          </a:xfrm>
+          <a:prstGeom prst="rect">
+            <a:avLst/>
+          </a:prstGeom>
+        </p:spPr>
+        <p:txBody>
+          <a:bodyPr/>
+          <a:lstStyle/>
+          <a:p>
+            <a:fld id="{986C9EB5-A2B4-494A-8466-BDB12800E3A8}" type="datetimeFigureOut">
+              <a:rPr lang="en-ZA" smtClean="0">
+                <a:solidFill>
+                  <a:srgbClr val="17365D"/>
+                </a:solidFill>
+              </a:rPr>
+              <a:pPr/>
+              <a:t>2015/04/09</a:t>
+            </a:fld>
+            <a:endParaRPr lang="en-ZA">
+              <a:solidFill>
+                <a:srgbClr val="17365D"/>
+              </a:solidFill>
+            </a:endParaRPr>
+          </a:p>
+        </p:txBody>
+      </p:sp>
+      <p:sp>
+        <p:nvSpPr>
+          <p:cNvPr id="5" name="Footer Placeholder 4"/>
+          <p:cNvSpPr>
+            <a:spLocks noGrp="1"/>
+          </p:cNvSpPr>
+          <p:nvPr>
+            <p:ph type="ftr" sz="quarter" idx="11"/>
+          </p:nvPr>
+        </p:nvSpPr>
+        <p:spPr>
+          <a:xfrm>
+            <a:off x="3124200" y="5296959"/>
+            <a:ext cx="2895600" cy="304271"/>
+          </a:xfrm>
+          <a:prstGeom prst="rect">
+            <a:avLst/>
+          </a:prstGeom>
+        </p:spPr>
+        <p:txBody>
+          <a:bodyPr/>
+          <a:lstStyle/>
+          <a:p>
+            <a:endParaRPr lang="en-ZA">
+              <a:solidFill>
+                <a:srgbClr val="17365D"/>
+              </a:solidFill>
+            </a:endParaRPr>
+          </a:p>
+        </p:txBody>
+      </p:sp>
+      <p:sp>
+        <p:nvSpPr>
+          <p:cNvPr id="6" name="Slide Number Placeholder 5"/>
+          <p:cNvSpPr>
+            <a:spLocks noGrp="1"/>
+          </p:cNvSpPr>
+          <p:nvPr>
+            <p:ph type="sldNum" sz="quarter" idx="12"/>
+          </p:nvPr>
+        </p:nvSpPr>
+        <p:spPr>
+          <a:xfrm>
+            <a:off x="6553200" y="5296959"/>
+            <a:ext cx="2133600" cy="304271"/>
+          </a:xfrm>
+          <a:prstGeom prst="rect">
+            <a:avLst/>
+          </a:prstGeom>
+        </p:spPr>
+        <p:txBody>
+          <a:bodyPr/>
+          <a:lstStyle/>
+          <a:p>
+            <a:fld id="{831923E6-5913-48BF-A548-4D7E556FD1DC}" type="slidenum">
+              <a:rPr lang="en-ZA" smtClean="0">
+                <a:solidFill>
+                  <a:srgbClr val="17365D"/>
+                </a:solidFill>
+              </a:rPr>
+              <a:pPr/>
+              <a:t>‹#›</a:t>
+            </a:fld>
+            <a:endParaRPr lang="en-ZA">
+              <a:solidFill>
+                <a:srgbClr val="17365D"/>
+              </a:solidFill>
+            </a:endParaRPr>
+          </a:p>
+        </p:txBody>
+      </p:sp>
+    </p:spTree>
+    <p:extLst>
+      <p:ext uri="{BB962C8B-B14F-4D97-AF65-F5344CB8AC3E}">
+        <p14:creationId xmlns:p14="http://schemas.microsoft.com/office/powerpoint/2010/main" val="331370863"/>
+      </p:ext>
+    </p:extLst>
+  </p:cSld>
+  <p:clrMapOvr>
+    <a:masterClrMapping/>
+  </p:clrMapOvr>
+</p:sldLayout>
+</file>
+
+<file path=ppt/slideLayouts/slideLayout15.xml><?xml version="1.0" encoding="utf-8"?>
+<p:sldLayout xmlns:a="http://schemas.openxmlformats.org/drawingml/2006/main" xmlns:r="http://schemas.openxmlformats.org/officeDocument/2006/relationships" xmlns:p="http://schemas.openxmlformats.org/presentationml/2006/main" type="twoObj" preserve="1">
+  <p:cSld name="Two Content">
+    <p:spTree>
+      <p:nvGrpSpPr>
+        <p:cNvPr id="1" name=""/>
+        <p:cNvGrpSpPr/>
+        <p:nvPr/>
+      </p:nvGrpSpPr>
+      <p:grpSpPr>
+        <a:xfrm>
+          <a:off x="0" y="0"/>
+          <a:ext cx="0" cy="0"/>
+          <a:chOff x="0" y="0"/>
+          <a:chExt cx="0" cy="0"/>
+        </a:xfrm>
+      </p:grpSpPr>
+      <p:sp>
+        <p:nvSpPr>
+          <p:cNvPr id="2" name="Title 1"/>
+          <p:cNvSpPr>
+            <a:spLocks noGrp="1"/>
+          </p:cNvSpPr>
+          <p:nvPr>
+            <p:ph type="title"/>
+          </p:nvPr>
+        </p:nvSpPr>
+        <p:spPr/>
+        <p:txBody>
+          <a:bodyPr/>
+          <a:lstStyle/>
+          <a:p>
+            <a:r>
+              <a:rPr lang="en-US" smtClean="0"/>
+              <a:t>Click to edit Master title style</a:t>
+            </a:r>
+            <a:endParaRPr lang="en-ZA"/>
+          </a:p>
+        </p:txBody>
+      </p:sp>
+      <p:sp>
+        <p:nvSpPr>
+          <p:cNvPr id="3" name="Content Placeholder 2"/>
+          <p:cNvSpPr>
+            <a:spLocks noGrp="1"/>
+          </p:cNvSpPr>
+          <p:nvPr>
+            <p:ph sz="half" idx="1"/>
+          </p:nvPr>
+        </p:nvSpPr>
+        <p:spPr>
+          <a:xfrm>
+            <a:off x="457200" y="1333501"/>
+            <a:ext cx="4038600" cy="3771636"/>
+          </a:xfrm>
+        </p:spPr>
+        <p:txBody>
+          <a:bodyPr/>
+          <a:lstStyle>
+            <a:lvl1pPr>
+              <a:defRPr sz="2800"/>
+            </a:lvl1pPr>
+            <a:lvl2pPr>
+              <a:defRPr sz="2400"/>
+            </a:lvl2pPr>
+            <a:lvl3pPr>
+              <a:defRPr sz="2000"/>
+            </a:lvl3pPr>
+            <a:lvl4pPr>
+              <a:defRPr sz="1800"/>
+            </a:lvl4pPr>
+            <a:lvl5pPr>
+              <a:defRPr sz="1800"/>
+            </a:lvl5pPr>
+            <a:lvl6pPr>
+              <a:defRPr sz="1800"/>
+            </a:lvl6pPr>
+            <a:lvl7pPr>
+              <a:defRPr sz="1800"/>
+            </a:lvl7pPr>
+            <a:lvl8pPr>
+              <a:defRPr sz="1800"/>
+            </a:lvl8pPr>
+            <a:lvl9pPr>
+              <a:defRPr sz="1800"/>
+            </a:lvl9pPr>
+          </a:lstStyle>
+          <a:p>
+            <a:pPr lvl="0"/>
+            <a:r>
+              <a:rPr lang="en-US" smtClean="0"/>
+              <a:t>Click to edit Master text styles</a:t>
+            </a:r>
+          </a:p>
+          <a:p>
+            <a:pPr lvl="1"/>
+            <a:r>
+              <a:rPr lang="en-US" smtClean="0"/>
+              <a:t>Second level</a:t>
+            </a:r>
+          </a:p>
+          <a:p>
+            <a:pPr lvl="2"/>
+            <a:r>
+              <a:rPr lang="en-US" smtClean="0"/>
+              <a:t>Third level</a:t>
+            </a:r>
+          </a:p>
+          <a:p>
+            <a:pPr lvl="3"/>
+            <a:r>
+              <a:rPr lang="en-US" smtClean="0"/>
+              <a:t>Fourth level</a:t>
+            </a:r>
+          </a:p>
+          <a:p>
+            <a:pPr lvl="4"/>
+            <a:r>
+              <a:rPr lang="en-US" smtClean="0"/>
+              <a:t>Fifth level</a:t>
+            </a:r>
+            <a:endParaRPr lang="en-ZA"/>
+          </a:p>
+        </p:txBody>
+      </p:sp>
+      <p:sp>
+        <p:nvSpPr>
+          <p:cNvPr id="4" name="Content Placeholder 3"/>
+          <p:cNvSpPr>
+            <a:spLocks noGrp="1"/>
+          </p:cNvSpPr>
+          <p:nvPr>
+            <p:ph sz="half" idx="2"/>
+          </p:nvPr>
+        </p:nvSpPr>
+        <p:spPr>
+          <a:xfrm>
+            <a:off x="4648200" y="1333501"/>
+            <a:ext cx="4038600" cy="3771636"/>
+          </a:xfrm>
+        </p:spPr>
+        <p:txBody>
+          <a:bodyPr/>
+          <a:lstStyle>
+            <a:lvl1pPr>
+              <a:defRPr sz="2800"/>
+            </a:lvl1pPr>
+            <a:lvl2pPr>
+              <a:defRPr sz="2400"/>
+            </a:lvl2pPr>
+            <a:lvl3pPr>
+              <a:defRPr sz="2000"/>
+            </a:lvl3pPr>
+            <a:lvl4pPr>
+              <a:defRPr sz="1800"/>
+            </a:lvl4pPr>
+            <a:lvl5pPr>
+              <a:defRPr sz="1800"/>
+            </a:lvl5pPr>
+            <a:lvl6pPr>
+              <a:defRPr sz="1800"/>
+            </a:lvl6pPr>
+            <a:lvl7pPr>
+              <a:defRPr sz="1800"/>
+            </a:lvl7pPr>
+            <a:lvl8pPr>
+              <a:defRPr sz="1800"/>
+            </a:lvl8pPr>
+            <a:lvl9pPr>
+              <a:defRPr sz="1800"/>
+            </a:lvl9pPr>
+          </a:lstStyle>
+          <a:p>
+            <a:pPr lvl="0"/>
+            <a:r>
+              <a:rPr lang="en-US" smtClean="0"/>
+              <a:t>Click to edit Master text styles</a:t>
+            </a:r>
+          </a:p>
+          <a:p>
+            <a:pPr lvl="1"/>
+            <a:r>
+              <a:rPr lang="en-US" smtClean="0"/>
+              <a:t>Second level</a:t>
+            </a:r>
+          </a:p>
+          <a:p>
+            <a:pPr lvl="2"/>
+            <a:r>
+              <a:rPr lang="en-US" smtClean="0"/>
+              <a:t>Third level</a:t>
+            </a:r>
+          </a:p>
+          <a:p>
+            <a:pPr lvl="3"/>
+            <a:r>
+              <a:rPr lang="en-US" smtClean="0"/>
+              <a:t>Fourth level</a:t>
+            </a:r>
+          </a:p>
+          <a:p>
+            <a:pPr lvl="4"/>
+            <a:r>
+              <a:rPr lang="en-US" smtClean="0"/>
+              <a:t>Fifth level</a:t>
+            </a:r>
+            <a:endParaRPr lang="en-ZA"/>
+          </a:p>
+        </p:txBody>
+      </p:sp>
+      <p:sp>
+        <p:nvSpPr>
+          <p:cNvPr id="5" name="Date Placeholder 4"/>
+          <p:cNvSpPr>
+            <a:spLocks noGrp="1"/>
+          </p:cNvSpPr>
+          <p:nvPr>
+            <p:ph type="dt" sz="half" idx="10"/>
+          </p:nvPr>
+        </p:nvSpPr>
+        <p:spPr>
+          <a:xfrm>
+            <a:off x="457200" y="5296959"/>
+            <a:ext cx="2133600" cy="304271"/>
+          </a:xfrm>
+          <a:prstGeom prst="rect">
+            <a:avLst/>
+          </a:prstGeom>
+        </p:spPr>
+        <p:txBody>
+          <a:bodyPr/>
+          <a:lstStyle/>
+          <a:p>
+            <a:fld id="{986C9EB5-A2B4-494A-8466-BDB12800E3A8}" type="datetimeFigureOut">
+              <a:rPr lang="en-ZA" smtClean="0">
+                <a:solidFill>
+                  <a:srgbClr val="17365D"/>
+                </a:solidFill>
+              </a:rPr>
+              <a:pPr/>
+              <a:t>2015/04/09</a:t>
+            </a:fld>
+            <a:endParaRPr lang="en-ZA">
+              <a:solidFill>
+                <a:srgbClr val="17365D"/>
+              </a:solidFill>
+            </a:endParaRPr>
+          </a:p>
+        </p:txBody>
+      </p:sp>
+      <p:sp>
+        <p:nvSpPr>
+          <p:cNvPr id="6" name="Footer Placeholder 5"/>
+          <p:cNvSpPr>
+            <a:spLocks noGrp="1"/>
+          </p:cNvSpPr>
+          <p:nvPr>
+            <p:ph type="ftr" sz="quarter" idx="11"/>
+          </p:nvPr>
+        </p:nvSpPr>
+        <p:spPr>
+          <a:xfrm>
+            <a:off x="3124200" y="5296959"/>
+            <a:ext cx="2895600" cy="304271"/>
+          </a:xfrm>
+          <a:prstGeom prst="rect">
+            <a:avLst/>
+          </a:prstGeom>
+        </p:spPr>
+        <p:txBody>
+          <a:bodyPr/>
+          <a:lstStyle/>
+          <a:p>
+            <a:endParaRPr lang="en-ZA">
+              <a:solidFill>
+                <a:srgbClr val="17365D"/>
+              </a:solidFill>
+            </a:endParaRPr>
+          </a:p>
+        </p:txBody>
+      </p:sp>
+      <p:sp>
+        <p:nvSpPr>
+          <p:cNvPr id="7" name="Slide Number Placeholder 6"/>
+          <p:cNvSpPr>
+            <a:spLocks noGrp="1"/>
+          </p:cNvSpPr>
+          <p:nvPr>
+            <p:ph type="sldNum" sz="quarter" idx="12"/>
+          </p:nvPr>
+        </p:nvSpPr>
+        <p:spPr>
+          <a:xfrm>
+            <a:off x="6553200" y="5296959"/>
+            <a:ext cx="2133600" cy="304271"/>
+          </a:xfrm>
+          <a:prstGeom prst="rect">
+            <a:avLst/>
+          </a:prstGeom>
+        </p:spPr>
+        <p:txBody>
+          <a:bodyPr/>
+          <a:lstStyle/>
+          <a:p>
+            <a:fld id="{831923E6-5913-48BF-A548-4D7E556FD1DC}" type="slidenum">
+              <a:rPr lang="en-ZA" smtClean="0">
+                <a:solidFill>
+                  <a:srgbClr val="17365D"/>
+                </a:solidFill>
+              </a:rPr>
+              <a:pPr/>
+              <a:t>‹#›</a:t>
+            </a:fld>
+            <a:endParaRPr lang="en-ZA">
+              <a:solidFill>
+                <a:srgbClr val="17365D"/>
+              </a:solidFill>
+            </a:endParaRPr>
+          </a:p>
+        </p:txBody>
+      </p:sp>
+    </p:spTree>
+    <p:extLst>
+      <p:ext uri="{BB962C8B-B14F-4D97-AF65-F5344CB8AC3E}">
+        <p14:creationId xmlns:p14="http://schemas.microsoft.com/office/powerpoint/2010/main" val="4207216283"/>
+      </p:ext>
+    </p:extLst>
+  </p:cSld>
+  <p:clrMapOvr>
+    <a:masterClrMapping/>
+  </p:clrMapOvr>
+</p:sldLayout>
+</file>
+
+<file path=ppt/slideLayouts/slideLayout16.xml><?xml version="1.0" encoding="utf-8"?>
+<p:sldLayout xmlns:a="http://schemas.openxmlformats.org/drawingml/2006/main" xmlns:r="http://schemas.openxmlformats.org/officeDocument/2006/relationships" xmlns:p="http://schemas.openxmlformats.org/presentationml/2006/main" type="twoTxTwoObj" preserve="1">
+  <p:cSld name="Comparison">
+    <p:spTree>
+      <p:nvGrpSpPr>
+        <p:cNvPr id="1" name=""/>
+        <p:cNvGrpSpPr/>
+        <p:nvPr/>
+      </p:nvGrpSpPr>
+      <p:grpSpPr>
+        <a:xfrm>
+          <a:off x="0" y="0"/>
+          <a:ext cx="0" cy="0"/>
+          <a:chOff x="0" y="0"/>
+          <a:chExt cx="0" cy="0"/>
+        </a:xfrm>
+      </p:grpSpPr>
+      <p:sp>
+        <p:nvSpPr>
+          <p:cNvPr id="2" name="Title 1"/>
+          <p:cNvSpPr>
+            <a:spLocks noGrp="1"/>
+          </p:cNvSpPr>
+          <p:nvPr>
+            <p:ph type="title"/>
+          </p:nvPr>
+        </p:nvSpPr>
+        <p:spPr/>
+        <p:txBody>
+          <a:bodyPr/>
+          <a:lstStyle>
+            <a:lvl1pPr>
+              <a:defRPr/>
+            </a:lvl1pPr>
+          </a:lstStyle>
+          <a:p>
+            <a:r>
+              <a:rPr lang="en-US" smtClean="0"/>
+              <a:t>Click to edit Master title style</a:t>
+            </a:r>
+            <a:endParaRPr lang="en-ZA"/>
+          </a:p>
+        </p:txBody>
+      </p:sp>
+      <p:sp>
+        <p:nvSpPr>
+          <p:cNvPr id="3" name="Text Placeholder 2"/>
+          <p:cNvSpPr>
+            <a:spLocks noGrp="1"/>
+          </p:cNvSpPr>
+          <p:nvPr>
+            <p:ph type="body" idx="1"/>
+          </p:nvPr>
+        </p:nvSpPr>
+        <p:spPr>
+          <a:xfrm>
+            <a:off x="457200" y="1279261"/>
+            <a:ext cx="4040188" cy="533136"/>
+          </a:xfrm>
+        </p:spPr>
+        <p:txBody>
+          <a:bodyPr anchor="b"/>
+          <a:lstStyle>
+            <a:lvl1pPr marL="0" indent="0">
+              <a:buNone/>
+              <a:defRPr sz="2400" b="1"/>
+            </a:lvl1pPr>
+            <a:lvl2pPr marL="457200" indent="0">
+              <a:buNone/>
+              <a:defRPr sz="2000" b="1"/>
+            </a:lvl2pPr>
+            <a:lvl3pPr marL="914400" indent="0">
+              <a:buNone/>
+              <a:defRPr sz="1800" b="1"/>
+            </a:lvl3pPr>
+            <a:lvl4pPr marL="1371600" indent="0">
+              <a:buNone/>
+              <a:defRPr sz="1600" b="1"/>
+            </a:lvl4pPr>
+            <a:lvl5pPr marL="1828800" indent="0">
+              <a:buNone/>
+              <a:defRPr sz="1600" b="1"/>
+            </a:lvl5pPr>
+            <a:lvl6pPr marL="2286000" indent="0">
+              <a:buNone/>
+              <a:defRPr sz="1600" b="1"/>
+            </a:lvl6pPr>
+            <a:lvl7pPr marL="2743200" indent="0">
+              <a:buNone/>
+              <a:defRPr sz="1600" b="1"/>
+            </a:lvl7pPr>
+            <a:lvl8pPr marL="3200400" indent="0">
+              <a:buNone/>
+              <a:defRPr sz="1600" b="1"/>
+            </a:lvl8pPr>
+            <a:lvl9pPr marL="3657600" indent="0">
+              <a:buNone/>
+              <a:defRPr sz="1600" b="1"/>
+            </a:lvl9pPr>
+          </a:lstStyle>
+          <a:p>
+            <a:pPr lvl="0"/>
+            <a:r>
+              <a:rPr lang="en-US" smtClean="0"/>
+              <a:t>Click to edit Master text styles</a:t>
+            </a:r>
+          </a:p>
+        </p:txBody>
+      </p:sp>
+      <p:sp>
+        <p:nvSpPr>
+          <p:cNvPr id="4" name="Content Placeholder 3"/>
+          <p:cNvSpPr>
+            <a:spLocks noGrp="1"/>
+          </p:cNvSpPr>
+          <p:nvPr>
+            <p:ph sz="half" idx="2"/>
+          </p:nvPr>
+        </p:nvSpPr>
+        <p:spPr>
+          <a:xfrm>
+            <a:off x="457200" y="1812396"/>
+            <a:ext cx="4040188" cy="3292740"/>
+          </a:xfrm>
+        </p:spPr>
+        <p:txBody>
+          <a:bodyPr/>
+          <a:lstStyle>
+            <a:lvl1pPr>
+              <a:defRPr sz="2400"/>
+            </a:lvl1pPr>
+            <a:lvl2pPr>
+              <a:defRPr sz="2000"/>
+            </a:lvl2pPr>
+            <a:lvl3pPr>
+              <a:defRPr sz="1800"/>
+            </a:lvl3pPr>
+            <a:lvl4pPr>
+              <a:defRPr sz="1600"/>
+            </a:lvl4pPr>
+            <a:lvl5pPr>
+              <a:defRPr sz="1600"/>
+            </a:lvl5pPr>
+            <a:lvl6pPr>
+              <a:defRPr sz="1600"/>
+            </a:lvl6pPr>
+            <a:lvl7pPr>
+              <a:defRPr sz="1600"/>
+            </a:lvl7pPr>
+            <a:lvl8pPr>
+              <a:defRPr sz="1600"/>
+            </a:lvl8pPr>
+            <a:lvl9pPr>
+              <a:defRPr sz="1600"/>
+            </a:lvl9pPr>
+          </a:lstStyle>
+          <a:p>
+            <a:pPr lvl="0"/>
+            <a:r>
+              <a:rPr lang="en-US" smtClean="0"/>
+              <a:t>Click to edit Master text styles</a:t>
+            </a:r>
+          </a:p>
+          <a:p>
+            <a:pPr lvl="1"/>
+            <a:r>
+              <a:rPr lang="en-US" smtClean="0"/>
+              <a:t>Second level</a:t>
+            </a:r>
+          </a:p>
+          <a:p>
+            <a:pPr lvl="2"/>
+            <a:r>
+              <a:rPr lang="en-US" smtClean="0"/>
+              <a:t>Third level</a:t>
+            </a:r>
+          </a:p>
+          <a:p>
+            <a:pPr lvl="3"/>
+            <a:r>
+              <a:rPr lang="en-US" smtClean="0"/>
+              <a:t>Fourth level</a:t>
+            </a:r>
+          </a:p>
+          <a:p>
+            <a:pPr lvl="4"/>
+            <a:r>
+              <a:rPr lang="en-US" smtClean="0"/>
+              <a:t>Fifth level</a:t>
+            </a:r>
+            <a:endParaRPr lang="en-ZA"/>
+          </a:p>
+        </p:txBody>
+      </p:sp>
+      <p:sp>
+        <p:nvSpPr>
+          <p:cNvPr id="5" name="Text Placeholder 4"/>
+          <p:cNvSpPr>
+            <a:spLocks noGrp="1"/>
+          </p:cNvSpPr>
+          <p:nvPr>
+            <p:ph type="body" sz="quarter" idx="3"/>
+          </p:nvPr>
+        </p:nvSpPr>
+        <p:spPr>
+          <a:xfrm>
+            <a:off x="4645027" y="1279261"/>
+            <a:ext cx="4041775" cy="533136"/>
+          </a:xfrm>
+        </p:spPr>
+        <p:txBody>
+          <a:bodyPr anchor="b"/>
+          <a:lstStyle>
+            <a:lvl1pPr marL="0" indent="0">
+              <a:buNone/>
+              <a:defRPr sz="2400" b="1"/>
+            </a:lvl1pPr>
+            <a:lvl2pPr marL="457200" indent="0">
+              <a:buNone/>
+              <a:defRPr sz="2000" b="1"/>
+            </a:lvl2pPr>
+            <a:lvl3pPr marL="914400" indent="0">
+              <a:buNone/>
+              <a:defRPr sz="1800" b="1"/>
+            </a:lvl3pPr>
+            <a:lvl4pPr marL="1371600" indent="0">
+              <a:buNone/>
+              <a:defRPr sz="1600" b="1"/>
+            </a:lvl4pPr>
+            <a:lvl5pPr marL="1828800" indent="0">
+              <a:buNone/>
+              <a:defRPr sz="1600" b="1"/>
+            </a:lvl5pPr>
+            <a:lvl6pPr marL="2286000" indent="0">
+              <a:buNone/>
+              <a:defRPr sz="1600" b="1"/>
+            </a:lvl6pPr>
+            <a:lvl7pPr marL="2743200" indent="0">
+              <a:buNone/>
+              <a:defRPr sz="1600" b="1"/>
+            </a:lvl7pPr>
+            <a:lvl8pPr marL="3200400" indent="0">
+              <a:buNone/>
+              <a:defRPr sz="1600" b="1"/>
+            </a:lvl8pPr>
+            <a:lvl9pPr marL="3657600" indent="0">
+              <a:buNone/>
+              <a:defRPr sz="1600" b="1"/>
+            </a:lvl9pPr>
+          </a:lstStyle>
+          <a:p>
+            <a:pPr lvl="0"/>
+            <a:r>
+              <a:rPr lang="en-US" smtClean="0"/>
+              <a:t>Click to edit Master text styles</a:t>
+            </a:r>
+          </a:p>
+        </p:txBody>
+      </p:sp>
+      <p:sp>
+        <p:nvSpPr>
+          <p:cNvPr id="6" name="Content Placeholder 5"/>
+          <p:cNvSpPr>
+            <a:spLocks noGrp="1"/>
+          </p:cNvSpPr>
+          <p:nvPr>
+            <p:ph sz="quarter" idx="4"/>
+          </p:nvPr>
+        </p:nvSpPr>
+        <p:spPr>
+          <a:xfrm>
+            <a:off x="4645027" y="1812396"/>
+            <a:ext cx="4041775" cy="3292740"/>
+          </a:xfrm>
+        </p:spPr>
+        <p:txBody>
+          <a:bodyPr/>
+          <a:lstStyle>
+            <a:lvl1pPr>
+              <a:defRPr sz="2400"/>
+            </a:lvl1pPr>
+            <a:lvl2pPr>
+              <a:defRPr sz="2000"/>
+            </a:lvl2pPr>
+            <a:lvl3pPr>
+              <a:defRPr sz="1800"/>
+            </a:lvl3pPr>
+            <a:lvl4pPr>
+              <a:defRPr sz="1600"/>
+            </a:lvl4pPr>
+            <a:lvl5pPr>
+              <a:defRPr sz="1600"/>
+            </a:lvl5pPr>
+            <a:lvl6pPr>
+              <a:defRPr sz="1600"/>
+            </a:lvl6pPr>
+            <a:lvl7pPr>
+              <a:defRPr sz="1600"/>
+            </a:lvl7pPr>
+            <a:lvl8pPr>
+              <a:defRPr sz="1600"/>
+            </a:lvl8pPr>
+            <a:lvl9pPr>
+              <a:defRPr sz="1600"/>
+            </a:lvl9pPr>
+          </a:lstStyle>
+          <a:p>
+            <a:pPr lvl="0"/>
+            <a:r>
+              <a:rPr lang="en-US" smtClean="0"/>
+              <a:t>Click to edit Master text styles</a:t>
+            </a:r>
+          </a:p>
+          <a:p>
+            <a:pPr lvl="1"/>
+            <a:r>
+              <a:rPr lang="en-US" smtClean="0"/>
+              <a:t>Second level</a:t>
+            </a:r>
+          </a:p>
+          <a:p>
+            <a:pPr lvl="2"/>
+            <a:r>
+              <a:rPr lang="en-US" smtClean="0"/>
+              <a:t>Third level</a:t>
+            </a:r>
+          </a:p>
+          <a:p>
+            <a:pPr lvl="3"/>
+            <a:r>
+              <a:rPr lang="en-US" smtClean="0"/>
+              <a:t>Fourth level</a:t>
+            </a:r>
+          </a:p>
+          <a:p>
+            <a:pPr lvl="4"/>
+            <a:r>
+              <a:rPr lang="en-US" smtClean="0"/>
+              <a:t>Fifth level</a:t>
+            </a:r>
+            <a:endParaRPr lang="en-ZA"/>
+          </a:p>
+        </p:txBody>
+      </p:sp>
+      <p:sp>
+        <p:nvSpPr>
+          <p:cNvPr id="7" name="Date Placeholder 6"/>
+          <p:cNvSpPr>
+            <a:spLocks noGrp="1"/>
+          </p:cNvSpPr>
+          <p:nvPr>
+            <p:ph type="dt" sz="half" idx="10"/>
+          </p:nvPr>
+        </p:nvSpPr>
+        <p:spPr>
+          <a:xfrm>
+            <a:off x="457200" y="5296959"/>
+            <a:ext cx="2133600" cy="304271"/>
+          </a:xfrm>
+          <a:prstGeom prst="rect">
+            <a:avLst/>
+          </a:prstGeom>
+        </p:spPr>
+        <p:txBody>
+          <a:bodyPr/>
+          <a:lstStyle/>
+          <a:p>
+            <a:fld id="{986C9EB5-A2B4-494A-8466-BDB12800E3A8}" type="datetimeFigureOut">
+              <a:rPr lang="en-ZA" smtClean="0">
+                <a:solidFill>
+                  <a:srgbClr val="17365D"/>
+                </a:solidFill>
+              </a:rPr>
+              <a:pPr/>
+              <a:t>2015/04/09</a:t>
+            </a:fld>
+            <a:endParaRPr lang="en-ZA">
+              <a:solidFill>
+                <a:srgbClr val="17365D"/>
+              </a:solidFill>
+            </a:endParaRPr>
+          </a:p>
+        </p:txBody>
+      </p:sp>
+      <p:sp>
+        <p:nvSpPr>
+          <p:cNvPr id="8" name="Footer Placeholder 7"/>
+          <p:cNvSpPr>
+            <a:spLocks noGrp="1"/>
+          </p:cNvSpPr>
+          <p:nvPr>
+            <p:ph type="ftr" sz="quarter" idx="11"/>
+          </p:nvPr>
+        </p:nvSpPr>
+        <p:spPr>
+          <a:xfrm>
+            <a:off x="3124200" y="5296959"/>
+            <a:ext cx="2895600" cy="304271"/>
+          </a:xfrm>
+          <a:prstGeom prst="rect">
+            <a:avLst/>
+          </a:prstGeom>
+        </p:spPr>
+        <p:txBody>
+          <a:bodyPr/>
+          <a:lstStyle/>
+          <a:p>
+            <a:endParaRPr lang="en-ZA">
+              <a:solidFill>
+                <a:srgbClr val="17365D"/>
+              </a:solidFill>
+            </a:endParaRPr>
+          </a:p>
+        </p:txBody>
+      </p:sp>
+      <p:sp>
+        <p:nvSpPr>
+          <p:cNvPr id="9" name="Slide Number Placeholder 8"/>
+          <p:cNvSpPr>
+            <a:spLocks noGrp="1"/>
+          </p:cNvSpPr>
+          <p:nvPr>
+            <p:ph type="sldNum" sz="quarter" idx="12"/>
+          </p:nvPr>
+        </p:nvSpPr>
+        <p:spPr>
+          <a:xfrm>
+            <a:off x="6553200" y="5296959"/>
+            <a:ext cx="2133600" cy="304271"/>
+          </a:xfrm>
+          <a:prstGeom prst="rect">
+            <a:avLst/>
+          </a:prstGeom>
+        </p:spPr>
+        <p:txBody>
+          <a:bodyPr/>
+          <a:lstStyle/>
+          <a:p>
+            <a:fld id="{831923E6-5913-48BF-A548-4D7E556FD1DC}" type="slidenum">
+              <a:rPr lang="en-ZA" smtClean="0">
+                <a:solidFill>
+                  <a:srgbClr val="17365D"/>
+                </a:solidFill>
+              </a:rPr>
+              <a:pPr/>
+              <a:t>‹#›</a:t>
+            </a:fld>
+            <a:endParaRPr lang="en-ZA">
+              <a:solidFill>
+                <a:srgbClr val="17365D"/>
+              </a:solidFill>
+            </a:endParaRPr>
+          </a:p>
+        </p:txBody>
+      </p:sp>
+    </p:spTree>
+    <p:extLst>
+      <p:ext uri="{BB962C8B-B14F-4D97-AF65-F5344CB8AC3E}">
+        <p14:creationId xmlns:p14="http://schemas.microsoft.com/office/powerpoint/2010/main" val="891980587"/>
+      </p:ext>
+    </p:extLst>
+  </p:cSld>
+  <p:clrMapOvr>
+    <a:masterClrMapping/>
+  </p:clrMapOvr>
+</p:sldLayout>
+</file>
+
+<file path=ppt/slideLayouts/slideLayout17.xml><?xml version="1.0" encoding="utf-8"?>
+<p:sldLayout xmlns:a="http://schemas.openxmlformats.org/drawingml/2006/main" xmlns:r="http://schemas.openxmlformats.org/officeDocument/2006/relationships" xmlns:p="http://schemas.openxmlformats.org/presentationml/2006/main" type="titleOnly" preserve="1">
+  <p:cSld name="Title Only">
+    <p:spTree>
+      <p:nvGrpSpPr>
+        <p:cNvPr id="1" name=""/>
+        <p:cNvGrpSpPr/>
+        <p:nvPr/>
+      </p:nvGrpSpPr>
+      <p:grpSpPr>
+        <a:xfrm>
+          <a:off x="0" y="0"/>
+          <a:ext cx="0" cy="0"/>
+          <a:chOff x="0" y="0"/>
+          <a:chExt cx="0" cy="0"/>
+        </a:xfrm>
+      </p:grpSpPr>
+      <p:sp>
+        <p:nvSpPr>
+          <p:cNvPr id="2" name="Title 1"/>
+          <p:cNvSpPr>
+            <a:spLocks noGrp="1"/>
+          </p:cNvSpPr>
+          <p:nvPr>
+            <p:ph type="title"/>
+          </p:nvPr>
+        </p:nvSpPr>
+        <p:spPr/>
+        <p:txBody>
+          <a:bodyPr/>
+          <a:lstStyle/>
+          <a:p>
+            <a:r>
+              <a:rPr lang="en-US" smtClean="0"/>
+              <a:t>Click to edit Master title style</a:t>
+            </a:r>
+            <a:endParaRPr lang="en-ZA"/>
+          </a:p>
+        </p:txBody>
+      </p:sp>
+      <p:sp>
+        <p:nvSpPr>
+          <p:cNvPr id="3" name="Date Placeholder 2"/>
+          <p:cNvSpPr>
+            <a:spLocks noGrp="1"/>
+          </p:cNvSpPr>
+          <p:nvPr>
+            <p:ph type="dt" sz="half" idx="10"/>
+          </p:nvPr>
+        </p:nvSpPr>
+        <p:spPr>
+          <a:xfrm>
+            <a:off x="457200" y="5296959"/>
+            <a:ext cx="2133600" cy="304271"/>
+          </a:xfrm>
+          <a:prstGeom prst="rect">
+            <a:avLst/>
+          </a:prstGeom>
+        </p:spPr>
+        <p:txBody>
+          <a:bodyPr/>
+          <a:lstStyle/>
+          <a:p>
+            <a:fld id="{986C9EB5-A2B4-494A-8466-BDB12800E3A8}" type="datetimeFigureOut">
+              <a:rPr lang="en-ZA" smtClean="0">
+                <a:solidFill>
+                  <a:srgbClr val="17365D"/>
+                </a:solidFill>
+              </a:rPr>
+              <a:pPr/>
+              <a:t>2015/04/09</a:t>
+            </a:fld>
+            <a:endParaRPr lang="en-ZA">
+              <a:solidFill>
+                <a:srgbClr val="17365D"/>
+              </a:solidFill>
+            </a:endParaRPr>
+          </a:p>
+        </p:txBody>
+      </p:sp>
+      <p:sp>
+        <p:nvSpPr>
+          <p:cNvPr id="4" name="Footer Placeholder 3"/>
+          <p:cNvSpPr>
+            <a:spLocks noGrp="1"/>
+          </p:cNvSpPr>
+          <p:nvPr>
+            <p:ph type="ftr" sz="quarter" idx="11"/>
+          </p:nvPr>
+        </p:nvSpPr>
+        <p:spPr>
+          <a:xfrm>
+            <a:off x="3124200" y="5296959"/>
+            <a:ext cx="2895600" cy="304271"/>
+          </a:xfrm>
+          <a:prstGeom prst="rect">
+            <a:avLst/>
+          </a:prstGeom>
+        </p:spPr>
+        <p:txBody>
+          <a:bodyPr/>
+          <a:lstStyle/>
+          <a:p>
+            <a:endParaRPr lang="en-ZA">
+              <a:solidFill>
+                <a:srgbClr val="17365D"/>
+              </a:solidFill>
+            </a:endParaRPr>
+          </a:p>
+        </p:txBody>
+      </p:sp>
+      <p:sp>
+        <p:nvSpPr>
+          <p:cNvPr id="5" name="Slide Number Placeholder 4"/>
+          <p:cNvSpPr>
+            <a:spLocks noGrp="1"/>
+          </p:cNvSpPr>
+          <p:nvPr>
+            <p:ph type="sldNum" sz="quarter" idx="12"/>
+          </p:nvPr>
+        </p:nvSpPr>
+        <p:spPr>
+          <a:xfrm>
+            <a:off x="6553200" y="5296959"/>
+            <a:ext cx="2133600" cy="304271"/>
+          </a:xfrm>
+          <a:prstGeom prst="rect">
+            <a:avLst/>
+          </a:prstGeom>
+        </p:spPr>
+        <p:txBody>
+          <a:bodyPr/>
+          <a:lstStyle/>
+          <a:p>
+            <a:fld id="{831923E6-5913-48BF-A548-4D7E556FD1DC}" type="slidenum">
+              <a:rPr lang="en-ZA" smtClean="0">
+                <a:solidFill>
+                  <a:srgbClr val="17365D"/>
+                </a:solidFill>
+              </a:rPr>
+              <a:pPr/>
+              <a:t>‹#›</a:t>
+            </a:fld>
+            <a:endParaRPr lang="en-ZA">
+              <a:solidFill>
+                <a:srgbClr val="17365D"/>
+              </a:solidFill>
+            </a:endParaRPr>
+          </a:p>
+        </p:txBody>
+      </p:sp>
+    </p:spTree>
+    <p:extLst>
+      <p:ext uri="{BB962C8B-B14F-4D97-AF65-F5344CB8AC3E}">
+        <p14:creationId xmlns:p14="http://schemas.microsoft.com/office/powerpoint/2010/main" val="1673460584"/>
+      </p:ext>
+    </p:extLst>
+  </p:cSld>
+  <p:clrMapOvr>
+    <a:masterClrMapping/>
+  </p:clrMapOvr>
+  <p:timing>
+    <p:tnLst>
+      <p:par>
+        <p:cTn id="1" dur="indefinite" restart="never" nodeType="tmRoot"/>
+      </p:par>
+    </p:tnLst>
+  </p:timing>
+</p:sldLayout>
+</file>
+
+<file path=ppt/slideLayouts/slideLayout18.xml><?xml version="1.0" encoding="utf-8"?>
+<p:sldLayout xmlns:a="http://schemas.openxmlformats.org/drawingml/2006/main" xmlns:r="http://schemas.openxmlformats.org/officeDocument/2006/relationships" xmlns:p="http://schemas.openxmlformats.org/presentationml/2006/main" type="blank" preserve="1">
+  <p:cSld name="Blank">
+    <p:spTree>
+      <p:nvGrpSpPr>
+        <p:cNvPr id="1" name=""/>
+        <p:cNvGrpSpPr/>
+        <p:nvPr/>
+      </p:nvGrpSpPr>
+      <p:grpSpPr>
+        <a:xfrm>
+          <a:off x="0" y="0"/>
+          <a:ext cx="0" cy="0"/>
+          <a:chOff x="0" y="0"/>
+          <a:chExt cx="0" cy="0"/>
+        </a:xfrm>
+      </p:grpSpPr>
+      <p:sp>
+        <p:nvSpPr>
+          <p:cNvPr id="2" name="Date Placeholder 1"/>
+          <p:cNvSpPr>
+            <a:spLocks noGrp="1"/>
+          </p:cNvSpPr>
+          <p:nvPr>
+            <p:ph type="dt" sz="half" idx="10"/>
+          </p:nvPr>
+        </p:nvSpPr>
+        <p:spPr>
+          <a:xfrm>
+            <a:off x="457200" y="5296959"/>
+            <a:ext cx="2133600" cy="304271"/>
+          </a:xfrm>
+          <a:prstGeom prst="rect">
+            <a:avLst/>
+          </a:prstGeom>
+        </p:spPr>
+        <p:txBody>
+          <a:bodyPr/>
+          <a:lstStyle/>
+          <a:p>
+            <a:fld id="{986C9EB5-A2B4-494A-8466-BDB12800E3A8}" type="datetimeFigureOut">
+              <a:rPr lang="en-ZA" smtClean="0">
+                <a:solidFill>
+                  <a:srgbClr val="17365D"/>
+                </a:solidFill>
+              </a:rPr>
+              <a:pPr/>
+              <a:t>2015/04/09</a:t>
+            </a:fld>
+            <a:endParaRPr lang="en-ZA">
+              <a:solidFill>
+                <a:srgbClr val="17365D"/>
+              </a:solidFill>
+            </a:endParaRPr>
+          </a:p>
+        </p:txBody>
+      </p:sp>
+      <p:sp>
+        <p:nvSpPr>
+          <p:cNvPr id="3" name="Footer Placeholder 2"/>
+          <p:cNvSpPr>
+            <a:spLocks noGrp="1"/>
+          </p:cNvSpPr>
+          <p:nvPr>
+            <p:ph type="ftr" sz="quarter" idx="11"/>
+          </p:nvPr>
+        </p:nvSpPr>
+        <p:spPr>
+          <a:xfrm>
+            <a:off x="3124200" y="5296959"/>
+            <a:ext cx="2895600" cy="304271"/>
+          </a:xfrm>
+          <a:prstGeom prst="rect">
+            <a:avLst/>
+          </a:prstGeom>
+        </p:spPr>
+        <p:txBody>
+          <a:bodyPr/>
+          <a:lstStyle/>
+          <a:p>
+            <a:endParaRPr lang="en-ZA">
+              <a:solidFill>
+                <a:srgbClr val="17365D"/>
+              </a:solidFill>
+            </a:endParaRPr>
+          </a:p>
+        </p:txBody>
+      </p:sp>
+      <p:sp>
+        <p:nvSpPr>
+          <p:cNvPr id="4" name="Slide Number Placeholder 3"/>
+          <p:cNvSpPr>
+            <a:spLocks noGrp="1"/>
+          </p:cNvSpPr>
+          <p:nvPr>
+            <p:ph type="sldNum" sz="quarter" idx="12"/>
+          </p:nvPr>
+        </p:nvSpPr>
+        <p:spPr>
+          <a:xfrm>
+            <a:off x="6553200" y="5296959"/>
+            <a:ext cx="2133600" cy="304271"/>
+          </a:xfrm>
+          <a:prstGeom prst="rect">
+            <a:avLst/>
+          </a:prstGeom>
+        </p:spPr>
+        <p:txBody>
+          <a:bodyPr/>
+          <a:lstStyle/>
+          <a:p>
+            <a:fld id="{831923E6-5913-48BF-A548-4D7E556FD1DC}" type="slidenum">
+              <a:rPr lang="en-ZA" smtClean="0">
+                <a:solidFill>
+                  <a:srgbClr val="17365D"/>
+                </a:solidFill>
+              </a:rPr>
+              <a:pPr/>
+              <a:t>‹#›</a:t>
+            </a:fld>
+            <a:endParaRPr lang="en-ZA">
+              <a:solidFill>
+                <a:srgbClr val="17365D"/>
+              </a:solidFill>
+            </a:endParaRPr>
+          </a:p>
+        </p:txBody>
+      </p:sp>
+    </p:spTree>
+    <p:extLst>
+      <p:ext uri="{BB962C8B-B14F-4D97-AF65-F5344CB8AC3E}">
+        <p14:creationId xmlns:p14="http://schemas.microsoft.com/office/powerpoint/2010/main" val="3982894035"/>
+      </p:ext>
+    </p:extLst>
+  </p:cSld>
+  <p:clrMapOvr>
+    <a:masterClrMapping/>
+  </p:clrMapOvr>
+  <p:timing>
+    <p:tnLst>
+      <p:par>
+        <p:cTn id="1" dur="indefinite" restart="never" nodeType="tmRoot"/>
+      </p:par>
+    </p:tnLst>
+  </p:timing>
+</p:sldLayout>
+</file>
+
+<file path=ppt/slideLayouts/slideLayout19.xml><?xml version="1.0" encoding="utf-8"?>
+<p:sldLayout xmlns:a="http://schemas.openxmlformats.org/drawingml/2006/main" xmlns:r="http://schemas.openxmlformats.org/officeDocument/2006/relationships" xmlns:p="http://schemas.openxmlformats.org/presentationml/2006/main" type="objTx" preserve="1">
+  <p:cSld name="Content with Caption">
+    <p:spTree>
+      <p:nvGrpSpPr>
+        <p:cNvPr id="1" name=""/>
+        <p:cNvGrpSpPr/>
+        <p:nvPr/>
+      </p:nvGrpSpPr>
+      <p:grpSpPr>
+        <a:xfrm>
+          <a:off x="0" y="0"/>
+          <a:ext cx="0" cy="0"/>
+          <a:chOff x="0" y="0"/>
+          <a:chExt cx="0" cy="0"/>
+        </a:xfrm>
+      </p:grpSpPr>
+      <p:sp>
+        <p:nvSpPr>
+          <p:cNvPr id="2" name="Title 1"/>
+          <p:cNvSpPr>
+            <a:spLocks noGrp="1"/>
+          </p:cNvSpPr>
+          <p:nvPr>
+            <p:ph type="title"/>
+          </p:nvPr>
+        </p:nvSpPr>
+        <p:spPr>
+          <a:xfrm>
+            <a:off x="457202" y="227541"/>
+            <a:ext cx="3008313" cy="968376"/>
+          </a:xfrm>
+        </p:spPr>
+        <p:txBody>
+          <a:bodyPr anchor="b"/>
+          <a:lstStyle>
+            <a:lvl1pPr algn="l">
+              <a:defRPr sz="2000" b="1"/>
+            </a:lvl1pPr>
+          </a:lstStyle>
+          <a:p>
+            <a:r>
+              <a:rPr lang="en-US" smtClean="0"/>
+              <a:t>Click to edit Master title style</a:t>
+            </a:r>
+            <a:endParaRPr lang="en-ZA"/>
+          </a:p>
+        </p:txBody>
+      </p:sp>
+      <p:sp>
+        <p:nvSpPr>
+          <p:cNvPr id="3" name="Content Placeholder 2"/>
+          <p:cNvSpPr>
+            <a:spLocks noGrp="1"/>
+          </p:cNvSpPr>
+          <p:nvPr>
+            <p:ph idx="1"/>
+          </p:nvPr>
+        </p:nvSpPr>
+        <p:spPr>
+          <a:xfrm>
+            <a:off x="3575050" y="227543"/>
+            <a:ext cx="5111750" cy="4877594"/>
+          </a:xfrm>
+        </p:spPr>
+        <p:txBody>
+          <a:bodyPr/>
+          <a:lstStyle>
+            <a:lvl1pPr>
+              <a:defRPr sz="3200"/>
+            </a:lvl1pPr>
+            <a:lvl2pPr>
+              <a:defRPr sz="2800"/>
+            </a:lvl2pPr>
+            <a:lvl3pPr>
+              <a:defRPr sz="2400"/>
+            </a:lvl3pPr>
+            <a:lvl4pPr>
+              <a:defRPr sz="2000"/>
+            </a:lvl4pPr>
+            <a:lvl5pPr>
+              <a:defRPr sz="2000"/>
+            </a:lvl5pPr>
+            <a:lvl6pPr>
+              <a:defRPr sz="2000"/>
+            </a:lvl6pPr>
+            <a:lvl7pPr>
+              <a:defRPr sz="2000"/>
+            </a:lvl7pPr>
+            <a:lvl8pPr>
+              <a:defRPr sz="2000"/>
+            </a:lvl8pPr>
+            <a:lvl9pPr>
+              <a:defRPr sz="2000"/>
+            </a:lvl9pPr>
+          </a:lstStyle>
+          <a:p>
+            <a:pPr lvl="0"/>
+            <a:r>
+              <a:rPr lang="en-US" smtClean="0"/>
+              <a:t>Click to edit Master text styles</a:t>
+            </a:r>
+          </a:p>
+          <a:p>
+            <a:pPr lvl="1"/>
+            <a:r>
+              <a:rPr lang="en-US" smtClean="0"/>
+              <a:t>Second level</a:t>
+            </a:r>
+          </a:p>
+          <a:p>
+            <a:pPr lvl="2"/>
+            <a:r>
+              <a:rPr lang="en-US" smtClean="0"/>
+              <a:t>Third level</a:t>
+            </a:r>
+          </a:p>
+          <a:p>
+            <a:pPr lvl="3"/>
+            <a:r>
+              <a:rPr lang="en-US" smtClean="0"/>
+              <a:t>Fourth level</a:t>
+            </a:r>
+          </a:p>
+          <a:p>
+            <a:pPr lvl="4"/>
+            <a:r>
+              <a:rPr lang="en-US" smtClean="0"/>
+              <a:t>Fifth level</a:t>
+            </a:r>
+            <a:endParaRPr lang="en-ZA"/>
+          </a:p>
+        </p:txBody>
+      </p:sp>
+      <p:sp>
+        <p:nvSpPr>
+          <p:cNvPr id="4" name="Text Placeholder 3"/>
+          <p:cNvSpPr>
+            <a:spLocks noGrp="1"/>
+          </p:cNvSpPr>
+          <p:nvPr>
+            <p:ph type="body" sz="half" idx="2"/>
+          </p:nvPr>
+        </p:nvSpPr>
+        <p:spPr>
+          <a:xfrm>
+            <a:off x="457202" y="1195918"/>
+            <a:ext cx="3008313" cy="3909219"/>
+          </a:xfrm>
+        </p:spPr>
+        <p:txBody>
+          <a:bodyPr/>
+          <a:lstStyle>
+            <a:lvl1pPr marL="0" indent="0">
+              <a:buNone/>
+              <a:defRPr sz="1400"/>
+            </a:lvl1pPr>
+            <a:lvl2pPr marL="457200" indent="0">
+              <a:buNone/>
+              <a:defRPr sz="1200"/>
+            </a:lvl2pPr>
+            <a:lvl3pPr marL="914400" indent="0">
+              <a:buNone/>
+              <a:defRPr sz="1000"/>
+            </a:lvl3pPr>
+            <a:lvl4pPr marL="1371600" indent="0">
+              <a:buNone/>
+              <a:defRPr sz="900"/>
+            </a:lvl4pPr>
+            <a:lvl5pPr marL="1828800" indent="0">
+              <a:buNone/>
+              <a:defRPr sz="900"/>
+            </a:lvl5pPr>
+            <a:lvl6pPr marL="2286000" indent="0">
+              <a:buNone/>
+              <a:defRPr sz="900"/>
+            </a:lvl6pPr>
+            <a:lvl7pPr marL="2743200" indent="0">
+              <a:buNone/>
+              <a:defRPr sz="900"/>
+            </a:lvl7pPr>
+            <a:lvl8pPr marL="3200400" indent="0">
+              <a:buNone/>
+              <a:defRPr sz="900"/>
+            </a:lvl8pPr>
+            <a:lvl9pPr marL="3657600" indent="0">
+              <a:buNone/>
+              <a:defRPr sz="900"/>
+            </a:lvl9pPr>
+          </a:lstStyle>
+          <a:p>
+            <a:pPr lvl="0"/>
+            <a:r>
+              <a:rPr lang="en-US" smtClean="0"/>
+              <a:t>Click to edit Master text styles</a:t>
+            </a:r>
+          </a:p>
+        </p:txBody>
+      </p:sp>
+      <p:sp>
+        <p:nvSpPr>
+          <p:cNvPr id="5" name="Date Placeholder 4"/>
+          <p:cNvSpPr>
+            <a:spLocks noGrp="1"/>
+          </p:cNvSpPr>
+          <p:nvPr>
+            <p:ph type="dt" sz="half" idx="10"/>
+          </p:nvPr>
+        </p:nvSpPr>
+        <p:spPr>
+          <a:xfrm>
+            <a:off x="457200" y="5296959"/>
+            <a:ext cx="2133600" cy="304271"/>
+          </a:xfrm>
+          <a:prstGeom prst="rect">
+            <a:avLst/>
+          </a:prstGeom>
+        </p:spPr>
+        <p:txBody>
+          <a:bodyPr/>
+          <a:lstStyle/>
+          <a:p>
+            <a:fld id="{986C9EB5-A2B4-494A-8466-BDB12800E3A8}" type="datetimeFigureOut">
+              <a:rPr lang="en-ZA" smtClean="0">
+                <a:solidFill>
+                  <a:srgbClr val="17365D"/>
+                </a:solidFill>
+              </a:rPr>
+              <a:pPr/>
+              <a:t>2015/04/09</a:t>
+            </a:fld>
+            <a:endParaRPr lang="en-ZA">
+              <a:solidFill>
+                <a:srgbClr val="17365D"/>
+              </a:solidFill>
+            </a:endParaRPr>
+          </a:p>
+        </p:txBody>
+      </p:sp>
+      <p:sp>
+        <p:nvSpPr>
+          <p:cNvPr id="6" name="Footer Placeholder 5"/>
+          <p:cNvSpPr>
+            <a:spLocks noGrp="1"/>
+          </p:cNvSpPr>
+          <p:nvPr>
+            <p:ph type="ftr" sz="quarter" idx="11"/>
+          </p:nvPr>
+        </p:nvSpPr>
+        <p:spPr>
+          <a:xfrm>
+            <a:off x="3124200" y="5296959"/>
+            <a:ext cx="2895600" cy="304271"/>
+          </a:xfrm>
+          <a:prstGeom prst="rect">
+            <a:avLst/>
+          </a:prstGeom>
+        </p:spPr>
+        <p:txBody>
+          <a:bodyPr/>
+          <a:lstStyle/>
+          <a:p>
+            <a:endParaRPr lang="en-ZA">
+              <a:solidFill>
+                <a:srgbClr val="17365D"/>
+              </a:solidFill>
+            </a:endParaRPr>
+          </a:p>
+        </p:txBody>
+      </p:sp>
+      <p:sp>
+        <p:nvSpPr>
+          <p:cNvPr id="7" name="Slide Number Placeholder 6"/>
+          <p:cNvSpPr>
+            <a:spLocks noGrp="1"/>
+          </p:cNvSpPr>
+          <p:nvPr>
+            <p:ph type="sldNum" sz="quarter" idx="12"/>
+          </p:nvPr>
+        </p:nvSpPr>
+        <p:spPr>
+          <a:xfrm>
+            <a:off x="6553200" y="5296959"/>
+            <a:ext cx="2133600" cy="304271"/>
+          </a:xfrm>
+          <a:prstGeom prst="rect">
+            <a:avLst/>
+          </a:prstGeom>
+        </p:spPr>
+        <p:txBody>
+          <a:bodyPr/>
+          <a:lstStyle/>
+          <a:p>
+            <a:fld id="{831923E6-5913-48BF-A548-4D7E556FD1DC}" type="slidenum">
+              <a:rPr lang="en-ZA" smtClean="0">
+                <a:solidFill>
+                  <a:srgbClr val="17365D"/>
+                </a:solidFill>
+              </a:rPr>
+              <a:pPr/>
+              <a:t>‹#›</a:t>
+            </a:fld>
+            <a:endParaRPr lang="en-ZA">
+              <a:solidFill>
+                <a:srgbClr val="17365D"/>
+              </a:solidFill>
+            </a:endParaRPr>
+          </a:p>
+        </p:txBody>
+      </p:sp>
+    </p:spTree>
+    <p:extLst>
+      <p:ext uri="{BB962C8B-B14F-4D97-AF65-F5344CB8AC3E}">
+        <p14:creationId xmlns:p14="http://schemas.microsoft.com/office/powerpoint/2010/main" val="758823489"/>
+      </p:ext>
+    </p:extLst>
+  </p:cSld>
+  <p:clrMapOvr>
+    <a:masterClrMapping/>
+  </p:clrMapOvr>
+  <p:timing>
+    <p:tnLst>
+      <p:par>
+        <p:cTn id="1" dur="indefinite" restart="never" nodeType="tmRoot"/>
+      </p:par>
+    </p:tnLst>
+  </p:timing>
+</p:sldLayout>
+</file>
+
+<file path=ppt/slideLayouts/slideLayout2.xml><?xml version="1.0" encoding="utf-8"?>
+<p:sldLayout xmlns:a="http://schemas.openxmlformats.org/drawingml/2006/main" xmlns:r="http://schemas.openxmlformats.org/officeDocument/2006/relationships" xmlns:p="http://schemas.openxmlformats.org/presentationml/2006/main" type="obj" preserve="1">
+  <p:cSld name="Title and Content">
+    <p:spTree>
+      <p:nvGrpSpPr>
+        <p:cNvPr id="1" name=""/>
+        <p:cNvGrpSpPr/>
+        <p:nvPr/>
+      </p:nvGrpSpPr>
+      <p:grpSpPr>
+        <a:xfrm>
+          <a:off x="0" y="0"/>
+          <a:ext cx="0" cy="0"/>
+          <a:chOff x="0" y="0"/>
+          <a:chExt cx="0" cy="0"/>
+        </a:xfrm>
+      </p:grpSpPr>
+      <p:sp>
+        <p:nvSpPr>
+          <p:cNvPr id="2" name="Title 1"/>
+          <p:cNvSpPr>
+            <a:spLocks noGrp="1"/>
+          </p:cNvSpPr>
+          <p:nvPr>
+            <p:ph type="title"/>
+          </p:nvPr>
+        </p:nvSpPr>
+        <p:spPr/>
+        <p:txBody>
+          <a:bodyPr/>
+          <a:lstStyle>
+            <a:lvl1pPr>
+              <a:defRPr>
+                <a:latin typeface="Arial" pitchFamily="34" charset="0"/>
+                <a:cs typeface="Arial" pitchFamily="34" charset="0"/>
+              </a:defRPr>
+            </a:lvl1pPr>
+          </a:lstStyle>
+          <a:p>
+            <a:r>
+              <a:rPr lang="en-US" dirty="0" smtClean="0"/>
+              <a:t>Click to edit Master title style</a:t>
+            </a:r>
+            <a:endParaRPr lang="en-ZA" dirty="0"/>
+          </a:p>
+        </p:txBody>
+      </p:sp>
+      <p:sp>
+        <p:nvSpPr>
+          <p:cNvPr id="3" name="Content Placeholder 2"/>
+          <p:cNvSpPr>
+            <a:spLocks noGrp="1"/>
+          </p:cNvSpPr>
+          <p:nvPr>
+            <p:ph idx="1"/>
+          </p:nvPr>
+        </p:nvSpPr>
+        <p:spPr/>
+        <p:txBody>
+          <a:bodyPr/>
+          <a:lstStyle>
+            <a:lvl1pPr>
+              <a:defRPr>
+                <a:latin typeface="Arial" pitchFamily="34" charset="0"/>
+                <a:cs typeface="Arial" pitchFamily="34" charset="0"/>
+              </a:defRPr>
+            </a:lvl1pPr>
+            <a:lvl2pPr marL="742950" indent="-285750">
+              <a:buClr>
+                <a:srgbClr val="9FC03B"/>
+              </a:buClr>
+              <a:buFont typeface="Arial" pitchFamily="34" charset="0"/>
+              <a:buChar char="•"/>
+              <a:defRPr sz="2000">
+                <a:latin typeface="Arial" pitchFamily="34" charset="0"/>
+                <a:cs typeface="Arial" pitchFamily="34" charset="0"/>
+              </a:defRPr>
+            </a:lvl2pPr>
+            <a:lvl3pPr marL="1200150" indent="-285750">
+              <a:buClr>
+                <a:srgbClr val="92D050"/>
+              </a:buClr>
+              <a:buSzPct val="70000"/>
+              <a:buFont typeface="Courier New" pitchFamily="49" charset="0"/>
+              <a:buChar char="o"/>
+              <a:defRPr sz="1800">
+                <a:latin typeface="Arial" pitchFamily="34" charset="0"/>
+                <a:cs typeface="Arial" pitchFamily="34" charset="0"/>
+              </a:defRPr>
+            </a:lvl3pPr>
+          </a:lstStyle>
+          <a:p>
+            <a:pPr lvl="0"/>
+            <a:r>
+              <a:rPr lang="en-US" dirty="0" smtClean="0"/>
+              <a:t>Click to edit Master text styles</a:t>
+            </a:r>
+          </a:p>
+          <a:p>
+            <a:pPr lvl="1"/>
+            <a:r>
+              <a:rPr lang="en-US" dirty="0" smtClean="0"/>
+              <a:t>Second level</a:t>
+            </a:r>
+          </a:p>
+          <a:p>
+            <a:pPr lvl="2"/>
+            <a:r>
+              <a:rPr lang="en-US" dirty="0" smtClean="0"/>
+              <a:t>Third level</a:t>
+            </a:r>
+          </a:p>
+        </p:txBody>
+      </p:sp>
+      <p:sp>
+        <p:nvSpPr>
+          <p:cNvPr id="4" name="Date Placeholder 3"/>
+          <p:cNvSpPr>
+            <a:spLocks noGrp="1"/>
+          </p:cNvSpPr>
+          <p:nvPr>
+            <p:ph type="dt" sz="half" idx="10"/>
+          </p:nvPr>
+        </p:nvSpPr>
+        <p:spPr>
+          <a:xfrm>
+            <a:off x="457200" y="5296959"/>
+            <a:ext cx="2133600" cy="304271"/>
+          </a:xfrm>
+          <a:prstGeom prst="rect">
+            <a:avLst/>
+          </a:prstGeom>
+        </p:spPr>
+        <p:txBody>
+          <a:bodyPr/>
+          <a:lstStyle>
+            <a:lvl1pPr>
+              <a:defRPr>
+                <a:latin typeface="Arial" pitchFamily="34" charset="0"/>
+                <a:cs typeface="Arial" pitchFamily="34" charset="0"/>
+              </a:defRPr>
+            </a:lvl1pPr>
+          </a:lstStyle>
+          <a:p>
+            <a:fld id="{986C9EB5-A2B4-494A-8466-BDB12800E3A8}" type="datetimeFigureOut">
+              <a:rPr lang="en-ZA" smtClean="0"/>
+              <a:pPr/>
+              <a:t>2015/04/09</a:t>
+            </a:fld>
+            <a:endParaRPr lang="en-ZA" dirty="0"/>
+          </a:p>
+        </p:txBody>
+      </p:sp>
+      <p:sp>
+        <p:nvSpPr>
+          <p:cNvPr id="5" name="Footer Placeholder 4"/>
+          <p:cNvSpPr>
+            <a:spLocks noGrp="1"/>
+          </p:cNvSpPr>
+          <p:nvPr>
+            <p:ph type="ftr" sz="quarter" idx="11"/>
+          </p:nvPr>
+        </p:nvSpPr>
+        <p:spPr>
+          <a:xfrm>
+            <a:off x="3124200" y="5296959"/>
+            <a:ext cx="2895600" cy="304271"/>
+          </a:xfrm>
+          <a:prstGeom prst="rect">
+            <a:avLst/>
+          </a:prstGeom>
+        </p:spPr>
+        <p:txBody>
+          <a:bodyPr/>
+          <a:lstStyle>
+            <a:lvl1pPr>
+              <a:defRPr>
+                <a:latin typeface="Arial" pitchFamily="34" charset="0"/>
+                <a:cs typeface="Arial" pitchFamily="34" charset="0"/>
+              </a:defRPr>
+            </a:lvl1pPr>
+          </a:lstStyle>
+          <a:p>
+            <a:endParaRPr lang="en-ZA" dirty="0"/>
+          </a:p>
+        </p:txBody>
+      </p:sp>
+      <p:sp>
+        <p:nvSpPr>
+          <p:cNvPr id="6" name="Slide Number Placeholder 5"/>
+          <p:cNvSpPr>
+            <a:spLocks noGrp="1"/>
+          </p:cNvSpPr>
+          <p:nvPr>
+            <p:ph type="sldNum" sz="quarter" idx="12"/>
+          </p:nvPr>
+        </p:nvSpPr>
+        <p:spPr>
+          <a:xfrm>
+            <a:off x="6553200" y="5296959"/>
+            <a:ext cx="2133600" cy="304271"/>
+          </a:xfrm>
+          <a:prstGeom prst="rect">
+            <a:avLst/>
+          </a:prstGeom>
+        </p:spPr>
+        <p:txBody>
+          <a:bodyPr/>
+          <a:lstStyle>
+            <a:lvl1pPr>
+              <a:defRPr>
+                <a:latin typeface="Arial" pitchFamily="34" charset="0"/>
+                <a:cs typeface="Arial" pitchFamily="34" charset="0"/>
+              </a:defRPr>
+            </a:lvl1pPr>
+          </a:lstStyle>
+          <a:p>
+            <a:fld id="{831923E6-5913-48BF-A548-4D7E556FD1DC}" type="slidenum">
+              <a:rPr lang="en-ZA" smtClean="0"/>
+              <a:pPr/>
+              <a:t>‹#›</a:t>
+            </a:fld>
+            <a:endParaRPr lang="en-ZA" dirty="0"/>
+          </a:p>
+        </p:txBody>
+      </p:sp>
+    </p:spTree>
+    <p:extLst>
+      <p:ext uri="{BB962C8B-B14F-4D97-AF65-F5344CB8AC3E}">
+        <p14:creationId xmlns:p14="http://schemas.microsoft.com/office/powerpoint/2010/main" val="2569612328"/>
+      </p:ext>
+    </p:extLst>
+  </p:cSld>
+  <p:clrMapOvr>
+    <a:masterClrMapping/>
+  </p:clrMapOvr>
+  <p:timing>
+    <p:tnLst>
+      <p:par>
+        <p:cTn id="1" dur="indefinite" restart="never" nodeType="tmRoot"/>
+      </p:par>
+    </p:tnLst>
+  </p:timing>
+</p:sldLayout>
+</file>
+
+<file path=ppt/slideLayouts/slideLayout20.xml><?xml version="1.0" encoding="utf-8"?>
+<p:sldLayout xmlns:a="http://schemas.openxmlformats.org/drawingml/2006/main" xmlns:r="http://schemas.openxmlformats.org/officeDocument/2006/relationships" xmlns:p="http://schemas.openxmlformats.org/presentationml/2006/main" type="picTx" preserve="1">
+  <p:cSld name="Picture with Caption">
+    <p:spTree>
+      <p:nvGrpSpPr>
+        <p:cNvPr id="1" name=""/>
+        <p:cNvGrpSpPr/>
+        <p:nvPr/>
+      </p:nvGrpSpPr>
+      <p:grpSpPr>
+        <a:xfrm>
+          <a:off x="0" y="0"/>
+          <a:ext cx="0" cy="0"/>
+          <a:chOff x="0" y="0"/>
+          <a:chExt cx="0" cy="0"/>
+        </a:xfrm>
+      </p:grpSpPr>
+      <p:sp>
+        <p:nvSpPr>
+          <p:cNvPr id="2" name="Title 1"/>
+          <p:cNvSpPr>
+            <a:spLocks noGrp="1"/>
+          </p:cNvSpPr>
+          <p:nvPr>
+            <p:ph type="title"/>
+          </p:nvPr>
+        </p:nvSpPr>
+        <p:spPr>
+          <a:xfrm>
+            <a:off x="1792288" y="4000500"/>
+            <a:ext cx="5486400" cy="472282"/>
+          </a:xfrm>
+        </p:spPr>
+        <p:txBody>
+          <a:bodyPr anchor="b"/>
+          <a:lstStyle>
+            <a:lvl1pPr algn="l">
+              <a:defRPr sz="2000" b="1"/>
+            </a:lvl1pPr>
+          </a:lstStyle>
+          <a:p>
+            <a:r>
+              <a:rPr lang="en-US" smtClean="0"/>
+              <a:t>Click to edit Master title style</a:t>
+            </a:r>
+            <a:endParaRPr lang="en-ZA"/>
+          </a:p>
+        </p:txBody>
+      </p:sp>
+      <p:sp>
+        <p:nvSpPr>
+          <p:cNvPr id="3" name="Picture Placeholder 2"/>
+          <p:cNvSpPr>
+            <a:spLocks noGrp="1"/>
+          </p:cNvSpPr>
+          <p:nvPr>
+            <p:ph type="pic" idx="1"/>
+          </p:nvPr>
+        </p:nvSpPr>
+        <p:spPr>
+          <a:xfrm>
+            <a:off x="1792288" y="510646"/>
+            <a:ext cx="5486400" cy="3429000"/>
+          </a:xfrm>
+        </p:spPr>
+        <p:txBody>
+          <a:bodyPr/>
+          <a:lstStyle>
+            <a:lvl1pPr marL="0" indent="0">
+              <a:buNone/>
+              <a:defRPr sz="3200"/>
+            </a:lvl1pPr>
+            <a:lvl2pPr marL="457200" indent="0">
+              <a:buNone/>
+              <a:defRPr sz="2800"/>
+            </a:lvl2pPr>
+            <a:lvl3pPr marL="914400" indent="0">
+              <a:buNone/>
+              <a:defRPr sz="2400"/>
+            </a:lvl3pPr>
+            <a:lvl4pPr marL="1371600" indent="0">
+              <a:buNone/>
+              <a:defRPr sz="2000"/>
+            </a:lvl4pPr>
+            <a:lvl5pPr marL="1828800" indent="0">
+              <a:buNone/>
+              <a:defRPr sz="2000"/>
+            </a:lvl5pPr>
+            <a:lvl6pPr marL="2286000" indent="0">
+              <a:buNone/>
+              <a:defRPr sz="2000"/>
+            </a:lvl6pPr>
+            <a:lvl7pPr marL="2743200" indent="0">
+              <a:buNone/>
+              <a:defRPr sz="2000"/>
+            </a:lvl7pPr>
+            <a:lvl8pPr marL="3200400" indent="0">
+              <a:buNone/>
+              <a:defRPr sz="2000"/>
+            </a:lvl8pPr>
+            <a:lvl9pPr marL="3657600" indent="0">
+              <a:buNone/>
+              <a:defRPr sz="2000"/>
+            </a:lvl9pPr>
+          </a:lstStyle>
+          <a:p>
+            <a:endParaRPr lang="en-ZA"/>
+          </a:p>
+        </p:txBody>
+      </p:sp>
+      <p:sp>
+        <p:nvSpPr>
+          <p:cNvPr id="4" name="Text Placeholder 3"/>
+          <p:cNvSpPr>
+            <a:spLocks noGrp="1"/>
+          </p:cNvSpPr>
+          <p:nvPr>
+            <p:ph type="body" sz="half" idx="2"/>
+          </p:nvPr>
+        </p:nvSpPr>
+        <p:spPr>
+          <a:xfrm>
+            <a:off x="1792288" y="4472782"/>
+            <a:ext cx="5486400" cy="670719"/>
+          </a:xfrm>
+        </p:spPr>
+        <p:txBody>
+          <a:bodyPr/>
+          <a:lstStyle>
+            <a:lvl1pPr marL="0" indent="0">
+              <a:buNone/>
+              <a:defRPr sz="1400"/>
+            </a:lvl1pPr>
+            <a:lvl2pPr marL="457200" indent="0">
+              <a:buNone/>
+              <a:defRPr sz="1200"/>
+            </a:lvl2pPr>
+            <a:lvl3pPr marL="914400" indent="0">
+              <a:buNone/>
+              <a:defRPr sz="1000"/>
+            </a:lvl3pPr>
+            <a:lvl4pPr marL="1371600" indent="0">
+              <a:buNone/>
+              <a:defRPr sz="900"/>
+            </a:lvl4pPr>
+            <a:lvl5pPr marL="1828800" indent="0">
+              <a:buNone/>
+              <a:defRPr sz="900"/>
+            </a:lvl5pPr>
+            <a:lvl6pPr marL="2286000" indent="0">
+              <a:buNone/>
+              <a:defRPr sz="900"/>
+            </a:lvl6pPr>
+            <a:lvl7pPr marL="2743200" indent="0">
+              <a:buNone/>
+              <a:defRPr sz="900"/>
+            </a:lvl7pPr>
+            <a:lvl8pPr marL="3200400" indent="0">
+              <a:buNone/>
+              <a:defRPr sz="900"/>
+            </a:lvl8pPr>
+            <a:lvl9pPr marL="3657600" indent="0">
+              <a:buNone/>
+              <a:defRPr sz="900"/>
+            </a:lvl9pPr>
+          </a:lstStyle>
+          <a:p>
+            <a:pPr lvl="0"/>
+            <a:r>
+              <a:rPr lang="en-US" smtClean="0"/>
+              <a:t>Click to edit Master text styles</a:t>
+            </a:r>
+          </a:p>
+        </p:txBody>
+      </p:sp>
+      <p:sp>
+        <p:nvSpPr>
+          <p:cNvPr id="5" name="Date Placeholder 4"/>
+          <p:cNvSpPr>
+            <a:spLocks noGrp="1"/>
+          </p:cNvSpPr>
+          <p:nvPr>
+            <p:ph type="dt" sz="half" idx="10"/>
+          </p:nvPr>
+        </p:nvSpPr>
+        <p:spPr>
+          <a:xfrm>
+            <a:off x="457200" y="5296959"/>
+            <a:ext cx="2133600" cy="304271"/>
+          </a:xfrm>
+          <a:prstGeom prst="rect">
+            <a:avLst/>
+          </a:prstGeom>
+        </p:spPr>
+        <p:txBody>
+          <a:bodyPr/>
+          <a:lstStyle/>
+          <a:p>
+            <a:fld id="{986C9EB5-A2B4-494A-8466-BDB12800E3A8}" type="datetimeFigureOut">
+              <a:rPr lang="en-ZA" smtClean="0">
+                <a:solidFill>
+                  <a:srgbClr val="17365D"/>
+                </a:solidFill>
+              </a:rPr>
+              <a:pPr/>
+              <a:t>2015/04/09</a:t>
+            </a:fld>
+            <a:endParaRPr lang="en-ZA">
+              <a:solidFill>
+                <a:srgbClr val="17365D"/>
+              </a:solidFill>
+            </a:endParaRPr>
+          </a:p>
+        </p:txBody>
+      </p:sp>
+      <p:sp>
+        <p:nvSpPr>
+          <p:cNvPr id="6" name="Footer Placeholder 5"/>
+          <p:cNvSpPr>
+            <a:spLocks noGrp="1"/>
+          </p:cNvSpPr>
+          <p:nvPr>
+            <p:ph type="ftr" sz="quarter" idx="11"/>
+          </p:nvPr>
+        </p:nvSpPr>
+        <p:spPr>
+          <a:xfrm>
+            <a:off x="3124200" y="5296959"/>
+            <a:ext cx="2895600" cy="304271"/>
+          </a:xfrm>
+          <a:prstGeom prst="rect">
+            <a:avLst/>
+          </a:prstGeom>
+        </p:spPr>
+        <p:txBody>
+          <a:bodyPr/>
+          <a:lstStyle/>
+          <a:p>
+            <a:endParaRPr lang="en-ZA">
+              <a:solidFill>
+                <a:srgbClr val="17365D"/>
+              </a:solidFill>
+            </a:endParaRPr>
+          </a:p>
+        </p:txBody>
+      </p:sp>
+      <p:sp>
+        <p:nvSpPr>
+          <p:cNvPr id="7" name="Slide Number Placeholder 6"/>
+          <p:cNvSpPr>
+            <a:spLocks noGrp="1"/>
+          </p:cNvSpPr>
+          <p:nvPr>
+            <p:ph type="sldNum" sz="quarter" idx="12"/>
+          </p:nvPr>
+        </p:nvSpPr>
+        <p:spPr>
+          <a:xfrm>
+            <a:off x="6553200" y="5296959"/>
+            <a:ext cx="2133600" cy="304271"/>
+          </a:xfrm>
+          <a:prstGeom prst="rect">
+            <a:avLst/>
+          </a:prstGeom>
+        </p:spPr>
+        <p:txBody>
+          <a:bodyPr/>
+          <a:lstStyle/>
+          <a:p>
+            <a:fld id="{831923E6-5913-48BF-A548-4D7E556FD1DC}" type="slidenum">
+              <a:rPr lang="en-ZA" smtClean="0">
+                <a:solidFill>
+                  <a:srgbClr val="17365D"/>
+                </a:solidFill>
+              </a:rPr>
+              <a:pPr/>
+              <a:t>‹#›</a:t>
+            </a:fld>
+            <a:endParaRPr lang="en-ZA">
+              <a:solidFill>
+                <a:srgbClr val="17365D"/>
+              </a:solidFill>
+            </a:endParaRPr>
+          </a:p>
+        </p:txBody>
+      </p:sp>
+    </p:spTree>
+    <p:extLst>
+      <p:ext uri="{BB962C8B-B14F-4D97-AF65-F5344CB8AC3E}">
+        <p14:creationId xmlns:p14="http://schemas.microsoft.com/office/powerpoint/2010/main" val="1602922959"/>
+      </p:ext>
+    </p:extLst>
+  </p:cSld>
+  <p:clrMapOvr>
+    <a:masterClrMapping/>
+  </p:clrMapOvr>
+  <p:timing>
+    <p:tnLst>
+      <p:par>
+        <p:cTn id="1" dur="indefinite" restart="never" nodeType="tmRoot"/>
+      </p:par>
+    </p:tnLst>
+  </p:timing>
+</p:sldLayout>
+</file>
+
+<file path=ppt/slideLayouts/slideLayout21.xml><?xml version="1.0" encoding="utf-8"?>
+<p:sldLayout xmlns:a="http://schemas.openxmlformats.org/drawingml/2006/main" xmlns:r="http://schemas.openxmlformats.org/officeDocument/2006/relationships" xmlns:p="http://schemas.openxmlformats.org/presentationml/2006/main" type="vertTx" preserve="1">
+  <p:cSld name="Title and Vertical Text">
+    <p:spTree>
+      <p:nvGrpSpPr>
+        <p:cNvPr id="1" name=""/>
+        <p:cNvGrpSpPr/>
+        <p:nvPr/>
+      </p:nvGrpSpPr>
+      <p:grpSpPr>
+        <a:xfrm>
+          <a:off x="0" y="0"/>
+          <a:ext cx="0" cy="0"/>
+          <a:chOff x="0" y="0"/>
+          <a:chExt cx="0" cy="0"/>
+        </a:xfrm>
+      </p:grpSpPr>
+      <p:sp>
+        <p:nvSpPr>
+          <p:cNvPr id="2" name="Title 1"/>
+          <p:cNvSpPr>
+            <a:spLocks noGrp="1"/>
+          </p:cNvSpPr>
+          <p:nvPr>
+            <p:ph type="title"/>
+          </p:nvPr>
+        </p:nvSpPr>
+        <p:spPr/>
+        <p:txBody>
+          <a:bodyPr/>
+          <a:lstStyle/>
+          <a:p>
+            <a:r>
+              <a:rPr lang="en-US" smtClean="0"/>
+              <a:t>Click to edit Master title style</a:t>
+            </a:r>
+            <a:endParaRPr lang="en-ZA"/>
+          </a:p>
+        </p:txBody>
+      </p:sp>
+      <p:sp>
+        <p:nvSpPr>
+          <p:cNvPr id="3" name="Vertical Text Placeholder 2"/>
+          <p:cNvSpPr>
+            <a:spLocks noGrp="1"/>
+          </p:cNvSpPr>
+          <p:nvPr>
+            <p:ph type="body" orient="vert" idx="1"/>
+          </p:nvPr>
+        </p:nvSpPr>
+        <p:spPr/>
+        <p:txBody>
+          <a:bodyPr vert="eaVert"/>
+          <a:lstStyle/>
+          <a:p>
+            <a:pPr lvl="0"/>
+            <a:r>
+              <a:rPr lang="en-US" smtClean="0"/>
+              <a:t>Click to edit Master text styles</a:t>
+            </a:r>
+          </a:p>
+          <a:p>
+            <a:pPr lvl="1"/>
+            <a:r>
+              <a:rPr lang="en-US" smtClean="0"/>
+              <a:t>Second level</a:t>
+            </a:r>
+          </a:p>
+          <a:p>
+            <a:pPr lvl="2"/>
+            <a:r>
+              <a:rPr lang="en-US" smtClean="0"/>
+              <a:t>Third level</a:t>
+            </a:r>
+          </a:p>
+          <a:p>
+            <a:pPr lvl="3"/>
+            <a:r>
+              <a:rPr lang="en-US" smtClean="0"/>
+              <a:t>Fourth level</a:t>
+            </a:r>
+          </a:p>
+          <a:p>
+            <a:pPr lvl="4"/>
+            <a:r>
+              <a:rPr lang="en-US" smtClean="0"/>
+              <a:t>Fifth level</a:t>
+            </a:r>
+            <a:endParaRPr lang="en-ZA"/>
+          </a:p>
+        </p:txBody>
+      </p:sp>
+      <p:sp>
+        <p:nvSpPr>
+          <p:cNvPr id="4" name="Date Placeholder 3"/>
+          <p:cNvSpPr>
+            <a:spLocks noGrp="1"/>
+          </p:cNvSpPr>
+          <p:nvPr>
+            <p:ph type="dt" sz="half" idx="10"/>
+          </p:nvPr>
+        </p:nvSpPr>
+        <p:spPr>
+          <a:xfrm>
+            <a:off x="457200" y="5296959"/>
+            <a:ext cx="2133600" cy="304271"/>
+          </a:xfrm>
+          <a:prstGeom prst="rect">
+            <a:avLst/>
+          </a:prstGeom>
+        </p:spPr>
+        <p:txBody>
+          <a:bodyPr/>
+          <a:lstStyle/>
+          <a:p>
+            <a:fld id="{986C9EB5-A2B4-494A-8466-BDB12800E3A8}" type="datetimeFigureOut">
+              <a:rPr lang="en-ZA" smtClean="0">
+                <a:solidFill>
+                  <a:srgbClr val="17365D"/>
+                </a:solidFill>
+              </a:rPr>
+              <a:pPr/>
+              <a:t>2015/04/09</a:t>
+            </a:fld>
+            <a:endParaRPr lang="en-ZA">
+              <a:solidFill>
+                <a:srgbClr val="17365D"/>
+              </a:solidFill>
+            </a:endParaRPr>
+          </a:p>
+        </p:txBody>
+      </p:sp>
+      <p:sp>
+        <p:nvSpPr>
+          <p:cNvPr id="5" name="Footer Placeholder 4"/>
+          <p:cNvSpPr>
+            <a:spLocks noGrp="1"/>
+          </p:cNvSpPr>
+          <p:nvPr>
+            <p:ph type="ftr" sz="quarter" idx="11"/>
+          </p:nvPr>
+        </p:nvSpPr>
+        <p:spPr>
+          <a:xfrm>
+            <a:off x="3124200" y="5296959"/>
+            <a:ext cx="2895600" cy="304271"/>
+          </a:xfrm>
+          <a:prstGeom prst="rect">
+            <a:avLst/>
+          </a:prstGeom>
+        </p:spPr>
+        <p:txBody>
+          <a:bodyPr/>
+          <a:lstStyle/>
+          <a:p>
+            <a:endParaRPr lang="en-ZA">
+              <a:solidFill>
+                <a:srgbClr val="17365D"/>
+              </a:solidFill>
+            </a:endParaRPr>
+          </a:p>
+        </p:txBody>
+      </p:sp>
+      <p:sp>
+        <p:nvSpPr>
+          <p:cNvPr id="6" name="Slide Number Placeholder 5"/>
+          <p:cNvSpPr>
+            <a:spLocks noGrp="1"/>
+          </p:cNvSpPr>
+          <p:nvPr>
+            <p:ph type="sldNum" sz="quarter" idx="12"/>
+          </p:nvPr>
+        </p:nvSpPr>
+        <p:spPr>
+          <a:xfrm>
+            <a:off x="6553200" y="5296959"/>
+            <a:ext cx="2133600" cy="304271"/>
+          </a:xfrm>
+          <a:prstGeom prst="rect">
+            <a:avLst/>
+          </a:prstGeom>
+        </p:spPr>
+        <p:txBody>
+          <a:bodyPr/>
+          <a:lstStyle/>
+          <a:p>
+            <a:fld id="{831923E6-5913-48BF-A548-4D7E556FD1DC}" type="slidenum">
+              <a:rPr lang="en-ZA" smtClean="0">
+                <a:solidFill>
+                  <a:srgbClr val="17365D"/>
+                </a:solidFill>
+              </a:rPr>
+              <a:pPr/>
+              <a:t>‹#›</a:t>
+            </a:fld>
+            <a:endParaRPr lang="en-ZA">
+              <a:solidFill>
+                <a:srgbClr val="17365D"/>
+              </a:solidFill>
+            </a:endParaRPr>
+          </a:p>
+        </p:txBody>
+      </p:sp>
+    </p:spTree>
+    <p:extLst>
+      <p:ext uri="{BB962C8B-B14F-4D97-AF65-F5344CB8AC3E}">
+        <p14:creationId xmlns:p14="http://schemas.microsoft.com/office/powerpoint/2010/main" val="2341757763"/>
+      </p:ext>
+    </p:extLst>
+  </p:cSld>
+  <p:clrMapOvr>
+    <a:masterClrMapping/>
+  </p:clrMapOvr>
+  <p:timing>
+    <p:tnLst>
+      <p:par>
+        <p:cTn id="1" dur="indefinite" restart="never" nodeType="tmRoot"/>
+      </p:par>
+    </p:tnLst>
+  </p:timing>
+</p:sldLayout>
+</file>
+
+<file path=ppt/slideLayouts/slideLayout22.xml><?xml version="1.0" encoding="utf-8"?>
+<p:sldLayout xmlns:a="http://schemas.openxmlformats.org/drawingml/2006/main" xmlns:r="http://schemas.openxmlformats.org/officeDocument/2006/relationships" xmlns:p="http://schemas.openxmlformats.org/presentationml/2006/main" type="vertTitleAndTx" preserve="1">
+  <p:cSld name="Vertical Title and Text">
+    <p:spTree>
+      <p:nvGrpSpPr>
+        <p:cNvPr id="1" name=""/>
+        <p:cNvGrpSpPr/>
+        <p:nvPr/>
+      </p:nvGrpSpPr>
+      <p:grpSpPr>
+        <a:xfrm>
+          <a:off x="0" y="0"/>
+          <a:ext cx="0" cy="0"/>
+          <a:chOff x="0" y="0"/>
+          <a:chExt cx="0" cy="0"/>
+        </a:xfrm>
+      </p:grpSpPr>
+      <p:sp>
+        <p:nvSpPr>
+          <p:cNvPr id="2" name="Vertical Title 1"/>
+          <p:cNvSpPr>
+            <a:spLocks noGrp="1"/>
+          </p:cNvSpPr>
+          <p:nvPr>
+            <p:ph type="title" orient="vert"/>
+          </p:nvPr>
+        </p:nvSpPr>
+        <p:spPr>
+          <a:xfrm>
+            <a:off x="6629400" y="228866"/>
+            <a:ext cx="2057400" cy="4876271"/>
+          </a:xfrm>
+        </p:spPr>
+        <p:txBody>
+          <a:bodyPr vert="eaVert"/>
+          <a:lstStyle/>
+          <a:p>
+            <a:r>
+              <a:rPr lang="en-US" smtClean="0"/>
+              <a:t>Click to edit Master title style</a:t>
+            </a:r>
+            <a:endParaRPr lang="en-ZA"/>
+          </a:p>
+        </p:txBody>
+      </p:sp>
+      <p:sp>
+        <p:nvSpPr>
+          <p:cNvPr id="3" name="Vertical Text Placeholder 2"/>
+          <p:cNvSpPr>
+            <a:spLocks noGrp="1"/>
+          </p:cNvSpPr>
+          <p:nvPr>
+            <p:ph type="body" orient="vert" idx="1"/>
+          </p:nvPr>
+        </p:nvSpPr>
+        <p:spPr>
+          <a:xfrm>
+            <a:off x="457200" y="228866"/>
+            <a:ext cx="6019800" cy="4876271"/>
+          </a:xfrm>
+        </p:spPr>
+        <p:txBody>
+          <a:bodyPr vert="eaVert"/>
+          <a:lstStyle/>
+          <a:p>
+            <a:pPr lvl="0"/>
+            <a:r>
+              <a:rPr lang="en-US" smtClean="0"/>
+              <a:t>Click to edit Master text styles</a:t>
+            </a:r>
+          </a:p>
+          <a:p>
+            <a:pPr lvl="1"/>
+            <a:r>
+              <a:rPr lang="en-US" smtClean="0"/>
+              <a:t>Second level</a:t>
+            </a:r>
+          </a:p>
+          <a:p>
+            <a:pPr lvl="2"/>
+            <a:r>
+              <a:rPr lang="en-US" smtClean="0"/>
+              <a:t>Third level</a:t>
+            </a:r>
+          </a:p>
+          <a:p>
+            <a:pPr lvl="3"/>
+            <a:r>
+              <a:rPr lang="en-US" smtClean="0"/>
+              <a:t>Fourth level</a:t>
+            </a:r>
+          </a:p>
+          <a:p>
+            <a:pPr lvl="4"/>
+            <a:r>
+              <a:rPr lang="en-US" smtClean="0"/>
+              <a:t>Fifth level</a:t>
+            </a:r>
+            <a:endParaRPr lang="en-ZA"/>
+          </a:p>
+        </p:txBody>
+      </p:sp>
+      <p:sp>
+        <p:nvSpPr>
+          <p:cNvPr id="4" name="Date Placeholder 3"/>
+          <p:cNvSpPr>
+            <a:spLocks noGrp="1"/>
+          </p:cNvSpPr>
+          <p:nvPr>
+            <p:ph type="dt" sz="half" idx="10"/>
+          </p:nvPr>
+        </p:nvSpPr>
+        <p:spPr>
+          <a:xfrm>
+            <a:off x="457200" y="5296959"/>
+            <a:ext cx="2133600" cy="304271"/>
+          </a:xfrm>
+          <a:prstGeom prst="rect">
+            <a:avLst/>
+          </a:prstGeom>
+        </p:spPr>
+        <p:txBody>
+          <a:bodyPr/>
+          <a:lstStyle/>
+          <a:p>
+            <a:fld id="{986C9EB5-A2B4-494A-8466-BDB12800E3A8}" type="datetimeFigureOut">
+              <a:rPr lang="en-ZA" smtClean="0">
+                <a:solidFill>
+                  <a:srgbClr val="17365D"/>
+                </a:solidFill>
+              </a:rPr>
+              <a:pPr/>
+              <a:t>2015/04/09</a:t>
+            </a:fld>
+            <a:endParaRPr lang="en-ZA">
+              <a:solidFill>
+                <a:srgbClr val="17365D"/>
+              </a:solidFill>
+            </a:endParaRPr>
+          </a:p>
+        </p:txBody>
+      </p:sp>
+      <p:sp>
+        <p:nvSpPr>
+          <p:cNvPr id="5" name="Footer Placeholder 4"/>
+          <p:cNvSpPr>
+            <a:spLocks noGrp="1"/>
+          </p:cNvSpPr>
+          <p:nvPr>
+            <p:ph type="ftr" sz="quarter" idx="11"/>
+          </p:nvPr>
+        </p:nvSpPr>
+        <p:spPr>
+          <a:xfrm>
+            <a:off x="3124200" y="5296959"/>
+            <a:ext cx="2895600" cy="304271"/>
+          </a:xfrm>
+          <a:prstGeom prst="rect">
+            <a:avLst/>
+          </a:prstGeom>
+        </p:spPr>
+        <p:txBody>
+          <a:bodyPr/>
+          <a:lstStyle/>
+          <a:p>
+            <a:endParaRPr lang="en-ZA">
+              <a:solidFill>
+                <a:srgbClr val="17365D"/>
+              </a:solidFill>
+            </a:endParaRPr>
+          </a:p>
+        </p:txBody>
+      </p:sp>
+      <p:sp>
+        <p:nvSpPr>
+          <p:cNvPr id="6" name="Slide Number Placeholder 5"/>
+          <p:cNvSpPr>
+            <a:spLocks noGrp="1"/>
+          </p:cNvSpPr>
+          <p:nvPr>
+            <p:ph type="sldNum" sz="quarter" idx="12"/>
+          </p:nvPr>
+        </p:nvSpPr>
+        <p:spPr>
+          <a:xfrm>
+            <a:off x="6553200" y="5296959"/>
+            <a:ext cx="2133600" cy="304271"/>
+          </a:xfrm>
+          <a:prstGeom prst="rect">
+            <a:avLst/>
+          </a:prstGeom>
+        </p:spPr>
+        <p:txBody>
+          <a:bodyPr/>
+          <a:lstStyle/>
+          <a:p>
+            <a:fld id="{831923E6-5913-48BF-A548-4D7E556FD1DC}" type="slidenum">
+              <a:rPr lang="en-ZA" smtClean="0">
+                <a:solidFill>
+                  <a:srgbClr val="17365D"/>
+                </a:solidFill>
+              </a:rPr>
+              <a:pPr/>
+              <a:t>‹#›</a:t>
+            </a:fld>
+            <a:endParaRPr lang="en-ZA">
+              <a:solidFill>
+                <a:srgbClr val="17365D"/>
+              </a:solidFill>
+            </a:endParaRPr>
+          </a:p>
+        </p:txBody>
+      </p:sp>
+    </p:spTree>
+    <p:extLst>
+      <p:ext uri="{BB962C8B-B14F-4D97-AF65-F5344CB8AC3E}">
+        <p14:creationId xmlns:p14="http://schemas.microsoft.com/office/powerpoint/2010/main" val="4136836313"/>
+      </p:ext>
+    </p:extLst>
+  </p:cSld>
+  <p:clrMapOvr>
+    <a:masterClrMapping/>
+  </p:clrMapOvr>
+  <p:timing>
+    <p:tnLst>
+      <p:par>
+        <p:cTn id="1" dur="indefinite" restart="never" nodeType="tmRoot"/>
+      </p:par>
+    </p:tnLst>
+  </p:timing>
+</p:sldLayout>
+</file>
+
+<file path=ppt/slideLayouts/slideLayout23.xml><?xml version="1.0" encoding="utf-8"?>
 <p:sldLayout xmlns:a="http://schemas.openxmlformats.org/drawingml/2006/main" xmlns:r="http://schemas.openxmlformats.org/officeDocument/2006/relationships" xmlns:p="http://schemas.openxmlformats.org/presentationml/2006/main" userDrawn="1">
   <p:cSld name="1_Title Slide">
     <p:spTree>
@@ -2349,7 +6585,11 @@
           <a:lstStyle/>
           <a:p>
             <a:pPr algn="ctr"/>
-            <a:endParaRPr lang="en-US"/>
+            <a:endParaRPr lang="en-US">
+              <a:solidFill>
+                <a:prstClr val="white"/>
+              </a:solidFill>
+            </a:endParaRPr>
           </a:p>
         </p:txBody>
       </p:sp>
@@ -2487,286 +6727,10 @@
           </a:extLst>
         </p:spPr>
       </p:pic>
-      <p:pic>
-        <p:nvPicPr>
-          <p:cNvPr id="2" name="Picture 1"/>
-          <p:cNvPicPr>
-            <a:picLocks noChangeAspect="1"/>
-          </p:cNvPicPr>
-          <p:nvPr userDrawn="1"/>
-        </p:nvPicPr>
-        <p:blipFill>
-          <a:blip r:embed="rId4" cstate="print">
-            <a:extLst>
-              <a:ext uri="{28A0092B-C50C-407E-A947-70E740481C1C}">
-                <a14:useLocalDpi xmlns:a14="http://schemas.microsoft.com/office/drawing/2010/main" val="0"/>
-              </a:ext>
-            </a:extLst>
-          </a:blip>
-          <a:stretch>
-            <a:fillRect/>
-          </a:stretch>
-        </p:blipFill>
-        <p:spPr>
-          <a:xfrm>
-            <a:off x="4522812" y="4996755"/>
-            <a:ext cx="3744416" cy="284576"/>
-          </a:xfrm>
-          <a:prstGeom prst="rect">
-            <a:avLst/>
-          </a:prstGeom>
-        </p:spPr>
-      </p:pic>
     </p:spTree>
     <p:extLst>
       <p:ext uri="{BB962C8B-B14F-4D97-AF65-F5344CB8AC3E}">
-        <p14:creationId xmlns:p14="http://schemas.microsoft.com/office/powerpoint/2010/main" val="1921836842"/>
-      </p:ext>
-    </p:extLst>
-  </p:cSld>
-  <p:clrMapOvr>
-    <a:masterClrMapping/>
-  </p:clrMapOvr>
-  <p:timing>
-    <p:tnLst>
-      <p:par>
-        <p:cTn id="1" dur="indefinite" restart="never" nodeType="tmRoot"/>
-      </p:par>
-    </p:tnLst>
-  </p:timing>
-</p:sldLayout>
-</file>
-
-<file path=ppt/slideLayouts/slideLayout2.xml><?xml version="1.0" encoding="utf-8"?>
-<p:sldLayout xmlns:a="http://schemas.openxmlformats.org/drawingml/2006/main" xmlns:r="http://schemas.openxmlformats.org/officeDocument/2006/relationships" xmlns:p="http://schemas.openxmlformats.org/presentationml/2006/main" type="obj" preserve="1">
-  <p:cSld name="Title and Content">
-    <p:spTree>
-      <p:nvGrpSpPr>
-        <p:cNvPr id="1" name=""/>
-        <p:cNvGrpSpPr/>
-        <p:nvPr/>
-      </p:nvGrpSpPr>
-      <p:grpSpPr>
-        <a:xfrm>
-          <a:off x="0" y="0"/>
-          <a:ext cx="0" cy="0"/>
-          <a:chOff x="0" y="0"/>
-          <a:chExt cx="0" cy="0"/>
-        </a:xfrm>
-      </p:grpSpPr>
-      <p:sp>
-        <p:nvSpPr>
-          <p:cNvPr id="2" name="Title 1"/>
-          <p:cNvSpPr>
-            <a:spLocks noGrp="1"/>
-          </p:cNvSpPr>
-          <p:nvPr>
-            <p:ph type="title"/>
-          </p:nvPr>
-        </p:nvSpPr>
-        <p:spPr/>
-        <p:txBody>
-          <a:bodyPr/>
-          <a:lstStyle>
-            <a:lvl1pPr>
-              <a:defRPr>
-                <a:latin typeface="Arial" pitchFamily="34" charset="0"/>
-                <a:cs typeface="Arial" pitchFamily="34" charset="0"/>
-              </a:defRPr>
-            </a:lvl1pPr>
-          </a:lstStyle>
-          <a:p>
-            <a:r>
-              <a:rPr lang="en-US" dirty="0" smtClean="0"/>
-              <a:t>Click to edit Master title style</a:t>
-            </a:r>
-            <a:endParaRPr lang="en-ZA" dirty="0"/>
-          </a:p>
-        </p:txBody>
-      </p:sp>
-      <p:sp>
-        <p:nvSpPr>
-          <p:cNvPr id="3" name="Content Placeholder 2"/>
-          <p:cNvSpPr>
-            <a:spLocks noGrp="1"/>
-          </p:cNvSpPr>
-          <p:nvPr>
-            <p:ph idx="1"/>
-          </p:nvPr>
-        </p:nvSpPr>
-        <p:spPr/>
-        <p:txBody>
-          <a:bodyPr/>
-          <a:lstStyle>
-            <a:lvl1pPr>
-              <a:defRPr>
-                <a:latin typeface="Arial" pitchFamily="34" charset="0"/>
-                <a:cs typeface="Arial" pitchFamily="34" charset="0"/>
-              </a:defRPr>
-            </a:lvl1pPr>
-            <a:lvl2pPr marL="742950" indent="-285750">
-              <a:buClr>
-                <a:srgbClr val="9FC03B"/>
-              </a:buClr>
-              <a:buFont typeface="Arial" pitchFamily="34" charset="0"/>
-              <a:buChar char="•"/>
-              <a:defRPr sz="2000">
-                <a:latin typeface="Arial" pitchFamily="34" charset="0"/>
-                <a:cs typeface="Arial" pitchFamily="34" charset="0"/>
-              </a:defRPr>
-            </a:lvl2pPr>
-            <a:lvl3pPr marL="1200150" indent="-285750">
-              <a:buClr>
-                <a:srgbClr val="92D050"/>
-              </a:buClr>
-              <a:buSzPct val="70000"/>
-              <a:buFont typeface="Courier New" pitchFamily="49" charset="0"/>
-              <a:buChar char="o"/>
-              <a:defRPr sz="1800">
-                <a:latin typeface="Arial" pitchFamily="34" charset="0"/>
-                <a:cs typeface="Arial" pitchFamily="34" charset="0"/>
-              </a:defRPr>
-            </a:lvl3pPr>
-          </a:lstStyle>
-          <a:p>
-            <a:pPr lvl="0"/>
-            <a:r>
-              <a:rPr lang="en-US" dirty="0" smtClean="0"/>
-              <a:t>Click to edit Master text styles</a:t>
-            </a:r>
-          </a:p>
-          <a:p>
-            <a:pPr lvl="1"/>
-            <a:r>
-              <a:rPr lang="en-US" dirty="0" smtClean="0"/>
-              <a:t>Second level</a:t>
-            </a:r>
-          </a:p>
-          <a:p>
-            <a:pPr lvl="2"/>
-            <a:r>
-              <a:rPr lang="en-US" dirty="0" smtClean="0"/>
-              <a:t>Third level</a:t>
-            </a:r>
-          </a:p>
-        </p:txBody>
-      </p:sp>
-      <p:sp>
-        <p:nvSpPr>
-          <p:cNvPr id="4" name="Date Placeholder 3"/>
-          <p:cNvSpPr>
-            <a:spLocks noGrp="1"/>
-          </p:cNvSpPr>
-          <p:nvPr>
-            <p:ph type="dt" sz="half" idx="10"/>
-          </p:nvPr>
-        </p:nvSpPr>
-        <p:spPr>
-          <a:xfrm>
-            <a:off x="457200" y="5296959"/>
-            <a:ext cx="2133600" cy="304271"/>
-          </a:xfrm>
-          <a:prstGeom prst="rect">
-            <a:avLst/>
-          </a:prstGeom>
-        </p:spPr>
-        <p:txBody>
-          <a:bodyPr/>
-          <a:lstStyle>
-            <a:lvl1pPr>
-              <a:defRPr>
-                <a:latin typeface="Arial" pitchFamily="34" charset="0"/>
-                <a:cs typeface="Arial" pitchFamily="34" charset="0"/>
-              </a:defRPr>
-            </a:lvl1pPr>
-          </a:lstStyle>
-          <a:p>
-            <a:fld id="{986C9EB5-A2B4-494A-8466-BDB12800E3A8}" type="datetimeFigureOut">
-              <a:rPr lang="en-ZA" smtClean="0"/>
-              <a:pPr/>
-              <a:t>2015/04/08</a:t>
-            </a:fld>
-            <a:endParaRPr lang="en-ZA" dirty="0"/>
-          </a:p>
-        </p:txBody>
-      </p:sp>
-      <p:sp>
-        <p:nvSpPr>
-          <p:cNvPr id="5" name="Footer Placeholder 4"/>
-          <p:cNvSpPr>
-            <a:spLocks noGrp="1"/>
-          </p:cNvSpPr>
-          <p:nvPr>
-            <p:ph type="ftr" sz="quarter" idx="11"/>
-          </p:nvPr>
-        </p:nvSpPr>
-        <p:spPr>
-          <a:xfrm>
-            <a:off x="3124200" y="5296959"/>
-            <a:ext cx="2895600" cy="304271"/>
-          </a:xfrm>
-          <a:prstGeom prst="rect">
-            <a:avLst/>
-          </a:prstGeom>
-        </p:spPr>
-        <p:txBody>
-          <a:bodyPr/>
-          <a:lstStyle>
-            <a:lvl1pPr>
-              <a:defRPr>
-                <a:latin typeface="Arial" pitchFamily="34" charset="0"/>
-                <a:cs typeface="Arial" pitchFamily="34" charset="0"/>
-              </a:defRPr>
-            </a:lvl1pPr>
-          </a:lstStyle>
-          <a:p>
-            <a:endParaRPr lang="en-ZA" dirty="0"/>
-          </a:p>
-        </p:txBody>
-      </p:sp>
-      <p:sp>
-        <p:nvSpPr>
-          <p:cNvPr id="6" name="Slide Number Placeholder 5"/>
-          <p:cNvSpPr>
-            <a:spLocks noGrp="1"/>
-          </p:cNvSpPr>
-          <p:nvPr>
-            <p:ph type="sldNum" sz="quarter" idx="12"/>
-          </p:nvPr>
-        </p:nvSpPr>
-        <p:spPr>
-          <a:xfrm>
-            <a:off x="6553200" y="5296959"/>
-            <a:ext cx="2133600" cy="304271"/>
-          </a:xfrm>
-          <a:prstGeom prst="rect">
-            <a:avLst/>
-          </a:prstGeom>
-        </p:spPr>
-        <p:txBody>
-          <a:bodyPr/>
-          <a:lstStyle>
-            <a:lvl1pPr>
-              <a:defRPr>
-                <a:latin typeface="Arial" pitchFamily="34" charset="0"/>
-                <a:cs typeface="Arial" pitchFamily="34" charset="0"/>
-              </a:defRPr>
-            </a:lvl1pPr>
-          </a:lstStyle>
-          <a:p>
-            <a:fld id="{831923E6-5913-48BF-A548-4D7E556FD1DC}" type="slidenum">
-              <a:rPr lang="en-ZA" smtClean="0"/>
-              <a:pPr/>
-              <a:t>‹#›</a:t>
-            </a:fld>
-            <a:endParaRPr lang="en-ZA" dirty="0"/>
-          </a:p>
-        </p:txBody>
-      </p:sp>
-    </p:spTree>
-    <p:extLst>
-      <p:ext uri="{BB962C8B-B14F-4D97-AF65-F5344CB8AC3E}">
-        <p14:creationId xmlns:p14="http://schemas.microsoft.com/office/powerpoint/2010/main" val="2569612328"/>
+        <p14:creationId xmlns:p14="http://schemas.microsoft.com/office/powerpoint/2010/main" val="3202926757"/>
       </p:ext>
     </p:extLst>
   </p:cSld>
@@ -2977,7 +6941,7 @@
             <a:fld id="{986C9EB5-A2B4-494A-8466-BDB12800E3A8}" type="datetimeFigureOut">
               <a:rPr lang="en-ZA" smtClean="0"/>
               <a:pPr/>
-              <a:t>2015/04/08</a:t>
+              <a:t>2015/04/09</a:t>
             </a:fld>
             <a:endParaRPr lang="en-ZA"/>
           </a:p>
@@ -3291,7 +7255,7 @@
             <a:fld id="{986C9EB5-A2B4-494A-8466-BDB12800E3A8}" type="datetimeFigureOut">
               <a:rPr lang="en-ZA" smtClean="0"/>
               <a:pPr/>
-              <a:t>2015/04/08</a:t>
+              <a:t>2015/04/09</a:t>
             </a:fld>
             <a:endParaRPr lang="en-ZA"/>
           </a:p>
@@ -3739,7 +7703,7 @@
             <a:fld id="{986C9EB5-A2B4-494A-8466-BDB12800E3A8}" type="datetimeFigureOut">
               <a:rPr lang="en-ZA" smtClean="0"/>
               <a:pPr/>
-              <a:t>2015/04/08</a:t>
+              <a:t>2015/04/09</a:t>
             </a:fld>
             <a:endParaRPr lang="en-ZA"/>
           </a:p>
@@ -3883,7 +7847,7 @@
             <a:fld id="{986C9EB5-A2B4-494A-8466-BDB12800E3A8}" type="datetimeFigureOut">
               <a:rPr lang="en-ZA" smtClean="0"/>
               <a:pPr/>
-              <a:t>2015/04/08</a:t>
+              <a:t>2015/04/09</a:t>
             </a:fld>
             <a:endParaRPr lang="en-ZA"/>
           </a:p>
@@ -4011,7 +7975,7 @@
             <a:fld id="{986C9EB5-A2B4-494A-8466-BDB12800E3A8}" type="datetimeFigureOut">
               <a:rPr lang="en-ZA" smtClean="0"/>
               <a:pPr/>
-              <a:t>2015/04/08</a:t>
+              <a:t>2015/04/09</a:t>
             </a:fld>
             <a:endParaRPr lang="en-ZA"/>
           </a:p>
@@ -4321,7 +8285,7 @@
             <a:fld id="{986C9EB5-A2B4-494A-8466-BDB12800E3A8}" type="datetimeFigureOut">
               <a:rPr lang="en-ZA" smtClean="0"/>
               <a:pPr/>
-              <a:t>2015/04/08</a:t>
+              <a:t>2015/04/09</a:t>
             </a:fld>
             <a:endParaRPr lang="en-ZA"/>
           </a:p>
@@ -4607,7 +8571,7 @@
             <a:fld id="{986C9EB5-A2B4-494A-8466-BDB12800E3A8}" type="datetimeFigureOut">
               <a:rPr lang="en-ZA" smtClean="0"/>
               <a:pPr/>
-              <a:t>2015/04/08</a:t>
+              <a:t>2015/04/09</a:t>
             </a:fld>
             <a:endParaRPr lang="en-ZA"/>
           </a:p>
@@ -4803,7 +8767,7 @@
           <p:nvPr userDrawn="1"/>
         </p:nvPicPr>
         <p:blipFill rotWithShape="1">
-          <a:blip r:embed="rId14" cstate="print">
+          <a:blip r:embed="rId13" cstate="print">
             <a:lum bright="70000" contrast="-70000"/>
             <a:extLst>
               <a:ext uri="{28A0092B-C50C-407E-A947-70E740481C1C}">
@@ -4843,7 +8807,7 @@
           <p:nvPr userDrawn="1"/>
         </p:nvPicPr>
         <p:blipFill>
-          <a:blip r:embed="rId15" cstate="print">
+          <a:blip r:embed="rId14" cstate="print">
             <a:extLst>
               <a:ext uri="{28A0092B-C50C-407E-A947-70E740481C1C}">
                 <a14:useLocalDpi xmlns:a14="http://schemas.microsoft.com/office/drawing/2010/main" val="0"/>
@@ -4884,7 +8848,479 @@
     <p:sldLayoutId id="2147483657" r:id="rId9"/>
     <p:sldLayoutId id="2147483658" r:id="rId10"/>
     <p:sldLayoutId id="2147483659" r:id="rId11"/>
-    <p:sldLayoutId id="2147483660" r:id="rId12"/>
+  </p:sldLayoutIdLst>
+  <p:timing>
+    <p:tnLst>
+      <p:par>
+        <p:cTn id="1" dur="indefinite" restart="never" nodeType="tmRoot"/>
+      </p:par>
+    </p:tnLst>
+  </p:timing>
+  <p:txStyles>
+    <p:titleStyle>
+      <a:lvl1pPr algn="l" defTabSz="914400" rtl="0" eaLnBrk="1" latinLnBrk="0" hangingPunct="1">
+        <a:spcBef>
+          <a:spcPct val="0"/>
+        </a:spcBef>
+        <a:buNone/>
+        <a:defRPr lang="en-ZA" sz="3200" b="1" kern="1200" dirty="0">
+          <a:solidFill>
+            <a:srgbClr val="002850"/>
+          </a:solidFill>
+          <a:latin typeface="Arial" pitchFamily="34" charset="0"/>
+          <a:ea typeface="+mj-ea"/>
+          <a:cs typeface="Arial" pitchFamily="34" charset="0"/>
+        </a:defRPr>
+      </a:lvl1pPr>
+    </p:titleStyle>
+    <p:bodyStyle>
+      <a:lvl1pPr marL="342900" indent="-342900" algn="l" defTabSz="914400" rtl="0" eaLnBrk="1" latinLnBrk="0" hangingPunct="1">
+        <a:spcBef>
+          <a:spcPct val="20000"/>
+        </a:spcBef>
+        <a:buFont typeface="Arial" pitchFamily="34" charset="0"/>
+        <a:buChar char="•"/>
+        <a:defRPr lang="en-US" sz="2400" kern="1200" dirty="0" smtClean="0">
+          <a:solidFill>
+            <a:srgbClr val="002850"/>
+          </a:solidFill>
+          <a:latin typeface="+mn-lt"/>
+          <a:ea typeface="+mn-ea"/>
+          <a:cs typeface="+mn-cs"/>
+        </a:defRPr>
+      </a:lvl1pPr>
+      <a:lvl2pPr marL="742950" indent="-285750" algn="l" defTabSz="914400" rtl="0" eaLnBrk="1" latinLnBrk="0" hangingPunct="1">
+        <a:spcBef>
+          <a:spcPct val="20000"/>
+        </a:spcBef>
+        <a:buClr>
+          <a:srgbClr val="9FC03B"/>
+        </a:buClr>
+        <a:buSzPct val="100000"/>
+        <a:buFont typeface="Arial" pitchFamily="34" charset="0"/>
+        <a:buChar char="•"/>
+        <a:defRPr lang="en-US" sz="2000" kern="1200" dirty="0" smtClean="0">
+          <a:solidFill>
+            <a:srgbClr val="002850"/>
+          </a:solidFill>
+          <a:latin typeface="+mn-lt"/>
+          <a:ea typeface="+mn-ea"/>
+          <a:cs typeface="+mn-cs"/>
+        </a:defRPr>
+      </a:lvl2pPr>
+      <a:lvl3pPr marL="1143000" indent="-228600" algn="l" defTabSz="914400" rtl="0" eaLnBrk="1" latinLnBrk="0" hangingPunct="1">
+        <a:spcBef>
+          <a:spcPct val="20000"/>
+        </a:spcBef>
+        <a:buClr>
+          <a:schemeClr val="accent1"/>
+        </a:buClr>
+        <a:buSzPct val="70000"/>
+        <a:buFont typeface="Courier New" pitchFamily="49" charset="0"/>
+        <a:buChar char="o"/>
+        <a:defRPr lang="en-US" sz="1800" kern="1200" dirty="0" smtClean="0">
+          <a:solidFill>
+            <a:srgbClr val="002850"/>
+          </a:solidFill>
+          <a:latin typeface="+mn-lt"/>
+          <a:ea typeface="+mn-ea"/>
+          <a:cs typeface="+mn-cs"/>
+        </a:defRPr>
+      </a:lvl3pPr>
+      <a:lvl4pPr marL="1600200" indent="-228600" algn="l" defTabSz="914400" rtl="0" eaLnBrk="1" latinLnBrk="0" hangingPunct="1">
+        <a:spcBef>
+          <a:spcPct val="20000"/>
+        </a:spcBef>
+        <a:buFont typeface="Arial" pitchFamily="34" charset="0"/>
+        <a:buChar char="–"/>
+        <a:defRPr lang="en-US" sz="2400" kern="1200" dirty="0" smtClean="0">
+          <a:solidFill>
+            <a:srgbClr val="002850"/>
+          </a:solidFill>
+          <a:latin typeface="+mn-lt"/>
+          <a:ea typeface="+mn-ea"/>
+          <a:cs typeface="+mn-cs"/>
+        </a:defRPr>
+      </a:lvl4pPr>
+      <a:lvl5pPr marL="2057400" indent="-228600" algn="l" defTabSz="914400" rtl="0" eaLnBrk="1" latinLnBrk="0" hangingPunct="1">
+        <a:spcBef>
+          <a:spcPct val="20000"/>
+        </a:spcBef>
+        <a:buFont typeface="Arial" pitchFamily="34" charset="0"/>
+        <a:buChar char="»"/>
+        <a:defRPr lang="en-ZA" sz="2400" kern="1200" dirty="0">
+          <a:solidFill>
+            <a:srgbClr val="002850"/>
+          </a:solidFill>
+          <a:latin typeface="+mn-lt"/>
+          <a:ea typeface="+mn-ea"/>
+          <a:cs typeface="+mn-cs"/>
+        </a:defRPr>
+      </a:lvl5pPr>
+      <a:lvl6pPr marL="2514600" indent="-228600" algn="l" defTabSz="914400" rtl="0" eaLnBrk="1" latinLnBrk="0" hangingPunct="1">
+        <a:spcBef>
+          <a:spcPct val="20000"/>
+        </a:spcBef>
+        <a:buFont typeface="Arial" pitchFamily="34" charset="0"/>
+        <a:buChar char="•"/>
+        <a:defRPr sz="2000" kern="1200">
+          <a:solidFill>
+            <a:schemeClr val="tx1"/>
+          </a:solidFill>
+          <a:latin typeface="+mn-lt"/>
+          <a:ea typeface="+mn-ea"/>
+          <a:cs typeface="+mn-cs"/>
+        </a:defRPr>
+      </a:lvl6pPr>
+      <a:lvl7pPr marL="2971800" indent="-228600" algn="l" defTabSz="914400" rtl="0" eaLnBrk="1" latinLnBrk="0" hangingPunct="1">
+        <a:spcBef>
+          <a:spcPct val="20000"/>
+        </a:spcBef>
+        <a:buFont typeface="Arial" pitchFamily="34" charset="0"/>
+        <a:buChar char="•"/>
+        <a:defRPr sz="2000" kern="1200">
+          <a:solidFill>
+            <a:schemeClr val="tx1"/>
+          </a:solidFill>
+          <a:latin typeface="+mn-lt"/>
+          <a:ea typeface="+mn-ea"/>
+          <a:cs typeface="+mn-cs"/>
+        </a:defRPr>
+      </a:lvl7pPr>
+      <a:lvl8pPr marL="3429000" indent="-228600" algn="l" defTabSz="914400" rtl="0" eaLnBrk="1" latinLnBrk="0" hangingPunct="1">
+        <a:spcBef>
+          <a:spcPct val="20000"/>
+        </a:spcBef>
+        <a:buFont typeface="Arial" pitchFamily="34" charset="0"/>
+        <a:buChar char="•"/>
+        <a:defRPr sz="2000" kern="1200">
+          <a:solidFill>
+            <a:schemeClr val="tx1"/>
+          </a:solidFill>
+          <a:latin typeface="+mn-lt"/>
+          <a:ea typeface="+mn-ea"/>
+          <a:cs typeface="+mn-cs"/>
+        </a:defRPr>
+      </a:lvl8pPr>
+      <a:lvl9pPr marL="3886200" indent="-228600" algn="l" defTabSz="914400" rtl="0" eaLnBrk="1" latinLnBrk="0" hangingPunct="1">
+        <a:spcBef>
+          <a:spcPct val="20000"/>
+        </a:spcBef>
+        <a:buFont typeface="Arial" pitchFamily="34" charset="0"/>
+        <a:buChar char="•"/>
+        <a:defRPr sz="2000" kern="1200">
+          <a:solidFill>
+            <a:schemeClr val="tx1"/>
+          </a:solidFill>
+          <a:latin typeface="+mn-lt"/>
+          <a:ea typeface="+mn-ea"/>
+          <a:cs typeface="+mn-cs"/>
+        </a:defRPr>
+      </a:lvl9pPr>
+    </p:bodyStyle>
+    <p:otherStyle>
+      <a:defPPr>
+        <a:defRPr lang="en-US"/>
+      </a:defPPr>
+      <a:lvl1pPr marL="0" algn="l" defTabSz="914400" rtl="0" eaLnBrk="1" latinLnBrk="0" hangingPunct="1">
+        <a:defRPr sz="1800" kern="1200">
+          <a:solidFill>
+            <a:schemeClr val="tx1"/>
+          </a:solidFill>
+          <a:latin typeface="+mn-lt"/>
+          <a:ea typeface="+mn-ea"/>
+          <a:cs typeface="+mn-cs"/>
+        </a:defRPr>
+      </a:lvl1pPr>
+      <a:lvl2pPr marL="457200" algn="l" defTabSz="914400" rtl="0" eaLnBrk="1" latinLnBrk="0" hangingPunct="1">
+        <a:defRPr sz="1800" kern="1200">
+          <a:solidFill>
+            <a:schemeClr val="tx1"/>
+          </a:solidFill>
+          <a:latin typeface="+mn-lt"/>
+          <a:ea typeface="+mn-ea"/>
+          <a:cs typeface="+mn-cs"/>
+        </a:defRPr>
+      </a:lvl2pPr>
+      <a:lvl3pPr marL="914400" algn="l" defTabSz="914400" rtl="0" eaLnBrk="1" latinLnBrk="0" hangingPunct="1">
+        <a:defRPr sz="1800" kern="1200">
+          <a:solidFill>
+            <a:schemeClr val="tx1"/>
+          </a:solidFill>
+          <a:latin typeface="+mn-lt"/>
+          <a:ea typeface="+mn-ea"/>
+          <a:cs typeface="+mn-cs"/>
+        </a:defRPr>
+      </a:lvl3pPr>
+      <a:lvl4pPr marL="1371600" algn="l" defTabSz="914400" rtl="0" eaLnBrk="1" latinLnBrk="0" hangingPunct="1">
+        <a:defRPr sz="1800" kern="1200">
+          <a:solidFill>
+            <a:schemeClr val="tx1"/>
+          </a:solidFill>
+          <a:latin typeface="+mn-lt"/>
+          <a:ea typeface="+mn-ea"/>
+          <a:cs typeface="+mn-cs"/>
+        </a:defRPr>
+      </a:lvl4pPr>
+      <a:lvl5pPr marL="1828800" algn="l" defTabSz="914400" rtl="0" eaLnBrk="1" latinLnBrk="0" hangingPunct="1">
+        <a:defRPr sz="1800" kern="1200">
+          <a:solidFill>
+            <a:schemeClr val="tx1"/>
+          </a:solidFill>
+          <a:latin typeface="+mn-lt"/>
+          <a:ea typeface="+mn-ea"/>
+          <a:cs typeface="+mn-cs"/>
+        </a:defRPr>
+      </a:lvl5pPr>
+      <a:lvl6pPr marL="2286000" algn="l" defTabSz="914400" rtl="0" eaLnBrk="1" latinLnBrk="0" hangingPunct="1">
+        <a:defRPr sz="1800" kern="1200">
+          <a:solidFill>
+            <a:schemeClr val="tx1"/>
+          </a:solidFill>
+          <a:latin typeface="+mn-lt"/>
+          <a:ea typeface="+mn-ea"/>
+          <a:cs typeface="+mn-cs"/>
+        </a:defRPr>
+      </a:lvl6pPr>
+      <a:lvl7pPr marL="2743200" algn="l" defTabSz="914400" rtl="0" eaLnBrk="1" latinLnBrk="0" hangingPunct="1">
+        <a:defRPr sz="1800" kern="1200">
+          <a:solidFill>
+            <a:schemeClr val="tx1"/>
+          </a:solidFill>
+          <a:latin typeface="+mn-lt"/>
+          <a:ea typeface="+mn-ea"/>
+          <a:cs typeface="+mn-cs"/>
+        </a:defRPr>
+      </a:lvl7pPr>
+      <a:lvl8pPr marL="3200400" algn="l" defTabSz="914400" rtl="0" eaLnBrk="1" latinLnBrk="0" hangingPunct="1">
+        <a:defRPr sz="1800" kern="1200">
+          <a:solidFill>
+            <a:schemeClr val="tx1"/>
+          </a:solidFill>
+          <a:latin typeface="+mn-lt"/>
+          <a:ea typeface="+mn-ea"/>
+          <a:cs typeface="+mn-cs"/>
+        </a:defRPr>
+      </a:lvl8pPr>
+      <a:lvl9pPr marL="3657600" algn="l" defTabSz="914400" rtl="0" eaLnBrk="1" latinLnBrk="0" hangingPunct="1">
+        <a:defRPr sz="1800" kern="1200">
+          <a:solidFill>
+            <a:schemeClr val="tx1"/>
+          </a:solidFill>
+          <a:latin typeface="+mn-lt"/>
+          <a:ea typeface="+mn-ea"/>
+          <a:cs typeface="+mn-cs"/>
+        </a:defRPr>
+      </a:lvl9pPr>
+    </p:otherStyle>
+  </p:txStyles>
+</p:sldMaster>
+</file>
+
+<file path=ppt/slideMasters/slideMaster2.xml><?xml version="1.0" encoding="utf-8"?>
+<p:sldMaster xmlns:a="http://schemas.openxmlformats.org/drawingml/2006/main" xmlns:r="http://schemas.openxmlformats.org/officeDocument/2006/relationships" xmlns:p="http://schemas.openxmlformats.org/presentationml/2006/main">
+  <p:cSld>
+    <p:bg>
+      <p:bgRef idx="1001">
+        <a:schemeClr val="bg1"/>
+      </p:bgRef>
+    </p:bg>
+    <p:spTree>
+      <p:nvGrpSpPr>
+        <p:cNvPr id="1" name=""/>
+        <p:cNvGrpSpPr/>
+        <p:nvPr/>
+      </p:nvGrpSpPr>
+      <p:grpSpPr>
+        <a:xfrm>
+          <a:off x="0" y="0"/>
+          <a:ext cx="0" cy="0"/>
+          <a:chOff x="0" y="0"/>
+          <a:chExt cx="0" cy="0"/>
+        </a:xfrm>
+      </p:grpSpPr>
+      <p:sp>
+        <p:nvSpPr>
+          <p:cNvPr id="2" name="Title Placeholder 1"/>
+          <p:cNvSpPr>
+            <a:spLocks noGrp="1"/>
+          </p:cNvSpPr>
+          <p:nvPr>
+            <p:ph type="title"/>
+          </p:nvPr>
+        </p:nvSpPr>
+        <p:spPr>
+          <a:xfrm>
+            <a:off x="457200" y="228864"/>
+            <a:ext cx="8229600" cy="588409"/>
+          </a:xfrm>
+          <a:prstGeom prst="rect">
+            <a:avLst/>
+          </a:prstGeom>
+        </p:spPr>
+        <p:txBody>
+          <a:bodyPr vert="horz" lIns="91440" tIns="45720" rIns="91440" bIns="45720" rtlCol="0" anchor="ctr">
+            <a:normAutofit/>
+          </a:bodyPr>
+          <a:lstStyle/>
+          <a:p>
+            <a:r>
+              <a:rPr lang="en-US" dirty="0" smtClean="0"/>
+              <a:t>Click to edit Master title style</a:t>
+            </a:r>
+            <a:endParaRPr lang="en-ZA" dirty="0"/>
+          </a:p>
+        </p:txBody>
+      </p:sp>
+      <p:sp>
+        <p:nvSpPr>
+          <p:cNvPr id="3" name="Text Placeholder 2"/>
+          <p:cNvSpPr>
+            <a:spLocks noGrp="1"/>
+          </p:cNvSpPr>
+          <p:nvPr>
+            <p:ph type="body" idx="1"/>
+          </p:nvPr>
+        </p:nvSpPr>
+        <p:spPr>
+          <a:xfrm>
+            <a:off x="467544" y="937288"/>
+            <a:ext cx="8229600" cy="3771636"/>
+          </a:xfrm>
+          <a:prstGeom prst="rect">
+            <a:avLst/>
+          </a:prstGeom>
+        </p:spPr>
+        <p:txBody>
+          <a:bodyPr vert="horz" lIns="91440" tIns="45720" rIns="91440" bIns="45720" rtlCol="0">
+            <a:normAutofit/>
+          </a:bodyPr>
+          <a:lstStyle/>
+          <a:p>
+            <a:pPr lvl="0"/>
+            <a:r>
+              <a:rPr lang="en-US" dirty="0" smtClean="0"/>
+              <a:t>Click to edit Master text styles</a:t>
+            </a:r>
+          </a:p>
+          <a:p>
+            <a:pPr lvl="1"/>
+            <a:r>
+              <a:rPr lang="en-US" dirty="0" smtClean="0"/>
+              <a:t>Second level</a:t>
+            </a:r>
+          </a:p>
+          <a:p>
+            <a:pPr lvl="2"/>
+            <a:r>
+              <a:rPr lang="en-US" dirty="0" smtClean="0"/>
+              <a:t>Third level</a:t>
+            </a:r>
+          </a:p>
+        </p:txBody>
+      </p:sp>
+      <p:pic>
+        <p:nvPicPr>
+          <p:cNvPr id="1026" name="Picture 2" descr="C:\Users\martin\Desktop\entelectfooter.png"/>
+          <p:cNvPicPr>
+            <a:picLocks noChangeAspect="1" noChangeArrowheads="1"/>
+          </p:cNvPicPr>
+          <p:nvPr userDrawn="1"/>
+        </p:nvPicPr>
+        <p:blipFill rotWithShape="1">
+          <a:blip r:embed="rId14" cstate="print">
+            <a:lum bright="70000" contrast="-70000"/>
+            <a:extLst>
+              <a:ext uri="{28A0092B-C50C-407E-A947-70E740481C1C}">
+                <a14:useLocalDpi xmlns:a14="http://schemas.microsoft.com/office/drawing/2010/main" val="0"/>
+              </a:ext>
+            </a:extLst>
+          </a:blip>
+          <a:srcRect/>
+          <a:stretch/>
+        </p:blipFill>
+        <p:spPr bwMode="auto">
+          <a:xfrm>
+            <a:off x="0" y="4837720"/>
+            <a:ext cx="9144000" cy="877280"/>
+          </a:xfrm>
+          <a:prstGeom prst="rect">
+            <a:avLst/>
+          </a:prstGeom>
+          <a:noFill/>
+          <a:extLst>
+            <a:ext uri="{909E8E84-426E-40DD-AFC4-6F175D3DCCD1}">
+              <a14:hiddenFill xmlns:a14="http://schemas.microsoft.com/office/drawing/2010/main">
+                <a:solidFill>
+                  <a:srgbClr val="FFFFFF"/>
+                </a:solidFill>
+              </a14:hiddenFill>
+            </a:ext>
+          </a:extLst>
+        </p:spPr>
+      </p:pic>
+      <p:pic>
+        <p:nvPicPr>
+          <p:cNvPr id="5" name="Picture 2" descr="T:\Logos\Signature artwork\Master signature\With positioning\logo_ent_5cm.jpg"/>
+          <p:cNvPicPr>
+            <a:picLocks noChangeAspect="1" noChangeArrowheads="1"/>
+          </p:cNvPicPr>
+          <p:nvPr userDrawn="1"/>
+        </p:nvPicPr>
+        <p:blipFill>
+          <a:blip r:embed="rId15" cstate="print">
+            <a:extLst>
+              <a:ext uri="{28A0092B-C50C-407E-A947-70E740481C1C}">
+                <a14:useLocalDpi xmlns:a14="http://schemas.microsoft.com/office/drawing/2010/main" val="0"/>
+              </a:ext>
+            </a:extLst>
+          </a:blip>
+          <a:srcRect/>
+          <a:stretch>
+            <a:fillRect/>
+          </a:stretch>
+        </p:blipFill>
+        <p:spPr bwMode="auto">
+          <a:xfrm>
+            <a:off x="6812685" y="193204"/>
+            <a:ext cx="1881187" cy="665163"/>
+          </a:xfrm>
+          <a:prstGeom prst="rect">
+            <a:avLst/>
+          </a:prstGeom>
+          <a:noFill/>
+          <a:extLst>
+            <a:ext uri="{909E8E84-426E-40DD-AFC4-6F175D3DCCD1}">
+              <a14:hiddenFill xmlns:a14="http://schemas.microsoft.com/office/drawing/2010/main">
+                <a:solidFill>
+                  <a:srgbClr val="FFFFFF"/>
+                </a:solidFill>
+              </a14:hiddenFill>
+            </a:ext>
+          </a:extLst>
+        </p:spPr>
+      </p:pic>
+    </p:spTree>
+    <p:extLst>
+      <p:ext uri="{BB962C8B-B14F-4D97-AF65-F5344CB8AC3E}">
+        <p14:creationId xmlns:p14="http://schemas.microsoft.com/office/powerpoint/2010/main" val="3089351186"/>
+      </p:ext>
+    </p:extLst>
+  </p:cSld>
+  <p:clrMap bg1="lt1" tx1="dk1" bg2="lt2" tx2="dk2" accent1="accent1" accent2="accent2" accent3="accent3" accent4="accent4" accent5="accent5" accent6="accent6" hlink="hlink" folHlink="folHlink"/>
+  <p:sldLayoutIdLst>
+    <p:sldLayoutId id="2147483662" r:id="rId1"/>
+    <p:sldLayoutId id="2147483663" r:id="rId2"/>
+    <p:sldLayoutId id="2147483664" r:id="rId3"/>
+    <p:sldLayoutId id="2147483665" r:id="rId4"/>
+    <p:sldLayoutId id="2147483666" r:id="rId5"/>
+    <p:sldLayoutId id="2147483667" r:id="rId6"/>
+    <p:sldLayoutId id="2147483668" r:id="rId7"/>
+    <p:sldLayoutId id="2147483669" r:id="rId8"/>
+    <p:sldLayoutId id="2147483670" r:id="rId9"/>
+    <p:sldLayoutId id="2147483671" r:id="rId10"/>
+    <p:sldLayoutId id="2147483672" r:id="rId11"/>
+    <p:sldLayoutId id="2147483673" r:id="rId12"/>
   </p:sldLayoutIdLst>
   <p:timing>
     <p:tnLst>
@@ -5210,22 +9646,48 @@
           </a:lstStyle>
           <a:p>
             <a:r>
-              <a:rPr lang="en-ZA" sz="1800" b="0" dirty="0" smtClean="0">
+              <a:rPr sz="1800" b="0" dirty="0" err="1" smtClean="0">
                 <a:solidFill>
-                  <a:schemeClr val="bg1">
+                  <a:prstClr val="white">
                     <a:lumMod val="50000"/>
-                  </a:schemeClr>
+                  </a:prstClr>
                 </a:solidFill>
                 <a:latin typeface="Arial" pitchFamily="34" charset="0"/>
                 <a:cs typeface="Arial" pitchFamily="34" charset="0"/>
               </a:rPr>
-              <a:t>Eugene de Villiers Pieter Koornhof</a:t>
-            </a:r>
-            <a:endParaRPr lang="en-ZA" sz="1800" b="0" dirty="0" smtClean="0">
+              <a:t>Eugène</a:t>
+            </a:r>
+            <a:r>
+              <a:rPr sz="1800" b="0" dirty="0" smtClean="0">
+                <a:solidFill>
+                  <a:prstClr val="white">
+                    <a:lumMod val="50000"/>
+                  </a:prstClr>
+                </a:solidFill>
+                <a:latin typeface="Arial" pitchFamily="34" charset="0"/>
+                <a:cs typeface="Arial" pitchFamily="34" charset="0"/>
+              </a:rPr>
+              <a:t> De Villiers</a:t>
+            </a:r>
+          </a:p>
+          <a:p>
+            <a:r>
+              <a:rPr lang="en-ZA" sz="1800" b="0" dirty="0">
+                <a:solidFill>
+                  <a:prstClr val="white">
+                    <a:lumMod val="50000"/>
+                  </a:prstClr>
+                </a:solidFill>
+                <a:latin typeface="Arial" pitchFamily="34" charset="0"/>
+                <a:cs typeface="Arial" pitchFamily="34" charset="0"/>
+              </a:rPr>
+              <a:t>Pieter Koornhof</a:t>
+            </a:r>
+            <a:endParaRPr sz="1800" b="0" dirty="0" smtClean="0">
               <a:solidFill>
-                <a:schemeClr val="bg1">
+                <a:prstClr val="white">
                   <a:lumMod val="50000"/>
-                </a:schemeClr>
+                </a:prstClr>
               </a:solidFill>
               <a:latin typeface="Arial" pitchFamily="34" charset="0"/>
               <a:cs typeface="Arial" pitchFamily="34" charset="0"/>
@@ -5233,22 +9695,34 @@
           </a:p>
           <a:p>
             <a:r>
-              <a:rPr lang="en-ZA" sz="1800" b="0" dirty="0" smtClean="0">
+              <a:rPr sz="1800" b="0" dirty="0">
                 <a:solidFill>
-                  <a:schemeClr val="bg1">
+                  <a:prstClr val="white">
                     <a:lumMod val="50000"/>
-                  </a:schemeClr>
+                  </a:prstClr>
                 </a:solidFill>
                 <a:latin typeface="Arial" pitchFamily="34" charset="0"/>
                 <a:cs typeface="Arial" pitchFamily="34" charset="0"/>
               </a:rPr>
-              <a:t>10 April 2015 </a:t>
-            </a:r>
-            <a:endParaRPr lang="en-ZA" sz="1800" b="0" dirty="0">
+              <a:t> </a:t>
+            </a:r>
+            <a:r>
+              <a:rPr sz="1800" b="0" dirty="0" smtClean="0">
+                <a:solidFill>
+                  <a:prstClr val="white">
+                    <a:lumMod val="50000"/>
+                  </a:prstClr>
+                </a:solidFill>
+                <a:latin typeface="Arial" pitchFamily="34" charset="0"/>
+                <a:cs typeface="Arial" pitchFamily="34" charset="0"/>
+              </a:rPr>
+              <a:t>April 2015 </a:t>
+            </a:r>
+            <a:endParaRPr sz="1800" b="0" dirty="0">
               <a:solidFill>
-                <a:schemeClr val="bg1">
+                <a:prstClr val="white">
                   <a:lumMod val="50000"/>
-                </a:schemeClr>
+                </a:prstClr>
               </a:solidFill>
               <a:latin typeface="Arial" pitchFamily="34" charset="0"/>
               <a:cs typeface="Arial" pitchFamily="34" charset="0"/>
@@ -5277,65 +9751,17 @@
           <a:lstStyle/>
           <a:p>
             <a:r>
-              <a:rPr lang="en-ZA" dirty="0" smtClean="0"/>
-              <a:t>Domain Driven Design Dojo</a:t>
+              <a:rPr lang="en-US" dirty="0" smtClean="0"/>
+              <a:t>Domain Driven Design</a:t>
             </a:r>
             <a:endParaRPr lang="en-ZA" dirty="0"/>
-          </a:p>
-        </p:txBody>
-      </p:sp>
-      <p:sp>
-        <p:nvSpPr>
-          <p:cNvPr id="2" name="Rectangle 1"/>
-          <p:cNvSpPr/>
-          <p:nvPr/>
-        </p:nvSpPr>
-        <p:spPr>
-          <a:xfrm>
-            <a:off x="4427984" y="4801716"/>
-            <a:ext cx="4032448" cy="576064"/>
-          </a:xfrm>
-          <a:prstGeom prst="rect">
-            <a:avLst/>
-          </a:prstGeom>
-          <a:solidFill>
-            <a:schemeClr val="bg1"/>
-          </a:solidFill>
-          <a:ln>
-            <a:solidFill>
-              <a:schemeClr val="bg1"/>
-            </a:solidFill>
-          </a:ln>
-        </p:spPr>
-        <p:style>
-          <a:lnRef idx="2">
-            <a:schemeClr val="accent1">
-              <a:shade val="50000"/>
-            </a:schemeClr>
-          </a:lnRef>
-          <a:fillRef idx="1">
-            <a:schemeClr val="accent1"/>
-          </a:fillRef>
-          <a:effectRef idx="0">
-            <a:schemeClr val="accent1"/>
-          </a:effectRef>
-          <a:fontRef idx="minor">
-            <a:schemeClr val="lt1"/>
-          </a:fontRef>
-        </p:style>
-        <p:txBody>
-          <a:bodyPr rtlCol="0" anchor="ctr"/>
-          <a:lstStyle/>
-          <a:p>
-            <a:pPr algn="ctr"/>
-            <a:endParaRPr lang="en-ZA"/>
           </a:p>
         </p:txBody>
       </p:sp>
     </p:spTree>
     <p:extLst>
       <p:ext uri="{BB962C8B-B14F-4D97-AF65-F5344CB8AC3E}">
-        <p14:creationId xmlns:p14="http://schemas.microsoft.com/office/powerpoint/2010/main" val="2159765603"/>
+        <p14:creationId xmlns:p14="http://schemas.microsoft.com/office/powerpoint/2010/main" val="1010022850"/>
       </p:ext>
     </p:extLst>
   </p:cSld>
@@ -5353,6 +9779,120 @@
 </file>
 
 <file path=ppt/slides/slide10.xml><?xml version="1.0" encoding="utf-8"?>
+<p:sld xmlns:a="http://schemas.openxmlformats.org/drawingml/2006/main" xmlns:r="http://schemas.openxmlformats.org/officeDocument/2006/relationships" xmlns:p="http://schemas.openxmlformats.org/presentationml/2006/main">
+  <p:cSld>
+    <p:spTree>
+      <p:nvGrpSpPr>
+        <p:cNvPr id="1" name=""/>
+        <p:cNvGrpSpPr/>
+        <p:nvPr/>
+      </p:nvGrpSpPr>
+      <p:grpSpPr>
+        <a:xfrm>
+          <a:off x="0" y="0"/>
+          <a:ext cx="0" cy="0"/>
+          <a:chOff x="0" y="0"/>
+          <a:chExt cx="0" cy="0"/>
+        </a:xfrm>
+      </p:grpSpPr>
+      <p:sp>
+        <p:nvSpPr>
+          <p:cNvPr id="2" name="Title 1"/>
+          <p:cNvSpPr>
+            <a:spLocks noGrp="1"/>
+          </p:cNvSpPr>
+          <p:nvPr>
+            <p:ph type="title"/>
+          </p:nvPr>
+        </p:nvSpPr>
+        <p:spPr/>
+        <p:txBody>
+          <a:bodyPr>
+            <a:normAutofit/>
+          </a:bodyPr>
+          <a:lstStyle/>
+          <a:p>
+            <a:r>
+              <a:rPr lang="en-ZA" dirty="0" smtClean="0"/>
+              <a:t>Domain </a:t>
+            </a:r>
+            <a:r>
+              <a:rPr lang="en-ZA" dirty="0"/>
+              <a:t>Structure - </a:t>
+            </a:r>
+            <a:r>
+              <a:rPr lang="en-ZA" dirty="0" smtClean="0"/>
+              <a:t>Aggregates</a:t>
+            </a:r>
+            <a:endParaRPr lang="en-ZA" dirty="0"/>
+          </a:p>
+        </p:txBody>
+      </p:sp>
+      <p:sp>
+        <p:nvSpPr>
+          <p:cNvPr id="3" name="Content Placeholder 2"/>
+          <p:cNvSpPr>
+            <a:spLocks noGrp="1"/>
+          </p:cNvSpPr>
+          <p:nvPr>
+            <p:ph idx="1"/>
+          </p:nvPr>
+        </p:nvSpPr>
+        <p:spPr/>
+        <p:txBody>
+          <a:bodyPr/>
+          <a:lstStyle/>
+          <a:p>
+            <a:endParaRPr lang="en-ZA" dirty="0" smtClean="0"/>
+          </a:p>
+          <a:p>
+            <a:r>
+              <a:rPr lang="en-ZA" dirty="0" smtClean="0"/>
+              <a:t>Boundary</a:t>
+            </a:r>
+          </a:p>
+          <a:p>
+            <a:endParaRPr lang="en-ZA" dirty="0" smtClean="0"/>
+          </a:p>
+          <a:p>
+            <a:r>
+              <a:rPr lang="en-ZA" dirty="0" smtClean="0"/>
+              <a:t>Aggregate Root</a:t>
+            </a:r>
+          </a:p>
+          <a:p>
+            <a:endParaRPr lang="en-US" dirty="0"/>
+          </a:p>
+          <a:p>
+            <a:r>
+              <a:rPr lang="en-US" dirty="0" smtClean="0"/>
+              <a:t>Responsible for aggregates and entities encapsulated by it</a:t>
+            </a:r>
+            <a:endParaRPr lang="en-ZA" dirty="0" smtClean="0"/>
+          </a:p>
+        </p:txBody>
+      </p:sp>
+    </p:spTree>
+    <p:extLst>
+      <p:ext uri="{BB962C8B-B14F-4D97-AF65-F5344CB8AC3E}">
+        <p14:creationId xmlns:p14="http://schemas.microsoft.com/office/powerpoint/2010/main" val="1238244051"/>
+      </p:ext>
+    </p:extLst>
+  </p:cSld>
+  <p:clrMapOvr>
+    <a:masterClrMapping/>
+  </p:clrMapOvr>
+  <p:timing>
+    <p:tnLst>
+      <p:par>
+        <p:cTn id="1" dur="indefinite" restart="never" nodeType="tmRoot"/>
+      </p:par>
+    </p:tnLst>
+  </p:timing>
+</p:sld>
+</file>
+
+<file path=ppt/slides/slide11.xml><?xml version="1.0" encoding="utf-8"?>
 <p:sld xmlns:a="http://schemas.openxmlformats.org/drawingml/2006/main" xmlns:r="http://schemas.openxmlformats.org/officeDocument/2006/relationships" xmlns:p="http://schemas.openxmlformats.org/presentationml/2006/main">
   <p:cSld>
     <p:spTree>
@@ -5425,86 +9965,7 @@
     </p:spTree>
     <p:extLst>
       <p:ext uri="{BB962C8B-B14F-4D97-AF65-F5344CB8AC3E}">
-        <p14:creationId xmlns:p14="http://schemas.microsoft.com/office/powerpoint/2010/main" val="2276340719"/>
-      </p:ext>
-    </p:extLst>
-  </p:cSld>
-  <p:clrMapOvr>
-    <a:masterClrMapping/>
-  </p:clrMapOvr>
-  <p:timing>
-    <p:tnLst>
-      <p:par>
-        <p:cTn id="1" dur="indefinite" restart="never" nodeType="tmRoot"/>
-      </p:par>
-    </p:tnLst>
-  </p:timing>
-</p:sld>
-</file>
-
-<file path=ppt/slides/slide11.xml><?xml version="1.0" encoding="utf-8"?>
-<p:sld xmlns:a="http://schemas.openxmlformats.org/drawingml/2006/main" xmlns:r="http://schemas.openxmlformats.org/officeDocument/2006/relationships" xmlns:p="http://schemas.openxmlformats.org/presentationml/2006/main">
-  <p:cSld>
-    <p:spTree>
-      <p:nvGrpSpPr>
-        <p:cNvPr id="1" name=""/>
-        <p:cNvGrpSpPr/>
-        <p:nvPr/>
-      </p:nvGrpSpPr>
-      <p:grpSpPr>
-        <a:xfrm>
-          <a:off x="0" y="0"/>
-          <a:ext cx="0" cy="0"/>
-          <a:chOff x="0" y="0"/>
-          <a:chExt cx="0" cy="0"/>
-        </a:xfrm>
-      </p:grpSpPr>
-      <p:sp>
-        <p:nvSpPr>
-          <p:cNvPr id="2" name="Title 1"/>
-          <p:cNvSpPr>
-            <a:spLocks noGrp="1"/>
-          </p:cNvSpPr>
-          <p:nvPr>
-            <p:ph type="title"/>
-          </p:nvPr>
-        </p:nvSpPr>
-        <p:spPr/>
-        <p:txBody>
-          <a:bodyPr/>
-          <a:lstStyle/>
-          <a:p>
-            <a:r>
-              <a:rPr lang="en-ZA" dirty="0" smtClean="0"/>
-              <a:t>Application Structure</a:t>
-            </a:r>
-            <a:endParaRPr lang="en-ZA" dirty="0"/>
-          </a:p>
-        </p:txBody>
-      </p:sp>
-      <p:sp>
-        <p:nvSpPr>
-          <p:cNvPr id="3" name="Content Placeholder 2"/>
-          <p:cNvSpPr>
-            <a:spLocks noGrp="1"/>
-          </p:cNvSpPr>
-          <p:nvPr>
-            <p:ph idx="1"/>
-          </p:nvPr>
-        </p:nvSpPr>
-        <p:spPr/>
-        <p:txBody>
-          <a:bodyPr/>
-          <a:lstStyle/>
-          <a:p>
-            <a:endParaRPr lang="en-ZA" dirty="0"/>
-          </a:p>
-        </p:txBody>
-      </p:sp>
-    </p:spTree>
-    <p:extLst>
-      <p:ext uri="{BB962C8B-B14F-4D97-AF65-F5344CB8AC3E}">
-        <p14:creationId xmlns:p14="http://schemas.microsoft.com/office/powerpoint/2010/main" val="3293100632"/>
+        <p14:creationId xmlns:p14="http://schemas.microsoft.com/office/powerpoint/2010/main" val="1282147039"/>
       </p:ext>
     </p:extLst>
   </p:cSld>
@@ -5553,47 +10014,374 @@
           <a:bodyPr/>
           <a:lstStyle/>
           <a:p>
+            <a:endParaRPr lang="en-ZA" dirty="0"/>
+          </a:p>
+        </p:txBody>
+      </p:sp>
+      <p:sp>
+        <p:nvSpPr>
+          <p:cNvPr id="3" name="Content Placeholder 2"/>
+          <p:cNvSpPr>
+            <a:spLocks noGrp="1"/>
+          </p:cNvSpPr>
+          <p:nvPr>
+            <p:ph idx="1"/>
+          </p:nvPr>
+        </p:nvSpPr>
+        <p:spPr/>
+        <p:txBody>
+          <a:bodyPr/>
+          <a:lstStyle/>
+          <a:p>
+            <a:endParaRPr lang="en-US" dirty="0" smtClean="0"/>
+          </a:p>
+          <a:p>
+            <a:endParaRPr lang="en-US" dirty="0"/>
+          </a:p>
+          <a:p>
+            <a:endParaRPr lang="en-US" dirty="0" smtClean="0"/>
+          </a:p>
+          <a:p>
+            <a:endParaRPr lang="en-US" dirty="0"/>
+          </a:p>
+          <a:p>
+            <a:pPr marL="0" indent="0">
+              <a:buNone/>
+            </a:pPr>
             <a:r>
               <a:rPr lang="en-ZA" dirty="0" smtClean="0"/>
-              <a:t>How</a:t>
-            </a:r>
-            <a:endParaRPr lang="en-ZA" dirty="0"/>
-          </a:p>
-        </p:txBody>
-      </p:sp>
-      <p:sp>
-        <p:nvSpPr>
-          <p:cNvPr id="3" name="Content Placeholder 2"/>
-          <p:cNvSpPr>
-            <a:spLocks noGrp="1"/>
-          </p:cNvSpPr>
-          <p:nvPr>
-            <p:ph idx="1"/>
-          </p:nvPr>
-        </p:nvSpPr>
-        <p:spPr/>
-        <p:txBody>
-          <a:bodyPr/>
-          <a:lstStyle/>
-          <a:p>
-            <a:r>
-              <a:rPr lang="en-ZA" dirty="0" smtClean="0"/>
-              <a:t>Draw pictures</a:t>
-            </a:r>
-          </a:p>
-          <a:p>
-            <a:r>
-              <a:rPr lang="en-ZA" dirty="0" smtClean="0"/>
-              <a:t>Develop a shared language and change it when needed</a:t>
-            </a:r>
-            <a:endParaRPr lang="en-ZA" dirty="0"/>
+              <a:t>			Bounded </a:t>
+            </a:r>
+            <a:r>
+              <a:rPr lang="en-ZA" dirty="0"/>
+              <a:t>Context</a:t>
+            </a:r>
           </a:p>
         </p:txBody>
       </p:sp>
     </p:spTree>
     <p:extLst>
       <p:ext uri="{BB962C8B-B14F-4D97-AF65-F5344CB8AC3E}">
-        <p14:creationId xmlns:p14="http://schemas.microsoft.com/office/powerpoint/2010/main" val="3384238653"/>
+        <p14:creationId xmlns:p14="http://schemas.microsoft.com/office/powerpoint/2010/main" val="2518146052"/>
+      </p:ext>
+    </p:extLst>
+  </p:cSld>
+  <p:clrMapOvr>
+    <a:masterClrMapping/>
+  </p:clrMapOvr>
+  <p:timing>
+    <p:tnLst>
+      <p:par>
+        <p:cTn id="1" dur="indefinite" restart="never" nodeType="tmRoot"/>
+      </p:par>
+    </p:tnLst>
+  </p:timing>
+</p:sld>
+</file>
+
+<file path=ppt/slides/slide13.xml><?xml version="1.0" encoding="utf-8"?>
+<p:sld xmlns:a="http://schemas.openxmlformats.org/drawingml/2006/main" xmlns:r="http://schemas.openxmlformats.org/officeDocument/2006/relationships" xmlns:p="http://schemas.openxmlformats.org/presentationml/2006/main">
+  <p:cSld>
+    <p:spTree>
+      <p:nvGrpSpPr>
+        <p:cNvPr id="1" name=""/>
+        <p:cNvGrpSpPr/>
+        <p:nvPr/>
+      </p:nvGrpSpPr>
+      <p:grpSpPr>
+        <a:xfrm>
+          <a:off x="0" y="0"/>
+          <a:ext cx="0" cy="0"/>
+          <a:chOff x="0" y="0"/>
+          <a:chExt cx="0" cy="0"/>
+        </a:xfrm>
+      </p:grpSpPr>
+      <p:sp>
+        <p:nvSpPr>
+          <p:cNvPr id="2" name="Title 1"/>
+          <p:cNvSpPr>
+            <a:spLocks noGrp="1"/>
+          </p:cNvSpPr>
+          <p:nvPr>
+            <p:ph type="title"/>
+          </p:nvPr>
+        </p:nvSpPr>
+        <p:spPr/>
+        <p:txBody>
+          <a:bodyPr/>
+          <a:lstStyle/>
+          <a:p>
+            <a:r>
+              <a:rPr lang="en-ZA" dirty="0" smtClean="0"/>
+              <a:t>Application Structure</a:t>
+            </a:r>
+            <a:endParaRPr lang="en-ZA" dirty="0"/>
+          </a:p>
+        </p:txBody>
+      </p:sp>
+      <p:sp>
+        <p:nvSpPr>
+          <p:cNvPr id="5" name="Content Placeholder 4"/>
+          <p:cNvSpPr>
+            <a:spLocks noGrp="1"/>
+          </p:cNvSpPr>
+          <p:nvPr>
+            <p:ph idx="1"/>
+          </p:nvPr>
+        </p:nvSpPr>
+        <p:spPr/>
+        <p:txBody>
+          <a:bodyPr/>
+          <a:lstStyle/>
+          <a:p>
+            <a:endParaRPr lang="en-US" dirty="0" smtClean="0"/>
+          </a:p>
+          <a:p>
+            <a:r>
+              <a:rPr lang="en-US" dirty="0" smtClean="0"/>
+              <a:t>Domain is at the center</a:t>
+            </a:r>
+          </a:p>
+          <a:p>
+            <a:endParaRPr lang="en-US" dirty="0" smtClean="0"/>
+          </a:p>
+          <a:p>
+            <a:r>
+              <a:rPr lang="en-US" dirty="0" smtClean="0"/>
+              <a:t>It is clearly isolated</a:t>
+            </a:r>
+          </a:p>
+          <a:p>
+            <a:endParaRPr lang="en-US" dirty="0" smtClean="0"/>
+          </a:p>
+          <a:p>
+            <a:r>
+              <a:rPr lang="en-US" dirty="0" smtClean="0"/>
+              <a:t>It references nothing</a:t>
+            </a:r>
+          </a:p>
+          <a:p>
+            <a:endParaRPr lang="en-US" dirty="0" smtClean="0"/>
+          </a:p>
+          <a:p>
+            <a:r>
+              <a:rPr lang="en-US" dirty="0" smtClean="0"/>
+              <a:t>It is in charge of all decisions</a:t>
+            </a:r>
+          </a:p>
+          <a:p>
+            <a:pPr marL="0" indent="0">
+              <a:buNone/>
+            </a:pPr>
+            <a:endParaRPr lang="en-ZA" dirty="0"/>
+          </a:p>
+        </p:txBody>
+      </p:sp>
+    </p:spTree>
+    <p:extLst>
+      <p:ext uri="{BB962C8B-B14F-4D97-AF65-F5344CB8AC3E}">
+        <p14:creationId xmlns:p14="http://schemas.microsoft.com/office/powerpoint/2010/main" val="3023994020"/>
+      </p:ext>
+    </p:extLst>
+  </p:cSld>
+  <p:clrMapOvr>
+    <a:masterClrMapping/>
+  </p:clrMapOvr>
+  <p:timing>
+    <p:tnLst>
+      <p:par>
+        <p:cTn id="1" dur="indefinite" restart="never" nodeType="tmRoot"/>
+      </p:par>
+    </p:tnLst>
+  </p:timing>
+</p:sld>
+</file>
+
+<file path=ppt/slides/slide14.xml><?xml version="1.0" encoding="utf-8"?>
+<p:sld xmlns:a="http://schemas.openxmlformats.org/drawingml/2006/main" xmlns:r="http://schemas.openxmlformats.org/officeDocument/2006/relationships" xmlns:p="http://schemas.openxmlformats.org/presentationml/2006/main">
+  <p:cSld>
+    <p:spTree>
+      <p:nvGrpSpPr>
+        <p:cNvPr id="1" name=""/>
+        <p:cNvGrpSpPr/>
+        <p:nvPr/>
+      </p:nvGrpSpPr>
+      <p:grpSpPr>
+        <a:xfrm>
+          <a:off x="0" y="0"/>
+          <a:ext cx="0" cy="0"/>
+          <a:chOff x="0" y="0"/>
+          <a:chExt cx="0" cy="0"/>
+        </a:xfrm>
+      </p:grpSpPr>
+      <p:sp>
+        <p:nvSpPr>
+          <p:cNvPr id="2" name="Title 1"/>
+          <p:cNvSpPr>
+            <a:spLocks noGrp="1"/>
+          </p:cNvSpPr>
+          <p:nvPr>
+            <p:ph type="title"/>
+          </p:nvPr>
+        </p:nvSpPr>
+        <p:spPr/>
+        <p:txBody>
+          <a:bodyPr/>
+          <a:lstStyle/>
+          <a:p>
+            <a:endParaRPr lang="en-ZA"/>
+          </a:p>
+        </p:txBody>
+      </p:sp>
+      <p:sp>
+        <p:nvSpPr>
+          <p:cNvPr id="3" name="Content Placeholder 2"/>
+          <p:cNvSpPr>
+            <a:spLocks noGrp="1"/>
+          </p:cNvSpPr>
+          <p:nvPr>
+            <p:ph idx="1"/>
+          </p:nvPr>
+        </p:nvSpPr>
+        <p:spPr/>
+        <p:txBody>
+          <a:bodyPr/>
+          <a:lstStyle/>
+          <a:p>
+            <a:endParaRPr lang="en-ZA"/>
+          </a:p>
+        </p:txBody>
+      </p:sp>
+      <p:pic>
+        <p:nvPicPr>
+          <p:cNvPr id="3074" name="Picture 2" descr="http://blog.mattwynne.net/wp-content/uploads/2012/06/hexagonal_architecture_sketch.jpg"/>
+          <p:cNvPicPr>
+            <a:picLocks noChangeAspect="1" noChangeArrowheads="1"/>
+          </p:cNvPicPr>
+          <p:nvPr/>
+        </p:nvPicPr>
+        <p:blipFill>
+          <a:blip r:embed="rId2">
+            <a:extLst>
+              <a:ext uri="{28A0092B-C50C-407E-A947-70E740481C1C}">
+                <a14:useLocalDpi xmlns:a14="http://schemas.microsoft.com/office/drawing/2010/main" val="0"/>
+              </a:ext>
+            </a:extLst>
+          </a:blip>
+          <a:srcRect/>
+          <a:stretch>
+            <a:fillRect/>
+          </a:stretch>
+        </p:blipFill>
+        <p:spPr bwMode="auto">
+          <a:xfrm>
+            <a:off x="9856" y="7765"/>
+            <a:ext cx="9134144" cy="5688589"/>
+          </a:xfrm>
+          <a:prstGeom prst="rect">
+            <a:avLst/>
+          </a:prstGeom>
+          <a:noFill/>
+          <a:extLst>
+            <a:ext uri="{909E8E84-426E-40DD-AFC4-6F175D3DCCD1}">
+              <a14:hiddenFill xmlns:a14="http://schemas.microsoft.com/office/drawing/2010/main">
+                <a:solidFill>
+                  <a:srgbClr val="FFFFFF"/>
+                </a:solidFill>
+              </a14:hiddenFill>
+            </a:ext>
+          </a:extLst>
+        </p:spPr>
+      </p:pic>
+    </p:spTree>
+    <p:extLst>
+      <p:ext uri="{BB962C8B-B14F-4D97-AF65-F5344CB8AC3E}">
+        <p14:creationId xmlns:p14="http://schemas.microsoft.com/office/powerpoint/2010/main" val="1460959191"/>
+      </p:ext>
+    </p:extLst>
+  </p:cSld>
+  <p:clrMapOvr>
+    <a:masterClrMapping/>
+  </p:clrMapOvr>
+  <p:timing>
+    <p:tnLst>
+      <p:par>
+        <p:cTn id="1" dur="indefinite" restart="never" nodeType="tmRoot"/>
+      </p:par>
+    </p:tnLst>
+  </p:timing>
+</p:sld>
+</file>
+
+<file path=ppt/slides/slide15.xml><?xml version="1.0" encoding="utf-8"?>
+<p:sld xmlns:a="http://schemas.openxmlformats.org/drawingml/2006/main" xmlns:r="http://schemas.openxmlformats.org/officeDocument/2006/relationships" xmlns:p="http://schemas.openxmlformats.org/presentationml/2006/main" showMasterSp="0">
+  <p:cSld>
+    <p:spTree>
+      <p:nvGrpSpPr>
+        <p:cNvPr id="1" name=""/>
+        <p:cNvGrpSpPr/>
+        <p:nvPr/>
+      </p:nvGrpSpPr>
+      <p:grpSpPr>
+        <a:xfrm>
+          <a:off x="0" y="0"/>
+          <a:ext cx="0" cy="0"/>
+          <a:chOff x="0" y="0"/>
+          <a:chExt cx="0" cy="0"/>
+        </a:xfrm>
+      </p:grpSpPr>
+      <p:sp>
+        <p:nvSpPr>
+          <p:cNvPr id="2" name="Title 1"/>
+          <p:cNvSpPr>
+            <a:spLocks noGrp="1"/>
+          </p:cNvSpPr>
+          <p:nvPr>
+            <p:ph type="title"/>
+          </p:nvPr>
+        </p:nvSpPr>
+        <p:spPr/>
+        <p:txBody>
+          <a:bodyPr/>
+          <a:lstStyle/>
+          <a:p>
+            <a:endParaRPr lang="en-ZA"/>
+          </a:p>
+        </p:txBody>
+      </p:sp>
+      <p:pic>
+        <p:nvPicPr>
+          <p:cNvPr id="4" name="Content Placeholder 3"/>
+          <p:cNvPicPr>
+            <a:picLocks noGrp="1" noChangeAspect="1"/>
+          </p:cNvPicPr>
+          <p:nvPr>
+            <p:ph idx="1"/>
+          </p:nvPr>
+        </p:nvPicPr>
+        <p:blipFill>
+          <a:blip r:embed="rId2">
+            <a:extLst>
+              <a:ext uri="{28A0092B-C50C-407E-A947-70E740481C1C}">
+                <a14:useLocalDpi xmlns:a14="http://schemas.microsoft.com/office/drawing/2010/main" val="0"/>
+              </a:ext>
+            </a:extLst>
+          </a:blip>
+          <a:stretch>
+            <a:fillRect/>
+          </a:stretch>
+        </p:blipFill>
+        <p:spPr>
+          <a:xfrm>
+            <a:off x="-900608" y="-742900"/>
+            <a:ext cx="12332041" cy="6863580"/>
+          </a:xfrm>
+        </p:spPr>
+      </p:pic>
+    </p:spTree>
+    <p:extLst>
+      <p:ext uri="{BB962C8B-B14F-4D97-AF65-F5344CB8AC3E}">
+        <p14:creationId xmlns:p14="http://schemas.microsoft.com/office/powerpoint/2010/main" val="3964664114"/>
       </p:ext>
     </p:extLst>
   </p:cSld>
@@ -5662,30 +10450,67 @@
             <p:ph idx="1"/>
           </p:nvPr>
         </p:nvSpPr>
-        <p:spPr/>
+        <p:spPr>
+          <a:xfrm>
+            <a:off x="467544" y="937288"/>
+            <a:ext cx="8229600" cy="4440492"/>
+          </a:xfrm>
+        </p:spPr>
         <p:txBody>
           <a:bodyPr>
-            <a:normAutofit/>
+            <a:normAutofit fontScale="92500" lnSpcReduction="10000"/>
           </a:bodyPr>
           <a:lstStyle/>
           <a:p>
             <a:r>
+              <a:rPr lang="en-US" dirty="0" smtClean="0"/>
+              <a:t>Why DDD</a:t>
+            </a:r>
+          </a:p>
+          <a:p>
+            <a:endParaRPr lang="en-ZA" dirty="0" smtClean="0"/>
+          </a:p>
+          <a:p>
+            <a:r>
               <a:rPr lang="en-ZA" dirty="0" smtClean="0"/>
-              <a:t>Some DDD Theory</a:t>
-            </a:r>
+              <a:t>Ubiquitous Language</a:t>
+            </a:r>
+          </a:p>
+          <a:p>
+            <a:endParaRPr lang="en-ZA" dirty="0" smtClean="0"/>
+          </a:p>
+          <a:p>
+            <a:r>
+              <a:rPr lang="en-US" dirty="0" smtClean="0"/>
+              <a:t>Domain Structure</a:t>
+            </a:r>
+          </a:p>
+          <a:p>
+            <a:endParaRPr lang="en-ZA" dirty="0" smtClean="0"/>
           </a:p>
           <a:p>
             <a:r>
               <a:rPr lang="en-ZA" dirty="0" smtClean="0"/>
-              <a:t>Anaemic vs. Rich Domain Example</a:t>
-            </a:r>
+              <a:t>Application Structure</a:t>
+            </a:r>
+          </a:p>
+          <a:p>
+            <a:endParaRPr lang="en-ZA" dirty="0" smtClean="0"/>
+          </a:p>
+          <a:p>
+            <a:r>
+              <a:rPr lang="en-US" dirty="0" smtClean="0"/>
+              <a:t>Practical Example</a:t>
+            </a:r>
+          </a:p>
+          <a:p>
+            <a:endParaRPr lang="en-ZA" dirty="0" smtClean="0"/>
           </a:p>
           <a:p>
             <a:r>
               <a:rPr lang="en-ZA" dirty="0" smtClean="0"/>
-              <a:t>Domain Modelling Practice</a:t>
-            </a:r>
-            <a:endParaRPr lang="en-ZA" dirty="0" smtClean="0"/>
+              <a:t>D I Y</a:t>
+            </a:r>
           </a:p>
         </p:txBody>
       </p:sp>
@@ -5741,10 +10566,6 @@
           <a:bodyPr/>
           <a:lstStyle/>
           <a:p>
-            <a:r>
-              <a:rPr lang="en-ZA" dirty="0" smtClean="0"/>
-              <a:t>Why Domain Driven Design</a:t>
-            </a:r>
             <a:endParaRPr lang="en-ZA" dirty="0"/>
           </a:p>
         </p:txBody>
@@ -5759,72 +10580,84 @@
             <p:ph idx="1"/>
           </p:nvPr>
         </p:nvSpPr>
-        <p:spPr/>
+        <p:spPr>
+          <a:xfrm>
+            <a:off x="467544" y="937288"/>
+            <a:ext cx="7848872" cy="3771636"/>
+          </a:xfrm>
+        </p:spPr>
         <p:txBody>
           <a:bodyPr>
-            <a:normAutofit lnSpcReduction="10000"/>
+            <a:normAutofit/>
           </a:bodyPr>
           <a:lstStyle/>
           <a:p>
-            <a:r>
-              <a:rPr lang="en-ZA" dirty="0" smtClean="0"/>
-              <a:t>Build software that reflects the mental model of the business experts</a:t>
-            </a:r>
-          </a:p>
-          <a:p>
-            <a:r>
-              <a:rPr lang="en-ZA" dirty="0" smtClean="0"/>
-              <a:t>Delivers a model that is most useful to the business</a:t>
-            </a:r>
-          </a:p>
-          <a:p>
-            <a:r>
-              <a:rPr lang="en-ZA" dirty="0" smtClean="0"/>
-              <a:t>Self Documenting Code through the ubiquitous language</a:t>
-            </a:r>
-          </a:p>
-          <a:p>
-            <a:r>
-              <a:rPr lang="en-ZA" dirty="0" smtClean="0"/>
-              <a:t>Model complex domain in the simplest possible way</a:t>
-            </a:r>
-          </a:p>
-          <a:p>
-            <a:r>
-              <a:rPr lang="en-ZA" dirty="0" smtClean="0"/>
-              <a:t>Prevents Anaemia Induced Memory Loss</a:t>
-            </a:r>
-          </a:p>
-          <a:p>
-            <a:r>
-              <a:rPr lang="en-ZA" dirty="0" smtClean="0"/>
-              <a:t>The design is the code and the code is the design</a:t>
-            </a:r>
-          </a:p>
-          <a:p>
-            <a:r>
-              <a:rPr lang="en-ZA" dirty="0" smtClean="0"/>
-              <a:t>Works well with </a:t>
-            </a:r>
-            <a:r>
-              <a:rPr lang="en-ZA" dirty="0" err="1" smtClean="0"/>
-              <a:t>tdd</a:t>
-            </a:r>
-            <a:endParaRPr lang="en-ZA" dirty="0" smtClean="0"/>
-          </a:p>
-          <a:p>
-            <a:r>
-              <a:rPr lang="en-ZA" dirty="0" smtClean="0"/>
-              <a:t>Works well with agile</a:t>
-            </a:r>
-            <a:endParaRPr lang="en-ZA" dirty="0"/>
+            <a:pPr marL="0" indent="0">
+              <a:buNone/>
+            </a:pPr>
+            <a:endParaRPr lang="en-US" dirty="0"/>
+          </a:p>
+          <a:p>
+            <a:pPr marL="0" indent="0">
+              <a:buNone/>
+            </a:pPr>
+            <a:r>
+              <a:rPr lang="en-US" sz="15600" dirty="0" smtClean="0"/>
+              <a:t>				</a:t>
+            </a:r>
+            <a:endParaRPr lang="en-ZA" sz="15600" dirty="0"/>
+          </a:p>
+        </p:txBody>
+      </p:sp>
+      <p:sp>
+        <p:nvSpPr>
+          <p:cNvPr id="5" name="Action Button: Help 4">
+            <a:hlinkClick r:id="" action="ppaction://noaction" highlightClick="1"/>
+          </p:cNvPr>
+          <p:cNvSpPr/>
+          <p:nvPr/>
+        </p:nvSpPr>
+        <p:spPr>
+          <a:xfrm>
+            <a:off x="0" y="937289"/>
+            <a:ext cx="9144000" cy="4008443"/>
+          </a:xfrm>
+          <a:prstGeom prst="actionButtonHelp">
+            <a:avLst/>
+          </a:prstGeom>
+          <a:ln>
+            <a:solidFill>
+              <a:schemeClr val="bg1"/>
+            </a:solidFill>
+          </a:ln>
+        </p:spPr>
+        <p:style>
+          <a:lnRef idx="2">
+            <a:schemeClr val="accent6"/>
+          </a:lnRef>
+          <a:fillRef idx="1">
+            <a:schemeClr val="lt1"/>
+          </a:fillRef>
+          <a:effectRef idx="0">
+            <a:schemeClr val="accent6"/>
+          </a:effectRef>
+          <a:fontRef idx="minor">
+            <a:schemeClr val="dk1"/>
+          </a:fontRef>
+        </p:style>
+        <p:txBody>
+          <a:bodyPr rtlCol="0" anchor="ctr"/>
+          <a:lstStyle/>
+          <a:p>
+            <a:pPr algn="ctr"/>
+            <a:endParaRPr lang="en-ZA"/>
           </a:p>
         </p:txBody>
       </p:sp>
     </p:spTree>
     <p:extLst>
       <p:ext uri="{BB962C8B-B14F-4D97-AF65-F5344CB8AC3E}">
-        <p14:creationId xmlns:p14="http://schemas.microsoft.com/office/powerpoint/2010/main" val="467799620"/>
+        <p14:creationId xmlns:p14="http://schemas.microsoft.com/office/powerpoint/2010/main" val="3685894445"/>
       </p:ext>
     </p:extLst>
   </p:cSld>
@@ -5873,75 +10706,98 @@
           <a:bodyPr/>
           <a:lstStyle/>
           <a:p>
+            <a:endParaRPr lang="en-ZA" dirty="0"/>
+          </a:p>
+        </p:txBody>
+      </p:sp>
+      <p:sp>
+        <p:nvSpPr>
+          <p:cNvPr id="3" name="Content Placeholder 2"/>
+          <p:cNvSpPr>
+            <a:spLocks noGrp="1"/>
+          </p:cNvSpPr>
+          <p:nvPr>
+            <p:ph idx="1"/>
+          </p:nvPr>
+        </p:nvSpPr>
+        <p:spPr>
+          <a:xfrm>
+            <a:off x="467544" y="937288"/>
+            <a:ext cx="7848872" cy="3771636"/>
+          </a:xfrm>
+        </p:spPr>
+        <p:txBody>
+          <a:bodyPr>
+            <a:normAutofit/>
+          </a:bodyPr>
+          <a:lstStyle/>
+          <a:p>
+            <a:pPr marL="0" indent="0">
+              <a:buNone/>
+            </a:pPr>
+            <a:endParaRPr lang="en-US" dirty="0"/>
+          </a:p>
+          <a:p>
+            <a:pPr marL="0" indent="0">
+              <a:buNone/>
+            </a:pPr>
+            <a:r>
+              <a:rPr lang="en-US" sz="15600" dirty="0" smtClean="0"/>
+              <a:t>				</a:t>
+            </a:r>
+            <a:endParaRPr lang="en-ZA" sz="15600" dirty="0"/>
+          </a:p>
+        </p:txBody>
+      </p:sp>
+      <p:sp>
+        <p:nvSpPr>
+          <p:cNvPr id="5" name="Action Button: Help 4">
+            <a:hlinkClick r:id="" action="ppaction://noaction" highlightClick="1"/>
+          </p:cNvPr>
+          <p:cNvSpPr/>
+          <p:nvPr/>
+        </p:nvSpPr>
+        <p:spPr>
+          <a:xfrm>
+            <a:off x="0" y="937289"/>
+            <a:ext cx="9144000" cy="4008443"/>
+          </a:xfrm>
+          <a:prstGeom prst="actionButtonHelp">
+            <a:avLst/>
+          </a:prstGeom>
+          <a:ln>
+            <a:solidFill>
+              <a:schemeClr val="bg1"/>
+            </a:solidFill>
+          </a:ln>
+        </p:spPr>
+        <p:style>
+          <a:lnRef idx="2">
+            <a:schemeClr val="accent6"/>
+          </a:lnRef>
+          <a:fillRef idx="1">
+            <a:schemeClr val="lt1"/>
+          </a:fillRef>
+          <a:effectRef idx="0">
+            <a:schemeClr val="accent6"/>
+          </a:effectRef>
+          <a:fontRef idx="minor">
+            <a:schemeClr val="dk1"/>
+          </a:fontRef>
+        </p:style>
+        <p:txBody>
+          <a:bodyPr rtlCol="0" anchor="ctr"/>
+          <a:lstStyle/>
+          <a:p>
+            <a:pPr algn="ctr"/>
             <a:endParaRPr lang="en-ZA"/>
-          </a:p>
-        </p:txBody>
-      </p:sp>
-      <p:sp>
-        <p:nvSpPr>
-          <p:cNvPr id="3" name="Content Placeholder 2"/>
-          <p:cNvSpPr>
-            <a:spLocks noGrp="1"/>
-          </p:cNvSpPr>
-          <p:nvPr>
-            <p:ph idx="1"/>
-          </p:nvPr>
-        </p:nvSpPr>
-        <p:spPr/>
-        <p:txBody>
-          <a:bodyPr/>
-          <a:lstStyle/>
-          <a:p>
-            <a:r>
-              <a:rPr lang="en-ZA" dirty="0" smtClean="0"/>
-              <a:t>Organization gains a useful model of its domain</a:t>
-            </a:r>
-          </a:p>
-          <a:p>
-            <a:r>
-              <a:rPr lang="en-ZA" dirty="0" smtClean="0"/>
-              <a:t>A Refined precise definition and understanding of the business is developed</a:t>
-            </a:r>
-          </a:p>
-          <a:p>
-            <a:r>
-              <a:rPr lang="en-ZA" dirty="0" smtClean="0"/>
-              <a:t>Domain experts contribute</a:t>
-            </a:r>
-          </a:p>
-          <a:p>
-            <a:r>
-              <a:rPr lang="en-ZA" dirty="0" smtClean="0"/>
-              <a:t>Better user experience is gained</a:t>
-            </a:r>
-          </a:p>
-          <a:p>
-            <a:r>
-              <a:rPr lang="en-ZA" dirty="0" smtClean="0"/>
-              <a:t>Clean boundaries, pure models (SOLID)</a:t>
-            </a:r>
-          </a:p>
-          <a:p>
-            <a:r>
-              <a:rPr lang="en-ZA" dirty="0" smtClean="0"/>
-              <a:t>Enterprise architecture is better organized</a:t>
-            </a:r>
-          </a:p>
-          <a:p>
-            <a:r>
-              <a:rPr lang="en-ZA" dirty="0" smtClean="0"/>
-              <a:t>Agile iterative continuous modelling is used</a:t>
-            </a:r>
-          </a:p>
-          <a:p>
-            <a:endParaRPr lang="en-ZA" dirty="0"/>
           </a:p>
         </p:txBody>
       </p:sp>
     </p:spTree>
     <p:extLst>
       <p:ext uri="{BB962C8B-B14F-4D97-AF65-F5344CB8AC3E}">
-        <p14:creationId xmlns:p14="http://schemas.microsoft.com/office/powerpoint/2010/main" val="2017888290"/>
+        <p14:creationId xmlns:p14="http://schemas.microsoft.com/office/powerpoint/2010/main" val="1075039854"/>
       </p:ext>
     </p:extLst>
   </p:cSld>
@@ -5987,14 +10843,15 @@
         </p:nvSpPr>
         <p:spPr/>
         <p:txBody>
-          <a:bodyPr/>
-          <a:lstStyle/>
-          <a:p>
-            <a:r>
-              <a:rPr lang="en-ZA" dirty="0" smtClean="0"/>
+          <a:bodyPr>
+            <a:normAutofit/>
+          </a:bodyPr>
+          <a:lstStyle/>
+          <a:p>
+            <a:r>
+              <a:rPr lang="en-ZA" dirty="0"/>
               <a:t>Ubiquitous Language</a:t>
             </a:r>
-            <a:endParaRPr lang="en-ZA" dirty="0"/>
           </a:p>
         </p:txBody>
       </p:sp>
@@ -6008,19 +10865,59 @@
             <p:ph idx="1"/>
           </p:nvPr>
         </p:nvSpPr>
-        <p:spPr/>
-        <p:txBody>
-          <a:bodyPr/>
-          <a:lstStyle/>
-          <a:p>
-            <a:endParaRPr lang="en-ZA"/>
+        <p:spPr>
+          <a:xfrm>
+            <a:off x="467544" y="937288"/>
+            <a:ext cx="8229600" cy="4440492"/>
+          </a:xfrm>
+        </p:spPr>
+        <p:txBody>
+          <a:bodyPr>
+            <a:normAutofit/>
+          </a:bodyPr>
+          <a:lstStyle/>
+          <a:p>
+            <a:pPr marL="0" indent="0">
+              <a:buNone/>
+            </a:pPr>
+            <a:endParaRPr lang="en-US" dirty="0"/>
+          </a:p>
+          <a:p>
+            <a:r>
+              <a:rPr lang="en-US" dirty="0" smtClean="0"/>
+              <a:t>Modelling Out Loud</a:t>
+            </a:r>
+          </a:p>
+          <a:p>
+            <a:endParaRPr lang="en-US" dirty="0" smtClean="0"/>
+          </a:p>
+          <a:p>
+            <a:r>
+              <a:rPr lang="en-US" dirty="0" smtClean="0"/>
+              <a:t>One Team, One Language</a:t>
+            </a:r>
+          </a:p>
+          <a:p>
+            <a:endParaRPr lang="en-US" dirty="0" smtClean="0"/>
+          </a:p>
+          <a:p>
+            <a:r>
+              <a:rPr lang="en-US" dirty="0" smtClean="0"/>
+              <a:t>Documents and Diagrams (written)</a:t>
+            </a:r>
+          </a:p>
+          <a:p>
+            <a:pPr marL="0" indent="0">
+              <a:buNone/>
+            </a:pPr>
+            <a:endParaRPr lang="en-US" dirty="0" smtClean="0"/>
           </a:p>
         </p:txBody>
       </p:sp>
     </p:spTree>
     <p:extLst>
       <p:ext uri="{BB962C8B-B14F-4D97-AF65-F5344CB8AC3E}">
-        <p14:creationId xmlns:p14="http://schemas.microsoft.com/office/powerpoint/2010/main" val="1586845861"/>
+        <p14:creationId xmlns:p14="http://schemas.microsoft.com/office/powerpoint/2010/main" val="2658622239"/>
       </p:ext>
     </p:extLst>
   </p:cSld>
@@ -6030,9 +10927,218 @@
   <p:timing>
     <p:tnLst>
       <p:par>
-        <p:cTn id="1" dur="indefinite" restart="never" nodeType="tmRoot"/>
+        <p:cTn id="1" dur="indefinite" restart="never" nodeType="tmRoot">
+          <p:childTnLst>
+            <p:seq concurrent="1" nextAc="seek">
+              <p:cTn id="2" dur="indefinite" nodeType="mainSeq">
+                <p:childTnLst>
+                  <p:par>
+                    <p:cTn id="3" fill="hold">
+                      <p:stCondLst>
+                        <p:cond delay="indefinite"/>
+                      </p:stCondLst>
+                      <p:childTnLst>
+                        <p:par>
+                          <p:cTn id="4" fill="hold">
+                            <p:stCondLst>
+                              <p:cond delay="0"/>
+                            </p:stCondLst>
+                            <p:childTnLst>
+                              <p:par>
+                                <p:cTn id="5" presetID="10" presetClass="entr" presetSubtype="0" fill="hold" grpId="0" nodeType="clickEffect">
+                                  <p:stCondLst>
+                                    <p:cond delay="0"/>
+                                  </p:stCondLst>
+                                  <p:childTnLst>
+                                    <p:set>
+                                      <p:cBhvr>
+                                        <p:cTn id="6" dur="1" fill="hold">
+                                          <p:stCondLst>
+                                            <p:cond delay="0"/>
+                                          </p:stCondLst>
+                                        </p:cTn>
+                                        <p:tgtEl>
+                                          <p:spTgt spid="3">
+                                            <p:txEl>
+                                              <p:pRg st="1" end="1"/>
+                                            </p:txEl>
+                                          </p:spTgt>
+                                        </p:tgtEl>
+                                        <p:attrNameLst>
+                                          <p:attrName>style.visibility</p:attrName>
+                                        </p:attrNameLst>
+                                      </p:cBhvr>
+                                      <p:to>
+                                        <p:strVal val="visible"/>
+                                      </p:to>
+                                    </p:set>
+                                    <p:animEffect transition="in" filter="fade">
+                                      <p:cBhvr>
+                                        <p:cTn id="7" dur="500"/>
+                                        <p:tgtEl>
+                                          <p:spTgt spid="3">
+                                            <p:txEl>
+                                              <p:pRg st="1" end="1"/>
+                                            </p:txEl>
+                                          </p:spTgt>
+                                        </p:tgtEl>
+                                      </p:cBhvr>
+                                    </p:animEffect>
+                                  </p:childTnLst>
+                                </p:cTn>
+                              </p:par>
+                            </p:childTnLst>
+                          </p:cTn>
+                        </p:par>
+                      </p:childTnLst>
+                    </p:cTn>
+                  </p:par>
+                  <p:par>
+                    <p:cTn id="8" fill="hold">
+                      <p:stCondLst>
+                        <p:cond delay="indefinite"/>
+                      </p:stCondLst>
+                      <p:childTnLst>
+                        <p:par>
+                          <p:cTn id="9" fill="hold">
+                            <p:stCondLst>
+                              <p:cond delay="0"/>
+                            </p:stCondLst>
+                            <p:childTnLst>
+                              <p:par>
+                                <p:cTn id="10" presetID="10" presetClass="entr" presetSubtype="0" fill="hold" grpId="0" nodeType="clickEffect">
+                                  <p:stCondLst>
+                                    <p:cond delay="0"/>
+                                  </p:stCondLst>
+                                  <p:childTnLst>
+                                    <p:set>
+                                      <p:cBhvr>
+                                        <p:cTn id="11" dur="1" fill="hold">
+                                          <p:stCondLst>
+                                            <p:cond delay="0"/>
+                                          </p:stCondLst>
+                                        </p:cTn>
+                                        <p:tgtEl>
+                                          <p:spTgt spid="3">
+                                            <p:txEl>
+                                              <p:pRg st="3" end="3"/>
+                                            </p:txEl>
+                                          </p:spTgt>
+                                        </p:tgtEl>
+                                        <p:attrNameLst>
+                                          <p:attrName>style.visibility</p:attrName>
+                                        </p:attrNameLst>
+                                      </p:cBhvr>
+                                      <p:to>
+                                        <p:strVal val="visible"/>
+                                      </p:to>
+                                    </p:set>
+                                    <p:animEffect transition="in" filter="fade">
+                                      <p:cBhvr>
+                                        <p:cTn id="12" dur="500"/>
+                                        <p:tgtEl>
+                                          <p:spTgt spid="3">
+                                            <p:txEl>
+                                              <p:pRg st="3" end="3"/>
+                                            </p:txEl>
+                                          </p:spTgt>
+                                        </p:tgtEl>
+                                      </p:cBhvr>
+                                    </p:animEffect>
+                                  </p:childTnLst>
+                                </p:cTn>
+                              </p:par>
+                            </p:childTnLst>
+                          </p:cTn>
+                        </p:par>
+                      </p:childTnLst>
+                    </p:cTn>
+                  </p:par>
+                  <p:par>
+                    <p:cTn id="13" fill="hold">
+                      <p:stCondLst>
+                        <p:cond delay="indefinite"/>
+                      </p:stCondLst>
+                      <p:childTnLst>
+                        <p:par>
+                          <p:cTn id="14" fill="hold">
+                            <p:stCondLst>
+                              <p:cond delay="0"/>
+                            </p:stCondLst>
+                            <p:childTnLst>
+                              <p:par>
+                                <p:cTn id="15" presetID="10" presetClass="entr" presetSubtype="0" fill="hold" grpId="0" nodeType="clickEffect">
+                                  <p:stCondLst>
+                                    <p:cond delay="0"/>
+                                  </p:stCondLst>
+                                  <p:childTnLst>
+                                    <p:set>
+                                      <p:cBhvr>
+                                        <p:cTn id="16" dur="1" fill="hold">
+                                          <p:stCondLst>
+                                            <p:cond delay="0"/>
+                                          </p:stCondLst>
+                                        </p:cTn>
+                                        <p:tgtEl>
+                                          <p:spTgt spid="3">
+                                            <p:txEl>
+                                              <p:pRg st="5" end="5"/>
+                                            </p:txEl>
+                                          </p:spTgt>
+                                        </p:tgtEl>
+                                        <p:attrNameLst>
+                                          <p:attrName>style.visibility</p:attrName>
+                                        </p:attrNameLst>
+                                      </p:cBhvr>
+                                      <p:to>
+                                        <p:strVal val="visible"/>
+                                      </p:to>
+                                    </p:set>
+                                    <p:animEffect transition="in" filter="fade">
+                                      <p:cBhvr>
+                                        <p:cTn id="17" dur="500"/>
+                                        <p:tgtEl>
+                                          <p:spTgt spid="3">
+                                            <p:txEl>
+                                              <p:pRg st="5" end="5"/>
+                                            </p:txEl>
+                                          </p:spTgt>
+                                        </p:tgtEl>
+                                      </p:cBhvr>
+                                    </p:animEffect>
+                                  </p:childTnLst>
+                                </p:cTn>
+                              </p:par>
+                            </p:childTnLst>
+                          </p:cTn>
+                        </p:par>
+                      </p:childTnLst>
+                    </p:cTn>
+                  </p:par>
+                </p:childTnLst>
+              </p:cTn>
+              <p:prevCondLst>
+                <p:cond evt="onPrev" delay="0">
+                  <p:tgtEl>
+                    <p:sldTgt/>
+                  </p:tgtEl>
+                </p:cond>
+              </p:prevCondLst>
+              <p:nextCondLst>
+                <p:cond evt="onNext" delay="0">
+                  <p:tgtEl>
+                    <p:sldTgt/>
+                  </p:tgtEl>
+                </p:cond>
+              </p:nextCondLst>
+            </p:seq>
+          </p:childTnLst>
+        </p:cTn>
       </p:par>
     </p:tnLst>
+    <p:bldLst>
+      <p:bldP spid="3" grpId="0" build="p"/>
+    </p:bldLst>
   </p:timing>
 </p:sld>
 </file>
@@ -6066,14 +11172,15 @@
         </p:nvSpPr>
         <p:spPr/>
         <p:txBody>
-          <a:bodyPr/>
-          <a:lstStyle/>
-          <a:p>
-            <a:r>
-              <a:rPr lang="en-ZA" dirty="0" smtClean="0"/>
-              <a:t>Bounded Context</a:t>
-            </a:r>
-            <a:endParaRPr lang="en-ZA" dirty="0"/>
+          <a:bodyPr>
+            <a:normAutofit/>
+          </a:bodyPr>
+          <a:lstStyle/>
+          <a:p>
+            <a:r>
+              <a:rPr lang="en-ZA" dirty="0"/>
+              <a:t>Ubiquitous Language</a:t>
+            </a:r>
           </a:p>
         </p:txBody>
       </p:sp>
@@ -6087,19 +11194,66 @@
             <p:ph idx="1"/>
           </p:nvPr>
         </p:nvSpPr>
-        <p:spPr/>
-        <p:txBody>
-          <a:bodyPr/>
-          <a:lstStyle/>
-          <a:p>
-            <a:endParaRPr lang="en-ZA" dirty="0"/>
+        <p:spPr>
+          <a:xfrm>
+            <a:off x="467544" y="937288"/>
+            <a:ext cx="8229600" cy="4440492"/>
+          </a:xfrm>
+        </p:spPr>
+        <p:txBody>
+          <a:bodyPr>
+            <a:normAutofit/>
+          </a:bodyPr>
+          <a:lstStyle/>
+          <a:p>
+            <a:r>
+              <a:rPr lang="en-US" dirty="0" smtClean="0"/>
+              <a:t>Binding Model and Implementation</a:t>
+            </a:r>
+          </a:p>
+          <a:p>
+            <a:endParaRPr lang="en-US" dirty="0" smtClean="0"/>
+          </a:p>
+          <a:p>
+            <a:r>
+              <a:rPr lang="en-US" dirty="0" smtClean="0"/>
+              <a:t>Cultivating a language based on the model</a:t>
+            </a:r>
+          </a:p>
+          <a:p>
+            <a:endParaRPr lang="en-US" dirty="0" smtClean="0"/>
+          </a:p>
+          <a:p>
+            <a:r>
+              <a:rPr lang="en-US" dirty="0" smtClean="0"/>
+              <a:t>Developing a knowledge-rich model</a:t>
+            </a:r>
+          </a:p>
+          <a:p>
+            <a:endParaRPr lang="en-US" dirty="0" smtClean="0"/>
+          </a:p>
+          <a:p>
+            <a:r>
+              <a:rPr lang="en-US" dirty="0" smtClean="0"/>
+              <a:t>Distilling the model</a:t>
+            </a:r>
+          </a:p>
+          <a:p>
+            <a:endParaRPr lang="en-US" dirty="0" smtClean="0"/>
+          </a:p>
+          <a:p>
+            <a:r>
+              <a:rPr lang="en-US" dirty="0" smtClean="0"/>
+              <a:t>Brainstorming and experimenting</a:t>
+            </a:r>
+            <a:endParaRPr lang="en-ZA" dirty="0" smtClean="0"/>
           </a:p>
         </p:txBody>
       </p:sp>
     </p:spTree>
     <p:extLst>
       <p:ext uri="{BB962C8B-B14F-4D97-AF65-F5344CB8AC3E}">
-        <p14:creationId xmlns:p14="http://schemas.microsoft.com/office/powerpoint/2010/main" val="1045375539"/>
+        <p14:creationId xmlns:p14="http://schemas.microsoft.com/office/powerpoint/2010/main" val="2761841206"/>
       </p:ext>
     </p:extLst>
   </p:cSld>
@@ -6109,9 +11263,340 @@
   <p:timing>
     <p:tnLst>
       <p:par>
-        <p:cTn id="1" dur="indefinite" restart="never" nodeType="tmRoot"/>
+        <p:cTn id="1" dur="indefinite" restart="never" nodeType="tmRoot">
+          <p:childTnLst>
+            <p:seq concurrent="1" nextAc="seek">
+              <p:cTn id="2" dur="indefinite" nodeType="mainSeq">
+                <p:childTnLst>
+                  <p:par>
+                    <p:cTn id="3" fill="hold">
+                      <p:stCondLst>
+                        <p:cond delay="indefinite"/>
+                      </p:stCondLst>
+                      <p:childTnLst>
+                        <p:par>
+                          <p:cTn id="4" fill="hold">
+                            <p:stCondLst>
+                              <p:cond delay="0"/>
+                            </p:stCondLst>
+                            <p:childTnLst>
+                              <p:par>
+                                <p:cTn id="5" presetID="10" presetClass="entr" presetSubtype="0" fill="hold" grpId="0" nodeType="clickEffect">
+                                  <p:stCondLst>
+                                    <p:cond delay="0"/>
+                                  </p:stCondLst>
+                                  <p:childTnLst>
+                                    <p:set>
+                                      <p:cBhvr>
+                                        <p:cTn id="6" dur="1" fill="hold">
+                                          <p:stCondLst>
+                                            <p:cond delay="0"/>
+                                          </p:stCondLst>
+                                        </p:cTn>
+                                        <p:tgtEl>
+                                          <p:spTgt spid="3">
+                                            <p:txEl>
+                                              <p:pRg st="0" end="0"/>
+                                            </p:txEl>
+                                          </p:spTgt>
+                                        </p:tgtEl>
+                                        <p:attrNameLst>
+                                          <p:attrName>style.visibility</p:attrName>
+                                        </p:attrNameLst>
+                                      </p:cBhvr>
+                                      <p:to>
+                                        <p:strVal val="visible"/>
+                                      </p:to>
+                                    </p:set>
+                                    <p:animEffect transition="in" filter="fade">
+                                      <p:cBhvr>
+                                        <p:cTn id="7" dur="500"/>
+                                        <p:tgtEl>
+                                          <p:spTgt spid="3">
+                                            <p:txEl>
+                                              <p:pRg st="0" end="0"/>
+                                            </p:txEl>
+                                          </p:spTgt>
+                                        </p:tgtEl>
+                                      </p:cBhvr>
+                                    </p:animEffect>
+                                  </p:childTnLst>
+                                </p:cTn>
+                              </p:par>
+                            </p:childTnLst>
+                          </p:cTn>
+                        </p:par>
+                      </p:childTnLst>
+                    </p:cTn>
+                  </p:par>
+                  <p:par>
+                    <p:cTn id="8" fill="hold">
+                      <p:stCondLst>
+                        <p:cond delay="indefinite"/>
+                      </p:stCondLst>
+                      <p:childTnLst>
+                        <p:par>
+                          <p:cTn id="9" fill="hold">
+                            <p:stCondLst>
+                              <p:cond delay="0"/>
+                            </p:stCondLst>
+                            <p:childTnLst>
+                              <p:par>
+                                <p:cTn id="10" presetID="10" presetClass="entr" presetSubtype="0" fill="hold" grpId="0" nodeType="clickEffect">
+                                  <p:stCondLst>
+                                    <p:cond delay="0"/>
+                                  </p:stCondLst>
+                                  <p:childTnLst>
+                                    <p:set>
+                                      <p:cBhvr>
+                                        <p:cTn id="11" dur="1" fill="hold">
+                                          <p:stCondLst>
+                                            <p:cond delay="0"/>
+                                          </p:stCondLst>
+                                        </p:cTn>
+                                        <p:tgtEl>
+                                          <p:spTgt spid="3">
+                                            <p:txEl>
+                                              <p:pRg st="2" end="2"/>
+                                            </p:txEl>
+                                          </p:spTgt>
+                                        </p:tgtEl>
+                                        <p:attrNameLst>
+                                          <p:attrName>style.visibility</p:attrName>
+                                        </p:attrNameLst>
+                                      </p:cBhvr>
+                                      <p:to>
+                                        <p:strVal val="visible"/>
+                                      </p:to>
+                                    </p:set>
+                                    <p:animEffect transition="in" filter="fade">
+                                      <p:cBhvr>
+                                        <p:cTn id="12" dur="500"/>
+                                        <p:tgtEl>
+                                          <p:spTgt spid="3">
+                                            <p:txEl>
+                                              <p:pRg st="2" end="2"/>
+                                            </p:txEl>
+                                          </p:spTgt>
+                                        </p:tgtEl>
+                                      </p:cBhvr>
+                                    </p:animEffect>
+                                  </p:childTnLst>
+                                </p:cTn>
+                              </p:par>
+                            </p:childTnLst>
+                          </p:cTn>
+                        </p:par>
+                      </p:childTnLst>
+                    </p:cTn>
+                  </p:par>
+                  <p:par>
+                    <p:cTn id="13" fill="hold">
+                      <p:stCondLst>
+                        <p:cond delay="indefinite"/>
+                      </p:stCondLst>
+                      <p:childTnLst>
+                        <p:par>
+                          <p:cTn id="14" fill="hold">
+                            <p:stCondLst>
+                              <p:cond delay="0"/>
+                            </p:stCondLst>
+                            <p:childTnLst>
+                              <p:par>
+                                <p:cTn id="15" presetID="10" presetClass="entr" presetSubtype="0" fill="hold" grpId="0" nodeType="clickEffect">
+                                  <p:stCondLst>
+                                    <p:cond delay="0"/>
+                                  </p:stCondLst>
+                                  <p:childTnLst>
+                                    <p:set>
+                                      <p:cBhvr>
+                                        <p:cTn id="16" dur="1" fill="hold">
+                                          <p:stCondLst>
+                                            <p:cond delay="0"/>
+                                          </p:stCondLst>
+                                        </p:cTn>
+                                        <p:tgtEl>
+                                          <p:spTgt spid="3">
+                                            <p:txEl>
+                                              <p:pRg st="4" end="4"/>
+                                            </p:txEl>
+                                          </p:spTgt>
+                                        </p:tgtEl>
+                                        <p:attrNameLst>
+                                          <p:attrName>style.visibility</p:attrName>
+                                        </p:attrNameLst>
+                                      </p:cBhvr>
+                                      <p:to>
+                                        <p:strVal val="visible"/>
+                                      </p:to>
+                                    </p:set>
+                                    <p:animEffect transition="in" filter="fade">
+                                      <p:cBhvr>
+                                        <p:cTn id="17" dur="500"/>
+                                        <p:tgtEl>
+                                          <p:spTgt spid="3">
+                                            <p:txEl>
+                                              <p:pRg st="4" end="4"/>
+                                            </p:txEl>
+                                          </p:spTgt>
+                                        </p:tgtEl>
+                                      </p:cBhvr>
+                                    </p:animEffect>
+                                  </p:childTnLst>
+                                </p:cTn>
+                              </p:par>
+                            </p:childTnLst>
+                          </p:cTn>
+                        </p:par>
+                      </p:childTnLst>
+                    </p:cTn>
+                  </p:par>
+                  <p:par>
+                    <p:cTn id="18" fill="hold">
+                      <p:stCondLst>
+                        <p:cond delay="indefinite"/>
+                      </p:stCondLst>
+                      <p:childTnLst>
+                        <p:par>
+                          <p:cTn id="19" fill="hold">
+                            <p:stCondLst>
+                              <p:cond delay="0"/>
+                            </p:stCondLst>
+                            <p:childTnLst>
+                              <p:par>
+                                <p:cTn id="20" presetID="10" presetClass="entr" presetSubtype="0" fill="hold" grpId="0" nodeType="clickEffect">
+                                  <p:stCondLst>
+                                    <p:cond delay="0"/>
+                                  </p:stCondLst>
+                                  <p:childTnLst>
+                                    <p:set>
+                                      <p:cBhvr>
+                                        <p:cTn id="21" dur="1" fill="hold">
+                                          <p:stCondLst>
+                                            <p:cond delay="0"/>
+                                          </p:stCondLst>
+                                        </p:cTn>
+                                        <p:tgtEl>
+                                          <p:spTgt spid="3">
+                                            <p:txEl>
+                                              <p:pRg st="6" end="6"/>
+                                            </p:txEl>
+                                          </p:spTgt>
+                                        </p:tgtEl>
+                                        <p:attrNameLst>
+                                          <p:attrName>style.visibility</p:attrName>
+                                        </p:attrNameLst>
+                                      </p:cBhvr>
+                                      <p:to>
+                                        <p:strVal val="visible"/>
+                                      </p:to>
+                                    </p:set>
+                                    <p:animEffect transition="in" filter="fade">
+                                      <p:cBhvr>
+                                        <p:cTn id="22" dur="500"/>
+                                        <p:tgtEl>
+                                          <p:spTgt spid="3">
+                                            <p:txEl>
+                                              <p:pRg st="6" end="6"/>
+                                            </p:txEl>
+                                          </p:spTgt>
+                                        </p:tgtEl>
+                                      </p:cBhvr>
+                                    </p:animEffect>
+                                  </p:childTnLst>
+                                </p:cTn>
+                              </p:par>
+                            </p:childTnLst>
+                          </p:cTn>
+                        </p:par>
+                      </p:childTnLst>
+                    </p:cTn>
+                  </p:par>
+                  <p:par>
+                    <p:cTn id="23" fill="hold">
+                      <p:stCondLst>
+                        <p:cond delay="indefinite"/>
+                      </p:stCondLst>
+                      <p:childTnLst>
+                        <p:par>
+                          <p:cTn id="24" fill="hold">
+                            <p:stCondLst>
+                              <p:cond delay="0"/>
+                            </p:stCondLst>
+                            <p:childTnLst>
+                              <p:par>
+                                <p:cTn id="25" presetID="10" presetClass="entr" presetSubtype="0" fill="hold" grpId="0" nodeType="clickEffect">
+                                  <p:stCondLst>
+                                    <p:cond delay="0"/>
+                                  </p:stCondLst>
+                                  <p:childTnLst>
+                                    <p:set>
+                                      <p:cBhvr>
+                                        <p:cTn id="26" dur="1" fill="hold">
+                                          <p:stCondLst>
+                                            <p:cond delay="0"/>
+                                          </p:stCondLst>
+                                        </p:cTn>
+                                        <p:tgtEl>
+                                          <p:spTgt spid="3">
+                                            <p:txEl>
+                                              <p:pRg st="8" end="8"/>
+                                            </p:txEl>
+                                          </p:spTgt>
+                                        </p:tgtEl>
+                                        <p:attrNameLst>
+                                          <p:attrName>style.visibility</p:attrName>
+                                        </p:attrNameLst>
+                                      </p:cBhvr>
+                                      <p:to>
+                                        <p:strVal val="visible"/>
+                                      </p:to>
+                                    </p:set>
+                                    <p:animEffect transition="in" filter="fade">
+                                      <p:cBhvr>
+                                        <p:cTn id="27" dur="500"/>
+                                        <p:tgtEl>
+                                          <p:spTgt spid="3">
+                                            <p:txEl>
+                                              <p:pRg st="8" end="8"/>
+                                            </p:txEl>
+                                          </p:spTgt>
+                                        </p:tgtEl>
+                                      </p:cBhvr>
+                                    </p:animEffect>
+                                  </p:childTnLst>
+                                </p:cTn>
+                              </p:par>
+                            </p:childTnLst>
+                          </p:cTn>
+                        </p:par>
+                      </p:childTnLst>
+                    </p:cTn>
+                  </p:par>
+                </p:childTnLst>
+              </p:cTn>
+              <p:prevCondLst>
+                <p:cond evt="onPrev" delay="0">
+                  <p:tgtEl>
+                    <p:sldTgt/>
+                  </p:tgtEl>
+                </p:cond>
+              </p:prevCondLst>
+              <p:nextCondLst>
+                <p:cond evt="onNext" delay="0">
+                  <p:tgtEl>
+                    <p:sldTgt/>
+                  </p:tgtEl>
+                </p:cond>
+              </p:nextCondLst>
+            </p:seq>
+          </p:childTnLst>
+        </p:cTn>
       </p:par>
     </p:tnLst>
+    <p:bldLst>
+      <p:bldP spid="3" grpId="0" build="p"/>
+    </p:bldLst>
   </p:timing>
 </p:sld>
 </file>
@@ -6145,7 +11630,9 @@
         </p:nvSpPr>
         <p:spPr/>
         <p:txBody>
-          <a:bodyPr/>
+          <a:bodyPr>
+            <a:normAutofit/>
+          </a:bodyPr>
           <a:lstStyle/>
           <a:p>
             <a:r>
@@ -6166,30 +11653,62 @@
             <p:ph idx="1"/>
           </p:nvPr>
         </p:nvSpPr>
-        <p:spPr/>
-        <p:txBody>
-          <a:bodyPr/>
-          <a:lstStyle/>
-          <a:p>
-            <a:r>
-              <a:rPr lang="en-ZA" dirty="0" smtClean="0"/>
+        <p:spPr>
+          <a:xfrm>
+            <a:off x="467544" y="937288"/>
+            <a:ext cx="8229600" cy="4440492"/>
+          </a:xfrm>
+        </p:spPr>
+        <p:txBody>
+          <a:bodyPr>
+            <a:normAutofit/>
+          </a:bodyPr>
+          <a:lstStyle/>
+          <a:p>
+            <a:endParaRPr lang="en-US" dirty="0" smtClean="0"/>
+          </a:p>
+          <a:p>
+            <a:r>
+              <a:rPr lang="en-US" dirty="0" smtClean="0"/>
+              <a:t>Value Types</a:t>
+            </a:r>
+          </a:p>
+          <a:p>
+            <a:endParaRPr lang="en-US" dirty="0" smtClean="0"/>
+          </a:p>
+          <a:p>
+            <a:r>
+              <a:rPr lang="en-US" dirty="0" smtClean="0"/>
               <a:t>Entities</a:t>
             </a:r>
           </a:p>
           <a:p>
-            <a:pPr lvl="1"/>
-            <a:r>
-              <a:rPr lang="en-ZA" dirty="0" smtClean="0"/>
-              <a:t>Known By Its Identity</a:t>
-            </a:r>
-            <a:endParaRPr lang="en-ZA" dirty="0"/>
+            <a:endParaRPr lang="en-US" dirty="0" smtClean="0"/>
+          </a:p>
+          <a:p>
+            <a:r>
+              <a:rPr lang="en-US" dirty="0" smtClean="0"/>
+              <a:t>Aggregates</a:t>
+            </a:r>
+          </a:p>
+          <a:p>
+            <a:endParaRPr lang="en-US" dirty="0" smtClean="0"/>
+          </a:p>
+          <a:p>
+            <a:r>
+              <a:rPr lang="en-US" dirty="0" smtClean="0"/>
+              <a:t>Bounded Context</a:t>
+            </a:r>
+          </a:p>
+          <a:p>
+            <a:endParaRPr lang="en-ZA" dirty="0" smtClean="0"/>
           </a:p>
         </p:txBody>
       </p:sp>
     </p:spTree>
     <p:extLst>
       <p:ext uri="{BB962C8B-B14F-4D97-AF65-F5344CB8AC3E}">
-        <p14:creationId xmlns:p14="http://schemas.microsoft.com/office/powerpoint/2010/main" val="2367147118"/>
+        <p14:creationId xmlns:p14="http://schemas.microsoft.com/office/powerpoint/2010/main" val="602660073"/>
       </p:ext>
     </p:extLst>
   </p:cSld>
@@ -6199,9 +11718,279 @@
   <p:timing>
     <p:tnLst>
       <p:par>
-        <p:cTn id="1" dur="indefinite" restart="never" nodeType="tmRoot"/>
+        <p:cTn id="1" dur="indefinite" restart="never" nodeType="tmRoot">
+          <p:childTnLst>
+            <p:seq concurrent="1" nextAc="seek">
+              <p:cTn id="2" dur="indefinite" nodeType="mainSeq">
+                <p:childTnLst>
+                  <p:par>
+                    <p:cTn id="3" fill="hold">
+                      <p:stCondLst>
+                        <p:cond delay="indefinite"/>
+                      </p:stCondLst>
+                      <p:childTnLst>
+                        <p:par>
+                          <p:cTn id="4" fill="hold">
+                            <p:stCondLst>
+                              <p:cond delay="0"/>
+                            </p:stCondLst>
+                            <p:childTnLst>
+                              <p:par>
+                                <p:cTn id="5" presetID="10" presetClass="entr" presetSubtype="0" fill="hold" grpId="0" nodeType="clickEffect">
+                                  <p:stCondLst>
+                                    <p:cond delay="0"/>
+                                  </p:stCondLst>
+                                  <p:childTnLst>
+                                    <p:set>
+                                      <p:cBhvr>
+                                        <p:cTn id="6" dur="1" fill="hold">
+                                          <p:stCondLst>
+                                            <p:cond delay="0"/>
+                                          </p:stCondLst>
+                                        </p:cTn>
+                                        <p:tgtEl>
+                                          <p:spTgt spid="3">
+                                            <p:txEl>
+                                              <p:pRg st="1" end="1"/>
+                                            </p:txEl>
+                                          </p:spTgt>
+                                        </p:tgtEl>
+                                        <p:attrNameLst>
+                                          <p:attrName>style.visibility</p:attrName>
+                                        </p:attrNameLst>
+                                      </p:cBhvr>
+                                      <p:to>
+                                        <p:strVal val="visible"/>
+                                      </p:to>
+                                    </p:set>
+                                    <p:animEffect transition="in" filter="fade">
+                                      <p:cBhvr>
+                                        <p:cTn id="7" dur="500"/>
+                                        <p:tgtEl>
+                                          <p:spTgt spid="3">
+                                            <p:txEl>
+                                              <p:pRg st="1" end="1"/>
+                                            </p:txEl>
+                                          </p:spTgt>
+                                        </p:tgtEl>
+                                      </p:cBhvr>
+                                    </p:animEffect>
+                                  </p:childTnLst>
+                                </p:cTn>
+                              </p:par>
+                            </p:childTnLst>
+                          </p:cTn>
+                        </p:par>
+                      </p:childTnLst>
+                    </p:cTn>
+                  </p:par>
+                  <p:par>
+                    <p:cTn id="8" fill="hold">
+                      <p:stCondLst>
+                        <p:cond delay="indefinite"/>
+                      </p:stCondLst>
+                      <p:childTnLst>
+                        <p:par>
+                          <p:cTn id="9" fill="hold">
+                            <p:stCondLst>
+                              <p:cond delay="0"/>
+                            </p:stCondLst>
+                            <p:childTnLst>
+                              <p:par>
+                                <p:cTn id="10" presetID="10" presetClass="entr" presetSubtype="0" fill="hold" grpId="0" nodeType="clickEffect">
+                                  <p:stCondLst>
+                                    <p:cond delay="0"/>
+                                  </p:stCondLst>
+                                  <p:childTnLst>
+                                    <p:set>
+                                      <p:cBhvr>
+                                        <p:cTn id="11" dur="1" fill="hold">
+                                          <p:stCondLst>
+                                            <p:cond delay="0"/>
+                                          </p:stCondLst>
+                                        </p:cTn>
+                                        <p:tgtEl>
+                                          <p:spTgt spid="3">
+                                            <p:txEl>
+                                              <p:pRg st="3" end="3"/>
+                                            </p:txEl>
+                                          </p:spTgt>
+                                        </p:tgtEl>
+                                        <p:attrNameLst>
+                                          <p:attrName>style.visibility</p:attrName>
+                                        </p:attrNameLst>
+                                      </p:cBhvr>
+                                      <p:to>
+                                        <p:strVal val="visible"/>
+                                      </p:to>
+                                    </p:set>
+                                    <p:animEffect transition="in" filter="fade">
+                                      <p:cBhvr>
+                                        <p:cTn id="12" dur="500"/>
+                                        <p:tgtEl>
+                                          <p:spTgt spid="3">
+                                            <p:txEl>
+                                              <p:pRg st="3" end="3"/>
+                                            </p:txEl>
+                                          </p:spTgt>
+                                        </p:tgtEl>
+                                      </p:cBhvr>
+                                    </p:animEffect>
+                                  </p:childTnLst>
+                                </p:cTn>
+                              </p:par>
+                            </p:childTnLst>
+                          </p:cTn>
+                        </p:par>
+                      </p:childTnLst>
+                    </p:cTn>
+                  </p:par>
+                  <p:par>
+                    <p:cTn id="13" fill="hold">
+                      <p:stCondLst>
+                        <p:cond delay="indefinite"/>
+                      </p:stCondLst>
+                      <p:childTnLst>
+                        <p:par>
+                          <p:cTn id="14" fill="hold">
+                            <p:stCondLst>
+                              <p:cond delay="0"/>
+                            </p:stCondLst>
+                            <p:childTnLst>
+                              <p:par>
+                                <p:cTn id="15" presetID="10" presetClass="entr" presetSubtype="0" fill="hold" grpId="0" nodeType="clickEffect">
+                                  <p:stCondLst>
+                                    <p:cond delay="0"/>
+                                  </p:stCondLst>
+                                  <p:childTnLst>
+                                    <p:set>
+                                      <p:cBhvr>
+                                        <p:cTn id="16" dur="1" fill="hold">
+                                          <p:stCondLst>
+                                            <p:cond delay="0"/>
+                                          </p:stCondLst>
+                                        </p:cTn>
+                                        <p:tgtEl>
+                                          <p:spTgt spid="3">
+                                            <p:txEl>
+                                              <p:pRg st="5" end="5"/>
+                                            </p:txEl>
+                                          </p:spTgt>
+                                        </p:tgtEl>
+                                        <p:attrNameLst>
+                                          <p:attrName>style.visibility</p:attrName>
+                                        </p:attrNameLst>
+                                      </p:cBhvr>
+                                      <p:to>
+                                        <p:strVal val="visible"/>
+                                      </p:to>
+                                    </p:set>
+                                    <p:animEffect transition="in" filter="fade">
+                                      <p:cBhvr>
+                                        <p:cTn id="17" dur="500"/>
+                                        <p:tgtEl>
+                                          <p:spTgt spid="3">
+                                            <p:txEl>
+                                              <p:pRg st="5" end="5"/>
+                                            </p:txEl>
+                                          </p:spTgt>
+                                        </p:tgtEl>
+                                      </p:cBhvr>
+                                    </p:animEffect>
+                                  </p:childTnLst>
+                                </p:cTn>
+                              </p:par>
+                            </p:childTnLst>
+                          </p:cTn>
+                        </p:par>
+                      </p:childTnLst>
+                    </p:cTn>
+                  </p:par>
+                  <p:par>
+                    <p:cTn id="18" fill="hold">
+                      <p:stCondLst>
+                        <p:cond delay="indefinite"/>
+                      </p:stCondLst>
+                      <p:childTnLst>
+                        <p:par>
+                          <p:cTn id="19" fill="hold">
+                            <p:stCondLst>
+                              <p:cond delay="0"/>
+                            </p:stCondLst>
+                            <p:childTnLst>
+                              <p:par>
+                                <p:cTn id="20" presetID="10" presetClass="entr" presetSubtype="0" fill="hold" grpId="0" nodeType="clickEffect">
+                                  <p:stCondLst>
+                                    <p:cond delay="0"/>
+                                  </p:stCondLst>
+                                  <p:childTnLst>
+                                    <p:set>
+                                      <p:cBhvr>
+                                        <p:cTn id="21" dur="1" fill="hold">
+                                          <p:stCondLst>
+                                            <p:cond delay="0"/>
+                                          </p:stCondLst>
+                                        </p:cTn>
+                                        <p:tgtEl>
+                                          <p:spTgt spid="3">
+                                            <p:txEl>
+                                              <p:pRg st="7" end="7"/>
+                                            </p:txEl>
+                                          </p:spTgt>
+                                        </p:tgtEl>
+                                        <p:attrNameLst>
+                                          <p:attrName>style.visibility</p:attrName>
+                                        </p:attrNameLst>
+                                      </p:cBhvr>
+                                      <p:to>
+                                        <p:strVal val="visible"/>
+                                      </p:to>
+                                    </p:set>
+                                    <p:animEffect transition="in" filter="fade">
+                                      <p:cBhvr>
+                                        <p:cTn id="22" dur="500"/>
+                                        <p:tgtEl>
+                                          <p:spTgt spid="3">
+                                            <p:txEl>
+                                              <p:pRg st="7" end="7"/>
+                                            </p:txEl>
+                                          </p:spTgt>
+                                        </p:tgtEl>
+                                      </p:cBhvr>
+                                    </p:animEffect>
+                                  </p:childTnLst>
+                                </p:cTn>
+                              </p:par>
+                            </p:childTnLst>
+                          </p:cTn>
+                        </p:par>
+                      </p:childTnLst>
+                    </p:cTn>
+                  </p:par>
+                </p:childTnLst>
+              </p:cTn>
+              <p:prevCondLst>
+                <p:cond evt="onPrev" delay="0">
+                  <p:tgtEl>
+                    <p:sldTgt/>
+                  </p:tgtEl>
+                </p:cond>
+              </p:prevCondLst>
+              <p:nextCondLst>
+                <p:cond evt="onNext" delay="0">
+                  <p:tgtEl>
+                    <p:sldTgt/>
+                  </p:tgtEl>
+                </p:cond>
+              </p:nextCondLst>
+            </p:seq>
+          </p:childTnLst>
+        </p:cTn>
       </p:par>
     </p:tnLst>
+    <p:bldLst>
+      <p:bldP spid="3" grpId="0" build="p"/>
+    </p:bldLst>
   </p:timing>
 </p:sld>
 </file>
@@ -6240,7 +12029,7 @@
           <a:p>
             <a:r>
               <a:rPr lang="en-ZA" dirty="0" smtClean="0"/>
-              <a:t>Domain Structure</a:t>
+              <a:t>Domain Structure - Entities</a:t>
             </a:r>
             <a:endParaRPr lang="en-ZA" dirty="0"/>
           </a:p>
@@ -6261,32 +12050,71 @@
           <a:bodyPr/>
           <a:lstStyle/>
           <a:p>
+            <a:endParaRPr lang="en-ZA" dirty="0" smtClean="0"/>
+          </a:p>
+          <a:p>
             <a:r>
               <a:rPr lang="en-ZA" dirty="0" smtClean="0"/>
-              <a:t>Value Type</a:t>
-            </a:r>
-          </a:p>
-          <a:p>
-            <a:pPr lvl="1"/>
-            <a:r>
-              <a:rPr lang="en-ZA" dirty="0" smtClean="0"/>
-              <a:t>Known By Its Properties</a:t>
-            </a:r>
-          </a:p>
-          <a:p>
-            <a:pPr lvl="1"/>
-            <a:r>
-              <a:rPr lang="en-ZA" dirty="0" smtClean="0"/>
-              <a:t>Immutable</a:t>
-            </a:r>
-            <a:endParaRPr lang="en-ZA" dirty="0"/>
+              <a:t>Known By Its Identity</a:t>
+            </a:r>
+          </a:p>
+          <a:p>
+            <a:endParaRPr lang="en-ZA" dirty="0" smtClean="0"/>
+          </a:p>
+          <a:p>
+            <a:r>
+              <a:rPr lang="en-ZA" dirty="0" smtClean="0">
+                <a:solidFill>
+                  <a:schemeClr val="tx1"/>
+                </a:solidFill>
+              </a:rPr>
+              <a:t>Responsible for </a:t>
+            </a:r>
+            <a:r>
+              <a:rPr lang="en-ZA" dirty="0">
+                <a:solidFill>
+                  <a:schemeClr val="tx1"/>
+                </a:solidFill>
+              </a:rPr>
+              <a:t>tracking it's state and the </a:t>
+            </a:r>
+            <a:r>
+              <a:rPr lang="en-ZA" dirty="0" smtClean="0">
+                <a:solidFill>
+                  <a:schemeClr val="tx1"/>
+                </a:solidFill>
+              </a:rPr>
+              <a:t>business rules</a:t>
+            </a:r>
+          </a:p>
+          <a:p>
+            <a:endParaRPr lang="en-US" dirty="0" smtClean="0">
+              <a:solidFill>
+                <a:schemeClr val="tx1"/>
+              </a:solidFill>
+            </a:endParaRPr>
+          </a:p>
+          <a:p>
+            <a:r>
+              <a:rPr lang="en-US" dirty="0" smtClean="0">
+                <a:solidFill>
+                  <a:schemeClr val="tx1"/>
+                </a:solidFill>
+              </a:rPr>
+              <a:t>Persists beyond application lifespan</a:t>
+            </a:r>
+            <a:endParaRPr lang="en-ZA" dirty="0">
+              <a:solidFill>
+                <a:schemeClr val="tx1"/>
+              </a:solidFill>
+            </a:endParaRPr>
           </a:p>
         </p:txBody>
       </p:sp>
     </p:spTree>
     <p:extLst>
       <p:ext uri="{BB962C8B-B14F-4D97-AF65-F5344CB8AC3E}">
-        <p14:creationId xmlns:p14="http://schemas.microsoft.com/office/powerpoint/2010/main" val="2889176309"/>
+        <p14:creationId xmlns:p14="http://schemas.microsoft.com/office/powerpoint/2010/main" val="1868674325"/>
       </p:ext>
     </p:extLst>
   </p:cSld>
@@ -6337,7 +12165,7 @@
           <a:p>
             <a:r>
               <a:rPr lang="en-ZA" dirty="0" smtClean="0"/>
-              <a:t>Domain Structure</a:t>
+              <a:t>Domain Structure – Value Types</a:t>
             </a:r>
             <a:endParaRPr lang="en-ZA" dirty="0"/>
           </a:p>
@@ -6358,31 +12186,45 @@
           <a:bodyPr/>
           <a:lstStyle/>
           <a:p>
+            <a:endParaRPr lang="en-ZA" dirty="0" smtClean="0"/>
+          </a:p>
+          <a:p>
             <a:r>
               <a:rPr lang="en-ZA" dirty="0" smtClean="0"/>
-              <a:t>Aggregates</a:t>
-            </a:r>
-          </a:p>
-          <a:p>
-            <a:pPr lvl="1"/>
+              <a:t>Known By Its Properties</a:t>
+            </a:r>
+          </a:p>
+          <a:p>
+            <a:endParaRPr lang="en-ZA" dirty="0" smtClean="0"/>
+          </a:p>
+          <a:p>
             <a:r>
               <a:rPr lang="en-ZA" dirty="0" smtClean="0"/>
-              <a:t>Boundary</a:t>
-            </a:r>
-          </a:p>
-          <a:p>
-            <a:pPr lvl="1"/>
-            <a:r>
-              <a:rPr lang="en-ZA" dirty="0" smtClean="0"/>
-              <a:t>Aggregate Root</a:t>
-            </a:r>
+              <a:t>Immutable</a:t>
+            </a:r>
+          </a:p>
+          <a:p>
+            <a:endParaRPr lang="en-US" dirty="0"/>
+          </a:p>
+          <a:p>
+            <a:r>
+              <a:rPr lang="en-US" dirty="0" smtClean="0"/>
+              <a:t>Describes Characteristics of something</a:t>
+            </a:r>
+            <a:endParaRPr lang="en-ZA" dirty="0" smtClean="0"/>
+          </a:p>
+          <a:p>
+            <a:endParaRPr lang="en-US" dirty="0"/>
+          </a:p>
+          <a:p>
+            <a:endParaRPr lang="en-ZA" dirty="0"/>
           </a:p>
         </p:txBody>
       </p:sp>
     </p:spTree>
     <p:extLst>
       <p:ext uri="{BB962C8B-B14F-4D97-AF65-F5344CB8AC3E}">
-        <p14:creationId xmlns:p14="http://schemas.microsoft.com/office/powerpoint/2010/main" val="2875596468"/>
+        <p14:creationId xmlns:p14="http://schemas.microsoft.com/office/powerpoint/2010/main" val="1851456671"/>
       </p:ext>
     </p:extLst>
   </p:cSld>
@@ -6685,44 +12527,44 @@
 </file>
 
 <file path=ppt/theme/theme2.xml><?xml version="1.0" encoding="utf-8"?>
-<a:theme xmlns:a="http://schemas.openxmlformats.org/drawingml/2006/main" name="Office Theme">
+<a:theme xmlns:a="http://schemas.openxmlformats.org/drawingml/2006/main" name="1_Office Theme">
   <a:themeElements>
-    <a:clrScheme name="Office">
+    <a:clrScheme name="Entelect Theme">
       <a:dk1>
-        <a:sysClr val="windowText" lastClr="000000"/>
+        <a:srgbClr val="17365D"/>
       </a:dk1>
       <a:lt1>
         <a:sysClr val="window" lastClr="FFFFFF"/>
       </a:lt1>
       <a:dk2>
-        <a:srgbClr val="1F497D"/>
+        <a:srgbClr val="17365D"/>
       </a:dk2>
       <a:lt2>
         <a:srgbClr val="EEECE1"/>
       </a:lt2>
       <a:accent1>
-        <a:srgbClr val="4F81BD"/>
+        <a:srgbClr val="9FC03B"/>
       </a:accent1>
       <a:accent2>
-        <a:srgbClr val="C0504D"/>
+        <a:srgbClr val="17365D"/>
       </a:accent2>
       <a:accent3>
-        <a:srgbClr val="9BBB59"/>
+        <a:srgbClr val="11C903"/>
       </a:accent3>
       <a:accent4>
-        <a:srgbClr val="8064A2"/>
+        <a:srgbClr val="21CB25"/>
       </a:accent4>
       <a:accent5>
-        <a:srgbClr val="4BACC6"/>
+        <a:srgbClr val="5BEB6C"/>
       </a:accent5>
       <a:accent6>
-        <a:srgbClr val="F79646"/>
+        <a:srgbClr val="E36C09"/>
       </a:accent6>
       <a:hlink>
-        <a:srgbClr val="0000FF"/>
+        <a:srgbClr val="E36C09"/>
       </a:hlink>
       <a:folHlink>
-        <a:srgbClr val="800080"/>
+        <a:srgbClr val="E36C09"/>
       </a:folHlink>
     </a:clrScheme>
     <a:fontScheme name="Office">
@@ -7044,6 +12886,291 @@
         <a:font script="Mong" typeface="Mongolian Baiti"/>
         <a:font script="Viet" typeface="Times New Roman"/>
         <a:font script="Uigh" typeface="Microsoft Uighur"/>
+        <a:font script="Geor" typeface="Sylfaen"/>
+      </a:majorFont>
+      <a:minorFont>
+        <a:latin typeface="Calibri"/>
+        <a:ea typeface=""/>
+        <a:cs typeface=""/>
+        <a:font script="Jpan" typeface="ＭＳ Ｐゴシック"/>
+        <a:font script="Hang" typeface="맑은 고딕"/>
+        <a:font script="Hans" typeface="宋体"/>
+        <a:font script="Hant" typeface="新細明體"/>
+        <a:font script="Arab" typeface="Arial"/>
+        <a:font script="Hebr" typeface="Arial"/>
+        <a:font script="Thai" typeface="Cordia New"/>
+        <a:font script="Ethi" typeface="Nyala"/>
+        <a:font script="Beng" typeface="Vrinda"/>
+        <a:font script="Gujr" typeface="Shruti"/>
+        <a:font script="Khmr" typeface="DaunPenh"/>
+        <a:font script="Knda" typeface="Tunga"/>
+        <a:font script="Guru" typeface="Raavi"/>
+        <a:font script="Cans" typeface="Euphemia"/>
+        <a:font script="Cher" typeface="Plantagenet Cherokee"/>
+        <a:font script="Yiii" typeface="Microsoft Yi Baiti"/>
+        <a:font script="Tibt" typeface="Microsoft Himalaya"/>
+        <a:font script="Thaa" typeface="MV Boli"/>
+        <a:font script="Deva" typeface="Mangal"/>
+        <a:font script="Telu" typeface="Gautami"/>
+        <a:font script="Taml" typeface="Latha"/>
+        <a:font script="Syrc" typeface="Estrangelo Edessa"/>
+        <a:font script="Orya" typeface="Kalinga"/>
+        <a:font script="Mlym" typeface="Kartika"/>
+        <a:font script="Laoo" typeface="DokChampa"/>
+        <a:font script="Sinh" typeface="Iskoola Pota"/>
+        <a:font script="Mong" typeface="Mongolian Baiti"/>
+        <a:font script="Viet" typeface="Arial"/>
+        <a:font script="Uigh" typeface="Microsoft Uighur"/>
+        <a:font script="Geor" typeface="Sylfaen"/>
+      </a:minorFont>
+    </a:fontScheme>
+    <a:fmtScheme name="Office">
+      <a:fillStyleLst>
+        <a:solidFill>
+          <a:schemeClr val="phClr"/>
+        </a:solidFill>
+        <a:gradFill rotWithShape="1">
+          <a:gsLst>
+            <a:gs pos="0">
+              <a:schemeClr val="phClr">
+                <a:tint val="50000"/>
+                <a:satMod val="300000"/>
+              </a:schemeClr>
+            </a:gs>
+            <a:gs pos="35000">
+              <a:schemeClr val="phClr">
+                <a:tint val="37000"/>
+                <a:satMod val="300000"/>
+              </a:schemeClr>
+            </a:gs>
+            <a:gs pos="100000">
+              <a:schemeClr val="phClr">
+                <a:tint val="15000"/>
+                <a:satMod val="350000"/>
+              </a:schemeClr>
+            </a:gs>
+          </a:gsLst>
+          <a:lin ang="16200000" scaled="1"/>
+        </a:gradFill>
+        <a:gradFill rotWithShape="1">
+          <a:gsLst>
+            <a:gs pos="0">
+              <a:schemeClr val="phClr">
+                <a:shade val="51000"/>
+                <a:satMod val="130000"/>
+              </a:schemeClr>
+            </a:gs>
+            <a:gs pos="80000">
+              <a:schemeClr val="phClr">
+                <a:shade val="93000"/>
+                <a:satMod val="130000"/>
+              </a:schemeClr>
+            </a:gs>
+            <a:gs pos="100000">
+              <a:schemeClr val="phClr">
+                <a:shade val="94000"/>
+                <a:satMod val="135000"/>
+              </a:schemeClr>
+            </a:gs>
+          </a:gsLst>
+          <a:lin ang="16200000" scaled="0"/>
+        </a:gradFill>
+      </a:fillStyleLst>
+      <a:lnStyleLst>
+        <a:ln w="9525" cap="flat" cmpd="sng" algn="ctr">
+          <a:solidFill>
+            <a:schemeClr val="phClr">
+              <a:shade val="95000"/>
+              <a:satMod val="105000"/>
+            </a:schemeClr>
+          </a:solidFill>
+          <a:prstDash val="solid"/>
+        </a:ln>
+        <a:ln w="25400" cap="flat" cmpd="sng" algn="ctr">
+          <a:solidFill>
+            <a:schemeClr val="phClr"/>
+          </a:solidFill>
+          <a:prstDash val="solid"/>
+        </a:ln>
+        <a:ln w="38100" cap="flat" cmpd="sng" algn="ctr">
+          <a:solidFill>
+            <a:schemeClr val="phClr"/>
+          </a:solidFill>
+          <a:prstDash val="solid"/>
+        </a:ln>
+      </a:lnStyleLst>
+      <a:effectStyleLst>
+        <a:effectStyle>
+          <a:effectLst>
+            <a:outerShdw blurRad="40000" dist="20000" dir="5400000" rotWithShape="0">
+              <a:srgbClr val="000000">
+                <a:alpha val="38000"/>
+              </a:srgbClr>
+            </a:outerShdw>
+          </a:effectLst>
+        </a:effectStyle>
+        <a:effectStyle>
+          <a:effectLst>
+            <a:outerShdw blurRad="40000" dist="23000" dir="5400000" rotWithShape="0">
+              <a:srgbClr val="000000">
+                <a:alpha val="35000"/>
+              </a:srgbClr>
+            </a:outerShdw>
+          </a:effectLst>
+        </a:effectStyle>
+        <a:effectStyle>
+          <a:effectLst>
+            <a:outerShdw blurRad="40000" dist="23000" dir="5400000" rotWithShape="0">
+              <a:srgbClr val="000000">
+                <a:alpha val="35000"/>
+              </a:srgbClr>
+            </a:outerShdw>
+          </a:effectLst>
+          <a:scene3d>
+            <a:camera prst="orthographicFront">
+              <a:rot lat="0" lon="0" rev="0"/>
+            </a:camera>
+            <a:lightRig rig="threePt" dir="t">
+              <a:rot lat="0" lon="0" rev="1200000"/>
+            </a:lightRig>
+          </a:scene3d>
+          <a:sp3d>
+            <a:bevelT w="63500" h="25400"/>
+          </a:sp3d>
+        </a:effectStyle>
+      </a:effectStyleLst>
+      <a:bgFillStyleLst>
+        <a:solidFill>
+          <a:schemeClr val="phClr"/>
+        </a:solidFill>
+        <a:gradFill rotWithShape="1">
+          <a:gsLst>
+            <a:gs pos="0">
+              <a:schemeClr val="phClr">
+                <a:tint val="40000"/>
+                <a:satMod val="350000"/>
+              </a:schemeClr>
+            </a:gs>
+            <a:gs pos="40000">
+              <a:schemeClr val="phClr">
+                <a:tint val="45000"/>
+                <a:shade val="99000"/>
+                <a:satMod val="350000"/>
+              </a:schemeClr>
+            </a:gs>
+            <a:gs pos="100000">
+              <a:schemeClr val="phClr">
+                <a:shade val="20000"/>
+                <a:satMod val="255000"/>
+              </a:schemeClr>
+            </a:gs>
+          </a:gsLst>
+          <a:path path="circle">
+            <a:fillToRect l="50000" t="-80000" r="50000" b="180000"/>
+          </a:path>
+        </a:gradFill>
+        <a:gradFill rotWithShape="1">
+          <a:gsLst>
+            <a:gs pos="0">
+              <a:schemeClr val="phClr">
+                <a:tint val="80000"/>
+                <a:satMod val="300000"/>
+              </a:schemeClr>
+            </a:gs>
+            <a:gs pos="100000">
+              <a:schemeClr val="phClr">
+                <a:shade val="30000"/>
+                <a:satMod val="200000"/>
+              </a:schemeClr>
+            </a:gs>
+          </a:gsLst>
+          <a:path path="circle">
+            <a:fillToRect l="50000" t="50000" r="50000" b="50000"/>
+          </a:path>
+        </a:gradFill>
+      </a:bgFillStyleLst>
+    </a:fmtScheme>
+  </a:themeElements>
+  <a:objectDefaults/>
+  <a:extraClrSchemeLst/>
+</a:theme>
+</file>
+
+<file path=ppt/theme/theme4.xml><?xml version="1.0" encoding="utf-8"?>
+<a:theme xmlns:a="http://schemas.openxmlformats.org/drawingml/2006/main" name="Office Theme">
+  <a:themeElements>
+    <a:clrScheme name="Office">
+      <a:dk1>
+        <a:sysClr val="windowText" lastClr="000000"/>
+      </a:dk1>
+      <a:lt1>
+        <a:sysClr val="window" lastClr="FFFFFF"/>
+      </a:lt1>
+      <a:dk2>
+        <a:srgbClr val="1F497D"/>
+      </a:dk2>
+      <a:lt2>
+        <a:srgbClr val="EEECE1"/>
+      </a:lt2>
+      <a:accent1>
+        <a:srgbClr val="4F81BD"/>
+      </a:accent1>
+      <a:accent2>
+        <a:srgbClr val="C0504D"/>
+      </a:accent2>
+      <a:accent3>
+        <a:srgbClr val="9BBB59"/>
+      </a:accent3>
+      <a:accent4>
+        <a:srgbClr val="8064A2"/>
+      </a:accent4>
+      <a:accent5>
+        <a:srgbClr val="4BACC6"/>
+      </a:accent5>
+      <a:accent6>
+        <a:srgbClr val="F79646"/>
+      </a:accent6>
+      <a:hlink>
+        <a:srgbClr val="0000FF"/>
+      </a:hlink>
+      <a:folHlink>
+        <a:srgbClr val="800080"/>
+      </a:folHlink>
+    </a:clrScheme>
+    <a:fontScheme name="Office">
+      <a:majorFont>
+        <a:latin typeface="Calibri"/>
+        <a:ea typeface=""/>
+        <a:cs typeface=""/>
+        <a:font script="Jpan" typeface="ＭＳ Ｐゴシック"/>
+        <a:font script="Hang" typeface="맑은 고딕"/>
+        <a:font script="Hans" typeface="宋体"/>
+        <a:font script="Hant" typeface="新細明體"/>
+        <a:font script="Arab" typeface="Times New Roman"/>
+        <a:font script="Hebr" typeface="Times New Roman"/>
+        <a:font script="Thai" typeface="Angsana New"/>
+        <a:font script="Ethi" typeface="Nyala"/>
+        <a:font script="Beng" typeface="Vrinda"/>
+        <a:font script="Gujr" typeface="Shruti"/>
+        <a:font script="Khmr" typeface="MoolBoran"/>
+        <a:font script="Knda" typeface="Tunga"/>
+        <a:font script="Guru" typeface="Raavi"/>
+        <a:font script="Cans" typeface="Euphemia"/>
+        <a:font script="Cher" typeface="Plantagenet Cherokee"/>
+        <a:font script="Yiii" typeface="Microsoft Yi Baiti"/>
+        <a:font script="Tibt" typeface="Microsoft Himalaya"/>
+        <a:font script="Thaa" typeface="MV Boli"/>
+        <a:font script="Deva" typeface="Mangal"/>
+        <a:font script="Telu" typeface="Gautami"/>
+        <a:font script="Taml" typeface="Latha"/>
+        <a:font script="Syrc" typeface="Estrangelo Edessa"/>
+        <a:font script="Orya" typeface="Kalinga"/>
+        <a:font script="Mlym" typeface="Kartika"/>
+        <a:font script="Laoo" typeface="DokChampa"/>
+        <a:font script="Sinh" typeface="Iskoola Pota"/>
+        <a:font script="Mong" typeface="Mongolian Baiti"/>
+        <a:font script="Viet" typeface="Times New Roman"/>
+        <a:font script="Uigh" typeface="Microsoft Uighur"/>
       </a:majorFont>
       <a:minorFont>
         <a:latin typeface="Calibri"/>

--- a/Presentation.pptx
+++ b/Presentation.pptx
@@ -1430,7 +1430,55 @@
             </a:pPr>
             <a:r>
               <a:rPr lang="en-ZA" dirty="0" smtClean="0"/>
-              <a:t>Why</a:t>
+              <a:t>What</a:t>
+            </a:r>
+          </a:p>
+          <a:p>
+            <a:pPr marL="171450" indent="-171450">
+              <a:buFont typeface="Arial" panose="020B0604020202020204" pitchFamily="34" charset="0"/>
+              <a:buChar char="•"/>
+            </a:pPr>
+            <a:r>
+              <a:rPr lang="en-ZA" sz="1200" b="0" i="0" kern="1200" dirty="0" smtClean="0">
+                <a:solidFill>
+                  <a:schemeClr val="tx1"/>
+                </a:solidFill>
+                <a:effectLst/>
+                <a:latin typeface="+mn-lt"/>
+                <a:ea typeface="+mn-ea"/>
+                <a:cs typeface="+mn-cs"/>
+              </a:rPr>
+              <a:t>DDD provides a structure of practices and terminology for making design decisions that focus and accelerate software projects dealing with complicated domains.</a:t>
+            </a:r>
+          </a:p>
+          <a:p>
+            <a:pPr marL="171450" indent="-171450">
+              <a:buFont typeface="Arial" panose="020B0604020202020204" pitchFamily="34" charset="0"/>
+              <a:buChar char="•"/>
+            </a:pPr>
+            <a:r>
+              <a:rPr lang="en-ZA" sz="1200" b="0" i="0" kern="1200" dirty="0" smtClean="0">
+                <a:solidFill>
+                  <a:schemeClr val="tx1"/>
+                </a:solidFill>
+                <a:effectLst/>
+                <a:latin typeface="+mn-lt"/>
+                <a:ea typeface="+mn-ea"/>
+                <a:cs typeface="+mn-cs"/>
+              </a:rPr>
+              <a:t>High</a:t>
+            </a:r>
+            <a:r>
+              <a:rPr lang="en-ZA" sz="1200" b="0" i="0" kern="1200" baseline="0" dirty="0" smtClean="0">
+                <a:solidFill>
+                  <a:schemeClr val="tx1"/>
+                </a:solidFill>
+                <a:effectLst/>
+                <a:latin typeface="+mn-lt"/>
+                <a:ea typeface="+mn-ea"/>
+                <a:cs typeface="+mn-cs"/>
+              </a:rPr>
+              <a:t> level pattern</a:t>
             </a:r>
             <a:endParaRPr lang="en-ZA" dirty="0"/>
           </a:p>
@@ -1523,8 +1571,9 @@
             </a:pPr>
             <a:r>
               <a:rPr lang="en-ZA" dirty="0" smtClean="0"/>
-              <a:t>What</a:t>
-            </a:r>
+              <a:t>Why</a:t>
+            </a:r>
+            <a:endParaRPr lang="en-ZA" baseline="0" dirty="0" smtClean="0"/>
           </a:p>
           <a:p>
             <a:pPr marL="171450" indent="-171450">
@@ -1533,15 +1582,7 @@
             </a:pPr>
             <a:r>
               <a:rPr lang="en-ZA" dirty="0" smtClean="0"/>
-              <a:t>Rules </a:t>
-            </a:r>
-            <a:r>
-              <a:rPr lang="en-ZA" dirty="0" smtClean="0"/>
-              <a:t>outlive</a:t>
-            </a:r>
-            <a:r>
-              <a:rPr lang="en-ZA" baseline="0" dirty="0" smtClean="0"/>
-              <a:t> developers</a:t>
+              <a:t>Organization gains a useful model of its domain</a:t>
             </a:r>
           </a:p>
           <a:p>
@@ -1551,8 +1592,17 @@
             </a:pPr>
             <a:r>
               <a:rPr lang="en-ZA" dirty="0" smtClean="0"/>
-              <a:t>Organization gains a useful model of its domain</a:t>
-            </a:r>
+              <a:t>A Refined precise definition and understanding of the business is </a:t>
+            </a:r>
+            <a:r>
+              <a:rPr lang="en-ZA" dirty="0" smtClean="0"/>
+              <a:t>developed. Domain</a:t>
+            </a:r>
+            <a:r>
+              <a:rPr lang="en-ZA" baseline="0" dirty="0" smtClean="0"/>
+              <a:t> Experts are forced to agree about what the domain is called and how it works</a:t>
+            </a:r>
+            <a:endParaRPr lang="en-ZA" dirty="0" smtClean="0"/>
           </a:p>
           <a:p>
             <a:pPr marL="171450" indent="-171450">
@@ -1561,15 +1611,11 @@
             </a:pPr>
             <a:r>
               <a:rPr lang="en-ZA" dirty="0" smtClean="0"/>
-              <a:t>A Refined precise definition and understanding of the business is </a:t>
+              <a:t>Domain experts </a:t>
             </a:r>
             <a:r>
               <a:rPr lang="en-ZA" dirty="0" smtClean="0"/>
-              <a:t>developed. Domain</a:t>
-            </a:r>
-            <a:r>
-              <a:rPr lang="en-ZA" baseline="0" dirty="0" smtClean="0"/>
-              <a:t> Experts are forced to agree about what the domain is called and how it works</a:t>
+              <a:t>contribute to the solution</a:t>
             </a:r>
             <a:endParaRPr lang="en-ZA" dirty="0" smtClean="0"/>
           </a:p>
@@ -1580,8 +1626,13 @@
             </a:pPr>
             <a:r>
               <a:rPr lang="en-ZA" dirty="0" smtClean="0"/>
-              <a:t>Domain experts contribute</a:t>
-            </a:r>
+              <a:t>Better user experience is </a:t>
+            </a:r>
+            <a:r>
+              <a:rPr lang="en-ZA" dirty="0" smtClean="0"/>
+              <a:t>gained because the domain is clearly defined</a:t>
+            </a:r>
+            <a:endParaRPr lang="en-ZA" dirty="0" smtClean="0"/>
           </a:p>
           <a:p>
             <a:pPr marL="171450" indent="-171450">
@@ -1590,8 +1641,13 @@
             </a:pPr>
             <a:r>
               <a:rPr lang="en-ZA" dirty="0" smtClean="0"/>
-              <a:t>Better user experience is gained</a:t>
-            </a:r>
+              <a:t>Clean boundaries, pure models (</a:t>
+            </a:r>
+            <a:r>
+              <a:rPr lang="en-ZA" dirty="0" smtClean="0"/>
+              <a:t>SOLID For Free)</a:t>
+            </a:r>
+            <a:endParaRPr lang="en-ZA" dirty="0" smtClean="0"/>
           </a:p>
           <a:p>
             <a:pPr marL="171450" indent="-171450">
@@ -1600,13 +1656,8 @@
             </a:pPr>
             <a:r>
               <a:rPr lang="en-ZA" dirty="0" smtClean="0"/>
-              <a:t>Clean boundaries, pure models (</a:t>
-            </a:r>
-            <a:r>
-              <a:rPr lang="en-ZA" dirty="0" smtClean="0"/>
-              <a:t>SOLID For Free)</a:t>
-            </a:r>
-            <a:endParaRPr lang="en-ZA" dirty="0" smtClean="0"/>
+              <a:t>Enterprise architecture is better organized</a:t>
+            </a:r>
           </a:p>
           <a:p>
             <a:pPr marL="171450" indent="-171450">
@@ -1615,8 +1666,14 @@
             </a:pPr>
             <a:r>
               <a:rPr lang="en-ZA" dirty="0" smtClean="0"/>
-              <a:t>Enterprise architecture is better organized</a:t>
-            </a:r>
+              <a:t>Agile iterative continuous modelling is used</a:t>
+            </a:r>
+          </a:p>
+          <a:p>
+            <a:endParaRPr lang="en-US" dirty="0" smtClean="0"/>
+          </a:p>
+          <a:p>
+            <a:endParaRPr lang="en-US" dirty="0" smtClean="0"/>
           </a:p>
           <a:p>
             <a:pPr marL="171450" indent="-171450">
@@ -1625,11 +1682,12 @@
             </a:pPr>
             <a:r>
               <a:rPr lang="en-ZA" dirty="0" smtClean="0"/>
-              <a:t>Agile iterative continuous modelling is used</a:t>
-            </a:r>
-          </a:p>
-          <a:p>
-            <a:endParaRPr lang="en-US" dirty="0" smtClean="0"/>
+              <a:t>Works </a:t>
+            </a:r>
+            <a:r>
+              <a:rPr lang="en-ZA" dirty="0" smtClean="0"/>
+              <a:t>well with TDD</a:t>
+            </a:r>
           </a:p>
           <a:p>
             <a:pPr marL="171450" indent="-171450">
@@ -1638,7 +1696,7 @@
             </a:pPr>
             <a:r>
               <a:rPr lang="en-ZA" dirty="0" smtClean="0"/>
-              <a:t>Prevents Anaemia Induced Memory Loss</a:t>
+              <a:t>Works well with agile</a:t>
             </a:r>
           </a:p>
           <a:p>
@@ -1648,7 +1706,7 @@
             </a:pPr>
             <a:r>
               <a:rPr lang="en-ZA" dirty="0" smtClean="0"/>
-              <a:t>The design is the code and the code is the design</a:t>
+              <a:t>Prevents Anaemia Induced Memory Loss</a:t>
             </a:r>
           </a:p>
           <a:p>
@@ -1658,18 +1716,13 @@
             </a:pPr>
             <a:r>
               <a:rPr lang="en-ZA" dirty="0" smtClean="0"/>
-              <a:t>Works well with TDD</a:t>
-            </a:r>
-          </a:p>
-          <a:p>
-            <a:pPr marL="171450" indent="-171450">
-              <a:buFont typeface="Arial" panose="020B0604020202020204" pitchFamily="34" charset="0"/>
-              <a:buChar char="•"/>
-            </a:pPr>
-            <a:r>
-              <a:rPr lang="en-ZA" dirty="0" smtClean="0"/>
-              <a:t>Works well with agile</a:t>
-            </a:r>
+              <a:t>Rules outlive</a:t>
+            </a:r>
+            <a:r>
+              <a:rPr lang="en-ZA" baseline="0" dirty="0" smtClean="0"/>
+              <a:t> developers</a:t>
+            </a:r>
+            <a:endParaRPr lang="en-ZA" dirty="0" smtClean="0"/>
           </a:p>
           <a:p>
             <a:endParaRPr lang="en-ZA" dirty="0" smtClean="0"/>

--- a/Presentation.pptx
+++ b/Presentation.pptx
@@ -6,27 +6,29 @@
     <p:sldMasterId id="2147483661" r:id="rId2"/>
   </p:sldMasterIdLst>
   <p:notesMasterIdLst>
-    <p:notesMasterId r:id="rId18"/>
+    <p:notesMasterId r:id="rId20"/>
   </p:notesMasterIdLst>
   <p:handoutMasterIdLst>
-    <p:handoutMasterId r:id="rId19"/>
+    <p:handoutMasterId r:id="rId21"/>
   </p:handoutMasterIdLst>
   <p:sldIdLst>
     <p:sldId id="325" r:id="rId3"/>
     <p:sldId id="276" r:id="rId4"/>
     <p:sldId id="330" r:id="rId5"/>
-    <p:sldId id="342" r:id="rId6"/>
-    <p:sldId id="326" r:id="rId7"/>
-    <p:sldId id="328" r:id="rId8"/>
-    <p:sldId id="339" r:id="rId9"/>
-    <p:sldId id="333" r:id="rId10"/>
-    <p:sldId id="334" r:id="rId11"/>
-    <p:sldId id="335" r:id="rId12"/>
-    <p:sldId id="336" r:id="rId13"/>
-    <p:sldId id="332" r:id="rId14"/>
-    <p:sldId id="337" r:id="rId15"/>
-    <p:sldId id="340" r:id="rId16"/>
-    <p:sldId id="341" r:id="rId17"/>
+    <p:sldId id="344" r:id="rId6"/>
+    <p:sldId id="345" r:id="rId7"/>
+    <p:sldId id="342" r:id="rId8"/>
+    <p:sldId id="326" r:id="rId9"/>
+    <p:sldId id="328" r:id="rId10"/>
+    <p:sldId id="339" r:id="rId11"/>
+    <p:sldId id="333" r:id="rId12"/>
+    <p:sldId id="334" r:id="rId13"/>
+    <p:sldId id="335" r:id="rId14"/>
+    <p:sldId id="336" r:id="rId15"/>
+    <p:sldId id="332" r:id="rId16"/>
+    <p:sldId id="337" r:id="rId17"/>
+    <p:sldId id="340" r:id="rId18"/>
+    <p:sldId id="341" r:id="rId19"/>
   </p:sldIdLst>
   <p:sldSz cx="9144000" cy="5715000" type="screen16x10"/>
   <p:notesSz cx="6858000" cy="9144000"/>
@@ -241,7 +243,7 @@
             <a:fld id="{2280EABA-BA46-4977-A468-5BA52A04D625}" type="datetimeFigureOut">
               <a:rPr lang="en-US" smtClean="0"/>
               <a:pPr/>
-              <a:t>4/9/2015</a:t>
+              <a:t>4/10/2015</a:t>
             </a:fld>
             <a:endParaRPr lang="en-US"/>
           </a:p>
@@ -408,7 +410,7 @@
             <a:fld id="{D9A4A4D6-0EB0-423B-8417-AC0C87E5E672}" type="datetimeFigureOut">
               <a:rPr lang="en-ZA" smtClean="0"/>
               <a:pPr/>
-              <a:t>2015/04/09</a:t>
+              <a:t>2015/04/10</a:t>
             </a:fld>
             <a:endParaRPr lang="en-ZA"/>
           </a:p>
@@ -806,6 +808,10 @@
           <a:bodyPr/>
           <a:lstStyle/>
           <a:p>
+            <a:pPr marL="171450" indent="-171450">
+              <a:buFont typeface="Arial" panose="020B0604020202020204" pitchFamily="34" charset="0"/>
+              <a:buChar char="•"/>
+            </a:pPr>
             <a:r>
               <a:rPr lang="en-ZA" sz="1200" b="0" i="0" kern="1200" dirty="0" smtClean="0">
                 <a:solidFill>
@@ -816,8 +822,236 @@
                 <a:ea typeface="+mn-ea"/>
                 <a:cs typeface="+mn-cs"/>
               </a:rPr>
-              <a:t>An aggregate is made up of two main parts namely a boundary and a root.</a:t>
-            </a:r>
+              <a:t>Identity is a property that is unique across all instances of an object</a:t>
+            </a:r>
+          </a:p>
+          <a:p>
+            <a:pPr marL="171450" indent="-171450">
+              <a:buFont typeface="Arial" panose="020B0604020202020204" pitchFamily="34" charset="0"/>
+              <a:buChar char="•"/>
+            </a:pPr>
+            <a:r>
+              <a:rPr lang="en-ZA" sz="1200" b="0" i="0" kern="1200" dirty="0" smtClean="0">
+                <a:solidFill>
+                  <a:schemeClr val="tx1"/>
+                </a:solidFill>
+                <a:effectLst/>
+                <a:latin typeface="+mn-lt"/>
+                <a:ea typeface="+mn-ea"/>
+                <a:cs typeface="+mn-cs"/>
+              </a:rPr>
+              <a:t>Identity </a:t>
+            </a:r>
+            <a:r>
+              <a:rPr lang="en-ZA" sz="1200" b="0" i="0" kern="1200" dirty="0" smtClean="0">
+                <a:solidFill>
+                  <a:schemeClr val="tx1"/>
+                </a:solidFill>
+                <a:effectLst/>
+                <a:latin typeface="+mn-lt"/>
+                <a:ea typeface="+mn-ea"/>
+                <a:cs typeface="+mn-cs"/>
+              </a:rPr>
+              <a:t>is not determined by object attributes</a:t>
+            </a:r>
+          </a:p>
+          <a:p>
+            <a:pPr marL="171450" indent="-171450">
+              <a:buFont typeface="Arial" panose="020B0604020202020204" pitchFamily="34" charset="0"/>
+              <a:buChar char="•"/>
+            </a:pPr>
+            <a:r>
+              <a:rPr lang="en-ZA" sz="1200" b="0" i="0" kern="1200" dirty="0" smtClean="0">
+                <a:solidFill>
+                  <a:schemeClr val="tx1"/>
+                </a:solidFill>
+                <a:effectLst/>
+                <a:latin typeface="+mn-lt"/>
+                <a:ea typeface="+mn-ea"/>
+                <a:cs typeface="+mn-cs"/>
+              </a:rPr>
+              <a:t>An </a:t>
+            </a:r>
+            <a:r>
+              <a:rPr lang="en-ZA" sz="1200" b="0" i="0" kern="1200" dirty="0" smtClean="0">
+                <a:solidFill>
+                  <a:schemeClr val="tx1"/>
+                </a:solidFill>
+                <a:effectLst/>
+                <a:latin typeface="+mn-lt"/>
+                <a:ea typeface="+mn-ea"/>
+                <a:cs typeface="+mn-cs"/>
+              </a:rPr>
+              <a:t>Entity has Identity as stated above</a:t>
+            </a:r>
+          </a:p>
+          <a:p>
+            <a:pPr marL="171450" indent="-171450">
+              <a:buFont typeface="Arial" panose="020B0604020202020204" pitchFamily="34" charset="0"/>
+              <a:buChar char="•"/>
+            </a:pPr>
+            <a:r>
+              <a:rPr lang="en-ZA" sz="1200" b="0" i="0" kern="1200" dirty="0" smtClean="0">
+                <a:solidFill>
+                  <a:schemeClr val="tx1"/>
+                </a:solidFill>
+                <a:effectLst/>
+                <a:latin typeface="+mn-lt"/>
+                <a:ea typeface="+mn-ea"/>
+                <a:cs typeface="+mn-cs"/>
+              </a:rPr>
+              <a:t>An </a:t>
+            </a:r>
+            <a:r>
+              <a:rPr lang="en-ZA" sz="1200" b="0" i="0" kern="1200" dirty="0" smtClean="0">
+                <a:solidFill>
+                  <a:schemeClr val="tx1"/>
+                </a:solidFill>
+                <a:effectLst/>
+                <a:latin typeface="+mn-lt"/>
+                <a:ea typeface="+mn-ea"/>
+                <a:cs typeface="+mn-cs"/>
+              </a:rPr>
+              <a:t>Entity is responsible for tracking it's state and the rules regulating it's lifecycle</a:t>
+            </a:r>
+          </a:p>
+          <a:p>
+            <a:pPr marL="171450" indent="-171450">
+              <a:buFont typeface="Arial" panose="020B0604020202020204" pitchFamily="34" charset="0"/>
+              <a:buChar char="•"/>
+            </a:pPr>
+            <a:r>
+              <a:rPr lang="en-US" sz="1200" b="0" i="0" kern="1200" dirty="0" smtClean="0">
+                <a:solidFill>
+                  <a:schemeClr val="tx1"/>
+                </a:solidFill>
+                <a:effectLst/>
+                <a:latin typeface="+mn-lt"/>
+                <a:ea typeface="+mn-ea"/>
+                <a:cs typeface="+mn-cs"/>
+              </a:rPr>
+              <a:t>Encapsulates </a:t>
+            </a:r>
+            <a:r>
+              <a:rPr lang="en-US" sz="1200" b="0" i="0" kern="1200" dirty="0" smtClean="0">
+                <a:solidFill>
+                  <a:schemeClr val="tx1"/>
+                </a:solidFill>
+                <a:effectLst/>
+                <a:latin typeface="+mn-lt"/>
+                <a:ea typeface="+mn-ea"/>
+                <a:cs typeface="+mn-cs"/>
+              </a:rPr>
+              <a:t>all the data and business rules</a:t>
+            </a:r>
+            <a:endParaRPr lang="en-ZA" sz="1200" b="0" i="0" kern="1200" dirty="0" smtClean="0">
+              <a:solidFill>
+                <a:schemeClr val="tx1"/>
+              </a:solidFill>
+              <a:effectLst/>
+              <a:latin typeface="+mn-lt"/>
+              <a:ea typeface="+mn-ea"/>
+              <a:cs typeface="+mn-cs"/>
+            </a:endParaRPr>
+          </a:p>
+          <a:p>
+            <a:pPr marL="171450" indent="-171450">
+              <a:buFont typeface="Arial" panose="020B0604020202020204" pitchFamily="34" charset="0"/>
+              <a:buChar char="•"/>
+            </a:pPr>
+            <a:r>
+              <a:rPr lang="en-ZA" sz="1200" b="0" i="0" kern="1200" dirty="0" smtClean="0">
+                <a:solidFill>
+                  <a:schemeClr val="tx1"/>
+                </a:solidFill>
+                <a:effectLst/>
+                <a:latin typeface="+mn-lt"/>
+                <a:ea typeface="+mn-ea"/>
+                <a:cs typeface="+mn-cs"/>
+              </a:rPr>
+              <a:t>Identity</a:t>
+            </a:r>
+            <a:r>
+              <a:rPr lang="en-ZA" sz="1200" b="0" i="0" kern="1200" baseline="0" dirty="0" smtClean="0">
+                <a:solidFill>
+                  <a:schemeClr val="tx1"/>
+                </a:solidFill>
+                <a:effectLst/>
+                <a:latin typeface="+mn-lt"/>
+                <a:ea typeface="+mn-ea"/>
+                <a:cs typeface="+mn-cs"/>
+              </a:rPr>
+              <a:t> </a:t>
+            </a:r>
+            <a:r>
+              <a:rPr lang="en-ZA" sz="1200" b="0" i="0" kern="1200" baseline="0" dirty="0" smtClean="0">
+                <a:solidFill>
+                  <a:schemeClr val="tx1"/>
+                </a:solidFill>
+                <a:effectLst/>
+                <a:latin typeface="+mn-lt"/>
+                <a:ea typeface="+mn-ea"/>
+                <a:cs typeface="+mn-cs"/>
+              </a:rPr>
+              <a:t>is usually an </a:t>
+            </a:r>
+            <a:r>
+              <a:rPr lang="en-ZA" sz="1200" b="0" i="0" kern="1200" baseline="0" dirty="0" err="1" smtClean="0">
+                <a:solidFill>
+                  <a:schemeClr val="tx1"/>
+                </a:solidFill>
+                <a:effectLst/>
+                <a:latin typeface="+mn-lt"/>
+                <a:ea typeface="+mn-ea"/>
+                <a:cs typeface="+mn-cs"/>
+              </a:rPr>
+              <a:t>int</a:t>
+            </a:r>
+            <a:r>
+              <a:rPr lang="en-ZA" sz="1200" b="0" i="0" kern="1200" baseline="0" dirty="0" smtClean="0">
+                <a:solidFill>
+                  <a:schemeClr val="tx1"/>
+                </a:solidFill>
+                <a:effectLst/>
+                <a:latin typeface="+mn-lt"/>
+                <a:ea typeface="+mn-ea"/>
+                <a:cs typeface="+mn-cs"/>
+              </a:rPr>
+              <a:t>/string/</a:t>
+            </a:r>
+            <a:r>
+              <a:rPr lang="en-ZA" sz="1200" b="0" i="0" kern="1200" baseline="0" dirty="0" err="1" smtClean="0">
+                <a:solidFill>
+                  <a:schemeClr val="tx1"/>
+                </a:solidFill>
+                <a:effectLst/>
+                <a:latin typeface="+mn-lt"/>
+                <a:ea typeface="+mn-ea"/>
+                <a:cs typeface="+mn-cs"/>
+              </a:rPr>
+              <a:t>guid</a:t>
+            </a:r>
+            <a:r>
+              <a:rPr lang="en-ZA" sz="1200" b="0" i="0" kern="1200" baseline="0" dirty="0" smtClean="0">
+                <a:solidFill>
+                  <a:schemeClr val="tx1"/>
+                </a:solidFill>
+                <a:effectLst/>
+                <a:latin typeface="+mn-lt"/>
+                <a:ea typeface="+mn-ea"/>
+                <a:cs typeface="+mn-cs"/>
+              </a:rPr>
+              <a:t>. It can be made by the application or in some cases the database</a:t>
+            </a:r>
+            <a:endParaRPr lang="en-ZA" sz="1200" b="0" i="0" kern="1200" dirty="0">
+              <a:solidFill>
+                <a:schemeClr val="tx1"/>
+              </a:solidFill>
+              <a:effectLst/>
+              <a:latin typeface="+mn-lt"/>
+              <a:ea typeface="+mn-ea"/>
+              <a:cs typeface="+mn-cs"/>
+            </a:endParaRPr>
           </a:p>
         </p:txBody>
       </p:sp>
@@ -848,7 +1082,7 @@
     </p:spTree>
     <p:extLst>
       <p:ext uri="{BB962C8B-B14F-4D97-AF65-F5344CB8AC3E}">
-        <p14:creationId xmlns:p14="http://schemas.microsoft.com/office/powerpoint/2010/main" val="111477575"/>
+        <p14:creationId xmlns:p14="http://schemas.microsoft.com/office/powerpoint/2010/main" val="2038365417"/>
       </p:ext>
     </p:extLst>
   </p:cSld>
@@ -902,6 +1136,76 @@
           <a:bodyPr/>
           <a:lstStyle/>
           <a:p>
+            <a:pPr marL="171450" indent="-171450">
+              <a:buFont typeface="Arial" panose="020B0604020202020204" pitchFamily="34" charset="0"/>
+              <a:buChar char="•"/>
+            </a:pPr>
+            <a:r>
+              <a:rPr lang="en-ZA" sz="1200" b="0" i="0" kern="1200" dirty="0" smtClean="0">
+                <a:solidFill>
+                  <a:schemeClr val="tx1"/>
+                </a:solidFill>
+                <a:effectLst/>
+                <a:latin typeface="+mn-lt"/>
+                <a:ea typeface="+mn-ea"/>
+                <a:cs typeface="+mn-cs"/>
+              </a:rPr>
+              <a:t>Multiple instances of a value object with the same properties, represent the same object in a particular context.</a:t>
+            </a:r>
+          </a:p>
+          <a:p>
+            <a:pPr marL="171450" indent="-171450">
+              <a:buFont typeface="Arial" panose="020B0604020202020204" pitchFamily="34" charset="0"/>
+              <a:buChar char="•"/>
+            </a:pPr>
+            <a:r>
+              <a:rPr lang="en-US" sz="1200" b="0" i="0" kern="1200" dirty="0" smtClean="0">
+                <a:solidFill>
+                  <a:schemeClr val="tx1"/>
+                </a:solidFill>
+                <a:effectLst/>
+                <a:latin typeface="+mn-lt"/>
+                <a:ea typeface="+mn-ea"/>
+                <a:cs typeface="+mn-cs"/>
+              </a:rPr>
+              <a:t>Primitives </a:t>
+            </a:r>
+            <a:r>
+              <a:rPr lang="en-US" sz="1200" b="0" i="0" kern="1200" dirty="0" smtClean="0">
+                <a:solidFill>
+                  <a:schemeClr val="tx1"/>
+                </a:solidFill>
+                <a:effectLst/>
+                <a:latin typeface="+mn-lt"/>
+                <a:ea typeface="+mn-ea"/>
+                <a:cs typeface="+mn-cs"/>
+              </a:rPr>
+              <a:t>and </a:t>
+            </a:r>
+            <a:r>
+              <a:rPr lang="en-US" sz="1200" b="0" i="0" kern="1200" dirty="0" err="1" smtClean="0">
+                <a:solidFill>
+                  <a:schemeClr val="tx1"/>
+                </a:solidFill>
+                <a:effectLst/>
+                <a:latin typeface="+mn-lt"/>
+                <a:ea typeface="+mn-ea"/>
+                <a:cs typeface="+mn-cs"/>
+              </a:rPr>
+              <a:t>struct</a:t>
+            </a:r>
+            <a:r>
+              <a:rPr lang="en-US" sz="1200" b="0" i="0" kern="1200" dirty="0" smtClean="0">
+                <a:solidFill>
+                  <a:schemeClr val="tx1"/>
+                </a:solidFill>
+                <a:effectLst/>
+                <a:latin typeface="+mn-lt"/>
+                <a:ea typeface="+mn-ea"/>
+                <a:cs typeface="+mn-cs"/>
+              </a:rPr>
+              <a:t> types</a:t>
+            </a:r>
             <a:endParaRPr lang="en-ZA" sz="1200" b="0" i="0" kern="1200" dirty="0" smtClean="0">
               <a:solidFill>
                 <a:schemeClr val="tx1"/>
@@ -913,129 +1217,45 @@
             </a:endParaRPr>
           </a:p>
           <a:p>
-            <a:r>
-              <a:rPr lang="en-ZA" sz="1200" b="0" i="0" kern="1200" dirty="0" smtClean="0">
-                <a:solidFill>
-                  <a:schemeClr val="tx1"/>
-                </a:solidFill>
-                <a:effectLst/>
-                <a:latin typeface="+mn-lt"/>
-                <a:ea typeface="+mn-ea"/>
-                <a:cs typeface="+mn-cs"/>
-              </a:rPr>
-              <a:t>The boundary(B on the image) defines the contents of the aggregate. It is also the barrier between the aggregate contents and the rest of the application. Nothing outside the boundary can keep a reference to anything inside the boundary.</a:t>
-            </a:r>
-          </a:p>
-          <a:p>
-            <a:endParaRPr lang="en-ZA" sz="1200" b="0" i="0" kern="1200" dirty="0" smtClean="0">
-              <a:solidFill>
-                <a:schemeClr val="tx1"/>
-              </a:solidFill>
-              <a:effectLst/>
-              <a:latin typeface="+mn-lt"/>
-              <a:ea typeface="+mn-ea"/>
-              <a:cs typeface="+mn-cs"/>
-            </a:endParaRPr>
-          </a:p>
-          <a:p>
-            <a:r>
-              <a:rPr lang="en-ZA" sz="1200" b="0" i="0" kern="1200" dirty="0" smtClean="0">
-                <a:solidFill>
-                  <a:schemeClr val="tx1"/>
-                </a:solidFill>
-                <a:effectLst/>
-                <a:latin typeface="+mn-lt"/>
-                <a:ea typeface="+mn-ea"/>
-                <a:cs typeface="+mn-cs"/>
-              </a:rPr>
-              <a:t>The Aggregate Root (AR on the image) provides access to the aggregate contents. We ask</a:t>
-            </a:r>
-            <a:r>
-              <a:rPr lang="en-ZA" sz="1200" b="0" i="0" kern="1200" baseline="0" dirty="0" smtClean="0">
-                <a:solidFill>
-                  <a:schemeClr val="tx1"/>
-                </a:solidFill>
-                <a:effectLst/>
-                <a:latin typeface="+mn-lt"/>
-                <a:ea typeface="+mn-ea"/>
-                <a:cs typeface="+mn-cs"/>
-              </a:rPr>
-              <a:t> the aggregate to do work for us.</a:t>
-            </a:r>
-          </a:p>
-          <a:p>
-            <a:endParaRPr lang="en-ZA" sz="1200" b="0" i="0" kern="1200" baseline="0" dirty="0" smtClean="0">
-              <a:solidFill>
-                <a:schemeClr val="tx1"/>
-              </a:solidFill>
-              <a:effectLst/>
-              <a:latin typeface="+mn-lt"/>
-              <a:ea typeface="+mn-ea"/>
-              <a:cs typeface="+mn-cs"/>
-            </a:endParaRPr>
-          </a:p>
-          <a:p>
-            <a:r>
-              <a:rPr lang="en-ZA" sz="1200" b="0" i="0" kern="1200" baseline="0" dirty="0" smtClean="0">
-                <a:solidFill>
-                  <a:schemeClr val="tx1"/>
-                </a:solidFill>
-                <a:effectLst/>
-                <a:latin typeface="+mn-lt"/>
-                <a:ea typeface="+mn-ea"/>
-                <a:cs typeface="+mn-cs"/>
-              </a:rPr>
-              <a:t>We either make a new aggregate, from another aggregate or a factory. Or get a valid aggregate from a Repository</a:t>
-            </a:r>
-          </a:p>
-          <a:p>
-            <a:endParaRPr lang="en-US" sz="1200" b="0" i="0" kern="1200" baseline="0" dirty="0" smtClean="0">
-              <a:solidFill>
-                <a:schemeClr val="tx1"/>
-              </a:solidFill>
-              <a:effectLst/>
-              <a:latin typeface="+mn-lt"/>
-              <a:ea typeface="+mn-ea"/>
-              <a:cs typeface="+mn-cs"/>
-            </a:endParaRPr>
-          </a:p>
-          <a:p>
-            <a:r>
-              <a:rPr lang="en-US" sz="1200" b="0" i="0" kern="1200" baseline="0" dirty="0" smtClean="0">
-                <a:solidFill>
-                  <a:schemeClr val="tx1"/>
-                </a:solidFill>
-                <a:effectLst/>
-                <a:latin typeface="+mn-lt"/>
-                <a:ea typeface="+mn-ea"/>
-                <a:cs typeface="+mn-cs"/>
-              </a:rPr>
-              <a:t>Synthetic vs natural aggregate</a:t>
-            </a:r>
-          </a:p>
-          <a:p>
-            <a:endParaRPr lang="en-US" sz="1200" b="0" i="0" kern="1200" baseline="0" dirty="0" smtClean="0">
-              <a:solidFill>
-                <a:schemeClr val="tx1"/>
-              </a:solidFill>
-              <a:effectLst/>
-              <a:latin typeface="+mn-lt"/>
-              <a:ea typeface="+mn-ea"/>
-              <a:cs typeface="+mn-cs"/>
-            </a:endParaRPr>
-          </a:p>
-          <a:p>
-            <a:r>
-              <a:rPr lang="en-US" sz="1200" b="0" i="0" kern="1200" baseline="0" dirty="0" smtClean="0">
-                <a:solidFill>
-                  <a:schemeClr val="tx1"/>
-                </a:solidFill>
-                <a:effectLst/>
-                <a:latin typeface="+mn-lt"/>
-                <a:ea typeface="+mn-ea"/>
-                <a:cs typeface="+mn-cs"/>
-              </a:rPr>
-              <a:t>Referencing outside of aggregate is a bad idea.</a:t>
+            <a:pPr marL="171450" indent="-171450">
+              <a:buFont typeface="Arial" panose="020B0604020202020204" pitchFamily="34" charset="0"/>
+              <a:buChar char="•"/>
+            </a:pPr>
+            <a:r>
+              <a:rPr lang="en-ZA" dirty="0" smtClean="0"/>
+              <a:t>Value </a:t>
+            </a:r>
+            <a:r>
+              <a:rPr lang="en-ZA" dirty="0" smtClean="0"/>
+              <a:t>objects are immutable.</a:t>
+            </a:r>
+          </a:p>
+          <a:p>
+            <a:endParaRPr lang="en-ZA" dirty="0" smtClean="0"/>
+          </a:p>
+          <a:p>
+            <a:r>
+              <a:rPr lang="en-ZA" dirty="0" smtClean="0"/>
+              <a:t>Give Address as an example of value vs entity object</a:t>
+            </a:r>
+            <a:endParaRPr lang="en-US" dirty="0" smtClean="0"/>
+          </a:p>
+          <a:p>
+            <a:r>
+              <a:rPr lang="en-US" dirty="0" smtClean="0"/>
+              <a:t>Unit Of Measure</a:t>
+            </a:r>
+          </a:p>
+          <a:p>
+            <a:r>
+              <a:rPr lang="en-US" dirty="0" smtClean="0"/>
+              <a:t>Currency</a:t>
+            </a:r>
+          </a:p>
+          <a:p>
+            <a:r>
+              <a:rPr lang="en-US" dirty="0" smtClean="0"/>
+              <a:t>Dimensions</a:t>
             </a:r>
             <a:endParaRPr lang="en-ZA" dirty="0"/>
           </a:p>
@@ -1068,7 +1288,7 @@
     </p:spTree>
     <p:extLst>
       <p:ext uri="{BB962C8B-B14F-4D97-AF65-F5344CB8AC3E}">
-        <p14:creationId xmlns:p14="http://schemas.microsoft.com/office/powerpoint/2010/main" val="1828613864"/>
+        <p14:creationId xmlns:p14="http://schemas.microsoft.com/office/powerpoint/2010/main" val="1944303612"/>
       </p:ext>
     </p:extLst>
   </p:cSld>
@@ -1123,34 +1343,17 @@
           <a:lstStyle/>
           <a:p>
             <a:r>
-              <a:rPr lang="en-ZA" dirty="0" smtClean="0"/>
-              <a:t>The reason for this boundary is to highlight that</a:t>
-            </a:r>
-            <a:r>
-              <a:rPr lang="en-ZA" baseline="0" dirty="0" smtClean="0"/>
-              <a:t> every use of a given domain term, phrase or sentence (The U L) inside the boundary has a specific contextual meaning.</a:t>
-            </a:r>
-          </a:p>
-          <a:p>
-            <a:endParaRPr lang="en-US" baseline="0" dirty="0" smtClean="0"/>
-          </a:p>
-          <a:p>
-            <a:r>
-              <a:rPr lang="en-US" baseline="0" dirty="0" smtClean="0"/>
-              <a:t>The bounded context is a collection of aggregate roots.</a:t>
-            </a:r>
-          </a:p>
-          <a:p>
-            <a:endParaRPr lang="en-US" dirty="0" smtClean="0"/>
-          </a:p>
-          <a:p>
-            <a:r>
-              <a:rPr lang="en-US" dirty="0" smtClean="0"/>
-              <a:t>Isolate the implementation of the problem domain from all other aspects of the application, with the domain being responsible for all decisions in the software.</a:t>
-            </a:r>
-          </a:p>
-          <a:p>
-            <a:endParaRPr lang="en-ZA" dirty="0"/>
+              <a:rPr lang="en-ZA" sz="1200" b="0" i="0" kern="1200" dirty="0" smtClean="0">
+                <a:solidFill>
+                  <a:schemeClr val="tx1"/>
+                </a:solidFill>
+                <a:effectLst/>
+                <a:latin typeface="+mn-lt"/>
+                <a:ea typeface="+mn-ea"/>
+                <a:cs typeface="+mn-cs"/>
+              </a:rPr>
+              <a:t>An aggregate is made up of two main parts namely a boundary and a root.</a:t>
+            </a:r>
           </a:p>
         </p:txBody>
       </p:sp>
@@ -1181,7 +1384,7 @@
     </p:spTree>
     <p:extLst>
       <p:ext uri="{BB962C8B-B14F-4D97-AF65-F5344CB8AC3E}">
-        <p14:creationId xmlns:p14="http://schemas.microsoft.com/office/powerpoint/2010/main" val="2818561495"/>
+        <p14:creationId xmlns:p14="http://schemas.microsoft.com/office/powerpoint/2010/main" val="111477575"/>
       </p:ext>
     </p:extLst>
   </p:cSld>
@@ -1235,25 +1438,201 @@
           <a:bodyPr/>
           <a:lstStyle/>
           <a:p>
-            <a:r>
-              <a:rPr lang="en-US" dirty="0" smtClean="0"/>
-              <a:t>“A good</a:t>
-            </a:r>
-            <a:r>
-              <a:rPr lang="en-US" baseline="0" dirty="0" smtClean="0"/>
-              <a:t> architecture allows you to defer framework decisions. A good architecture allows frameworks to act as plugins to the application.” –Uncle Bob</a:t>
-            </a:r>
-          </a:p>
-          <a:p>
-            <a:endParaRPr lang="en-US" baseline="0" dirty="0" smtClean="0"/>
-          </a:p>
-          <a:p>
-            <a:r>
-              <a:rPr lang="en-US" baseline="0" dirty="0" smtClean="0"/>
-              <a:t>Even your tests are a plugin to the application, a completely separate consumer.</a:t>
-            </a:r>
-          </a:p>
-          <a:p>
+            <a:endParaRPr lang="en-ZA" sz="1200" b="0" i="0" kern="1200" dirty="0" smtClean="0">
+              <a:solidFill>
+                <a:schemeClr val="tx1"/>
+              </a:solidFill>
+              <a:effectLst/>
+              <a:latin typeface="+mn-lt"/>
+              <a:ea typeface="+mn-ea"/>
+              <a:cs typeface="+mn-cs"/>
+            </a:endParaRPr>
+          </a:p>
+          <a:p>
+            <a:pPr marL="171450" indent="-171450">
+              <a:buFont typeface="Arial" panose="020B0604020202020204" pitchFamily="34" charset="0"/>
+              <a:buChar char="•"/>
+            </a:pPr>
+            <a:r>
+              <a:rPr lang="en-ZA" sz="1200" b="0" i="0" kern="1200" dirty="0" smtClean="0">
+                <a:solidFill>
+                  <a:schemeClr val="tx1"/>
+                </a:solidFill>
+                <a:effectLst/>
+                <a:latin typeface="+mn-lt"/>
+                <a:ea typeface="+mn-ea"/>
+                <a:cs typeface="+mn-cs"/>
+              </a:rPr>
+              <a:t>The boundary(B on the image) defines the contents of the aggregate. It is also the barrier between the aggregate contents and the rest of the application. Nothing outside the boundary can keep a reference to anything inside the boundary</a:t>
+            </a:r>
+            <a:r>
+              <a:rPr lang="en-ZA" sz="1200" b="0" i="0" kern="1200" dirty="0" smtClean="0">
+                <a:solidFill>
+                  <a:schemeClr val="tx1"/>
+                </a:solidFill>
+                <a:effectLst/>
+                <a:latin typeface="+mn-lt"/>
+                <a:ea typeface="+mn-ea"/>
+                <a:cs typeface="+mn-cs"/>
+              </a:rPr>
+              <a:t>.</a:t>
+            </a:r>
+            <a:endParaRPr lang="en-ZA" sz="1200" b="0" i="0" kern="1200" dirty="0" smtClean="0">
+              <a:solidFill>
+                <a:schemeClr val="tx1"/>
+              </a:solidFill>
+              <a:effectLst/>
+              <a:latin typeface="+mn-lt"/>
+              <a:ea typeface="+mn-ea"/>
+              <a:cs typeface="+mn-cs"/>
+            </a:endParaRPr>
+          </a:p>
+          <a:p>
+            <a:pPr marL="171450" indent="-171450">
+              <a:buFont typeface="Arial" panose="020B0604020202020204" pitchFamily="34" charset="0"/>
+              <a:buChar char="•"/>
+            </a:pPr>
+            <a:r>
+              <a:rPr lang="en-ZA" sz="1200" b="0" i="0" kern="1200" dirty="0" smtClean="0">
+                <a:solidFill>
+                  <a:schemeClr val="tx1"/>
+                </a:solidFill>
+                <a:effectLst/>
+                <a:latin typeface="+mn-lt"/>
+                <a:ea typeface="+mn-ea"/>
+                <a:cs typeface="+mn-cs"/>
+              </a:rPr>
+              <a:t>The Aggregate Root (AR on the image) provides access to the aggregate contents. We ask</a:t>
+            </a:r>
+            <a:r>
+              <a:rPr lang="en-ZA" sz="1200" b="0" i="0" kern="1200" baseline="0" dirty="0" smtClean="0">
+                <a:solidFill>
+                  <a:schemeClr val="tx1"/>
+                </a:solidFill>
+                <a:effectLst/>
+                <a:latin typeface="+mn-lt"/>
+                <a:ea typeface="+mn-ea"/>
+                <a:cs typeface="+mn-cs"/>
+              </a:rPr>
+              <a:t> the aggregate to do work for us</a:t>
+            </a:r>
+            <a:r>
+              <a:rPr lang="en-ZA" sz="1200" b="0" i="0" kern="1200" baseline="0" dirty="0" smtClean="0">
+                <a:solidFill>
+                  <a:schemeClr val="tx1"/>
+                </a:solidFill>
+                <a:effectLst/>
+                <a:latin typeface="+mn-lt"/>
+                <a:ea typeface="+mn-ea"/>
+                <a:cs typeface="+mn-cs"/>
+              </a:rPr>
+              <a:t>.</a:t>
+            </a:r>
+            <a:endParaRPr lang="en-ZA" sz="1200" b="0" i="0" kern="1200" baseline="0" dirty="0" smtClean="0">
+              <a:solidFill>
+                <a:schemeClr val="tx1"/>
+              </a:solidFill>
+              <a:effectLst/>
+              <a:latin typeface="+mn-lt"/>
+              <a:ea typeface="+mn-ea"/>
+              <a:cs typeface="+mn-cs"/>
+            </a:endParaRPr>
+          </a:p>
+          <a:p>
+            <a:pPr marL="171450" indent="-171450">
+              <a:buFont typeface="Arial" panose="020B0604020202020204" pitchFamily="34" charset="0"/>
+              <a:buChar char="•"/>
+            </a:pPr>
+            <a:r>
+              <a:rPr lang="en-ZA" sz="1200" b="0" i="0" kern="1200" baseline="0" dirty="0" smtClean="0">
+                <a:solidFill>
+                  <a:schemeClr val="tx1"/>
+                </a:solidFill>
+                <a:effectLst/>
+                <a:latin typeface="+mn-lt"/>
+                <a:ea typeface="+mn-ea"/>
+                <a:cs typeface="+mn-cs"/>
+              </a:rPr>
+              <a:t>We either make a new aggregate, from another aggregate or a factory. Or get a valid aggregate from a </a:t>
+            </a:r>
+            <a:r>
+              <a:rPr lang="en-ZA" sz="1200" b="0" i="0" kern="1200" baseline="0" dirty="0" smtClean="0">
+                <a:solidFill>
+                  <a:schemeClr val="tx1"/>
+                </a:solidFill>
+                <a:effectLst/>
+                <a:latin typeface="+mn-lt"/>
+                <a:ea typeface="+mn-ea"/>
+                <a:cs typeface="+mn-cs"/>
+              </a:rPr>
+              <a:t>Repository</a:t>
+            </a:r>
+            <a:endParaRPr lang="en-US" sz="1200" b="0" i="0" kern="1200" baseline="0" dirty="0" smtClean="0">
+              <a:solidFill>
+                <a:schemeClr val="tx1"/>
+              </a:solidFill>
+              <a:effectLst/>
+              <a:latin typeface="+mn-lt"/>
+              <a:ea typeface="+mn-ea"/>
+              <a:cs typeface="+mn-cs"/>
+            </a:endParaRPr>
+          </a:p>
+          <a:p>
+            <a:pPr marL="171450" indent="-171450">
+              <a:buFont typeface="Arial" panose="020B0604020202020204" pitchFamily="34" charset="0"/>
+              <a:buChar char="•"/>
+            </a:pPr>
+            <a:r>
+              <a:rPr lang="en-US" sz="1200" b="0" i="0" kern="1200" baseline="0" dirty="0" smtClean="0">
+                <a:solidFill>
+                  <a:schemeClr val="tx1"/>
+                </a:solidFill>
+                <a:effectLst/>
+                <a:latin typeface="+mn-lt"/>
+                <a:ea typeface="+mn-ea"/>
+                <a:cs typeface="+mn-cs"/>
+              </a:rPr>
+              <a:t>Synthetic vs natural </a:t>
+            </a:r>
+            <a:r>
+              <a:rPr lang="en-US" sz="1200" b="0" i="0" kern="1200" baseline="0" dirty="0" smtClean="0">
+                <a:solidFill>
+                  <a:schemeClr val="tx1"/>
+                </a:solidFill>
+                <a:effectLst/>
+                <a:latin typeface="+mn-lt"/>
+                <a:ea typeface="+mn-ea"/>
+                <a:cs typeface="+mn-cs"/>
+              </a:rPr>
+              <a:t>aggregate</a:t>
+            </a:r>
+            <a:endParaRPr lang="en-US" sz="1200" b="0" i="0" kern="1200" baseline="0" dirty="0" smtClean="0">
+              <a:solidFill>
+                <a:schemeClr val="tx1"/>
+              </a:solidFill>
+              <a:effectLst/>
+              <a:latin typeface="+mn-lt"/>
+              <a:ea typeface="+mn-ea"/>
+              <a:cs typeface="+mn-cs"/>
+            </a:endParaRPr>
+          </a:p>
+          <a:p>
+            <a:pPr marL="171450" indent="-171450">
+              <a:buFont typeface="Arial" panose="020B0604020202020204" pitchFamily="34" charset="0"/>
+              <a:buChar char="•"/>
+            </a:pPr>
+            <a:r>
+              <a:rPr lang="en-US" sz="1200" b="0" i="0" kern="1200" baseline="0" dirty="0" smtClean="0">
+                <a:solidFill>
+                  <a:schemeClr val="tx1"/>
+                </a:solidFill>
+                <a:effectLst/>
+                <a:latin typeface="+mn-lt"/>
+                <a:ea typeface="+mn-ea"/>
+                <a:cs typeface="+mn-cs"/>
+              </a:rPr>
+              <a:t>Referencing outside of aggregate is a bad idea.</a:t>
+            </a:r>
             <a:endParaRPr lang="en-ZA" dirty="0"/>
           </a:p>
         </p:txBody>
@@ -1277,6 +1656,252 @@
               <a:rPr lang="en-ZA" smtClean="0"/>
               <a:pPr/>
               <a:t>13</a:t>
+            </a:fld>
+            <a:endParaRPr lang="en-ZA"/>
+          </a:p>
+        </p:txBody>
+      </p:sp>
+    </p:spTree>
+    <p:extLst>
+      <p:ext uri="{BB962C8B-B14F-4D97-AF65-F5344CB8AC3E}">
+        <p14:creationId xmlns:p14="http://schemas.microsoft.com/office/powerpoint/2010/main" val="1828613864"/>
+      </p:ext>
+    </p:extLst>
+  </p:cSld>
+  <p:clrMapOvr>
+    <a:masterClrMapping/>
+  </p:clrMapOvr>
+</p:notes>
+</file>
+
+<file path=ppt/notesSlides/notesSlide14.xml><?xml version="1.0" encoding="utf-8"?>
+<p:notes xmlns:a="http://schemas.openxmlformats.org/drawingml/2006/main" xmlns:r="http://schemas.openxmlformats.org/officeDocument/2006/relationships" xmlns:p="http://schemas.openxmlformats.org/presentationml/2006/main">
+  <p:cSld>
+    <p:spTree>
+      <p:nvGrpSpPr>
+        <p:cNvPr id="1" name=""/>
+        <p:cNvGrpSpPr/>
+        <p:nvPr/>
+      </p:nvGrpSpPr>
+      <p:grpSpPr>
+        <a:xfrm>
+          <a:off x="0" y="0"/>
+          <a:ext cx="0" cy="0"/>
+          <a:chOff x="0" y="0"/>
+          <a:chExt cx="0" cy="0"/>
+        </a:xfrm>
+      </p:grpSpPr>
+      <p:sp>
+        <p:nvSpPr>
+          <p:cNvPr id="2" name="Slide Image Placeholder 1"/>
+          <p:cNvSpPr>
+            <a:spLocks noGrp="1" noRot="1" noChangeAspect="1"/>
+          </p:cNvSpPr>
+          <p:nvPr>
+            <p:ph type="sldImg"/>
+          </p:nvPr>
+        </p:nvSpPr>
+        <p:spPr/>
+      </p:sp>
+      <p:sp>
+        <p:nvSpPr>
+          <p:cNvPr id="3" name="Notes Placeholder 2"/>
+          <p:cNvSpPr>
+            <a:spLocks noGrp="1"/>
+          </p:cNvSpPr>
+          <p:nvPr>
+            <p:ph type="body" idx="1"/>
+          </p:nvPr>
+        </p:nvSpPr>
+        <p:spPr/>
+        <p:txBody>
+          <a:bodyPr/>
+          <a:lstStyle/>
+          <a:p>
+            <a:pPr marL="171450" marR="0" indent="-171450" algn="l" defTabSz="914400" rtl="0" eaLnBrk="1" fontAlgn="auto" latinLnBrk="0" hangingPunct="1">
+              <a:lnSpc>
+                <a:spcPct val="100000"/>
+              </a:lnSpc>
+              <a:spcBef>
+                <a:spcPts val="0"/>
+              </a:spcBef>
+              <a:spcAft>
+                <a:spcPts val="0"/>
+              </a:spcAft>
+              <a:buClrTx/>
+              <a:buSzTx/>
+              <a:buFont typeface="Arial" panose="020B0604020202020204" pitchFamily="34" charset="0"/>
+              <a:buChar char="•"/>
+              <a:tabLst/>
+              <a:defRPr/>
+            </a:pPr>
+            <a:r>
+              <a:rPr lang="en-US" baseline="0" dirty="0" smtClean="0"/>
+              <a:t>The bounded context is a collection of aggregate roots.</a:t>
+            </a:r>
+            <a:endParaRPr lang="en-ZA" dirty="0" smtClean="0"/>
+          </a:p>
+          <a:p>
+            <a:pPr marL="171450" indent="-171450">
+              <a:buFont typeface="Arial" panose="020B0604020202020204" pitchFamily="34" charset="0"/>
+              <a:buChar char="•"/>
+            </a:pPr>
+            <a:r>
+              <a:rPr lang="en-ZA" dirty="0" smtClean="0"/>
+              <a:t>The </a:t>
+            </a:r>
+            <a:r>
+              <a:rPr lang="en-ZA" dirty="0" smtClean="0"/>
+              <a:t>reason for this boundary is to highlight that</a:t>
+            </a:r>
+            <a:r>
+              <a:rPr lang="en-ZA" baseline="0" dirty="0" smtClean="0"/>
+              <a:t> every use of a given domain term, phrase or sentence (The U L) inside the boundary has a specific contextual meaning</a:t>
+            </a:r>
+            <a:r>
+              <a:rPr lang="en-ZA" baseline="0" dirty="0" smtClean="0"/>
+              <a:t>.</a:t>
+            </a:r>
+            <a:endParaRPr lang="en-US" dirty="0" smtClean="0"/>
+          </a:p>
+          <a:p>
+            <a:pPr marL="171450" indent="-171450">
+              <a:buFont typeface="Arial" panose="020B0604020202020204" pitchFamily="34" charset="0"/>
+              <a:buChar char="•"/>
+            </a:pPr>
+            <a:r>
+              <a:rPr lang="en-US" dirty="0" smtClean="0"/>
+              <a:t>Isolate the implementation of the problem domain from all other aspects of the application, with the domain being responsible for all decisions in the software.</a:t>
+            </a:r>
+          </a:p>
+          <a:p>
+            <a:endParaRPr lang="en-ZA" dirty="0"/>
+          </a:p>
+        </p:txBody>
+      </p:sp>
+      <p:sp>
+        <p:nvSpPr>
+          <p:cNvPr id="4" name="Slide Number Placeholder 3"/>
+          <p:cNvSpPr>
+            <a:spLocks noGrp="1"/>
+          </p:cNvSpPr>
+          <p:nvPr>
+            <p:ph type="sldNum" sz="quarter" idx="10"/>
+          </p:nvPr>
+        </p:nvSpPr>
+        <p:spPr/>
+        <p:txBody>
+          <a:bodyPr/>
+          <a:lstStyle/>
+          <a:p>
+            <a:fld id="{AABF9108-921F-4578-B50F-196EC54E7AE6}" type="slidenum">
+              <a:rPr lang="en-ZA" smtClean="0"/>
+              <a:pPr/>
+              <a:t>14</a:t>
+            </a:fld>
+            <a:endParaRPr lang="en-ZA"/>
+          </a:p>
+        </p:txBody>
+      </p:sp>
+    </p:spTree>
+    <p:extLst>
+      <p:ext uri="{BB962C8B-B14F-4D97-AF65-F5344CB8AC3E}">
+        <p14:creationId xmlns:p14="http://schemas.microsoft.com/office/powerpoint/2010/main" val="2818561495"/>
+      </p:ext>
+    </p:extLst>
+  </p:cSld>
+  <p:clrMapOvr>
+    <a:masterClrMapping/>
+  </p:clrMapOvr>
+</p:notes>
+</file>
+
+<file path=ppt/notesSlides/notesSlide15.xml><?xml version="1.0" encoding="utf-8"?>
+<p:notes xmlns:a="http://schemas.openxmlformats.org/drawingml/2006/main" xmlns:r="http://schemas.openxmlformats.org/officeDocument/2006/relationships" xmlns:p="http://schemas.openxmlformats.org/presentationml/2006/main">
+  <p:cSld>
+    <p:spTree>
+      <p:nvGrpSpPr>
+        <p:cNvPr id="1" name=""/>
+        <p:cNvGrpSpPr/>
+        <p:nvPr/>
+      </p:nvGrpSpPr>
+      <p:grpSpPr>
+        <a:xfrm>
+          <a:off x="0" y="0"/>
+          <a:ext cx="0" cy="0"/>
+          <a:chOff x="0" y="0"/>
+          <a:chExt cx="0" cy="0"/>
+        </a:xfrm>
+      </p:grpSpPr>
+      <p:sp>
+        <p:nvSpPr>
+          <p:cNvPr id="2" name="Slide Image Placeholder 1"/>
+          <p:cNvSpPr>
+            <a:spLocks noGrp="1" noRot="1" noChangeAspect="1"/>
+          </p:cNvSpPr>
+          <p:nvPr>
+            <p:ph type="sldImg"/>
+          </p:nvPr>
+        </p:nvSpPr>
+        <p:spPr/>
+      </p:sp>
+      <p:sp>
+        <p:nvSpPr>
+          <p:cNvPr id="3" name="Notes Placeholder 2"/>
+          <p:cNvSpPr>
+            <a:spLocks noGrp="1"/>
+          </p:cNvSpPr>
+          <p:nvPr>
+            <p:ph type="body" idx="1"/>
+          </p:nvPr>
+        </p:nvSpPr>
+        <p:spPr/>
+        <p:txBody>
+          <a:bodyPr/>
+          <a:lstStyle/>
+          <a:p>
+            <a:r>
+              <a:rPr lang="en-US" dirty="0" smtClean="0"/>
+              <a:t>“A good</a:t>
+            </a:r>
+            <a:r>
+              <a:rPr lang="en-US" baseline="0" dirty="0" smtClean="0"/>
+              <a:t> architecture allows you to defer framework decisions. A good architecture allows frameworks to act as plugins to the application.” –Uncle Bob</a:t>
+            </a:r>
+          </a:p>
+          <a:p>
+            <a:endParaRPr lang="en-US" baseline="0" dirty="0" smtClean="0"/>
+          </a:p>
+          <a:p>
+            <a:r>
+              <a:rPr lang="en-US" baseline="0" dirty="0" smtClean="0"/>
+              <a:t>Even your tests are a plugin to the application, a completely separate consumer.</a:t>
+            </a:r>
+          </a:p>
+          <a:p>
+            <a:endParaRPr lang="en-ZA" dirty="0"/>
+          </a:p>
+        </p:txBody>
+      </p:sp>
+      <p:sp>
+        <p:nvSpPr>
+          <p:cNvPr id="4" name="Slide Number Placeholder 3"/>
+          <p:cNvSpPr>
+            <a:spLocks noGrp="1"/>
+          </p:cNvSpPr>
+          <p:nvPr>
+            <p:ph type="sldNum" sz="quarter" idx="10"/>
+          </p:nvPr>
+        </p:nvSpPr>
+        <p:spPr/>
+        <p:txBody>
+          <a:bodyPr/>
+          <a:lstStyle/>
+          <a:p>
+            <a:fld id="{AABF9108-921F-4578-B50F-196EC54E7AE6}" type="slidenum">
+              <a:rPr lang="en-ZA" smtClean="0"/>
+              <a:pPr/>
+              <a:t>15</a:t>
             </a:fld>
             <a:endParaRPr lang="en-ZA"/>
           </a:p>
@@ -1439,6 +2064,36 @@
               <a:buChar char="•"/>
             </a:pPr>
             <a:r>
+              <a:rPr lang="en-ZA" dirty="0" smtClean="0"/>
+              <a:t>Proper</a:t>
+            </a:r>
+            <a:r>
+              <a:rPr lang="en-ZA" baseline="0" dirty="0" smtClean="0"/>
+              <a:t> OO, done in a clean way, with TDD in an agile manner</a:t>
+            </a:r>
+            <a:endParaRPr lang="en-ZA" dirty="0" smtClean="0"/>
+          </a:p>
+          <a:p>
+            <a:pPr marL="171450" indent="-171450">
+              <a:buFont typeface="Arial" panose="020B0604020202020204" pitchFamily="34" charset="0"/>
+              <a:buChar char="•"/>
+            </a:pPr>
+            <a:r>
+              <a:rPr lang="en-ZA" dirty="0" smtClean="0"/>
+              <a:t>A Domain in the broad sense,</a:t>
+            </a:r>
+            <a:r>
+              <a:rPr lang="en-ZA" baseline="0" dirty="0" smtClean="0"/>
+              <a:t> is what an organization does and the world it does it in</a:t>
+            </a:r>
+            <a:endParaRPr lang="en-ZA" dirty="0" smtClean="0"/>
+          </a:p>
+          <a:p>
+            <a:pPr marL="171450" indent="-171450">
+              <a:buFont typeface="Arial" panose="020B0604020202020204" pitchFamily="34" charset="0"/>
+              <a:buChar char="•"/>
+            </a:pPr>
+            <a:r>
               <a:rPr lang="en-ZA" sz="1200" b="0" i="0" kern="1200" dirty="0" smtClean="0">
                 <a:solidFill>
                   <a:schemeClr val="tx1"/>
@@ -1571,9 +2226,8 @@
             </a:pPr>
             <a:r>
               <a:rPr lang="en-ZA" dirty="0" smtClean="0"/>
-              <a:t>Why</a:t>
-            </a:r>
-            <a:endParaRPr lang="en-ZA" baseline="0" dirty="0" smtClean="0"/>
+              <a:t>What</a:t>
+            </a:r>
           </a:p>
           <a:p>
             <a:pPr marL="171450" indent="-171450">
@@ -1582,8 +2236,13 @@
             </a:pPr>
             <a:r>
               <a:rPr lang="en-ZA" dirty="0" smtClean="0"/>
-              <a:t>Organization gains a useful model of its domain</a:t>
-            </a:r>
+              <a:t>Proper</a:t>
+            </a:r>
+            <a:r>
+              <a:rPr lang="en-ZA" baseline="0" dirty="0" smtClean="0"/>
+              <a:t> OO, done in a clean way, with TDD in an agile manner</a:t>
+            </a:r>
+            <a:endParaRPr lang="en-ZA" dirty="0" smtClean="0"/>
           </a:p>
           <a:p>
             <a:pPr marL="171450" indent="-171450">
@@ -1592,15 +2251,11 @@
             </a:pPr>
             <a:r>
               <a:rPr lang="en-ZA" dirty="0" smtClean="0"/>
-              <a:t>A Refined precise definition and understanding of the business is </a:t>
-            </a:r>
-            <a:r>
-              <a:rPr lang="en-ZA" dirty="0" smtClean="0"/>
-              <a:t>developed. Domain</a:t>
+              <a:t>A Domain in the broad sense,</a:t>
             </a:r>
             <a:r>
               <a:rPr lang="en-ZA" baseline="0" dirty="0" smtClean="0"/>
-              <a:t> Experts are forced to agree about what the domain is called and how it works</a:t>
+              <a:t> is what an organization does and the world it does it in</a:t>
             </a:r>
             <a:endParaRPr lang="en-ZA" dirty="0" smtClean="0"/>
           </a:p>
@@ -1610,14 +2265,17 @@
               <a:buChar char="•"/>
             </a:pPr>
             <a:r>
-              <a:rPr lang="en-ZA" dirty="0" smtClean="0"/>
-              <a:t>Domain experts </a:t>
-            </a:r>
-            <a:r>
-              <a:rPr lang="en-ZA" dirty="0" smtClean="0"/>
-              <a:t>contribute to the solution</a:t>
-            </a:r>
-            <a:endParaRPr lang="en-ZA" dirty="0" smtClean="0"/>
+              <a:rPr lang="en-ZA" sz="1200" b="0" i="0" kern="1200" dirty="0" smtClean="0">
+                <a:solidFill>
+                  <a:schemeClr val="tx1"/>
+                </a:solidFill>
+                <a:effectLst/>
+                <a:latin typeface="+mn-lt"/>
+                <a:ea typeface="+mn-ea"/>
+                <a:cs typeface="+mn-cs"/>
+              </a:rPr>
+              <a:t>DDD provides a structure of practices and terminology for making design decisions that focus and accelerate software projects dealing with complicated domains.</a:t>
+            </a:r>
           </a:p>
           <a:p>
             <a:pPr marL="171450" indent="-171450">
@@ -1625,106 +2283,29 @@
               <a:buChar char="•"/>
             </a:pPr>
             <a:r>
-              <a:rPr lang="en-ZA" dirty="0" smtClean="0"/>
-              <a:t>Better user experience is </a:t>
-            </a:r>
-            <a:r>
-              <a:rPr lang="en-ZA" dirty="0" smtClean="0"/>
-              <a:t>gained because the domain is clearly defined</a:t>
-            </a:r>
-            <a:endParaRPr lang="en-ZA" dirty="0" smtClean="0"/>
-          </a:p>
-          <a:p>
-            <a:pPr marL="171450" indent="-171450">
-              <a:buFont typeface="Arial" panose="020B0604020202020204" pitchFamily="34" charset="0"/>
-              <a:buChar char="•"/>
-            </a:pPr>
-            <a:r>
-              <a:rPr lang="en-ZA" dirty="0" smtClean="0"/>
-              <a:t>Clean boundaries, pure models (</a:t>
-            </a:r>
-            <a:r>
-              <a:rPr lang="en-ZA" dirty="0" smtClean="0"/>
-              <a:t>SOLID For Free)</a:t>
-            </a:r>
-            <a:endParaRPr lang="en-ZA" dirty="0" smtClean="0"/>
-          </a:p>
-          <a:p>
-            <a:pPr marL="171450" indent="-171450">
-              <a:buFont typeface="Arial" panose="020B0604020202020204" pitchFamily="34" charset="0"/>
-              <a:buChar char="•"/>
-            </a:pPr>
-            <a:r>
-              <a:rPr lang="en-ZA" dirty="0" smtClean="0"/>
-              <a:t>Enterprise architecture is better organized</a:t>
-            </a:r>
-          </a:p>
-          <a:p>
-            <a:pPr marL="171450" indent="-171450">
-              <a:buFont typeface="Arial" panose="020B0604020202020204" pitchFamily="34" charset="0"/>
-              <a:buChar char="•"/>
-            </a:pPr>
-            <a:r>
-              <a:rPr lang="en-ZA" dirty="0" smtClean="0"/>
-              <a:t>Agile iterative continuous modelling is used</a:t>
-            </a:r>
-          </a:p>
-          <a:p>
-            <a:endParaRPr lang="en-US" dirty="0" smtClean="0"/>
-          </a:p>
-          <a:p>
-            <a:endParaRPr lang="en-US" dirty="0" smtClean="0"/>
-          </a:p>
-          <a:p>
-            <a:pPr marL="171450" indent="-171450">
-              <a:buFont typeface="Arial" panose="020B0604020202020204" pitchFamily="34" charset="0"/>
-              <a:buChar char="•"/>
-            </a:pPr>
-            <a:r>
-              <a:rPr lang="en-ZA" dirty="0" smtClean="0"/>
-              <a:t>Works </a:t>
-            </a:r>
-            <a:r>
-              <a:rPr lang="en-ZA" dirty="0" smtClean="0"/>
-              <a:t>well with TDD</a:t>
-            </a:r>
-          </a:p>
-          <a:p>
-            <a:pPr marL="171450" indent="-171450">
-              <a:buFont typeface="Arial" panose="020B0604020202020204" pitchFamily="34" charset="0"/>
-              <a:buChar char="•"/>
-            </a:pPr>
-            <a:r>
-              <a:rPr lang="en-ZA" dirty="0" smtClean="0"/>
-              <a:t>Works well with agile</a:t>
-            </a:r>
-          </a:p>
-          <a:p>
-            <a:pPr marL="171450" indent="-171450">
-              <a:buFont typeface="Arial" panose="020B0604020202020204" pitchFamily="34" charset="0"/>
-              <a:buChar char="•"/>
-            </a:pPr>
-            <a:r>
-              <a:rPr lang="en-ZA" dirty="0" smtClean="0"/>
-              <a:t>Prevents Anaemia Induced Memory Loss</a:t>
-            </a:r>
-          </a:p>
-          <a:p>
-            <a:pPr marL="171450" indent="-171450">
-              <a:buFont typeface="Arial" panose="020B0604020202020204" pitchFamily="34" charset="0"/>
-              <a:buChar char="•"/>
-            </a:pPr>
-            <a:r>
-              <a:rPr lang="en-ZA" dirty="0" smtClean="0"/>
-              <a:t>Rules outlive</a:t>
-            </a:r>
-            <a:r>
-              <a:rPr lang="en-ZA" baseline="0" dirty="0" smtClean="0"/>
-              <a:t> developers</a:t>
-            </a:r>
-            <a:endParaRPr lang="en-ZA" dirty="0" smtClean="0"/>
-          </a:p>
-          <a:p>
+              <a:rPr lang="en-ZA" sz="1200" b="0" i="0" kern="1200" dirty="0" smtClean="0">
+                <a:solidFill>
+                  <a:schemeClr val="tx1"/>
+                </a:solidFill>
+                <a:effectLst/>
+                <a:latin typeface="+mn-lt"/>
+                <a:ea typeface="+mn-ea"/>
+                <a:cs typeface="+mn-cs"/>
+              </a:rPr>
+              <a:t>High</a:t>
+            </a:r>
+            <a:r>
+              <a:rPr lang="en-ZA" sz="1200" b="0" i="0" kern="1200" baseline="0" dirty="0" smtClean="0">
+                <a:solidFill>
+                  <a:schemeClr val="tx1"/>
+                </a:solidFill>
+                <a:effectLst/>
+                <a:latin typeface="+mn-lt"/>
+                <a:ea typeface="+mn-ea"/>
+                <a:cs typeface="+mn-cs"/>
+              </a:rPr>
+              <a:t> level pattern</a:t>
+            </a:r>
             <a:endParaRPr lang="en-ZA" dirty="0" smtClean="0"/>
           </a:p>
           <a:p>
@@ -1759,7 +2340,7 @@
     </p:spTree>
     <p:extLst>
       <p:ext uri="{BB962C8B-B14F-4D97-AF65-F5344CB8AC3E}">
-        <p14:creationId xmlns:p14="http://schemas.microsoft.com/office/powerpoint/2010/main" val="270227068"/>
+        <p14:creationId xmlns:p14="http://schemas.microsoft.com/office/powerpoint/2010/main" val="2661404612"/>
       </p:ext>
     </p:extLst>
   </p:cSld>
@@ -1813,25 +2394,91 @@
           <a:bodyPr/>
           <a:lstStyle/>
           <a:p>
-            <a:r>
-              <a:rPr lang="en-US" dirty="0" smtClean="0"/>
-              <a:t>Documents</a:t>
-            </a:r>
-            <a:r>
-              <a:rPr lang="en-US" baseline="0" dirty="0" smtClean="0"/>
-              <a:t> should compliment code and speech</a:t>
-            </a:r>
-          </a:p>
-          <a:p>
-            <a:r>
-              <a:rPr lang="en-US" baseline="0" dirty="0" smtClean="0"/>
-              <a:t>Documents should not try to do what the code already does well</a:t>
-            </a:r>
-          </a:p>
-          <a:p>
-            <a:r>
-              <a:rPr lang="en-US" baseline="0" dirty="0" smtClean="0"/>
-              <a:t>Documents Should stay current, and work for a living</a:t>
+            <a:pPr marL="171450" indent="-171450">
+              <a:buFont typeface="Arial" panose="020B0604020202020204" pitchFamily="34" charset="0"/>
+              <a:buChar char="•"/>
+            </a:pPr>
+            <a:r>
+              <a:rPr lang="en-ZA" dirty="0" smtClean="0"/>
+              <a:t>What</a:t>
+            </a:r>
+          </a:p>
+          <a:p>
+            <a:pPr marL="171450" indent="-171450">
+              <a:buFont typeface="Arial" panose="020B0604020202020204" pitchFamily="34" charset="0"/>
+              <a:buChar char="•"/>
+            </a:pPr>
+            <a:r>
+              <a:rPr lang="en-ZA" dirty="0" smtClean="0"/>
+              <a:t>Proper</a:t>
+            </a:r>
+            <a:r>
+              <a:rPr lang="en-ZA" baseline="0" dirty="0" smtClean="0"/>
+              <a:t> OO, done in a clean way, with TDD in an agile manner</a:t>
+            </a:r>
+            <a:endParaRPr lang="en-ZA" dirty="0" smtClean="0"/>
+          </a:p>
+          <a:p>
+            <a:pPr marL="171450" indent="-171450">
+              <a:buFont typeface="Arial" panose="020B0604020202020204" pitchFamily="34" charset="0"/>
+              <a:buChar char="•"/>
+            </a:pPr>
+            <a:r>
+              <a:rPr lang="en-ZA" dirty="0" smtClean="0"/>
+              <a:t>A Domain in the broad sense,</a:t>
+            </a:r>
+            <a:r>
+              <a:rPr lang="en-ZA" baseline="0" dirty="0" smtClean="0"/>
+              <a:t> is what an organization does and the world it does it in</a:t>
+            </a:r>
+            <a:endParaRPr lang="en-ZA" dirty="0" smtClean="0"/>
+          </a:p>
+          <a:p>
+            <a:pPr marL="171450" indent="-171450">
+              <a:buFont typeface="Arial" panose="020B0604020202020204" pitchFamily="34" charset="0"/>
+              <a:buChar char="•"/>
+            </a:pPr>
+            <a:r>
+              <a:rPr lang="en-ZA" sz="1200" b="0" i="0" kern="1200" dirty="0" smtClean="0">
+                <a:solidFill>
+                  <a:schemeClr val="tx1"/>
+                </a:solidFill>
+                <a:effectLst/>
+                <a:latin typeface="+mn-lt"/>
+                <a:ea typeface="+mn-ea"/>
+                <a:cs typeface="+mn-cs"/>
+              </a:rPr>
+              <a:t>DDD provides a structure of practices and terminology for making design decisions that focus and accelerate software projects dealing with complicated domains.</a:t>
+            </a:r>
+          </a:p>
+          <a:p>
+            <a:pPr marL="171450" indent="-171450">
+              <a:buFont typeface="Arial" panose="020B0604020202020204" pitchFamily="34" charset="0"/>
+              <a:buChar char="•"/>
+            </a:pPr>
+            <a:r>
+              <a:rPr lang="en-ZA" sz="1200" b="0" i="0" kern="1200" dirty="0" smtClean="0">
+                <a:solidFill>
+                  <a:schemeClr val="tx1"/>
+                </a:solidFill>
+                <a:effectLst/>
+                <a:latin typeface="+mn-lt"/>
+                <a:ea typeface="+mn-ea"/>
+                <a:cs typeface="+mn-cs"/>
+              </a:rPr>
+              <a:t>High</a:t>
+            </a:r>
+            <a:r>
+              <a:rPr lang="en-ZA" sz="1200" b="0" i="0" kern="1200" baseline="0" dirty="0" smtClean="0">
+                <a:solidFill>
+                  <a:schemeClr val="tx1"/>
+                </a:solidFill>
+                <a:effectLst/>
+                <a:latin typeface="+mn-lt"/>
+                <a:ea typeface="+mn-ea"/>
+                <a:cs typeface="+mn-cs"/>
+              </a:rPr>
+              <a:t> level pattern</a:t>
             </a:r>
             <a:endParaRPr lang="en-ZA" dirty="0"/>
           </a:p>
@@ -1864,7 +2511,7 @@
     </p:spTree>
     <p:extLst>
       <p:ext uri="{BB962C8B-B14F-4D97-AF65-F5344CB8AC3E}">
-        <p14:creationId xmlns:p14="http://schemas.microsoft.com/office/powerpoint/2010/main" val="3633399452"/>
+        <p14:creationId xmlns:p14="http://schemas.microsoft.com/office/powerpoint/2010/main" val="903843112"/>
       </p:ext>
     </p:extLst>
   </p:cSld>
@@ -1918,54 +2565,173 @@
           <a:bodyPr/>
           <a:lstStyle/>
           <a:p>
-            <a:r>
-              <a:rPr lang="en-US" dirty="0" smtClean="0"/>
-              <a:t>“if</a:t>
-            </a:r>
-            <a:r>
-              <a:rPr lang="en-US" baseline="0" dirty="0" smtClean="0"/>
-              <a:t> the design or some central part of it does not map to the domain (problem domain) then it is of little value, and the correctness of the software is suspect.”</a:t>
-            </a:r>
-          </a:p>
-          <a:p>
-            <a:r>
-              <a:rPr lang="en-US" baseline="0" dirty="0" smtClean="0"/>
-              <a:t>“design small portions that reflect the model in a very literal way.”</a:t>
-            </a:r>
-          </a:p>
-          <a:p>
-            <a:r>
-              <a:rPr lang="en-US" baseline="0" dirty="0" smtClean="0"/>
-              <a:t>“Always demand a single model that serves all purposes well.”</a:t>
-            </a:r>
-          </a:p>
-          <a:p>
-            <a:r>
-              <a:rPr lang="en-US" baseline="0" dirty="0" smtClean="0"/>
-              <a:t>“Work away from procedural and build a representative model”</a:t>
-            </a:r>
+            <a:pPr marL="171450" indent="-171450">
+              <a:buFont typeface="Arial" panose="020B0604020202020204" pitchFamily="34" charset="0"/>
+              <a:buChar char="•"/>
+            </a:pPr>
+            <a:r>
+              <a:rPr lang="en-ZA" dirty="0" smtClean="0"/>
+              <a:t>Why</a:t>
+            </a:r>
+            <a:endParaRPr lang="en-ZA" baseline="0" dirty="0" smtClean="0"/>
+          </a:p>
+          <a:p>
+            <a:pPr marL="171450" indent="-171450">
+              <a:buFont typeface="Arial" panose="020B0604020202020204" pitchFamily="34" charset="0"/>
+              <a:buChar char="•"/>
+            </a:pPr>
+            <a:r>
+              <a:rPr lang="en-ZA" dirty="0" smtClean="0"/>
+              <a:t>Organization gains a useful model of its domain</a:t>
+            </a:r>
+          </a:p>
+          <a:p>
+            <a:pPr marL="171450" indent="-171450">
+              <a:buFont typeface="Arial" panose="020B0604020202020204" pitchFamily="34" charset="0"/>
+              <a:buChar char="•"/>
+            </a:pPr>
+            <a:r>
+              <a:rPr lang="en-ZA" dirty="0" smtClean="0"/>
+              <a:t>A Refined precise definition and understanding of the business is developed. Domain</a:t>
+            </a:r>
+            <a:r>
+              <a:rPr lang="en-ZA" baseline="0" dirty="0" smtClean="0"/>
+              <a:t> Experts are forced to agree about what the domain is called and how it works</a:t>
+            </a:r>
+            <a:endParaRPr lang="en-ZA" dirty="0" smtClean="0"/>
+          </a:p>
+          <a:p>
+            <a:pPr marL="171450" indent="-171450">
+              <a:buFont typeface="Arial" panose="020B0604020202020204" pitchFamily="34" charset="0"/>
+              <a:buChar char="•"/>
+            </a:pPr>
+            <a:r>
+              <a:rPr lang="en-ZA" dirty="0" smtClean="0"/>
+              <a:t>Domain experts contribute to the solution</a:t>
+            </a:r>
+          </a:p>
+          <a:p>
+            <a:pPr marL="171450" indent="-171450">
+              <a:buFont typeface="Arial" panose="020B0604020202020204" pitchFamily="34" charset="0"/>
+              <a:buChar char="•"/>
+            </a:pPr>
+            <a:r>
+              <a:rPr lang="en-ZA" dirty="0" smtClean="0"/>
+              <a:t>Better user experience is gained because the domain is clearly defined</a:t>
+            </a:r>
+          </a:p>
+          <a:p>
+            <a:pPr marL="171450" indent="-171450">
+              <a:buFont typeface="Arial" panose="020B0604020202020204" pitchFamily="34" charset="0"/>
+              <a:buChar char="•"/>
+            </a:pPr>
+            <a:r>
+              <a:rPr lang="en-ZA" dirty="0" smtClean="0"/>
+              <a:t>Clean boundaries, pure models (SOLID For Free)</a:t>
+            </a:r>
+          </a:p>
+          <a:p>
+            <a:pPr marL="171450" indent="-171450">
+              <a:buFont typeface="Arial" panose="020B0604020202020204" pitchFamily="34" charset="0"/>
+              <a:buChar char="•"/>
+            </a:pPr>
+            <a:r>
+              <a:rPr lang="en-ZA" dirty="0" smtClean="0"/>
+              <a:t>Enterprise architecture is better organized</a:t>
+            </a:r>
+          </a:p>
+          <a:p>
+            <a:pPr marL="171450" indent="-171450">
+              <a:buFont typeface="Arial" panose="020B0604020202020204" pitchFamily="34" charset="0"/>
+              <a:buChar char="•"/>
+            </a:pPr>
+            <a:r>
+              <a:rPr lang="en-ZA" dirty="0" smtClean="0"/>
+              <a:t>Agile iterative continuous modelling is used</a:t>
+            </a:r>
+          </a:p>
+          <a:p>
             <a:endParaRPr lang="en-US" dirty="0" smtClean="0"/>
           </a:p>
           <a:p>
             <a:endParaRPr lang="en-US" dirty="0" smtClean="0"/>
           </a:p>
           <a:p>
-            <a:r>
-              <a:rPr lang="en-US" dirty="0" smtClean="0"/>
-              <a:t>Continuous learning</a:t>
-            </a:r>
-          </a:p>
-          <a:p>
-            <a:r>
-              <a:rPr lang="en-US" dirty="0" smtClean="0"/>
-              <a:t>Extracting hidden concepts – and making them obvious</a:t>
-            </a:r>
-          </a:p>
-          <a:p>
-            <a:r>
-              <a:rPr lang="en-US" dirty="0" smtClean="0"/>
-              <a:t>Hands-on modelers and modeling.</a:t>
-            </a:r>
+            <a:pPr marL="171450" indent="-171450">
+              <a:buFont typeface="Arial" panose="020B0604020202020204" pitchFamily="34" charset="0"/>
+              <a:buChar char="•"/>
+            </a:pPr>
+            <a:r>
+              <a:rPr lang="en-ZA" dirty="0" smtClean="0"/>
+              <a:t>Works well with TDD</a:t>
+            </a:r>
+          </a:p>
+          <a:p>
+            <a:pPr marL="171450" indent="-171450">
+              <a:buFont typeface="Arial" panose="020B0604020202020204" pitchFamily="34" charset="0"/>
+              <a:buChar char="•"/>
+            </a:pPr>
+            <a:r>
+              <a:rPr lang="en-ZA" dirty="0" smtClean="0"/>
+              <a:t>Works well with agile</a:t>
+            </a:r>
+          </a:p>
+          <a:p>
+            <a:pPr marL="171450" indent="-171450">
+              <a:buFont typeface="Arial" panose="020B0604020202020204" pitchFamily="34" charset="0"/>
+              <a:buChar char="•"/>
+            </a:pPr>
+            <a:r>
+              <a:rPr lang="en-ZA" dirty="0" smtClean="0"/>
+              <a:t>Prevents Anaemia Induced Memory Loss</a:t>
+            </a:r>
+          </a:p>
+          <a:p>
+            <a:pPr marL="171450" indent="-171450">
+              <a:buFont typeface="Arial" panose="020B0604020202020204" pitchFamily="34" charset="0"/>
+              <a:buChar char="•"/>
+            </a:pPr>
+            <a:r>
+              <a:rPr lang="en-ZA" dirty="0" smtClean="0"/>
+              <a:t>Rules outlive</a:t>
+            </a:r>
+            <a:r>
+              <a:rPr lang="en-ZA" baseline="0" dirty="0" smtClean="0"/>
+              <a:t> </a:t>
+            </a:r>
+            <a:r>
+              <a:rPr lang="en-ZA" baseline="0" dirty="0" smtClean="0"/>
+              <a:t>developers</a:t>
+            </a:r>
+          </a:p>
+          <a:p>
+            <a:pPr marL="171450" indent="-171450">
+              <a:buFont typeface="Arial" panose="020B0604020202020204" pitchFamily="34" charset="0"/>
+              <a:buChar char="•"/>
+            </a:pPr>
+            <a:r>
+              <a:rPr lang="en-ZA" baseline="0" dirty="0" smtClean="0"/>
+              <a:t>Prevents Duplication </a:t>
+            </a:r>
+            <a:r>
+              <a:rPr lang="en-ZA" baseline="0" dirty="0" err="1" smtClean="0"/>
+              <a:t>etc</a:t>
+            </a:r>
+            <a:r>
+              <a:rPr lang="en-ZA" baseline="0" dirty="0" smtClean="0"/>
+              <a:t> </a:t>
+            </a:r>
+            <a:r>
+              <a:rPr lang="en-ZA" baseline="0" dirty="0" err="1" smtClean="0"/>
+              <a:t>etc</a:t>
+            </a:r>
+            <a:endParaRPr lang="en-ZA" dirty="0" smtClean="0"/>
+          </a:p>
+          <a:p>
+            <a:endParaRPr lang="en-ZA" dirty="0" smtClean="0"/>
+          </a:p>
+          <a:p>
+            <a:endParaRPr lang="en-ZA" dirty="0"/>
           </a:p>
         </p:txBody>
       </p:sp>
@@ -1996,7 +2762,7 @@
     </p:spTree>
     <p:extLst>
       <p:ext uri="{BB962C8B-B14F-4D97-AF65-F5344CB8AC3E}">
-        <p14:creationId xmlns:p14="http://schemas.microsoft.com/office/powerpoint/2010/main" val="1891669414"/>
+        <p14:creationId xmlns:p14="http://schemas.microsoft.com/office/powerpoint/2010/main" val="270227068"/>
       </p:ext>
     </p:extLst>
   </p:cSld>
@@ -2050,7 +2816,27 @@
           <a:bodyPr/>
           <a:lstStyle/>
           <a:p>
-            <a:endParaRPr lang="en-US" dirty="0" smtClean="0"/>
+            <a:r>
+              <a:rPr lang="en-US" dirty="0" smtClean="0"/>
+              <a:t>Documents</a:t>
+            </a:r>
+            <a:r>
+              <a:rPr lang="en-US" baseline="0" dirty="0" smtClean="0"/>
+              <a:t> should compliment code and speech</a:t>
+            </a:r>
+          </a:p>
+          <a:p>
+            <a:r>
+              <a:rPr lang="en-US" baseline="0" dirty="0" smtClean="0"/>
+              <a:t>Documents should not try to do what the code already does well</a:t>
+            </a:r>
+          </a:p>
+          <a:p>
+            <a:r>
+              <a:rPr lang="en-US" baseline="0" dirty="0" smtClean="0"/>
+              <a:t>Documents Should stay current, and work for a living</a:t>
+            </a:r>
+            <a:endParaRPr lang="en-ZA" dirty="0"/>
           </a:p>
         </p:txBody>
       </p:sp>
@@ -2081,7 +2867,7 @@
     </p:spTree>
     <p:extLst>
       <p:ext uri="{BB962C8B-B14F-4D97-AF65-F5344CB8AC3E}">
-        <p14:creationId xmlns:p14="http://schemas.microsoft.com/office/powerpoint/2010/main" val="83812138"/>
+        <p14:creationId xmlns:p14="http://schemas.microsoft.com/office/powerpoint/2010/main" val="3633399452"/>
       </p:ext>
     </p:extLst>
   </p:cSld>
@@ -2136,220 +2922,53 @@
           <a:lstStyle/>
           <a:p>
             <a:r>
-              <a:rPr lang="en-ZA" sz="1200" b="0" i="0" kern="1200" dirty="0" smtClean="0">
-                <a:solidFill>
-                  <a:schemeClr val="tx1"/>
-                </a:solidFill>
-                <a:effectLst/>
-                <a:latin typeface="+mn-lt"/>
-                <a:ea typeface="+mn-ea"/>
-                <a:cs typeface="+mn-cs"/>
-              </a:rPr>
-              <a:t>Identity is a property that is unique across all instances of an object</a:t>
-            </a:r>
-          </a:p>
-          <a:p>
-            <a:endParaRPr lang="en-ZA" sz="1200" b="0" i="0" kern="1200" dirty="0" smtClean="0">
-              <a:solidFill>
-                <a:schemeClr val="tx1"/>
-              </a:solidFill>
-              <a:effectLst/>
-              <a:latin typeface="+mn-lt"/>
-              <a:ea typeface="+mn-ea"/>
-              <a:cs typeface="+mn-cs"/>
-            </a:endParaRPr>
-          </a:p>
-          <a:p>
-            <a:r>
-              <a:rPr lang="en-ZA" sz="1200" b="0" i="0" kern="1200" dirty="0" smtClean="0">
-                <a:solidFill>
-                  <a:schemeClr val="tx1"/>
-                </a:solidFill>
-                <a:effectLst/>
-                <a:latin typeface="+mn-lt"/>
-                <a:ea typeface="+mn-ea"/>
-                <a:cs typeface="+mn-cs"/>
-              </a:rPr>
-              <a:t>Identity is not determined by object attributes</a:t>
-            </a:r>
-          </a:p>
-          <a:p>
-            <a:endParaRPr lang="en-ZA" sz="1200" b="0" i="0" kern="1200" dirty="0" smtClean="0">
-              <a:solidFill>
-                <a:schemeClr val="tx1"/>
-              </a:solidFill>
-              <a:effectLst/>
-              <a:latin typeface="+mn-lt"/>
-              <a:ea typeface="+mn-ea"/>
-              <a:cs typeface="+mn-cs"/>
-            </a:endParaRPr>
-          </a:p>
-          <a:p>
-            <a:r>
-              <a:rPr lang="en-ZA" sz="1200" b="0" i="0" kern="1200" dirty="0" smtClean="0">
-                <a:solidFill>
-                  <a:schemeClr val="tx1"/>
-                </a:solidFill>
-                <a:effectLst/>
-                <a:latin typeface="+mn-lt"/>
-                <a:ea typeface="+mn-ea"/>
-                <a:cs typeface="+mn-cs"/>
-              </a:rPr>
-              <a:t>An Entity has Identity as stated above</a:t>
-            </a:r>
-          </a:p>
-          <a:p>
-            <a:endParaRPr lang="en-ZA" sz="1200" b="0" i="0" kern="1200" dirty="0" smtClean="0">
-              <a:solidFill>
-                <a:schemeClr val="tx1"/>
-              </a:solidFill>
-              <a:effectLst/>
-              <a:latin typeface="+mn-lt"/>
-              <a:ea typeface="+mn-ea"/>
-              <a:cs typeface="+mn-cs"/>
-            </a:endParaRPr>
-          </a:p>
-          <a:p>
-            <a:r>
-              <a:rPr lang="en-ZA" sz="1200" b="0" i="0" kern="1200" dirty="0" smtClean="0">
-                <a:solidFill>
-                  <a:schemeClr val="tx1"/>
-                </a:solidFill>
-                <a:effectLst/>
-                <a:latin typeface="+mn-lt"/>
-                <a:ea typeface="+mn-ea"/>
-                <a:cs typeface="+mn-cs"/>
-              </a:rPr>
-              <a:t>An Entity is responsible for tracking it's state and the rules regulating it's lifecycle</a:t>
-            </a:r>
-          </a:p>
-          <a:p>
-            <a:endParaRPr lang="en-US" sz="1200" b="0" i="0" kern="1200" dirty="0" smtClean="0">
-              <a:solidFill>
-                <a:schemeClr val="tx1"/>
-              </a:solidFill>
-              <a:effectLst/>
-              <a:latin typeface="+mn-lt"/>
-              <a:ea typeface="+mn-ea"/>
-              <a:cs typeface="+mn-cs"/>
-            </a:endParaRPr>
-          </a:p>
-          <a:p>
-            <a:r>
-              <a:rPr lang="en-US" sz="1200" b="0" i="0" kern="1200" dirty="0" smtClean="0">
-                <a:solidFill>
-                  <a:schemeClr val="tx1"/>
-                </a:solidFill>
-                <a:effectLst/>
-                <a:latin typeface="+mn-lt"/>
-                <a:ea typeface="+mn-ea"/>
-                <a:cs typeface="+mn-cs"/>
-              </a:rPr>
-              <a:t>Encapsulates all the data and business rules</a:t>
-            </a:r>
-            <a:endParaRPr lang="en-ZA" sz="1200" b="0" i="0" kern="1200" dirty="0" smtClean="0">
-              <a:solidFill>
-                <a:schemeClr val="tx1"/>
-              </a:solidFill>
-              <a:effectLst/>
-              <a:latin typeface="+mn-lt"/>
-              <a:ea typeface="+mn-ea"/>
-              <a:cs typeface="+mn-cs"/>
-            </a:endParaRPr>
-          </a:p>
-          <a:p>
-            <a:endParaRPr lang="en-ZA" sz="1200" b="0" i="0" kern="1200" dirty="0" smtClean="0">
-              <a:solidFill>
-                <a:schemeClr val="tx1"/>
-              </a:solidFill>
-              <a:effectLst/>
-              <a:latin typeface="+mn-lt"/>
-              <a:ea typeface="+mn-ea"/>
-              <a:cs typeface="+mn-cs"/>
-            </a:endParaRPr>
-          </a:p>
-          <a:p>
-            <a:r>
-              <a:rPr lang="en-ZA" sz="1200" b="0" i="0" kern="1200" dirty="0" smtClean="0">
-                <a:solidFill>
-                  <a:schemeClr val="tx1"/>
-                </a:solidFill>
-                <a:effectLst/>
-                <a:latin typeface="+mn-lt"/>
-                <a:ea typeface="+mn-ea"/>
-                <a:cs typeface="+mn-cs"/>
-              </a:rPr>
-              <a:t>Identity</a:t>
-            </a:r>
-            <a:r>
-              <a:rPr lang="en-ZA" sz="1200" b="0" i="0" kern="1200" baseline="0" dirty="0" smtClean="0">
-                <a:solidFill>
-                  <a:schemeClr val="tx1"/>
-                </a:solidFill>
-                <a:effectLst/>
-                <a:latin typeface="+mn-lt"/>
-                <a:ea typeface="+mn-ea"/>
-                <a:cs typeface="+mn-cs"/>
-              </a:rPr>
-              <a:t> is usually an </a:t>
-            </a:r>
-            <a:r>
-              <a:rPr lang="en-ZA" sz="1200" b="0" i="0" kern="1200" baseline="0" dirty="0" err="1" smtClean="0">
-                <a:solidFill>
-                  <a:schemeClr val="tx1"/>
-                </a:solidFill>
-                <a:effectLst/>
-                <a:latin typeface="+mn-lt"/>
-                <a:ea typeface="+mn-ea"/>
-                <a:cs typeface="+mn-cs"/>
-              </a:rPr>
-              <a:t>int</a:t>
-            </a:r>
-            <a:r>
-              <a:rPr lang="en-ZA" sz="1200" b="0" i="0" kern="1200" baseline="0" dirty="0" smtClean="0">
-                <a:solidFill>
-                  <a:schemeClr val="tx1"/>
-                </a:solidFill>
-                <a:effectLst/>
-                <a:latin typeface="+mn-lt"/>
-                <a:ea typeface="+mn-ea"/>
-                <a:cs typeface="+mn-cs"/>
-              </a:rPr>
-              <a:t>/string/</a:t>
-            </a:r>
-            <a:r>
-              <a:rPr lang="en-ZA" sz="1200" b="0" i="0" kern="1200" baseline="0" dirty="0" err="1" smtClean="0">
-                <a:solidFill>
-                  <a:schemeClr val="tx1"/>
-                </a:solidFill>
-                <a:effectLst/>
-                <a:latin typeface="+mn-lt"/>
-                <a:ea typeface="+mn-ea"/>
-                <a:cs typeface="+mn-cs"/>
-              </a:rPr>
-              <a:t>guid</a:t>
-            </a:r>
-            <a:r>
-              <a:rPr lang="en-ZA" sz="1200" b="0" i="0" kern="1200" baseline="0" dirty="0" smtClean="0">
-                <a:solidFill>
-                  <a:schemeClr val="tx1"/>
-                </a:solidFill>
-                <a:effectLst/>
-                <a:latin typeface="+mn-lt"/>
-                <a:ea typeface="+mn-ea"/>
-                <a:cs typeface="+mn-cs"/>
-              </a:rPr>
-              <a:t>. It can be made by the application or in some cases the database</a:t>
-            </a:r>
-            <a:endParaRPr lang="en-ZA" sz="1200" b="0" i="0" kern="1200" dirty="0">
-              <a:solidFill>
-                <a:schemeClr val="tx1"/>
-              </a:solidFill>
-              <a:effectLst/>
-              <a:latin typeface="+mn-lt"/>
-              <a:ea typeface="+mn-ea"/>
-              <a:cs typeface="+mn-cs"/>
-            </a:endParaRPr>
+              <a:rPr lang="en-US" dirty="0" smtClean="0"/>
+              <a:t>“if</a:t>
+            </a:r>
+            <a:r>
+              <a:rPr lang="en-US" baseline="0" dirty="0" smtClean="0"/>
+              <a:t> the design or some central part of it does not map to the domain (problem domain) then it is of little value, and the correctness of the software is suspect.”</a:t>
+            </a:r>
+          </a:p>
+          <a:p>
+            <a:r>
+              <a:rPr lang="en-US" baseline="0" dirty="0" smtClean="0"/>
+              <a:t>“design small portions that reflect the model in a very literal way.”</a:t>
+            </a:r>
+          </a:p>
+          <a:p>
+            <a:r>
+              <a:rPr lang="en-US" baseline="0" dirty="0" smtClean="0"/>
+              <a:t>“Always demand a single model that serves all purposes well.”</a:t>
+            </a:r>
+          </a:p>
+          <a:p>
+            <a:r>
+              <a:rPr lang="en-US" baseline="0" dirty="0" smtClean="0"/>
+              <a:t>“Work away from procedural and build a representative model”</a:t>
+            </a:r>
+            <a:endParaRPr lang="en-US" dirty="0" smtClean="0"/>
+          </a:p>
+          <a:p>
+            <a:endParaRPr lang="en-US" dirty="0" smtClean="0"/>
+          </a:p>
+          <a:p>
+            <a:r>
+              <a:rPr lang="en-US" dirty="0" smtClean="0"/>
+              <a:t>Continuous learning</a:t>
+            </a:r>
+          </a:p>
+          <a:p>
+            <a:r>
+              <a:rPr lang="en-US" dirty="0" smtClean="0"/>
+              <a:t>Extracting hidden concepts – and making them obvious</a:t>
+            </a:r>
+          </a:p>
+          <a:p>
+            <a:r>
+              <a:rPr lang="en-US" dirty="0" smtClean="0"/>
+              <a:t>Hands-on modelers and modeling.</a:t>
+            </a:r>
           </a:p>
         </p:txBody>
       </p:sp>
@@ -2380,7 +2999,7 @@
     </p:spTree>
     <p:extLst>
       <p:ext uri="{BB962C8B-B14F-4D97-AF65-F5344CB8AC3E}">
-        <p14:creationId xmlns:p14="http://schemas.microsoft.com/office/powerpoint/2010/main" val="2038365417"/>
+        <p14:creationId xmlns:p14="http://schemas.microsoft.com/office/powerpoint/2010/main" val="1891669414"/>
       </p:ext>
     </p:extLst>
   </p:cSld>
@@ -2434,122 +3053,7 @@
           <a:bodyPr/>
           <a:lstStyle/>
           <a:p>
-            <a:r>
-              <a:rPr lang="en-ZA" sz="1200" b="0" i="0" kern="1200" dirty="0" smtClean="0">
-                <a:solidFill>
-                  <a:schemeClr val="tx1"/>
-                </a:solidFill>
-                <a:effectLst/>
-                <a:latin typeface="+mn-lt"/>
-                <a:ea typeface="+mn-ea"/>
-                <a:cs typeface="+mn-cs"/>
-              </a:rPr>
-              <a:t>Multiple instances of a value object with the same properties, represent the same object in a particular context.</a:t>
-            </a:r>
-          </a:p>
-          <a:p>
-            <a:endParaRPr lang="en-US" sz="1200" b="0" i="0" kern="1200" dirty="0" smtClean="0">
-              <a:solidFill>
-                <a:schemeClr val="tx1"/>
-              </a:solidFill>
-              <a:effectLst/>
-              <a:latin typeface="+mn-lt"/>
-              <a:ea typeface="+mn-ea"/>
-              <a:cs typeface="+mn-cs"/>
-            </a:endParaRPr>
-          </a:p>
-          <a:p>
-            <a:r>
-              <a:rPr lang="en-US" sz="1200" b="0" i="0" kern="1200" dirty="0" smtClean="0">
-                <a:solidFill>
-                  <a:schemeClr val="tx1"/>
-                </a:solidFill>
-                <a:effectLst/>
-                <a:latin typeface="+mn-lt"/>
-                <a:ea typeface="+mn-ea"/>
-                <a:cs typeface="+mn-cs"/>
-              </a:rPr>
-              <a:t>Primitives and </a:t>
-            </a:r>
-            <a:r>
-              <a:rPr lang="en-US" sz="1200" b="0" i="0" kern="1200" dirty="0" err="1" smtClean="0">
-                <a:solidFill>
-                  <a:schemeClr val="tx1"/>
-                </a:solidFill>
-                <a:effectLst/>
-                <a:latin typeface="+mn-lt"/>
-                <a:ea typeface="+mn-ea"/>
-                <a:cs typeface="+mn-cs"/>
-              </a:rPr>
-              <a:t>struct</a:t>
-            </a:r>
-            <a:r>
-              <a:rPr lang="en-US" sz="1200" b="0" i="0" kern="1200" dirty="0" smtClean="0">
-                <a:solidFill>
-                  <a:schemeClr val="tx1"/>
-                </a:solidFill>
-                <a:effectLst/>
-                <a:latin typeface="+mn-lt"/>
-                <a:ea typeface="+mn-ea"/>
-                <a:cs typeface="+mn-cs"/>
-              </a:rPr>
-              <a:t> types</a:t>
-            </a:r>
-            <a:endParaRPr lang="en-ZA" sz="1200" b="0" i="0" kern="1200" dirty="0" smtClean="0">
-              <a:solidFill>
-                <a:schemeClr val="tx1"/>
-              </a:solidFill>
-              <a:effectLst/>
-              <a:latin typeface="+mn-lt"/>
-              <a:ea typeface="+mn-ea"/>
-              <a:cs typeface="+mn-cs"/>
-            </a:endParaRPr>
-          </a:p>
-          <a:p>
-            <a:endParaRPr lang="en-ZA" sz="1200" b="0" i="0" kern="1200" dirty="0" smtClean="0">
-              <a:solidFill>
-                <a:schemeClr val="tx1"/>
-              </a:solidFill>
-              <a:effectLst/>
-              <a:latin typeface="+mn-lt"/>
-              <a:ea typeface="+mn-ea"/>
-              <a:cs typeface="+mn-cs"/>
-            </a:endParaRPr>
-          </a:p>
-          <a:p>
-            <a:r>
-              <a:rPr lang="en-ZA" dirty="0" smtClean="0"/>
-              <a:t>Value objects are immutable.</a:t>
-            </a:r>
-          </a:p>
-          <a:p>
-            <a:endParaRPr lang="en-ZA" dirty="0" smtClean="0"/>
-          </a:p>
-          <a:p>
-            <a:r>
-              <a:rPr lang="en-ZA" dirty="0" smtClean="0"/>
-              <a:t>Give Address as an example of value vs entity object</a:t>
-            </a:r>
             <a:endParaRPr lang="en-US" dirty="0" smtClean="0"/>
-          </a:p>
-          <a:p>
-            <a:r>
-              <a:rPr lang="en-US" dirty="0" smtClean="0"/>
-              <a:t>Unit Of Measure</a:t>
-            </a:r>
-          </a:p>
-          <a:p>
-            <a:r>
-              <a:rPr lang="en-US" dirty="0" smtClean="0"/>
-              <a:t>Currency</a:t>
-            </a:r>
-          </a:p>
-          <a:p>
-            <a:r>
-              <a:rPr lang="en-US" dirty="0" smtClean="0"/>
-              <a:t>Dimensions</a:t>
-            </a:r>
-            <a:endParaRPr lang="en-ZA" dirty="0"/>
           </a:p>
         </p:txBody>
       </p:sp>
@@ -2580,7 +3084,7 @@
     </p:spTree>
     <p:extLst>
       <p:ext uri="{BB962C8B-B14F-4D97-AF65-F5344CB8AC3E}">
-        <p14:creationId xmlns:p14="http://schemas.microsoft.com/office/powerpoint/2010/main" val="1944303612"/>
+        <p14:creationId xmlns:p14="http://schemas.microsoft.com/office/powerpoint/2010/main" val="83812138"/>
       </p:ext>
     </p:extLst>
   </p:cSld>
@@ -2780,7 +3284,7 @@
             <a:fld id="{986C9EB5-A2B4-494A-8466-BDB12800E3A8}" type="datetimeFigureOut">
               <a:rPr lang="en-ZA" smtClean="0"/>
               <a:pPr/>
-              <a:t>2015/04/09</a:t>
+              <a:t>2015/04/10</a:t>
             </a:fld>
             <a:endParaRPr lang="en-ZA"/>
           </a:p>
@@ -2976,7 +3480,7 @@
             <a:fld id="{986C9EB5-A2B4-494A-8466-BDB12800E3A8}" type="datetimeFigureOut">
               <a:rPr lang="en-ZA" smtClean="0"/>
               <a:pPr/>
-              <a:t>2015/04/09</a:t>
+              <a:t>2015/04/10</a:t>
             </a:fld>
             <a:endParaRPr lang="en-ZA"/>
           </a:p>
@@ -3189,7 +3693,7 @@
             <a:fld id="{986C9EB5-A2B4-494A-8466-BDB12800E3A8}" type="datetimeFigureOut">
               <a:rPr lang="en-ZA" smtClean="0"/>
               <a:pPr/>
-              <a:t>2015/04/09</a:t>
+              <a:t>2015/04/10</a:t>
             </a:fld>
             <a:endParaRPr lang="en-ZA"/>
           </a:p>
@@ -3468,7 +3972,7 @@
                 </a:solidFill>
               </a:rPr>
               <a:pPr/>
-              <a:t>2015/04/09</a:t>
+              <a:t>2015/04/10</a:t>
             </a:fld>
             <a:endParaRPr lang="en-ZA">
               <a:solidFill>
@@ -3713,7 +4217,7 @@
                 </a:solidFill>
               </a:rPr>
               <a:pPr/>
-              <a:t>2015/04/09</a:t>
+              <a:t>2015/04/10</a:t>
             </a:fld>
             <a:endParaRPr lang="en-ZA" dirty="0">
               <a:solidFill>
@@ -4026,7 +4530,7 @@
                 </a:solidFill>
               </a:rPr>
               <a:pPr/>
-              <a:t>2015/04/09</a:t>
+              <a:t>2015/04/10</a:t>
             </a:fld>
             <a:endParaRPr lang="en-ZA">
               <a:solidFill>
@@ -4360,7 +4864,7 @@
                 </a:solidFill>
               </a:rPr>
               <a:pPr/>
-              <a:t>2015/04/09</a:t>
+              <a:t>2015/04/10</a:t>
             </a:fld>
             <a:endParaRPr lang="en-ZA">
               <a:solidFill>
@@ -4828,7 +5332,7 @@
                 </a:solidFill>
               </a:rPr>
               <a:pPr/>
-              <a:t>2015/04/09</a:t>
+              <a:t>2015/04/10</a:t>
             </a:fld>
             <a:endParaRPr lang="en-ZA">
               <a:solidFill>
@@ -4992,7 +5496,7 @@
                 </a:solidFill>
               </a:rPr>
               <a:pPr/>
-              <a:t>2015/04/09</a:t>
+              <a:t>2015/04/10</a:t>
             </a:fld>
             <a:endParaRPr lang="en-ZA">
               <a:solidFill>
@@ -5140,7 +5644,7 @@
                 </a:solidFill>
               </a:rPr>
               <a:pPr/>
-              <a:t>2015/04/09</a:t>
+              <a:t>2015/04/10</a:t>
             </a:fld>
             <a:endParaRPr lang="en-ZA">
               <a:solidFill>
@@ -5470,7 +5974,7 @@
                 </a:solidFill>
               </a:rPr>
               <a:pPr/>
-              <a:t>2015/04/09</a:t>
+              <a:t>2015/04/10</a:t>
             </a:fld>
             <a:endParaRPr lang="en-ZA">
               <a:solidFill>
@@ -5718,7 +6222,7 @@
             <a:fld id="{986C9EB5-A2B4-494A-8466-BDB12800E3A8}" type="datetimeFigureOut">
               <a:rPr lang="en-ZA" smtClean="0"/>
               <a:pPr/>
-              <a:t>2015/04/09</a:t>
+              <a:t>2015/04/10</a:t>
             </a:fld>
             <a:endParaRPr lang="en-ZA" dirty="0"/>
           </a:p>
@@ -6022,7 +6526,7 @@
                 </a:solidFill>
               </a:rPr>
               <a:pPr/>
-              <a:t>2015/04/09</a:t>
+              <a:t>2015/04/10</a:t>
             </a:fld>
             <a:endParaRPr lang="en-ZA">
               <a:solidFill>
@@ -6245,7 +6749,7 @@
                 </a:solidFill>
               </a:rPr>
               <a:pPr/>
-              <a:t>2015/04/09</a:t>
+              <a:t>2015/04/10</a:t>
             </a:fld>
             <a:endParaRPr lang="en-ZA">
               <a:solidFill>
@@ -6478,7 +6982,7 @@
                 </a:solidFill>
               </a:rPr>
               <a:pPr/>
-              <a:t>2015/04/09</a:t>
+              <a:t>2015/04/10</a:t>
             </a:fld>
             <a:endParaRPr lang="en-ZA">
               <a:solidFill>
@@ -6994,7 +7498,7 @@
             <a:fld id="{986C9EB5-A2B4-494A-8466-BDB12800E3A8}" type="datetimeFigureOut">
               <a:rPr lang="en-ZA" smtClean="0"/>
               <a:pPr/>
-              <a:t>2015/04/09</a:t>
+              <a:t>2015/04/10</a:t>
             </a:fld>
             <a:endParaRPr lang="en-ZA"/>
           </a:p>
@@ -7308,7 +7812,7 @@
             <a:fld id="{986C9EB5-A2B4-494A-8466-BDB12800E3A8}" type="datetimeFigureOut">
               <a:rPr lang="en-ZA" smtClean="0"/>
               <a:pPr/>
-              <a:t>2015/04/09</a:t>
+              <a:t>2015/04/10</a:t>
             </a:fld>
             <a:endParaRPr lang="en-ZA"/>
           </a:p>
@@ -7756,7 +8260,7 @@
             <a:fld id="{986C9EB5-A2B4-494A-8466-BDB12800E3A8}" type="datetimeFigureOut">
               <a:rPr lang="en-ZA" smtClean="0"/>
               <a:pPr/>
-              <a:t>2015/04/09</a:t>
+              <a:t>2015/04/10</a:t>
             </a:fld>
             <a:endParaRPr lang="en-ZA"/>
           </a:p>
@@ -7900,7 +8404,7 @@
             <a:fld id="{986C9EB5-A2B4-494A-8466-BDB12800E3A8}" type="datetimeFigureOut">
               <a:rPr lang="en-ZA" smtClean="0"/>
               <a:pPr/>
-              <a:t>2015/04/09</a:t>
+              <a:t>2015/04/10</a:t>
             </a:fld>
             <a:endParaRPr lang="en-ZA"/>
           </a:p>
@@ -8028,7 +8532,7 @@
             <a:fld id="{986C9EB5-A2B4-494A-8466-BDB12800E3A8}" type="datetimeFigureOut">
               <a:rPr lang="en-ZA" smtClean="0"/>
               <a:pPr/>
-              <a:t>2015/04/09</a:t>
+              <a:t>2015/04/10</a:t>
             </a:fld>
             <a:endParaRPr lang="en-ZA"/>
           </a:p>
@@ -8338,7 +8842,7 @@
             <a:fld id="{986C9EB5-A2B4-494A-8466-BDB12800E3A8}" type="datetimeFigureOut">
               <a:rPr lang="en-ZA" smtClean="0"/>
               <a:pPr/>
-              <a:t>2015/04/09</a:t>
+              <a:t>2015/04/10</a:t>
             </a:fld>
             <a:endParaRPr lang="en-ZA"/>
           </a:p>
@@ -8624,7 +9128,7 @@
             <a:fld id="{986C9EB5-A2B4-494A-8466-BDB12800E3A8}" type="datetimeFigureOut">
               <a:rPr lang="en-ZA" smtClean="0"/>
               <a:pPr/>
-              <a:t>2015/04/09</a:t>
+              <a:t>2015/04/10</a:t>
             </a:fld>
             <a:endParaRPr lang="en-ZA"/>
           </a:p>
@@ -9860,6 +10364,252 @@
         </p:nvSpPr>
         <p:spPr/>
         <p:txBody>
+          <a:bodyPr/>
+          <a:lstStyle/>
+          <a:p>
+            <a:r>
+              <a:rPr lang="en-ZA" dirty="0" smtClean="0"/>
+              <a:t>Domain Structure - Entities</a:t>
+            </a:r>
+            <a:endParaRPr lang="en-ZA" dirty="0"/>
+          </a:p>
+        </p:txBody>
+      </p:sp>
+      <p:sp>
+        <p:nvSpPr>
+          <p:cNvPr id="3" name="Content Placeholder 2"/>
+          <p:cNvSpPr>
+            <a:spLocks noGrp="1"/>
+          </p:cNvSpPr>
+          <p:nvPr>
+            <p:ph idx="1"/>
+          </p:nvPr>
+        </p:nvSpPr>
+        <p:spPr/>
+        <p:txBody>
+          <a:bodyPr/>
+          <a:lstStyle/>
+          <a:p>
+            <a:endParaRPr lang="en-ZA" dirty="0" smtClean="0"/>
+          </a:p>
+          <a:p>
+            <a:r>
+              <a:rPr lang="en-ZA" dirty="0" smtClean="0"/>
+              <a:t>Known By Its Identity</a:t>
+            </a:r>
+          </a:p>
+          <a:p>
+            <a:endParaRPr lang="en-ZA" dirty="0" smtClean="0"/>
+          </a:p>
+          <a:p>
+            <a:r>
+              <a:rPr lang="en-ZA" dirty="0" smtClean="0">
+                <a:solidFill>
+                  <a:schemeClr val="tx1"/>
+                </a:solidFill>
+              </a:rPr>
+              <a:t>Responsible for </a:t>
+            </a:r>
+            <a:r>
+              <a:rPr lang="en-ZA" dirty="0">
+                <a:solidFill>
+                  <a:schemeClr val="tx1"/>
+                </a:solidFill>
+              </a:rPr>
+              <a:t>tracking it's state and the </a:t>
+            </a:r>
+            <a:r>
+              <a:rPr lang="en-ZA" dirty="0" smtClean="0">
+                <a:solidFill>
+                  <a:schemeClr val="tx1"/>
+                </a:solidFill>
+              </a:rPr>
+              <a:t>business rules</a:t>
+            </a:r>
+          </a:p>
+          <a:p>
+            <a:endParaRPr lang="en-US" dirty="0" smtClean="0">
+              <a:solidFill>
+                <a:schemeClr val="tx1"/>
+              </a:solidFill>
+            </a:endParaRPr>
+          </a:p>
+          <a:p>
+            <a:r>
+              <a:rPr lang="en-US" dirty="0" smtClean="0">
+                <a:solidFill>
+                  <a:schemeClr val="tx1"/>
+                </a:solidFill>
+              </a:rPr>
+              <a:t>Persists beyond application lifespan</a:t>
+            </a:r>
+            <a:endParaRPr lang="en-ZA" dirty="0">
+              <a:solidFill>
+                <a:schemeClr val="tx1"/>
+              </a:solidFill>
+            </a:endParaRPr>
+          </a:p>
+        </p:txBody>
+      </p:sp>
+    </p:spTree>
+    <p:extLst>
+      <p:ext uri="{BB962C8B-B14F-4D97-AF65-F5344CB8AC3E}">
+        <p14:creationId xmlns:p14="http://schemas.microsoft.com/office/powerpoint/2010/main" val="1868674325"/>
+      </p:ext>
+    </p:extLst>
+  </p:cSld>
+  <p:clrMapOvr>
+    <a:masterClrMapping/>
+  </p:clrMapOvr>
+  <p:timing>
+    <p:tnLst>
+      <p:par>
+        <p:cTn id="1" dur="indefinite" restart="never" nodeType="tmRoot"/>
+      </p:par>
+    </p:tnLst>
+  </p:timing>
+</p:sld>
+</file>
+
+<file path=ppt/slides/slide11.xml><?xml version="1.0" encoding="utf-8"?>
+<p:sld xmlns:a="http://schemas.openxmlformats.org/drawingml/2006/main" xmlns:r="http://schemas.openxmlformats.org/officeDocument/2006/relationships" xmlns:p="http://schemas.openxmlformats.org/presentationml/2006/main">
+  <p:cSld>
+    <p:spTree>
+      <p:nvGrpSpPr>
+        <p:cNvPr id="1" name=""/>
+        <p:cNvGrpSpPr/>
+        <p:nvPr/>
+      </p:nvGrpSpPr>
+      <p:grpSpPr>
+        <a:xfrm>
+          <a:off x="0" y="0"/>
+          <a:ext cx="0" cy="0"/>
+          <a:chOff x="0" y="0"/>
+          <a:chExt cx="0" cy="0"/>
+        </a:xfrm>
+      </p:grpSpPr>
+      <p:sp>
+        <p:nvSpPr>
+          <p:cNvPr id="2" name="Title 1"/>
+          <p:cNvSpPr>
+            <a:spLocks noGrp="1"/>
+          </p:cNvSpPr>
+          <p:nvPr>
+            <p:ph type="title"/>
+          </p:nvPr>
+        </p:nvSpPr>
+        <p:spPr/>
+        <p:txBody>
+          <a:bodyPr/>
+          <a:lstStyle/>
+          <a:p>
+            <a:r>
+              <a:rPr lang="en-ZA" dirty="0" smtClean="0"/>
+              <a:t>Domain Structure – Value Types</a:t>
+            </a:r>
+            <a:endParaRPr lang="en-ZA" dirty="0"/>
+          </a:p>
+        </p:txBody>
+      </p:sp>
+      <p:sp>
+        <p:nvSpPr>
+          <p:cNvPr id="3" name="Content Placeholder 2"/>
+          <p:cNvSpPr>
+            <a:spLocks noGrp="1"/>
+          </p:cNvSpPr>
+          <p:nvPr>
+            <p:ph idx="1"/>
+          </p:nvPr>
+        </p:nvSpPr>
+        <p:spPr/>
+        <p:txBody>
+          <a:bodyPr/>
+          <a:lstStyle/>
+          <a:p>
+            <a:endParaRPr lang="en-ZA" dirty="0" smtClean="0"/>
+          </a:p>
+          <a:p>
+            <a:r>
+              <a:rPr lang="en-ZA" dirty="0" smtClean="0"/>
+              <a:t>Known By Its Properties</a:t>
+            </a:r>
+          </a:p>
+          <a:p>
+            <a:endParaRPr lang="en-ZA" dirty="0" smtClean="0"/>
+          </a:p>
+          <a:p>
+            <a:r>
+              <a:rPr lang="en-ZA" dirty="0" smtClean="0"/>
+              <a:t>Immutable</a:t>
+            </a:r>
+          </a:p>
+          <a:p>
+            <a:endParaRPr lang="en-US" dirty="0"/>
+          </a:p>
+          <a:p>
+            <a:r>
+              <a:rPr lang="en-US" dirty="0" smtClean="0"/>
+              <a:t>Describes Characteristics of something</a:t>
+            </a:r>
+            <a:endParaRPr lang="en-ZA" dirty="0" smtClean="0"/>
+          </a:p>
+          <a:p>
+            <a:endParaRPr lang="en-US" dirty="0"/>
+          </a:p>
+          <a:p>
+            <a:endParaRPr lang="en-ZA" dirty="0"/>
+          </a:p>
+        </p:txBody>
+      </p:sp>
+    </p:spTree>
+    <p:extLst>
+      <p:ext uri="{BB962C8B-B14F-4D97-AF65-F5344CB8AC3E}">
+        <p14:creationId xmlns:p14="http://schemas.microsoft.com/office/powerpoint/2010/main" val="1851456671"/>
+      </p:ext>
+    </p:extLst>
+  </p:cSld>
+  <p:clrMapOvr>
+    <a:masterClrMapping/>
+  </p:clrMapOvr>
+  <p:timing>
+    <p:tnLst>
+      <p:par>
+        <p:cTn id="1" dur="indefinite" restart="never" nodeType="tmRoot"/>
+      </p:par>
+    </p:tnLst>
+  </p:timing>
+</p:sld>
+</file>
+
+<file path=ppt/slides/slide12.xml><?xml version="1.0" encoding="utf-8"?>
+<p:sld xmlns:a="http://schemas.openxmlformats.org/drawingml/2006/main" xmlns:r="http://schemas.openxmlformats.org/officeDocument/2006/relationships" xmlns:p="http://schemas.openxmlformats.org/presentationml/2006/main">
+  <p:cSld>
+    <p:spTree>
+      <p:nvGrpSpPr>
+        <p:cNvPr id="1" name=""/>
+        <p:cNvGrpSpPr/>
+        <p:nvPr/>
+      </p:nvGrpSpPr>
+      <p:grpSpPr>
+        <a:xfrm>
+          <a:off x="0" y="0"/>
+          <a:ext cx="0" cy="0"/>
+          <a:chOff x="0" y="0"/>
+          <a:chExt cx="0" cy="0"/>
+        </a:xfrm>
+      </p:grpSpPr>
+      <p:sp>
+        <p:nvSpPr>
+          <p:cNvPr id="2" name="Title 1"/>
+          <p:cNvSpPr>
+            <a:spLocks noGrp="1"/>
+          </p:cNvSpPr>
+          <p:nvPr>
+            <p:ph type="title"/>
+          </p:nvPr>
+        </p:nvSpPr>
+        <p:spPr/>
+        <p:txBody>
           <a:bodyPr>
             <a:normAutofit/>
           </a:bodyPr>
@@ -9945,7 +10695,7 @@
 </p:sld>
 </file>
 
-<file path=ppt/slides/slide11.xml><?xml version="1.0" encoding="utf-8"?>
+<file path=ppt/slides/slide13.xml><?xml version="1.0" encoding="utf-8"?>
 <p:sld xmlns:a="http://schemas.openxmlformats.org/drawingml/2006/main" xmlns:r="http://schemas.openxmlformats.org/officeDocument/2006/relationships" xmlns:p="http://schemas.openxmlformats.org/presentationml/2006/main">
   <p:cSld>
     <p:spTree>
@@ -10035,7 +10785,7 @@
 </p:sld>
 </file>
 
-<file path=ppt/slides/slide12.xml><?xml version="1.0" encoding="utf-8"?>
+<file path=ppt/slides/slide14.xml><?xml version="1.0" encoding="utf-8"?>
 <p:sld xmlns:a="http://schemas.openxmlformats.org/drawingml/2006/main" xmlns:r="http://schemas.openxmlformats.org/officeDocument/2006/relationships" xmlns:p="http://schemas.openxmlformats.org/presentationml/2006/main">
   <p:cSld>
     <p:spTree>
@@ -10132,7 +10882,7 @@
 </p:sld>
 </file>
 
-<file path=ppt/slides/slide13.xml><?xml version="1.0" encoding="utf-8"?>
+<file path=ppt/slides/slide15.xml><?xml version="1.0" encoding="utf-8"?>
 <p:sld xmlns:a="http://schemas.openxmlformats.org/drawingml/2006/main" xmlns:r="http://schemas.openxmlformats.org/officeDocument/2006/relationships" xmlns:p="http://schemas.openxmlformats.org/presentationml/2006/main">
   <p:cSld>
     <p:spTree>
@@ -10250,7 +11000,7 @@
 </p:sld>
 </file>
 
-<file path=ppt/slides/slide14.xml><?xml version="1.0" encoding="utf-8"?>
+<file path=ppt/slides/slide16.xml><?xml version="1.0" encoding="utf-8"?>
 <p:sld xmlns:a="http://schemas.openxmlformats.org/drawingml/2006/main" xmlns:r="http://schemas.openxmlformats.org/officeDocument/2006/relationships" xmlns:p="http://schemas.openxmlformats.org/presentationml/2006/main">
   <p:cSld>
     <p:spTree>
@@ -10366,7 +11116,7 @@
 </p:sld>
 </file>
 
-<file path=ppt/slides/slide15.xml><?xml version="1.0" encoding="utf-8"?>
+<file path=ppt/slides/slide17.xml><?xml version="1.0" encoding="utf-8"?>
 <p:sld xmlns:a="http://schemas.openxmlformats.org/drawingml/2006/main" xmlns:r="http://schemas.openxmlformats.org/officeDocument/2006/relationships" xmlns:p="http://schemas.openxmlformats.org/presentationml/2006/main" showMasterSp="0">
   <p:cSld>
     <p:spTree>
@@ -10744,6 +11494,145 @@
           <a:chExt cx="0" cy="0"/>
         </a:xfrm>
       </p:grpSpPr>
+      <p:pic>
+        <p:nvPicPr>
+          <p:cNvPr id="1026" name="Picture 2" descr="http://www.duncannisbet.co.uk/wp-content/uploads/2014/04/DomainDrivenDesign.jpeg"/>
+          <p:cNvPicPr>
+            <a:picLocks noChangeAspect="1" noChangeArrowheads="1"/>
+          </p:cNvPicPr>
+          <p:nvPr/>
+        </p:nvPicPr>
+        <p:blipFill>
+          <a:blip r:embed="rId3">
+            <a:extLst>
+              <a:ext uri="{28A0092B-C50C-407E-A947-70E740481C1C}">
+                <a14:useLocalDpi xmlns:a14="http://schemas.microsoft.com/office/drawing/2010/main" val="0"/>
+              </a:ext>
+            </a:extLst>
+          </a:blip>
+          <a:srcRect/>
+          <a:stretch>
+            <a:fillRect/>
+          </a:stretch>
+        </p:blipFill>
+        <p:spPr bwMode="auto">
+          <a:xfrm>
+            <a:off x="2771800" y="409228"/>
+            <a:ext cx="3322340" cy="4392134"/>
+          </a:xfrm>
+          <a:prstGeom prst="rect">
+            <a:avLst/>
+          </a:prstGeom>
+          <a:noFill/>
+          <a:extLst>
+            <a:ext uri="{909E8E84-426E-40DD-AFC4-6F175D3DCCD1}">
+              <a14:hiddenFill xmlns:a14="http://schemas.microsoft.com/office/drawing/2010/main">
+                <a:solidFill>
+                  <a:srgbClr val="FFFFFF"/>
+                </a:solidFill>
+              </a14:hiddenFill>
+            </a:ext>
+          </a:extLst>
+        </p:spPr>
+      </p:pic>
+    </p:spTree>
+    <p:extLst>
+      <p:ext uri="{BB962C8B-B14F-4D97-AF65-F5344CB8AC3E}">
+        <p14:creationId xmlns:p14="http://schemas.microsoft.com/office/powerpoint/2010/main" val="1813481210"/>
+      </p:ext>
+    </p:extLst>
+  </p:cSld>
+  <p:clrMapOvr>
+    <a:masterClrMapping/>
+  </p:clrMapOvr>
+  <p:timing>
+    <p:tnLst>
+      <p:par>
+        <p:cTn id="1" dur="indefinite" restart="never" nodeType="tmRoot"/>
+      </p:par>
+    </p:tnLst>
+  </p:timing>
+</p:sld>
+</file>
+
+<file path=ppt/slides/slide5.xml><?xml version="1.0" encoding="utf-8"?>
+<p:sld xmlns:a="http://schemas.openxmlformats.org/drawingml/2006/main" xmlns:r="http://schemas.openxmlformats.org/officeDocument/2006/relationships" xmlns:p="http://schemas.openxmlformats.org/presentationml/2006/main">
+  <p:cSld>
+    <p:spTree>
+      <p:nvGrpSpPr>
+        <p:cNvPr id="1" name=""/>
+        <p:cNvGrpSpPr/>
+        <p:nvPr/>
+      </p:nvGrpSpPr>
+      <p:grpSpPr>
+        <a:xfrm>
+          <a:off x="0" y="0"/>
+          <a:ext cx="0" cy="0"/>
+          <a:chOff x="0" y="0"/>
+          <a:chExt cx="0" cy="0"/>
+        </a:xfrm>
+      </p:grpSpPr>
+      <p:pic>
+        <p:nvPicPr>
+          <p:cNvPr id="4" name="Picture 3"/>
+          <p:cNvPicPr>
+            <a:picLocks noChangeAspect="1"/>
+          </p:cNvPicPr>
+          <p:nvPr/>
+        </p:nvPicPr>
+        <p:blipFill>
+          <a:blip r:embed="rId3"/>
+          <a:stretch>
+            <a:fillRect/>
+          </a:stretch>
+        </p:blipFill>
+        <p:spPr>
+          <a:xfrm>
+            <a:off x="2771800" y="337220"/>
+            <a:ext cx="3456384" cy="4714508"/>
+          </a:xfrm>
+          <a:prstGeom prst="rect">
+            <a:avLst/>
+          </a:prstGeom>
+        </p:spPr>
+      </p:pic>
+    </p:spTree>
+    <p:extLst>
+      <p:ext uri="{BB962C8B-B14F-4D97-AF65-F5344CB8AC3E}">
+        <p14:creationId xmlns:p14="http://schemas.microsoft.com/office/powerpoint/2010/main" val="1726802745"/>
+      </p:ext>
+    </p:extLst>
+  </p:cSld>
+  <p:clrMapOvr>
+    <a:masterClrMapping/>
+  </p:clrMapOvr>
+  <p:timing>
+    <p:tnLst>
+      <p:par>
+        <p:cTn id="1" dur="indefinite" restart="never" nodeType="tmRoot"/>
+      </p:par>
+    </p:tnLst>
+  </p:timing>
+</p:sld>
+</file>
+
+<file path=ppt/slides/slide6.xml><?xml version="1.0" encoding="utf-8"?>
+<p:sld xmlns:a="http://schemas.openxmlformats.org/drawingml/2006/main" xmlns:r="http://schemas.openxmlformats.org/officeDocument/2006/relationships" xmlns:p="http://schemas.openxmlformats.org/presentationml/2006/main">
+  <p:cSld>
+    <p:spTree>
+      <p:nvGrpSpPr>
+        <p:cNvPr id="1" name=""/>
+        <p:cNvGrpSpPr/>
+        <p:nvPr/>
+      </p:nvGrpSpPr>
+      <p:grpSpPr>
+        <a:xfrm>
+          <a:off x="0" y="0"/>
+          <a:ext cx="0" cy="0"/>
+          <a:chOff x="0" y="0"/>
+          <a:chExt cx="0" cy="0"/>
+        </a:xfrm>
+      </p:grpSpPr>
       <p:sp>
         <p:nvSpPr>
           <p:cNvPr id="2" name="Title 1"/>
@@ -10867,7 +11756,7 @@
 </p:sld>
 </file>
 
-<file path=ppt/slides/slide5.xml><?xml version="1.0" encoding="utf-8"?>
+<file path=ppt/slides/slide7.xml><?xml version="1.0" encoding="utf-8"?>
 <p:sld xmlns:a="http://schemas.openxmlformats.org/drawingml/2006/main" xmlns:r="http://schemas.openxmlformats.org/officeDocument/2006/relationships" xmlns:p="http://schemas.openxmlformats.org/presentationml/2006/main">
   <p:cSld>
     <p:spTree>
@@ -11196,7 +12085,7 @@
 </p:sld>
 </file>
 
-<file path=ppt/slides/slide6.xml><?xml version="1.0" encoding="utf-8"?>
+<file path=ppt/slides/slide8.xml><?xml version="1.0" encoding="utf-8"?>
 <p:sld xmlns:a="http://schemas.openxmlformats.org/drawingml/2006/main" xmlns:r="http://schemas.openxmlformats.org/officeDocument/2006/relationships" xmlns:p="http://schemas.openxmlformats.org/presentationml/2006/main">
   <p:cSld>
     <p:spTree>
@@ -11654,7 +12543,7 @@
 </p:sld>
 </file>
 
-<file path=ppt/slides/slide7.xml><?xml version="1.0" encoding="utf-8"?>
+<file path=ppt/slides/slide9.xml><?xml version="1.0" encoding="utf-8"?>
 <p:sld xmlns:a="http://schemas.openxmlformats.org/drawingml/2006/main" xmlns:r="http://schemas.openxmlformats.org/officeDocument/2006/relationships" xmlns:p="http://schemas.openxmlformats.org/presentationml/2006/main">
   <p:cSld>
     <p:spTree>
@@ -12044,252 +12933,6 @@
     <p:bldLst>
       <p:bldP spid="3" grpId="0" build="p"/>
     </p:bldLst>
-  </p:timing>
-</p:sld>
-</file>
-
-<file path=ppt/slides/slide8.xml><?xml version="1.0" encoding="utf-8"?>
-<p:sld xmlns:a="http://schemas.openxmlformats.org/drawingml/2006/main" xmlns:r="http://schemas.openxmlformats.org/officeDocument/2006/relationships" xmlns:p="http://schemas.openxmlformats.org/presentationml/2006/main">
-  <p:cSld>
-    <p:spTree>
-      <p:nvGrpSpPr>
-        <p:cNvPr id="1" name=""/>
-        <p:cNvGrpSpPr/>
-        <p:nvPr/>
-      </p:nvGrpSpPr>
-      <p:grpSpPr>
-        <a:xfrm>
-          <a:off x="0" y="0"/>
-          <a:ext cx="0" cy="0"/>
-          <a:chOff x="0" y="0"/>
-          <a:chExt cx="0" cy="0"/>
-        </a:xfrm>
-      </p:grpSpPr>
-      <p:sp>
-        <p:nvSpPr>
-          <p:cNvPr id="2" name="Title 1"/>
-          <p:cNvSpPr>
-            <a:spLocks noGrp="1"/>
-          </p:cNvSpPr>
-          <p:nvPr>
-            <p:ph type="title"/>
-          </p:nvPr>
-        </p:nvSpPr>
-        <p:spPr/>
-        <p:txBody>
-          <a:bodyPr/>
-          <a:lstStyle/>
-          <a:p>
-            <a:r>
-              <a:rPr lang="en-ZA" dirty="0" smtClean="0"/>
-              <a:t>Domain Structure - Entities</a:t>
-            </a:r>
-            <a:endParaRPr lang="en-ZA" dirty="0"/>
-          </a:p>
-        </p:txBody>
-      </p:sp>
-      <p:sp>
-        <p:nvSpPr>
-          <p:cNvPr id="3" name="Content Placeholder 2"/>
-          <p:cNvSpPr>
-            <a:spLocks noGrp="1"/>
-          </p:cNvSpPr>
-          <p:nvPr>
-            <p:ph idx="1"/>
-          </p:nvPr>
-        </p:nvSpPr>
-        <p:spPr/>
-        <p:txBody>
-          <a:bodyPr/>
-          <a:lstStyle/>
-          <a:p>
-            <a:endParaRPr lang="en-ZA" dirty="0" smtClean="0"/>
-          </a:p>
-          <a:p>
-            <a:r>
-              <a:rPr lang="en-ZA" dirty="0" smtClean="0"/>
-              <a:t>Known By Its Identity</a:t>
-            </a:r>
-          </a:p>
-          <a:p>
-            <a:endParaRPr lang="en-ZA" dirty="0" smtClean="0"/>
-          </a:p>
-          <a:p>
-            <a:r>
-              <a:rPr lang="en-ZA" dirty="0" smtClean="0">
-                <a:solidFill>
-                  <a:schemeClr val="tx1"/>
-                </a:solidFill>
-              </a:rPr>
-              <a:t>Responsible for </a:t>
-            </a:r>
-            <a:r>
-              <a:rPr lang="en-ZA" dirty="0">
-                <a:solidFill>
-                  <a:schemeClr val="tx1"/>
-                </a:solidFill>
-              </a:rPr>
-              <a:t>tracking it's state and the </a:t>
-            </a:r>
-            <a:r>
-              <a:rPr lang="en-ZA" dirty="0" smtClean="0">
-                <a:solidFill>
-                  <a:schemeClr val="tx1"/>
-                </a:solidFill>
-              </a:rPr>
-              <a:t>business rules</a:t>
-            </a:r>
-          </a:p>
-          <a:p>
-            <a:endParaRPr lang="en-US" dirty="0" smtClean="0">
-              <a:solidFill>
-                <a:schemeClr val="tx1"/>
-              </a:solidFill>
-            </a:endParaRPr>
-          </a:p>
-          <a:p>
-            <a:r>
-              <a:rPr lang="en-US" dirty="0" smtClean="0">
-                <a:solidFill>
-                  <a:schemeClr val="tx1"/>
-                </a:solidFill>
-              </a:rPr>
-              <a:t>Persists beyond application lifespan</a:t>
-            </a:r>
-            <a:endParaRPr lang="en-ZA" dirty="0">
-              <a:solidFill>
-                <a:schemeClr val="tx1"/>
-              </a:solidFill>
-            </a:endParaRPr>
-          </a:p>
-        </p:txBody>
-      </p:sp>
-    </p:spTree>
-    <p:extLst>
-      <p:ext uri="{BB962C8B-B14F-4D97-AF65-F5344CB8AC3E}">
-        <p14:creationId xmlns:p14="http://schemas.microsoft.com/office/powerpoint/2010/main" val="1868674325"/>
-      </p:ext>
-    </p:extLst>
-  </p:cSld>
-  <p:clrMapOvr>
-    <a:masterClrMapping/>
-  </p:clrMapOvr>
-  <p:timing>
-    <p:tnLst>
-      <p:par>
-        <p:cTn id="1" dur="indefinite" restart="never" nodeType="tmRoot"/>
-      </p:par>
-    </p:tnLst>
-  </p:timing>
-</p:sld>
-</file>
-
-<file path=ppt/slides/slide9.xml><?xml version="1.0" encoding="utf-8"?>
-<p:sld xmlns:a="http://schemas.openxmlformats.org/drawingml/2006/main" xmlns:r="http://schemas.openxmlformats.org/officeDocument/2006/relationships" xmlns:p="http://schemas.openxmlformats.org/presentationml/2006/main">
-  <p:cSld>
-    <p:spTree>
-      <p:nvGrpSpPr>
-        <p:cNvPr id="1" name=""/>
-        <p:cNvGrpSpPr/>
-        <p:nvPr/>
-      </p:nvGrpSpPr>
-      <p:grpSpPr>
-        <a:xfrm>
-          <a:off x="0" y="0"/>
-          <a:ext cx="0" cy="0"/>
-          <a:chOff x="0" y="0"/>
-          <a:chExt cx="0" cy="0"/>
-        </a:xfrm>
-      </p:grpSpPr>
-      <p:sp>
-        <p:nvSpPr>
-          <p:cNvPr id="2" name="Title 1"/>
-          <p:cNvSpPr>
-            <a:spLocks noGrp="1"/>
-          </p:cNvSpPr>
-          <p:nvPr>
-            <p:ph type="title"/>
-          </p:nvPr>
-        </p:nvSpPr>
-        <p:spPr/>
-        <p:txBody>
-          <a:bodyPr/>
-          <a:lstStyle/>
-          <a:p>
-            <a:r>
-              <a:rPr lang="en-ZA" dirty="0" smtClean="0"/>
-              <a:t>Domain Structure – Value Types</a:t>
-            </a:r>
-            <a:endParaRPr lang="en-ZA" dirty="0"/>
-          </a:p>
-        </p:txBody>
-      </p:sp>
-      <p:sp>
-        <p:nvSpPr>
-          <p:cNvPr id="3" name="Content Placeholder 2"/>
-          <p:cNvSpPr>
-            <a:spLocks noGrp="1"/>
-          </p:cNvSpPr>
-          <p:nvPr>
-            <p:ph idx="1"/>
-          </p:nvPr>
-        </p:nvSpPr>
-        <p:spPr/>
-        <p:txBody>
-          <a:bodyPr/>
-          <a:lstStyle/>
-          <a:p>
-            <a:endParaRPr lang="en-ZA" dirty="0" smtClean="0"/>
-          </a:p>
-          <a:p>
-            <a:r>
-              <a:rPr lang="en-ZA" dirty="0" smtClean="0"/>
-              <a:t>Known By Its Properties</a:t>
-            </a:r>
-          </a:p>
-          <a:p>
-            <a:endParaRPr lang="en-ZA" dirty="0" smtClean="0"/>
-          </a:p>
-          <a:p>
-            <a:r>
-              <a:rPr lang="en-ZA" dirty="0" smtClean="0"/>
-              <a:t>Immutable</a:t>
-            </a:r>
-          </a:p>
-          <a:p>
-            <a:endParaRPr lang="en-US" dirty="0"/>
-          </a:p>
-          <a:p>
-            <a:r>
-              <a:rPr lang="en-US" dirty="0" smtClean="0"/>
-              <a:t>Describes Characteristics of something</a:t>
-            </a:r>
-            <a:endParaRPr lang="en-ZA" dirty="0" smtClean="0"/>
-          </a:p>
-          <a:p>
-            <a:endParaRPr lang="en-US" dirty="0"/>
-          </a:p>
-          <a:p>
-            <a:endParaRPr lang="en-ZA" dirty="0"/>
-          </a:p>
-        </p:txBody>
-      </p:sp>
-    </p:spTree>
-    <p:extLst>
-      <p:ext uri="{BB962C8B-B14F-4D97-AF65-F5344CB8AC3E}">
-        <p14:creationId xmlns:p14="http://schemas.microsoft.com/office/powerpoint/2010/main" val="1851456671"/>
-      </p:ext>
-    </p:extLst>
-  </p:cSld>
-  <p:clrMapOvr>
-    <a:masterClrMapping/>
-  </p:clrMapOvr>
-  <p:timing>
-    <p:tnLst>
-      <p:par>
-        <p:cTn id="1" dur="indefinite" restart="never" nodeType="tmRoot"/>
-      </p:par>
-    </p:tnLst>
   </p:timing>
 </p:sld>
 </file>

--- a/Presentation.pptx
+++ b/Presentation.pptx
@@ -243,7 +243,7 @@
             <a:fld id="{2280EABA-BA46-4977-A468-5BA52A04D625}" type="datetimeFigureOut">
               <a:rPr lang="en-US" smtClean="0"/>
               <a:pPr/>
-              <a:t>4/10/2015</a:t>
+              <a:t>6/12/2015</a:t>
             </a:fld>
             <a:endParaRPr lang="en-US"/>
           </a:p>
@@ -410,7 +410,7 @@
             <a:fld id="{D9A4A4D6-0EB0-423B-8417-AC0C87E5E672}" type="datetimeFigureOut">
               <a:rPr lang="en-ZA" smtClean="0"/>
               <a:pPr/>
-              <a:t>2015/04/10</a:t>
+              <a:t>2015/06/12</a:t>
             </a:fld>
             <a:endParaRPr lang="en-ZA"/>
           </a:p>
@@ -840,8 +840,14 @@
                 <a:ea typeface="+mn-ea"/>
                 <a:cs typeface="+mn-cs"/>
               </a:rPr>
-              <a:t>Identity </a:t>
-            </a:r>
+              <a:t>Identity is not determined by object attributes</a:t>
+            </a:r>
+          </a:p>
+          <a:p>
+            <a:pPr marL="171450" indent="-171450">
+              <a:buFont typeface="Arial" panose="020B0604020202020204" pitchFamily="34" charset="0"/>
+              <a:buChar char="•"/>
+            </a:pPr>
             <a:r>
               <a:rPr lang="en-ZA" sz="1200" b="0" i="0" kern="1200" dirty="0" smtClean="0">
                 <a:solidFill>
@@ -852,7 +858,7 @@
                 <a:ea typeface="+mn-ea"/>
                 <a:cs typeface="+mn-cs"/>
               </a:rPr>
-              <a:t>is not determined by object attributes</a:t>
+              <a:t>An Entity has Identity as stated above</a:t>
             </a:r>
           </a:p>
           <a:p>
@@ -870,49 +876,7 @@
                 <a:ea typeface="+mn-ea"/>
                 <a:cs typeface="+mn-cs"/>
               </a:rPr>
-              <a:t>An </a:t>
-            </a:r>
-            <a:r>
-              <a:rPr lang="en-ZA" sz="1200" b="0" i="0" kern="1200" dirty="0" smtClean="0">
-                <a:solidFill>
-                  <a:schemeClr val="tx1"/>
-                </a:solidFill>
-                <a:effectLst/>
-                <a:latin typeface="+mn-lt"/>
-                <a:ea typeface="+mn-ea"/>
-                <a:cs typeface="+mn-cs"/>
-              </a:rPr>
-              <a:t>Entity has Identity as stated above</a:t>
-            </a:r>
-          </a:p>
-          <a:p>
-            <a:pPr marL="171450" indent="-171450">
-              <a:buFont typeface="Arial" panose="020B0604020202020204" pitchFamily="34" charset="0"/>
-              <a:buChar char="•"/>
-            </a:pPr>
-            <a:r>
-              <a:rPr lang="en-ZA" sz="1200" b="0" i="0" kern="1200" dirty="0" smtClean="0">
-                <a:solidFill>
-                  <a:schemeClr val="tx1"/>
-                </a:solidFill>
-                <a:effectLst/>
-                <a:latin typeface="+mn-lt"/>
-                <a:ea typeface="+mn-ea"/>
-                <a:cs typeface="+mn-cs"/>
-              </a:rPr>
-              <a:t>An </a:t>
-            </a:r>
-            <a:r>
-              <a:rPr lang="en-ZA" sz="1200" b="0" i="0" kern="1200" dirty="0" smtClean="0">
-                <a:solidFill>
-                  <a:schemeClr val="tx1"/>
-                </a:solidFill>
-                <a:effectLst/>
-                <a:latin typeface="+mn-lt"/>
-                <a:ea typeface="+mn-ea"/>
-                <a:cs typeface="+mn-cs"/>
-              </a:rPr>
-              <a:t>Entity is responsible for tracking it's state and the rules regulating it's lifecycle</a:t>
+              <a:t>An Entity is responsible for tracking it's state and the rules regulating it's lifecycle</a:t>
             </a:r>
           </a:p>
           <a:p>
@@ -930,19 +894,7 @@
                 <a:ea typeface="+mn-ea"/>
                 <a:cs typeface="+mn-cs"/>
               </a:rPr>
-              <a:t>Encapsulates </a:t>
-            </a:r>
-            <a:r>
-              <a:rPr lang="en-US" sz="1200" b="0" i="0" kern="1200" dirty="0" smtClean="0">
-                <a:solidFill>
-                  <a:schemeClr val="tx1"/>
-                </a:solidFill>
-                <a:effectLst/>
-                <a:latin typeface="+mn-lt"/>
-                <a:ea typeface="+mn-ea"/>
-                <a:cs typeface="+mn-cs"/>
-              </a:rPr>
-              <a:t>all the data and business rules</a:t>
+              <a:t>Encapsulates all the data and business rules</a:t>
             </a:r>
             <a:endParaRPr lang="en-ZA" sz="1200" b="0" i="0" kern="1200" dirty="0" smtClean="0">
               <a:solidFill>
@@ -981,19 +933,7 @@
                 <a:ea typeface="+mn-ea"/>
                 <a:cs typeface="+mn-cs"/>
               </a:rPr>
-              <a:t> </a:t>
-            </a:r>
-            <a:r>
-              <a:rPr lang="en-ZA" sz="1200" b="0" i="0" kern="1200" baseline="0" dirty="0" smtClean="0">
-                <a:solidFill>
-                  <a:schemeClr val="tx1"/>
-                </a:solidFill>
-                <a:effectLst/>
-                <a:latin typeface="+mn-lt"/>
-                <a:ea typeface="+mn-ea"/>
-                <a:cs typeface="+mn-cs"/>
-              </a:rPr>
-              <a:t>is usually an </a:t>
+              <a:t> is usually an </a:t>
             </a:r>
             <a:r>
               <a:rPr lang="en-ZA" sz="1200" b="0" i="0" kern="1200" baseline="0" dirty="0" err="1" smtClean="0">
@@ -1168,19 +1108,7 @@
                 <a:ea typeface="+mn-ea"/>
                 <a:cs typeface="+mn-cs"/>
               </a:rPr>
-              <a:t>Primitives </a:t>
-            </a:r>
-            <a:r>
-              <a:rPr lang="en-US" sz="1200" b="0" i="0" kern="1200" dirty="0" smtClean="0">
-                <a:solidFill>
-                  <a:schemeClr val="tx1"/>
-                </a:solidFill>
-                <a:effectLst/>
-                <a:latin typeface="+mn-lt"/>
-                <a:ea typeface="+mn-ea"/>
-                <a:cs typeface="+mn-cs"/>
-              </a:rPr>
-              <a:t>and </a:t>
+              <a:t>Primitives and </a:t>
             </a:r>
             <a:r>
               <a:rPr lang="en-US" sz="1200" b="0" i="0" kern="1200" dirty="0" err="1" smtClean="0">
@@ -1223,11 +1151,7 @@
             </a:pPr>
             <a:r>
               <a:rPr lang="en-ZA" dirty="0" smtClean="0"/>
-              <a:t>Value </a:t>
-            </a:r>
-            <a:r>
-              <a:rPr lang="en-ZA" dirty="0" smtClean="0"/>
-              <a:t>objects are immutable.</a:t>
+              <a:t>Value objects are immutable.</a:t>
             </a:r>
           </a:p>
           <a:p>
@@ -1463,29 +1387,8 @@
                 <a:ea typeface="+mn-ea"/>
                 <a:cs typeface="+mn-cs"/>
               </a:rPr>
-              <a:t>The boundary(B on the image) defines the contents of the aggregate. It is also the barrier between the aggregate contents and the rest of the application. Nothing outside the boundary can keep a reference to anything inside the boundary</a:t>
-            </a:r>
-            <a:r>
-              <a:rPr lang="en-ZA" sz="1200" b="0" i="0" kern="1200" dirty="0" smtClean="0">
-                <a:solidFill>
-                  <a:schemeClr val="tx1"/>
-                </a:solidFill>
-                <a:effectLst/>
-                <a:latin typeface="+mn-lt"/>
-                <a:ea typeface="+mn-ea"/>
-                <a:cs typeface="+mn-cs"/>
-              </a:rPr>
-              <a:t>.</a:t>
-            </a:r>
-            <a:endParaRPr lang="en-ZA" sz="1200" b="0" i="0" kern="1200" dirty="0" smtClean="0">
-              <a:solidFill>
-                <a:schemeClr val="tx1"/>
-              </a:solidFill>
-              <a:effectLst/>
-              <a:latin typeface="+mn-lt"/>
-              <a:ea typeface="+mn-ea"/>
-              <a:cs typeface="+mn-cs"/>
-            </a:endParaRPr>
+              <a:t>The boundary(B on the image) defines the contents of the aggregate. It is also the barrier between the aggregate contents and the rest of the application. Nothing outside the boundary can keep a reference to anything inside the boundary.</a:t>
+            </a:r>
           </a:p>
           <a:p>
             <a:pPr marL="171450" indent="-171450">
@@ -1514,8 +1417,14 @@
                 <a:ea typeface="+mn-ea"/>
                 <a:cs typeface="+mn-cs"/>
               </a:rPr>
-              <a:t> the aggregate to do work for us</a:t>
-            </a:r>
+              <a:t> the aggregate to do work for us.</a:t>
+            </a:r>
+          </a:p>
+          <a:p>
+            <a:pPr marL="171450" indent="-171450">
+              <a:buFont typeface="Arial" panose="020B0604020202020204" pitchFamily="34" charset="0"/>
+              <a:buChar char="•"/>
+            </a:pPr>
             <a:r>
               <a:rPr lang="en-ZA" sz="1200" b="0" i="0" kern="1200" baseline="0" dirty="0" smtClean="0">
                 <a:solidFill>
@@ -1526,46 +1435,7 @@
                 <a:ea typeface="+mn-ea"/>
                 <a:cs typeface="+mn-cs"/>
               </a:rPr>
-              <a:t>.</a:t>
-            </a:r>
-            <a:endParaRPr lang="en-ZA" sz="1200" b="0" i="0" kern="1200" baseline="0" dirty="0" smtClean="0">
-              <a:solidFill>
-                <a:schemeClr val="tx1"/>
-              </a:solidFill>
-              <a:effectLst/>
-              <a:latin typeface="+mn-lt"/>
-              <a:ea typeface="+mn-ea"/>
-              <a:cs typeface="+mn-cs"/>
-            </a:endParaRPr>
-          </a:p>
-          <a:p>
-            <a:pPr marL="171450" indent="-171450">
-              <a:buFont typeface="Arial" panose="020B0604020202020204" pitchFamily="34" charset="0"/>
-              <a:buChar char="•"/>
-            </a:pPr>
-            <a:r>
-              <a:rPr lang="en-ZA" sz="1200" b="0" i="0" kern="1200" baseline="0" dirty="0" smtClean="0">
-                <a:solidFill>
-                  <a:schemeClr val="tx1"/>
-                </a:solidFill>
-                <a:effectLst/>
-                <a:latin typeface="+mn-lt"/>
-                <a:ea typeface="+mn-ea"/>
-                <a:cs typeface="+mn-cs"/>
-              </a:rPr>
-              <a:t>We either make a new aggregate, from another aggregate or a factory. Or get a valid aggregate from a </a:t>
-            </a:r>
-            <a:r>
-              <a:rPr lang="en-ZA" sz="1200" b="0" i="0" kern="1200" baseline="0" dirty="0" smtClean="0">
-                <a:solidFill>
-                  <a:schemeClr val="tx1"/>
-                </a:solidFill>
-                <a:effectLst/>
-                <a:latin typeface="+mn-lt"/>
-                <a:ea typeface="+mn-ea"/>
-                <a:cs typeface="+mn-cs"/>
-              </a:rPr>
-              <a:t>Repository</a:t>
+              <a:t>We either make a new aggregate, from another aggregate or a factory. Or get a valid aggregate from a Repository</a:t>
             </a:r>
             <a:endParaRPr lang="en-US" sz="1200" b="0" i="0" kern="1200" baseline="0" dirty="0" smtClean="0">
               <a:solidFill>
@@ -1592,29 +1462,8 @@
                 <a:ea typeface="+mn-ea"/>
                 <a:cs typeface="+mn-cs"/>
               </a:rPr>
-              <a:t>Synthetic vs natural </a:t>
-            </a:r>
-            <a:r>
-              <a:rPr lang="en-US" sz="1200" b="0" i="0" kern="1200" baseline="0" dirty="0" smtClean="0">
-                <a:solidFill>
-                  <a:schemeClr val="tx1"/>
-                </a:solidFill>
-                <a:effectLst/>
-                <a:latin typeface="+mn-lt"/>
-                <a:ea typeface="+mn-ea"/>
-                <a:cs typeface="+mn-cs"/>
-              </a:rPr>
-              <a:t>aggregate</a:t>
-            </a:r>
-            <a:endParaRPr lang="en-US" sz="1200" b="0" i="0" kern="1200" baseline="0" dirty="0" smtClean="0">
-              <a:solidFill>
-                <a:schemeClr val="tx1"/>
-              </a:solidFill>
-              <a:effectLst/>
-              <a:latin typeface="+mn-lt"/>
-              <a:ea typeface="+mn-ea"/>
-              <a:cs typeface="+mn-cs"/>
-            </a:endParaRPr>
+              <a:t>Synthetic vs natural aggregate</a:t>
+            </a:r>
           </a:p>
           <a:p>
             <a:pPr marL="171450" indent="-171450">
@@ -1748,19 +1597,11 @@
             </a:pPr>
             <a:r>
               <a:rPr lang="en-ZA" dirty="0" smtClean="0"/>
-              <a:t>The </a:t>
-            </a:r>
-            <a:r>
-              <a:rPr lang="en-ZA" dirty="0" smtClean="0"/>
-              <a:t>reason for this boundary is to highlight that</a:t>
+              <a:t>The reason for this boundary is to highlight that</a:t>
             </a:r>
             <a:r>
               <a:rPr lang="en-ZA" baseline="0" dirty="0" smtClean="0"/>
-              <a:t> every use of a given domain term, phrase or sentence (The U L) inside the boundary has a specific contextual meaning</a:t>
-            </a:r>
-            <a:r>
-              <a:rPr lang="en-ZA" baseline="0" dirty="0" smtClean="0"/>
-              <a:t>.</a:t>
+              <a:t> every use of a given domain term, phrase or sentence (The U L) inside the boundary has a specific contextual meaning.</a:t>
             </a:r>
             <a:endParaRPr lang="en-US" dirty="0" smtClean="0"/>
           </a:p>
@@ -2697,11 +2538,7 @@
             </a:r>
             <a:r>
               <a:rPr lang="en-ZA" baseline="0" dirty="0" smtClean="0"/>
-              <a:t> </a:t>
-            </a:r>
-            <a:r>
-              <a:rPr lang="en-ZA" baseline="0" dirty="0" smtClean="0"/>
-              <a:t>developers</a:t>
+              <a:t> developers</a:t>
             </a:r>
           </a:p>
           <a:p>
@@ -3284,7 +3121,7 @@
             <a:fld id="{986C9EB5-A2B4-494A-8466-BDB12800E3A8}" type="datetimeFigureOut">
               <a:rPr lang="en-ZA" smtClean="0"/>
               <a:pPr/>
-              <a:t>2015/04/10</a:t>
+              <a:t>2015/06/12</a:t>
             </a:fld>
             <a:endParaRPr lang="en-ZA"/>
           </a:p>
@@ -3480,7 +3317,7 @@
             <a:fld id="{986C9EB5-A2B4-494A-8466-BDB12800E3A8}" type="datetimeFigureOut">
               <a:rPr lang="en-ZA" smtClean="0"/>
               <a:pPr/>
-              <a:t>2015/04/10</a:t>
+              <a:t>2015/06/12</a:t>
             </a:fld>
             <a:endParaRPr lang="en-ZA"/>
           </a:p>
@@ -3693,7 +3530,7 @@
             <a:fld id="{986C9EB5-A2B4-494A-8466-BDB12800E3A8}" type="datetimeFigureOut">
               <a:rPr lang="en-ZA" smtClean="0"/>
               <a:pPr/>
-              <a:t>2015/04/10</a:t>
+              <a:t>2015/06/12</a:t>
             </a:fld>
             <a:endParaRPr lang="en-ZA"/>
           </a:p>
@@ -3972,7 +3809,7 @@
                 </a:solidFill>
               </a:rPr>
               <a:pPr/>
-              <a:t>2015/04/10</a:t>
+              <a:t>2015/06/12</a:t>
             </a:fld>
             <a:endParaRPr lang="en-ZA">
               <a:solidFill>
@@ -4217,7 +4054,7 @@
                 </a:solidFill>
               </a:rPr>
               <a:pPr/>
-              <a:t>2015/04/10</a:t>
+              <a:t>2015/06/12</a:t>
             </a:fld>
             <a:endParaRPr lang="en-ZA" dirty="0">
               <a:solidFill>
@@ -4530,7 +4367,7 @@
                 </a:solidFill>
               </a:rPr>
               <a:pPr/>
-              <a:t>2015/04/10</a:t>
+              <a:t>2015/06/12</a:t>
             </a:fld>
             <a:endParaRPr lang="en-ZA">
               <a:solidFill>
@@ -4864,7 +4701,7 @@
                 </a:solidFill>
               </a:rPr>
               <a:pPr/>
-              <a:t>2015/04/10</a:t>
+              <a:t>2015/06/12</a:t>
             </a:fld>
             <a:endParaRPr lang="en-ZA">
               <a:solidFill>
@@ -5332,7 +5169,7 @@
                 </a:solidFill>
               </a:rPr>
               <a:pPr/>
-              <a:t>2015/04/10</a:t>
+              <a:t>2015/06/12</a:t>
             </a:fld>
             <a:endParaRPr lang="en-ZA">
               <a:solidFill>
@@ -5496,7 +5333,7 @@
                 </a:solidFill>
               </a:rPr>
               <a:pPr/>
-              <a:t>2015/04/10</a:t>
+              <a:t>2015/06/12</a:t>
             </a:fld>
             <a:endParaRPr lang="en-ZA">
               <a:solidFill>
@@ -5644,7 +5481,7 @@
                 </a:solidFill>
               </a:rPr>
               <a:pPr/>
-              <a:t>2015/04/10</a:t>
+              <a:t>2015/06/12</a:t>
             </a:fld>
             <a:endParaRPr lang="en-ZA">
               <a:solidFill>
@@ -5974,7 +5811,7 @@
                 </a:solidFill>
               </a:rPr>
               <a:pPr/>
-              <a:t>2015/04/10</a:t>
+              <a:t>2015/06/12</a:t>
             </a:fld>
             <a:endParaRPr lang="en-ZA">
               <a:solidFill>
@@ -6222,7 +6059,7 @@
             <a:fld id="{986C9EB5-A2B4-494A-8466-BDB12800E3A8}" type="datetimeFigureOut">
               <a:rPr lang="en-ZA" smtClean="0"/>
               <a:pPr/>
-              <a:t>2015/04/10</a:t>
+              <a:t>2015/06/12</a:t>
             </a:fld>
             <a:endParaRPr lang="en-ZA" dirty="0"/>
           </a:p>
@@ -6526,7 +6363,7 @@
                 </a:solidFill>
               </a:rPr>
               <a:pPr/>
-              <a:t>2015/04/10</a:t>
+              <a:t>2015/06/12</a:t>
             </a:fld>
             <a:endParaRPr lang="en-ZA">
               <a:solidFill>
@@ -6749,7 +6586,7 @@
                 </a:solidFill>
               </a:rPr>
               <a:pPr/>
-              <a:t>2015/04/10</a:t>
+              <a:t>2015/06/12</a:t>
             </a:fld>
             <a:endParaRPr lang="en-ZA">
               <a:solidFill>
@@ -6982,7 +6819,7 @@
                 </a:solidFill>
               </a:rPr>
               <a:pPr/>
-              <a:t>2015/04/10</a:t>
+              <a:t>2015/06/12</a:t>
             </a:fld>
             <a:endParaRPr lang="en-ZA">
               <a:solidFill>
@@ -7498,7 +7335,7 @@
             <a:fld id="{986C9EB5-A2B4-494A-8466-BDB12800E3A8}" type="datetimeFigureOut">
               <a:rPr lang="en-ZA" smtClean="0"/>
               <a:pPr/>
-              <a:t>2015/04/10</a:t>
+              <a:t>2015/06/12</a:t>
             </a:fld>
             <a:endParaRPr lang="en-ZA"/>
           </a:p>
@@ -7812,7 +7649,7 @@
             <a:fld id="{986C9EB5-A2B4-494A-8466-BDB12800E3A8}" type="datetimeFigureOut">
               <a:rPr lang="en-ZA" smtClean="0"/>
               <a:pPr/>
-              <a:t>2015/04/10</a:t>
+              <a:t>2015/06/12</a:t>
             </a:fld>
             <a:endParaRPr lang="en-ZA"/>
           </a:p>
@@ -8260,7 +8097,7 @@
             <a:fld id="{986C9EB5-A2B4-494A-8466-BDB12800E3A8}" type="datetimeFigureOut">
               <a:rPr lang="en-ZA" smtClean="0"/>
               <a:pPr/>
-              <a:t>2015/04/10</a:t>
+              <a:t>2015/06/12</a:t>
             </a:fld>
             <a:endParaRPr lang="en-ZA"/>
           </a:p>
@@ -8404,7 +8241,7 @@
             <a:fld id="{986C9EB5-A2B4-494A-8466-BDB12800E3A8}" type="datetimeFigureOut">
               <a:rPr lang="en-ZA" smtClean="0"/>
               <a:pPr/>
-              <a:t>2015/04/10</a:t>
+              <a:t>2015/06/12</a:t>
             </a:fld>
             <a:endParaRPr lang="en-ZA"/>
           </a:p>
@@ -8532,7 +8369,7 @@
             <a:fld id="{986C9EB5-A2B4-494A-8466-BDB12800E3A8}" type="datetimeFigureOut">
               <a:rPr lang="en-ZA" smtClean="0"/>
               <a:pPr/>
-              <a:t>2015/04/10</a:t>
+              <a:t>2015/06/12</a:t>
             </a:fld>
             <a:endParaRPr lang="en-ZA"/>
           </a:p>
@@ -8842,7 +8679,7 @@
             <a:fld id="{986C9EB5-A2B4-494A-8466-BDB12800E3A8}" type="datetimeFigureOut">
               <a:rPr lang="en-ZA" smtClean="0"/>
               <a:pPr/>
-              <a:t>2015/04/10</a:t>
+              <a:t>2015/06/12</a:t>
             </a:fld>
             <a:endParaRPr lang="en-ZA"/>
           </a:p>
@@ -9128,7 +8965,7 @@
             <a:fld id="{986C9EB5-A2B4-494A-8466-BDB12800E3A8}" type="datetimeFigureOut">
               <a:rPr lang="en-ZA" smtClean="0"/>
               <a:pPr/>
-              <a:t>2015/04/10</a:t>
+              <a:t>2015/06/12</a:t>
             </a:fld>
             <a:endParaRPr lang="en-ZA"/>
           </a:p>
@@ -10393,9 +10230,16 @@
             <a:endParaRPr lang="en-ZA" dirty="0" smtClean="0"/>
           </a:p>
           <a:p>
+            <a:endParaRPr lang="en-ZA" dirty="0" smtClean="0"/>
+          </a:p>
+          <a:p>
             <a:r>
               <a:rPr lang="en-ZA" dirty="0" smtClean="0"/>
-              <a:t>Known By Its Identity</a:t>
+              <a:t>Known </a:t>
+            </a:r>
+            <a:r>
+              <a:rPr lang="en-ZA" dirty="0" smtClean="0"/>
+              <a:t>By Its Identity</a:t>
             </a:r>
           </a:p>
           <a:p>
@@ -10529,9 +10373,16 @@
             <a:endParaRPr lang="en-ZA" dirty="0" smtClean="0"/>
           </a:p>
           <a:p>
+            <a:endParaRPr lang="en-ZA" dirty="0" smtClean="0"/>
+          </a:p>
+          <a:p>
             <a:r>
               <a:rPr lang="en-ZA" dirty="0" smtClean="0"/>
-              <a:t>Known By Its Properties</a:t>
+              <a:t>Known </a:t>
+            </a:r>
+            <a:r>
+              <a:rPr lang="en-ZA" dirty="0" smtClean="0"/>
+              <a:t>By Its Properties</a:t>
             </a:r>
           </a:p>
           <a:p>
@@ -10649,10 +10500,14 @@
             <a:endParaRPr lang="en-ZA" dirty="0" smtClean="0"/>
           </a:p>
           <a:p>
+            <a:endParaRPr lang="en-ZA" dirty="0" smtClean="0"/>
+          </a:p>
+          <a:p>
             <a:r>
               <a:rPr lang="en-ZA" dirty="0" smtClean="0"/>
               <a:t>Boundary</a:t>
             </a:r>
+            <a:endParaRPr lang="en-ZA" dirty="0" smtClean="0"/>
           </a:p>
           <a:p>
             <a:endParaRPr lang="en-ZA" dirty="0" smtClean="0"/>
@@ -11825,9 +11680,16 @@
             <a:endParaRPr lang="en-US" dirty="0"/>
           </a:p>
           <a:p>
+            <a:endParaRPr lang="en-US" dirty="0" smtClean="0"/>
+          </a:p>
+          <a:p>
             <a:r>
               <a:rPr lang="en-US" dirty="0" smtClean="0"/>
-              <a:t>Modelling Out Loud</a:t>
+              <a:t>Modelling </a:t>
+            </a:r>
+            <a:r>
+              <a:rPr lang="en-US" dirty="0" smtClean="0"/>
+              <a:t>Out Loud</a:t>
             </a:r>
           </a:p>
           <a:p>
@@ -11902,7 +11764,7 @@
                                         <p:tgtEl>
                                           <p:spTgt spid="3">
                                             <p:txEl>
-                                              <p:pRg st="1" end="1"/>
+                                              <p:pRg st="2" end="2"/>
                                             </p:txEl>
                                           </p:spTgt>
                                         </p:tgtEl>
@@ -11920,7 +11782,7 @@
                                         <p:tgtEl>
                                           <p:spTgt spid="3">
                                             <p:txEl>
-                                              <p:pRg st="1" end="1"/>
+                                              <p:pRg st="2" end="2"/>
                                             </p:txEl>
                                           </p:spTgt>
                                         </p:tgtEl>
@@ -11963,7 +11825,7 @@
                                         <p:tgtEl>
                                           <p:spTgt spid="3">
                                             <p:txEl>
-                                              <p:pRg st="3" end="3"/>
+                                              <p:pRg st="4" end="4"/>
                                             </p:txEl>
                                           </p:spTgt>
                                         </p:tgtEl>
@@ -11981,7 +11843,7 @@
                                         <p:tgtEl>
                                           <p:spTgt spid="3">
                                             <p:txEl>
-                                              <p:pRg st="3" end="3"/>
+                                              <p:pRg st="4" end="4"/>
                                             </p:txEl>
                                           </p:spTgt>
                                         </p:tgtEl>
@@ -12024,7 +11886,7 @@
                                         <p:tgtEl>
                                           <p:spTgt spid="3">
                                             <p:txEl>
-                                              <p:pRg st="5" end="5"/>
+                                              <p:pRg st="6" end="6"/>
                                             </p:txEl>
                                           </p:spTgt>
                                         </p:tgtEl>
@@ -12042,7 +11904,7 @@
                                         <p:tgtEl>
                                           <p:spTgt spid="3">
                                             <p:txEl>
-                                              <p:pRg st="5" end="5"/>
+                                              <p:pRg st="6" end="6"/>
                                             </p:txEl>
                                           </p:spTgt>
                                         </p:tgtEl>

--- a/Presentation.pptx
+++ b/Presentation.pptx
@@ -243,7 +243,7 @@
             <a:fld id="{2280EABA-BA46-4977-A468-5BA52A04D625}" type="datetimeFigureOut">
               <a:rPr lang="en-US" smtClean="0"/>
               <a:pPr/>
-              <a:t>6/12/2015</a:t>
+              <a:t>6/19/2015</a:t>
             </a:fld>
             <a:endParaRPr lang="en-US"/>
           </a:p>
@@ -410,7 +410,7 @@
             <a:fld id="{D9A4A4D6-0EB0-423B-8417-AC0C87E5E672}" type="datetimeFigureOut">
               <a:rPr lang="en-ZA" smtClean="0"/>
               <a:pPr/>
-              <a:t>2015/06/12</a:t>
+              <a:t>2015/06/19</a:t>
             </a:fld>
             <a:endParaRPr lang="en-ZA"/>
           </a:p>
@@ -3121,7 +3121,7 @@
             <a:fld id="{986C9EB5-A2B4-494A-8466-BDB12800E3A8}" type="datetimeFigureOut">
               <a:rPr lang="en-ZA" smtClean="0"/>
               <a:pPr/>
-              <a:t>2015/06/12</a:t>
+              <a:t>2015/06/19</a:t>
             </a:fld>
             <a:endParaRPr lang="en-ZA"/>
           </a:p>
@@ -3317,7 +3317,7 @@
             <a:fld id="{986C9EB5-A2B4-494A-8466-BDB12800E3A8}" type="datetimeFigureOut">
               <a:rPr lang="en-ZA" smtClean="0"/>
               <a:pPr/>
-              <a:t>2015/06/12</a:t>
+              <a:t>2015/06/19</a:t>
             </a:fld>
             <a:endParaRPr lang="en-ZA"/>
           </a:p>
@@ -3530,7 +3530,7 @@
             <a:fld id="{986C9EB5-A2B4-494A-8466-BDB12800E3A8}" type="datetimeFigureOut">
               <a:rPr lang="en-ZA" smtClean="0"/>
               <a:pPr/>
-              <a:t>2015/06/12</a:t>
+              <a:t>2015/06/19</a:t>
             </a:fld>
             <a:endParaRPr lang="en-ZA"/>
           </a:p>
@@ -3809,7 +3809,7 @@
                 </a:solidFill>
               </a:rPr>
               <a:pPr/>
-              <a:t>2015/06/12</a:t>
+              <a:t>2015/06/19</a:t>
             </a:fld>
             <a:endParaRPr lang="en-ZA">
               <a:solidFill>
@@ -4054,7 +4054,7 @@
                 </a:solidFill>
               </a:rPr>
               <a:pPr/>
-              <a:t>2015/06/12</a:t>
+              <a:t>2015/06/19</a:t>
             </a:fld>
             <a:endParaRPr lang="en-ZA" dirty="0">
               <a:solidFill>
@@ -4367,7 +4367,7 @@
                 </a:solidFill>
               </a:rPr>
               <a:pPr/>
-              <a:t>2015/06/12</a:t>
+              <a:t>2015/06/19</a:t>
             </a:fld>
             <a:endParaRPr lang="en-ZA">
               <a:solidFill>
@@ -4701,7 +4701,7 @@
                 </a:solidFill>
               </a:rPr>
               <a:pPr/>
-              <a:t>2015/06/12</a:t>
+              <a:t>2015/06/19</a:t>
             </a:fld>
             <a:endParaRPr lang="en-ZA">
               <a:solidFill>
@@ -5169,7 +5169,7 @@
                 </a:solidFill>
               </a:rPr>
               <a:pPr/>
-              <a:t>2015/06/12</a:t>
+              <a:t>2015/06/19</a:t>
             </a:fld>
             <a:endParaRPr lang="en-ZA">
               <a:solidFill>
@@ -5333,7 +5333,7 @@
                 </a:solidFill>
               </a:rPr>
               <a:pPr/>
-              <a:t>2015/06/12</a:t>
+              <a:t>2015/06/19</a:t>
             </a:fld>
             <a:endParaRPr lang="en-ZA">
               <a:solidFill>
@@ -5481,7 +5481,7 @@
                 </a:solidFill>
               </a:rPr>
               <a:pPr/>
-              <a:t>2015/06/12</a:t>
+              <a:t>2015/06/19</a:t>
             </a:fld>
             <a:endParaRPr lang="en-ZA">
               <a:solidFill>
@@ -5811,7 +5811,7 @@
                 </a:solidFill>
               </a:rPr>
               <a:pPr/>
-              <a:t>2015/06/12</a:t>
+              <a:t>2015/06/19</a:t>
             </a:fld>
             <a:endParaRPr lang="en-ZA">
               <a:solidFill>
@@ -6059,7 +6059,7 @@
             <a:fld id="{986C9EB5-A2B4-494A-8466-BDB12800E3A8}" type="datetimeFigureOut">
               <a:rPr lang="en-ZA" smtClean="0"/>
               <a:pPr/>
-              <a:t>2015/06/12</a:t>
+              <a:t>2015/06/19</a:t>
             </a:fld>
             <a:endParaRPr lang="en-ZA" dirty="0"/>
           </a:p>
@@ -6363,7 +6363,7 @@
                 </a:solidFill>
               </a:rPr>
               <a:pPr/>
-              <a:t>2015/06/12</a:t>
+              <a:t>2015/06/19</a:t>
             </a:fld>
             <a:endParaRPr lang="en-ZA">
               <a:solidFill>
@@ -6586,7 +6586,7 @@
                 </a:solidFill>
               </a:rPr>
               <a:pPr/>
-              <a:t>2015/06/12</a:t>
+              <a:t>2015/06/19</a:t>
             </a:fld>
             <a:endParaRPr lang="en-ZA">
               <a:solidFill>
@@ -6819,7 +6819,7 @@
                 </a:solidFill>
               </a:rPr>
               <a:pPr/>
-              <a:t>2015/06/12</a:t>
+              <a:t>2015/06/19</a:t>
             </a:fld>
             <a:endParaRPr lang="en-ZA">
               <a:solidFill>
@@ -7335,7 +7335,7 @@
             <a:fld id="{986C9EB5-A2B4-494A-8466-BDB12800E3A8}" type="datetimeFigureOut">
               <a:rPr lang="en-ZA" smtClean="0"/>
               <a:pPr/>
-              <a:t>2015/06/12</a:t>
+              <a:t>2015/06/19</a:t>
             </a:fld>
             <a:endParaRPr lang="en-ZA"/>
           </a:p>
@@ -7649,7 +7649,7 @@
             <a:fld id="{986C9EB5-A2B4-494A-8466-BDB12800E3A8}" type="datetimeFigureOut">
               <a:rPr lang="en-ZA" smtClean="0"/>
               <a:pPr/>
-              <a:t>2015/06/12</a:t>
+              <a:t>2015/06/19</a:t>
             </a:fld>
             <a:endParaRPr lang="en-ZA"/>
           </a:p>
@@ -8097,7 +8097,7 @@
             <a:fld id="{986C9EB5-A2B4-494A-8466-BDB12800E3A8}" type="datetimeFigureOut">
               <a:rPr lang="en-ZA" smtClean="0"/>
               <a:pPr/>
-              <a:t>2015/06/12</a:t>
+              <a:t>2015/06/19</a:t>
             </a:fld>
             <a:endParaRPr lang="en-ZA"/>
           </a:p>
@@ -8241,7 +8241,7 @@
             <a:fld id="{986C9EB5-A2B4-494A-8466-BDB12800E3A8}" type="datetimeFigureOut">
               <a:rPr lang="en-ZA" smtClean="0"/>
               <a:pPr/>
-              <a:t>2015/06/12</a:t>
+              <a:t>2015/06/19</a:t>
             </a:fld>
             <a:endParaRPr lang="en-ZA"/>
           </a:p>
@@ -8369,7 +8369,7 @@
             <a:fld id="{986C9EB5-A2B4-494A-8466-BDB12800E3A8}" type="datetimeFigureOut">
               <a:rPr lang="en-ZA" smtClean="0"/>
               <a:pPr/>
-              <a:t>2015/06/12</a:t>
+              <a:t>2015/06/19</a:t>
             </a:fld>
             <a:endParaRPr lang="en-ZA"/>
           </a:p>
@@ -8679,7 +8679,7 @@
             <a:fld id="{986C9EB5-A2B4-494A-8466-BDB12800E3A8}" type="datetimeFigureOut">
               <a:rPr lang="en-ZA" smtClean="0"/>
               <a:pPr/>
-              <a:t>2015/06/12</a:t>
+              <a:t>2015/06/19</a:t>
             </a:fld>
             <a:endParaRPr lang="en-ZA"/>
           </a:p>
@@ -8965,7 +8965,7 @@
             <a:fld id="{986C9EB5-A2B4-494A-8466-BDB12800E3A8}" type="datetimeFigureOut">
               <a:rPr lang="en-ZA" smtClean="0"/>
               <a:pPr/>
-              <a:t>2015/06/12</a:t>
+              <a:t>2015/06/19</a:t>
             </a:fld>
             <a:endParaRPr lang="en-ZA"/>
           </a:p>
@@ -10235,11 +10235,7 @@
           <a:p>
             <a:r>
               <a:rPr lang="en-ZA" dirty="0" smtClean="0"/>
-              <a:t>Known </a:t>
-            </a:r>
-            <a:r>
-              <a:rPr lang="en-ZA" dirty="0" smtClean="0"/>
-              <a:t>By Its Identity</a:t>
+              <a:t>Known By Its Identity</a:t>
             </a:r>
           </a:p>
           <a:p>
@@ -10378,11 +10374,7 @@
           <a:p>
             <a:r>
               <a:rPr lang="en-ZA" dirty="0" smtClean="0"/>
-              <a:t>Known </a:t>
-            </a:r>
-            <a:r>
-              <a:rPr lang="en-ZA" dirty="0" smtClean="0"/>
-              <a:t>By Its Properties</a:t>
+              <a:t>Known By Its Properties</a:t>
             </a:r>
           </a:p>
           <a:p>
@@ -10507,7 +10499,6 @@
               <a:rPr lang="en-ZA" dirty="0" smtClean="0"/>
               <a:t>Boundary</a:t>
             </a:r>
-            <a:endParaRPr lang="en-ZA" dirty="0" smtClean="0"/>
           </a:p>
           <a:p>
             <a:endParaRPr lang="en-ZA" dirty="0" smtClean="0"/>
@@ -10543,9 +10534,182 @@
   <p:timing>
     <p:tnLst>
       <p:par>
-        <p:cTn id="1" dur="indefinite" restart="never" nodeType="tmRoot"/>
+        <p:cTn id="1" dur="indefinite" restart="never" nodeType="tmRoot">
+          <p:childTnLst>
+            <p:seq concurrent="1" nextAc="seek">
+              <p:cTn id="2" dur="indefinite" nodeType="mainSeq">
+                <p:childTnLst>
+                  <p:par>
+                    <p:cTn id="3" fill="hold">
+                      <p:stCondLst>
+                        <p:cond delay="indefinite"/>
+                      </p:stCondLst>
+                      <p:childTnLst>
+                        <p:par>
+                          <p:cTn id="4" fill="hold">
+                            <p:stCondLst>
+                              <p:cond delay="0"/>
+                            </p:stCondLst>
+                            <p:childTnLst>
+                              <p:par>
+                                <p:cTn id="5" presetID="1" presetClass="entr" presetSubtype="0" fill="hold" grpId="0" nodeType="clickEffect">
+                                  <p:stCondLst>
+                                    <p:cond delay="0"/>
+                                  </p:stCondLst>
+                                  <p:childTnLst>
+                                    <p:set>
+                                      <p:cBhvr>
+                                        <p:cTn id="6" dur="1" fill="hold">
+                                          <p:stCondLst>
+                                            <p:cond delay="0"/>
+                                          </p:stCondLst>
+                                        </p:cTn>
+                                        <p:tgtEl>
+                                          <p:spTgt spid="3">
+                                            <p:txEl>
+                                              <p:pRg st="2" end="2"/>
+                                            </p:txEl>
+                                          </p:spTgt>
+                                        </p:tgtEl>
+                                        <p:attrNameLst>
+                                          <p:attrName>style.visibility</p:attrName>
+                                        </p:attrNameLst>
+                                      </p:cBhvr>
+                                      <p:to>
+                                        <p:strVal val="visible"/>
+                                      </p:to>
+                                    </p:set>
+                                  </p:childTnLst>
+                                </p:cTn>
+                              </p:par>
+                            </p:childTnLst>
+                          </p:cTn>
+                        </p:par>
+                      </p:childTnLst>
+                    </p:cTn>
+                  </p:par>
+                  <p:par>
+                    <p:cTn id="7" fill="hold">
+                      <p:stCondLst>
+                        <p:cond delay="indefinite"/>
+                      </p:stCondLst>
+                      <p:childTnLst>
+                        <p:par>
+                          <p:cTn id="8" fill="hold">
+                            <p:stCondLst>
+                              <p:cond delay="0"/>
+                            </p:stCondLst>
+                            <p:childTnLst>
+                              <p:par>
+                                <p:cTn id="9" presetID="1" presetClass="entr" presetSubtype="0" fill="hold" grpId="0" nodeType="clickEffect">
+                                  <p:stCondLst>
+                                    <p:cond delay="0"/>
+                                  </p:stCondLst>
+                                  <p:childTnLst>
+                                    <p:set>
+                                      <p:cBhvr>
+                                        <p:cTn id="10" dur="1" fill="hold">
+                                          <p:stCondLst>
+                                            <p:cond delay="0"/>
+                                          </p:stCondLst>
+                                        </p:cTn>
+                                        <p:tgtEl>
+                                          <p:spTgt spid="3">
+                                            <p:txEl>
+                                              <p:pRg st="4" end="4"/>
+                                            </p:txEl>
+                                          </p:spTgt>
+                                        </p:tgtEl>
+                                        <p:attrNameLst>
+                                          <p:attrName>style.visibility</p:attrName>
+                                        </p:attrNameLst>
+                                      </p:cBhvr>
+                                      <p:to>
+                                        <p:strVal val="visible"/>
+                                      </p:to>
+                                    </p:set>
+                                  </p:childTnLst>
+                                </p:cTn>
+                              </p:par>
+                            </p:childTnLst>
+                          </p:cTn>
+                        </p:par>
+                      </p:childTnLst>
+                    </p:cTn>
+                  </p:par>
+                  <p:par>
+                    <p:cTn id="11" fill="hold">
+                      <p:stCondLst>
+                        <p:cond delay="indefinite"/>
+                      </p:stCondLst>
+                      <p:childTnLst>
+                        <p:par>
+                          <p:cTn id="12" fill="hold">
+                            <p:stCondLst>
+                              <p:cond delay="0"/>
+                            </p:stCondLst>
+                            <p:childTnLst>
+                              <p:par>
+                                <p:cTn id="13" presetID="1" presetClass="entr" presetSubtype="0" fill="hold" grpId="0" nodeType="clickEffect">
+                                  <p:stCondLst>
+                                    <p:cond delay="0"/>
+                                  </p:stCondLst>
+                                  <p:childTnLst>
+                                    <p:set>
+                                      <p:cBhvr>
+                                        <p:cTn id="14" dur="1" fill="hold">
+                                          <p:stCondLst>
+                                            <p:cond delay="0"/>
+                                          </p:stCondLst>
+                                        </p:cTn>
+                                        <p:tgtEl>
+                                          <p:spTgt spid="3">
+                                            <p:txEl>
+                                              <p:pRg st="6" end="6"/>
+                                            </p:txEl>
+                                          </p:spTgt>
+                                        </p:tgtEl>
+                                        <p:attrNameLst>
+                                          <p:attrName>style.visibility</p:attrName>
+                                        </p:attrNameLst>
+                                      </p:cBhvr>
+                                      <p:to>
+                                        <p:strVal val="visible"/>
+                                      </p:to>
+                                    </p:set>
+                                  </p:childTnLst>
+                                </p:cTn>
+                              </p:par>
+                            </p:childTnLst>
+                          </p:cTn>
+                        </p:par>
+                      </p:childTnLst>
+                    </p:cTn>
+                  </p:par>
+                </p:childTnLst>
+              </p:cTn>
+              <p:prevCondLst>
+                <p:cond evt="onPrev" delay="0">
+                  <p:tgtEl>
+                    <p:sldTgt/>
+                  </p:tgtEl>
+                </p:cond>
+              </p:prevCondLst>
+              <p:nextCondLst>
+                <p:cond evt="onNext" delay="0">
+                  <p:tgtEl>
+                    <p:sldTgt/>
+                  </p:tgtEl>
+                </p:cond>
+              </p:nextCondLst>
+            </p:seq>
+          </p:childTnLst>
+        </p:cTn>
       </p:par>
     </p:tnLst>
+    <p:bldLst>
+      <p:bldP spid="3" grpId="0" build="p"/>
+    </p:bldLst>
   </p:timing>
 </p:sld>
 </file>
@@ -11685,11 +11849,7 @@
           <a:p>
             <a:r>
               <a:rPr lang="en-US" dirty="0" smtClean="0"/>
-              <a:t>Modelling </a:t>
-            </a:r>
-            <a:r>
-              <a:rPr lang="en-US" dirty="0" smtClean="0"/>
-              <a:t>Out Loud</a:t>
+              <a:t>Modelling Out Loud</a:t>
             </a:r>
           </a:p>
           <a:p>

--- a/Presentation.pptx
+++ b/Presentation.pptx
@@ -243,7 +243,7 @@
             <a:fld id="{2280EABA-BA46-4977-A468-5BA52A04D625}" type="datetimeFigureOut">
               <a:rPr lang="en-US" smtClean="0"/>
               <a:pPr/>
-              <a:t>6/19/2015</a:t>
+              <a:t>9/17/2015</a:t>
             </a:fld>
             <a:endParaRPr lang="en-US"/>
           </a:p>
@@ -410,7 +410,7 @@
             <a:fld id="{D9A4A4D6-0EB0-423B-8417-AC0C87E5E672}" type="datetimeFigureOut">
               <a:rPr lang="en-ZA" smtClean="0"/>
               <a:pPr/>
-              <a:t>2015/06/19</a:t>
+              <a:t>2015-09-17</a:t>
             </a:fld>
             <a:endParaRPr lang="en-ZA"/>
           </a:p>
@@ -3121,7 +3121,7 @@
             <a:fld id="{986C9EB5-A2B4-494A-8466-BDB12800E3A8}" type="datetimeFigureOut">
               <a:rPr lang="en-ZA" smtClean="0"/>
               <a:pPr/>
-              <a:t>2015/06/19</a:t>
+              <a:t>2015-09-17</a:t>
             </a:fld>
             <a:endParaRPr lang="en-ZA"/>
           </a:p>
@@ -3317,7 +3317,7 @@
             <a:fld id="{986C9EB5-A2B4-494A-8466-BDB12800E3A8}" type="datetimeFigureOut">
               <a:rPr lang="en-ZA" smtClean="0"/>
               <a:pPr/>
-              <a:t>2015/06/19</a:t>
+              <a:t>2015-09-17</a:t>
             </a:fld>
             <a:endParaRPr lang="en-ZA"/>
           </a:p>
@@ -3530,7 +3530,7 @@
             <a:fld id="{986C9EB5-A2B4-494A-8466-BDB12800E3A8}" type="datetimeFigureOut">
               <a:rPr lang="en-ZA" smtClean="0"/>
               <a:pPr/>
-              <a:t>2015/06/19</a:t>
+              <a:t>2015-09-17</a:t>
             </a:fld>
             <a:endParaRPr lang="en-ZA"/>
           </a:p>
@@ -3809,7 +3809,7 @@
                 </a:solidFill>
               </a:rPr>
               <a:pPr/>
-              <a:t>2015/06/19</a:t>
+              <a:t>2015-09-17</a:t>
             </a:fld>
             <a:endParaRPr lang="en-ZA">
               <a:solidFill>
@@ -4054,7 +4054,7 @@
                 </a:solidFill>
               </a:rPr>
               <a:pPr/>
-              <a:t>2015/06/19</a:t>
+              <a:t>2015-09-17</a:t>
             </a:fld>
             <a:endParaRPr lang="en-ZA" dirty="0">
               <a:solidFill>
@@ -4367,7 +4367,7 @@
                 </a:solidFill>
               </a:rPr>
               <a:pPr/>
-              <a:t>2015/06/19</a:t>
+              <a:t>2015-09-17</a:t>
             </a:fld>
             <a:endParaRPr lang="en-ZA">
               <a:solidFill>
@@ -4701,7 +4701,7 @@
                 </a:solidFill>
               </a:rPr>
               <a:pPr/>
-              <a:t>2015/06/19</a:t>
+              <a:t>2015-09-17</a:t>
             </a:fld>
             <a:endParaRPr lang="en-ZA">
               <a:solidFill>
@@ -5169,7 +5169,7 @@
                 </a:solidFill>
               </a:rPr>
               <a:pPr/>
-              <a:t>2015/06/19</a:t>
+              <a:t>2015-09-17</a:t>
             </a:fld>
             <a:endParaRPr lang="en-ZA">
               <a:solidFill>
@@ -5333,7 +5333,7 @@
                 </a:solidFill>
               </a:rPr>
               <a:pPr/>
-              <a:t>2015/06/19</a:t>
+              <a:t>2015-09-17</a:t>
             </a:fld>
             <a:endParaRPr lang="en-ZA">
               <a:solidFill>
@@ -5481,7 +5481,7 @@
                 </a:solidFill>
               </a:rPr>
               <a:pPr/>
-              <a:t>2015/06/19</a:t>
+              <a:t>2015-09-17</a:t>
             </a:fld>
             <a:endParaRPr lang="en-ZA">
               <a:solidFill>
@@ -5811,7 +5811,7 @@
                 </a:solidFill>
               </a:rPr>
               <a:pPr/>
-              <a:t>2015/06/19</a:t>
+              <a:t>2015-09-17</a:t>
             </a:fld>
             <a:endParaRPr lang="en-ZA">
               <a:solidFill>
@@ -6059,7 +6059,7 @@
             <a:fld id="{986C9EB5-A2B4-494A-8466-BDB12800E3A8}" type="datetimeFigureOut">
               <a:rPr lang="en-ZA" smtClean="0"/>
               <a:pPr/>
-              <a:t>2015/06/19</a:t>
+              <a:t>2015-09-17</a:t>
             </a:fld>
             <a:endParaRPr lang="en-ZA" dirty="0"/>
           </a:p>
@@ -6363,7 +6363,7 @@
                 </a:solidFill>
               </a:rPr>
               <a:pPr/>
-              <a:t>2015/06/19</a:t>
+              <a:t>2015-09-17</a:t>
             </a:fld>
             <a:endParaRPr lang="en-ZA">
               <a:solidFill>
@@ -6586,7 +6586,7 @@
                 </a:solidFill>
               </a:rPr>
               <a:pPr/>
-              <a:t>2015/06/19</a:t>
+              <a:t>2015-09-17</a:t>
             </a:fld>
             <a:endParaRPr lang="en-ZA">
               <a:solidFill>
@@ -6819,7 +6819,7 @@
                 </a:solidFill>
               </a:rPr>
               <a:pPr/>
-              <a:t>2015/06/19</a:t>
+              <a:t>2015-09-17</a:t>
             </a:fld>
             <a:endParaRPr lang="en-ZA">
               <a:solidFill>
@@ -7335,7 +7335,7 @@
             <a:fld id="{986C9EB5-A2B4-494A-8466-BDB12800E3A8}" type="datetimeFigureOut">
               <a:rPr lang="en-ZA" smtClean="0"/>
               <a:pPr/>
-              <a:t>2015/06/19</a:t>
+              <a:t>2015-09-17</a:t>
             </a:fld>
             <a:endParaRPr lang="en-ZA"/>
           </a:p>
@@ -7649,7 +7649,7 @@
             <a:fld id="{986C9EB5-A2B4-494A-8466-BDB12800E3A8}" type="datetimeFigureOut">
               <a:rPr lang="en-ZA" smtClean="0"/>
               <a:pPr/>
-              <a:t>2015/06/19</a:t>
+              <a:t>2015-09-17</a:t>
             </a:fld>
             <a:endParaRPr lang="en-ZA"/>
           </a:p>
@@ -8097,7 +8097,7 @@
             <a:fld id="{986C9EB5-A2B4-494A-8466-BDB12800E3A8}" type="datetimeFigureOut">
               <a:rPr lang="en-ZA" smtClean="0"/>
               <a:pPr/>
-              <a:t>2015/06/19</a:t>
+              <a:t>2015-09-17</a:t>
             </a:fld>
             <a:endParaRPr lang="en-ZA"/>
           </a:p>
@@ -8241,7 +8241,7 @@
             <a:fld id="{986C9EB5-A2B4-494A-8466-BDB12800E3A8}" type="datetimeFigureOut">
               <a:rPr lang="en-ZA" smtClean="0"/>
               <a:pPr/>
-              <a:t>2015/06/19</a:t>
+              <a:t>2015-09-17</a:t>
             </a:fld>
             <a:endParaRPr lang="en-ZA"/>
           </a:p>
@@ -8369,7 +8369,7 @@
             <a:fld id="{986C9EB5-A2B4-494A-8466-BDB12800E3A8}" type="datetimeFigureOut">
               <a:rPr lang="en-ZA" smtClean="0"/>
               <a:pPr/>
-              <a:t>2015/06/19</a:t>
+              <a:t>2015-09-17</a:t>
             </a:fld>
             <a:endParaRPr lang="en-ZA"/>
           </a:p>
@@ -8679,7 +8679,7 @@
             <a:fld id="{986C9EB5-A2B4-494A-8466-BDB12800E3A8}" type="datetimeFigureOut">
               <a:rPr lang="en-ZA" smtClean="0"/>
               <a:pPr/>
-              <a:t>2015/06/19</a:t>
+              <a:t>2015-09-17</a:t>
             </a:fld>
             <a:endParaRPr lang="en-ZA"/>
           </a:p>
@@ -8965,7 +8965,7 @@
             <a:fld id="{986C9EB5-A2B4-494A-8466-BDB12800E3A8}" type="datetimeFigureOut">
               <a:rPr lang="en-ZA" smtClean="0"/>
               <a:pPr/>
-              <a:t>2015/06/19</a:t>
+              <a:t>2015-09-17</a:t>
             </a:fld>
             <a:endParaRPr lang="en-ZA"/>
           </a:p>
@@ -10110,7 +10110,7 @@
                 <a:latin typeface="Arial" pitchFamily="34" charset="0"/>
                 <a:cs typeface="Arial" pitchFamily="34" charset="0"/>
               </a:rPr>
-              <a:t>April 2015 </a:t>
+              <a:t> </a:t>
             </a:r>
             <a:endParaRPr sz="1800" b="0" dirty="0">
               <a:solidFill>
